--- a/presentation/phs_stroke_presentation.pptx
+++ b/presentation/phs_stroke_presentation.pptx
@@ -5,7 +5,7 @@
     <p:sldMasterId id="2147483660" r:id="rId1"/>
   </p:sldMasterIdLst>
   <p:notesMasterIdLst>
-    <p:notesMasterId r:id="rId22"/>
+    <p:notesMasterId r:id="rId23"/>
   </p:notesMasterIdLst>
   <p:sldIdLst>
     <p:sldId id="256" r:id="rId2"/>
@@ -17,17 +17,18 @@
     <p:sldId id="263" r:id="rId8"/>
     <p:sldId id="264" r:id="rId9"/>
     <p:sldId id="268" r:id="rId10"/>
-    <p:sldId id="265" r:id="rId11"/>
-    <p:sldId id="266" r:id="rId12"/>
-    <p:sldId id="267" r:id="rId13"/>
-    <p:sldId id="269" r:id="rId14"/>
-    <p:sldId id="270" r:id="rId15"/>
-    <p:sldId id="275" r:id="rId16"/>
-    <p:sldId id="271" r:id="rId17"/>
-    <p:sldId id="272" r:id="rId18"/>
-    <p:sldId id="262" r:id="rId19"/>
-    <p:sldId id="273" r:id="rId20"/>
+    <p:sldId id="280" r:id="rId11"/>
+    <p:sldId id="265" r:id="rId12"/>
+    <p:sldId id="281" r:id="rId13"/>
+    <p:sldId id="279" r:id="rId14"/>
+    <p:sldId id="267" r:id="rId15"/>
+    <p:sldId id="276" r:id="rId16"/>
+    <p:sldId id="277" r:id="rId17"/>
+    <p:sldId id="262" r:id="rId18"/>
+    <p:sldId id="273" r:id="rId19"/>
+    <p:sldId id="282" r:id="rId20"/>
     <p:sldId id="274" r:id="rId21"/>
+    <p:sldId id="278" r:id="rId22"/>
   </p:sldIdLst>
   <p:sldSz cx="12192000" cy="6858000"/>
   <p:notesSz cx="6858000" cy="9144000"/>
@@ -698,6 +699,90 @@
     <p:extLst>
       <p:ext uri="{BB962C8B-B14F-4D97-AF65-F5344CB8AC3E}">
         <p14:creationId xmlns:p14="http://schemas.microsoft.com/office/powerpoint/2010/main" val="2560325322"/>
+      </p:ext>
+    </p:extLst>
+  </p:cSld>
+  <p:clrMapOvr>
+    <a:masterClrMapping/>
+  </p:clrMapOvr>
+</p:notes>
+</file>
+
+<file path=ppt/notesSlides/notesSlide3.xml><?xml version="1.0" encoding="utf-8"?>
+<p:notes xmlns:a="http://schemas.openxmlformats.org/drawingml/2006/main" xmlns:r="http://schemas.openxmlformats.org/officeDocument/2006/relationships" xmlns:p="http://schemas.openxmlformats.org/presentationml/2006/main">
+  <p:cSld>
+    <p:spTree>
+      <p:nvGrpSpPr>
+        <p:cNvPr id="1" name=""/>
+        <p:cNvGrpSpPr/>
+        <p:nvPr/>
+      </p:nvGrpSpPr>
+      <p:grpSpPr>
+        <a:xfrm>
+          <a:off x="0" y="0"/>
+          <a:ext cx="0" cy="0"/>
+          <a:chOff x="0" y="0"/>
+          <a:chExt cx="0" cy="0"/>
+        </a:xfrm>
+      </p:grpSpPr>
+      <p:sp>
+        <p:nvSpPr>
+          <p:cNvPr id="2" name="Slide Image Placeholder 1"/>
+          <p:cNvSpPr>
+            <a:spLocks noGrp="1" noRot="1" noChangeAspect="1"/>
+          </p:cNvSpPr>
+          <p:nvPr>
+            <p:ph type="sldImg"/>
+          </p:nvPr>
+        </p:nvSpPr>
+        <p:spPr/>
+      </p:sp>
+      <p:sp>
+        <p:nvSpPr>
+          <p:cNvPr id="3" name="Notes Placeholder 2"/>
+          <p:cNvSpPr>
+            <a:spLocks noGrp="1"/>
+          </p:cNvSpPr>
+          <p:nvPr>
+            <p:ph type="body" idx="1"/>
+          </p:nvPr>
+        </p:nvSpPr>
+        <p:spPr/>
+        <p:txBody>
+          <a:bodyPr/>
+          <a:lstStyle/>
+          <a:p>
+            <a:endParaRPr lang="en-US" dirty="0"/>
+          </a:p>
+        </p:txBody>
+      </p:sp>
+      <p:sp>
+        <p:nvSpPr>
+          <p:cNvPr id="4" name="Slide Number Placeholder 3"/>
+          <p:cNvSpPr>
+            <a:spLocks noGrp="1"/>
+          </p:cNvSpPr>
+          <p:nvPr>
+            <p:ph type="sldNum" sz="quarter" idx="5"/>
+          </p:nvPr>
+        </p:nvSpPr>
+        <p:spPr/>
+        <p:txBody>
+          <a:bodyPr/>
+          <a:lstStyle/>
+          <a:p>
+            <a:fld id="{D13304AD-2B04-8F47-B241-50EC441111BE}" type="slidenum">
+              <a:rPr lang="en-US" smtClean="0"/>
+              <a:t>14</a:t>
+            </a:fld>
+            <a:endParaRPr lang="en-US"/>
+          </a:p>
+        </p:txBody>
+      </p:sp>
+    </p:spTree>
+    <p:extLst>
+      <p:ext uri="{BB962C8B-B14F-4D97-AF65-F5344CB8AC3E}">
+        <p14:creationId xmlns:p14="http://schemas.microsoft.com/office/powerpoint/2010/main" val="4209398640"/>
       </p:ext>
     </p:extLst>
   </p:cSld>
@@ -3651,7 +3736,7 @@
           <p:cNvPr id="2" name="Title 1">
             <a:extLst>
               <a:ext uri="{FF2B5EF4-FFF2-40B4-BE49-F238E27FC236}">
-                <a16:creationId xmlns:a16="http://schemas.microsoft.com/office/drawing/2014/main" id="{9A098767-B731-82AA-1031-98480273B4F8}"/>
+                <a16:creationId xmlns:a16="http://schemas.microsoft.com/office/drawing/2014/main" id="{9A5E8903-90A8-9616-628B-4D3A9492733C}"/>
               </a:ext>
             </a:extLst>
           </p:cNvPr>
@@ -3668,16 +3753,9 @@
           <a:lstStyle/>
           <a:p>
             <a:r>
-              <a:rPr lang="en-GB" b="1" dirty="0">
-                <a:solidFill>
-                  <a:srgbClr val="000000"/>
-                </a:solidFill>
-                <a:effectLst/>
-                <a:latin typeface="Helvetica Neue" panose="02000503000000020004" pitchFamily="2" charset="0"/>
-              </a:rPr>
-              <a:t>Health Board Information</a:t>
-            </a:r>
-            <a:endParaRPr lang="en-US" dirty="0"/>
+              <a:rPr lang="en-US" dirty="0"/>
+              <a:t>Mortality by sex</a:t>
+            </a:r>
           </a:p>
         </p:txBody>
       </p:sp>
@@ -3686,7 +3764,7 @@
           <p:cNvPr id="3" name="Content Placeholder 2">
             <a:extLst>
               <a:ext uri="{FF2B5EF4-FFF2-40B4-BE49-F238E27FC236}">
-                <a16:creationId xmlns:a16="http://schemas.microsoft.com/office/drawing/2014/main" id="{57ED7C5E-FF61-13C5-5DB1-A152DA736EF8}"/>
+                <a16:creationId xmlns:a16="http://schemas.microsoft.com/office/drawing/2014/main" id="{1B88B75E-7526-61A3-03B6-00E313E044B1}"/>
               </a:ext>
             </a:extLst>
           </p:cNvPr>
@@ -3702,46 +3780,47 @@
           <a:bodyPr/>
           <a:lstStyle/>
           <a:p>
-            <a:pPr>
-              <a:buFont typeface="Arial" panose="020B0604020202020204" pitchFamily="34" charset="0"/>
-              <a:buChar char="•"/>
-            </a:pPr>
-            <a:r>
-              <a:rPr lang="en-GB" dirty="0">
-                <a:solidFill>
-                  <a:srgbClr val="000000"/>
-                </a:solidFill>
-                <a:effectLst/>
-                <a:latin typeface="Helvetica Neue" panose="02000503000000020004" pitchFamily="2" charset="0"/>
-              </a:rPr>
-              <a:t>Health board size</a:t>
-            </a:r>
-          </a:p>
-          <a:p>
-            <a:pPr>
-              <a:buFont typeface="Arial" panose="020B0604020202020204" pitchFamily="34" charset="0"/>
-              <a:buChar char="•"/>
-            </a:pPr>
-            <a:r>
-              <a:rPr lang="en-GB" dirty="0">
-                <a:solidFill>
-                  <a:srgbClr val="000000"/>
-                </a:solidFill>
-                <a:effectLst/>
-                <a:latin typeface="Helvetica Neue" panose="02000503000000020004" pitchFamily="2" charset="0"/>
-              </a:rPr>
-              <a:t>Health board population age distribution</a:t>
-            </a:r>
-          </a:p>
-          <a:p>
-            <a:endParaRPr lang="en-US" dirty="0"/>
-          </a:p>
-        </p:txBody>
-      </p:sp>
+            <a:r>
+              <a:rPr lang="en-US" dirty="0"/>
+              <a:t>Shows pronounced spike in number of deaths for men in 2020. Not sure if this is interesting enough to spend time on. </a:t>
+            </a:r>
+          </a:p>
+        </p:txBody>
+      </p:sp>
+      <p:pic>
+        <p:nvPicPr>
+          <p:cNvPr id="4" name="Picture 3">
+            <a:extLst>
+              <a:ext uri="{FF2B5EF4-FFF2-40B4-BE49-F238E27FC236}">
+                <a16:creationId xmlns:a16="http://schemas.microsoft.com/office/drawing/2014/main" id="{FF8C2F8B-50E1-54C6-B24C-E4E93677A0CC}"/>
+              </a:ext>
+            </a:extLst>
+          </p:cNvPr>
+          <p:cNvPicPr>
+            <a:picLocks noChangeAspect="1"/>
+          </p:cNvPicPr>
+          <p:nvPr/>
+        </p:nvPicPr>
+        <p:blipFill>
+          <a:blip r:embed="rId2"/>
+          <a:stretch>
+            <a:fillRect/>
+          </a:stretch>
+        </p:blipFill>
+        <p:spPr>
+          <a:xfrm>
+            <a:off x="2759528" y="2591576"/>
+            <a:ext cx="6672943" cy="4125286"/>
+          </a:xfrm>
+          <a:prstGeom prst="rect">
+            <a:avLst/>
+          </a:prstGeom>
+        </p:spPr>
+      </p:pic>
     </p:spTree>
     <p:extLst>
       <p:ext uri="{BB962C8B-B14F-4D97-AF65-F5344CB8AC3E}">
-        <p14:creationId xmlns:p14="http://schemas.microsoft.com/office/powerpoint/2010/main" val="366657298"/>
+        <p14:creationId xmlns:p14="http://schemas.microsoft.com/office/powerpoint/2010/main" val="3072391119"/>
       </p:ext>
     </p:extLst>
   </p:cSld>
@@ -3773,7 +3852,7 @@
           <p:cNvPr id="2" name="Title 1">
             <a:extLst>
               <a:ext uri="{FF2B5EF4-FFF2-40B4-BE49-F238E27FC236}">
-                <a16:creationId xmlns:a16="http://schemas.microsoft.com/office/drawing/2014/main" id="{6F5039F4-194F-64D0-E273-627A29338041}"/>
+                <a16:creationId xmlns:a16="http://schemas.microsoft.com/office/drawing/2014/main" id="{9A098767-B731-82AA-1031-98480273B4F8}"/>
               </a:ext>
             </a:extLst>
           </p:cNvPr>
@@ -3797,7 +3876,7 @@
                 <a:effectLst/>
                 <a:latin typeface="Helvetica Neue" panose="02000503000000020004" pitchFamily="2" charset="0"/>
               </a:rPr>
-              <a:t>Diagnosis by Health Board</a:t>
+              <a:t>Health Board Information</a:t>
             </a:r>
             <a:endParaRPr lang="en-US" dirty="0"/>
           </a:p>
@@ -3808,7 +3887,7 @@
           <p:cNvPr id="3" name="Content Placeholder 2">
             <a:extLst>
               <a:ext uri="{FF2B5EF4-FFF2-40B4-BE49-F238E27FC236}">
-                <a16:creationId xmlns:a16="http://schemas.microsoft.com/office/drawing/2014/main" id="{9833E721-BE62-1509-6085-0B015D6BC26A}"/>
+                <a16:creationId xmlns:a16="http://schemas.microsoft.com/office/drawing/2014/main" id="{57ED7C5E-FF61-13C5-5DB1-A152DA736EF8}"/>
               </a:ext>
             </a:extLst>
           </p:cNvPr>
@@ -3836,7 +3915,7 @@
                 <a:effectLst/>
                 <a:latin typeface="Helvetica Neue" panose="02000503000000020004" pitchFamily="2" charset="0"/>
               </a:rPr>
-              <a:t>I don’t think there is anything interesting to say about this. </a:t>
+              <a:t>Health board size</a:t>
             </a:r>
           </a:p>
           <a:p>
@@ -3852,27 +3931,7 @@
                 <a:effectLst/>
                 <a:latin typeface="Helvetica Neue" panose="02000503000000020004" pitchFamily="2" charset="0"/>
               </a:rPr>
-              <a:t>Perhaps we could look at what discharges are doing in different health boards </a:t>
-            </a:r>
-            <a:r>
-              <a:rPr lang="en-GB" dirty="0" err="1">
-                <a:solidFill>
-                  <a:srgbClr val="000000"/>
-                </a:solidFill>
-                <a:effectLst/>
-                <a:latin typeface="Helvetica Neue" panose="02000503000000020004" pitchFamily="2" charset="0"/>
-              </a:rPr>
-              <a:t>eg</a:t>
-            </a:r>
-            <a:r>
-              <a:rPr lang="en-GB" dirty="0">
-                <a:solidFill>
-                  <a:srgbClr val="000000"/>
-                </a:solidFill>
-                <a:effectLst/>
-                <a:latin typeface="Helvetica Neue" panose="02000503000000020004" pitchFamily="2" charset="0"/>
-              </a:rPr>
-              <a:t> up down static </a:t>
+              <a:t>Health board population age distribution</a:t>
             </a:r>
           </a:p>
           <a:p>
@@ -3882,10 +3941,10 @@
       </p:sp>
       <p:pic>
         <p:nvPicPr>
-          <p:cNvPr id="7" name="Picture 6">
+          <p:cNvPr id="4" name="Picture 3">
             <a:extLst>
               <a:ext uri="{FF2B5EF4-FFF2-40B4-BE49-F238E27FC236}">
-                <a16:creationId xmlns:a16="http://schemas.microsoft.com/office/drawing/2014/main" id="{480E1DC1-F622-B108-454E-7345FA736065}"/>
+                <a16:creationId xmlns:a16="http://schemas.microsoft.com/office/drawing/2014/main" id="{1F31CB3E-80F8-C0B9-7ABC-CBA394EAA777}"/>
               </a:ext>
             </a:extLst>
           </p:cNvPr>
@@ -3902,18 +3961,270 @@
         </p:blipFill>
         <p:spPr>
           <a:xfrm>
-            <a:off x="6275324" y="3206909"/>
-            <a:ext cx="5308600" cy="3285964"/>
+            <a:off x="134258" y="3062515"/>
+            <a:ext cx="6137175" cy="3795486"/>
           </a:xfrm>
           <a:prstGeom prst="rect">
             <a:avLst/>
           </a:prstGeom>
         </p:spPr>
       </p:pic>
+      <p:sp>
+        <p:nvSpPr>
+          <p:cNvPr id="5" name="Content Placeholder 2">
+            <a:extLst>
+              <a:ext uri="{FF2B5EF4-FFF2-40B4-BE49-F238E27FC236}">
+                <a16:creationId xmlns:a16="http://schemas.microsoft.com/office/drawing/2014/main" id="{35F90E7F-C37E-0DC8-85EF-EECB6337A099}"/>
+              </a:ext>
+            </a:extLst>
+          </p:cNvPr>
+          <p:cNvSpPr txBox="1">
+            <a:spLocks/>
+          </p:cNvSpPr>
+          <p:nvPr/>
+        </p:nvSpPr>
+        <p:spPr>
+          <a:xfrm>
+            <a:off x="6720115" y="3062515"/>
+            <a:ext cx="4916714" cy="2900363"/>
+          </a:xfrm>
+          <a:prstGeom prst="rect">
+            <a:avLst/>
+          </a:prstGeom>
+        </p:spPr>
+        <p:txBody>
+          <a:bodyPr vert="horz" lIns="91440" tIns="45720" rIns="91440" bIns="45720" rtlCol="0">
+            <a:normAutofit/>
+          </a:bodyPr>
+          <a:lstStyle>
+            <a:lvl1pPr marL="228600" indent="-228600" algn="l" defTabSz="914400" rtl="0" eaLnBrk="1" latinLnBrk="0" hangingPunct="1">
+              <a:lnSpc>
+                <a:spcPct val="90000"/>
+              </a:lnSpc>
+              <a:spcBef>
+                <a:spcPts val="1000"/>
+              </a:spcBef>
+              <a:buFont typeface="Arial" panose="020B0604020202020204" pitchFamily="34" charset="0"/>
+              <a:buChar char="•"/>
+              <a:defRPr sz="2800" kern="1200">
+                <a:solidFill>
+                  <a:schemeClr val="tx1"/>
+                </a:solidFill>
+                <a:latin typeface="+mn-lt"/>
+                <a:ea typeface="+mn-ea"/>
+                <a:cs typeface="+mn-cs"/>
+              </a:defRPr>
+            </a:lvl1pPr>
+            <a:lvl2pPr marL="685800" indent="-228600" algn="l" defTabSz="914400" rtl="0" eaLnBrk="1" latinLnBrk="0" hangingPunct="1">
+              <a:lnSpc>
+                <a:spcPct val="90000"/>
+              </a:lnSpc>
+              <a:spcBef>
+                <a:spcPts val="500"/>
+              </a:spcBef>
+              <a:buFont typeface="Arial" panose="020B0604020202020204" pitchFamily="34" charset="0"/>
+              <a:buChar char="•"/>
+              <a:defRPr sz="2400" kern="1200">
+                <a:solidFill>
+                  <a:schemeClr val="tx1"/>
+                </a:solidFill>
+                <a:latin typeface="+mn-lt"/>
+                <a:ea typeface="+mn-ea"/>
+                <a:cs typeface="+mn-cs"/>
+              </a:defRPr>
+            </a:lvl2pPr>
+            <a:lvl3pPr marL="1143000" indent="-228600" algn="l" defTabSz="914400" rtl="0" eaLnBrk="1" latinLnBrk="0" hangingPunct="1">
+              <a:lnSpc>
+                <a:spcPct val="90000"/>
+              </a:lnSpc>
+              <a:spcBef>
+                <a:spcPts val="500"/>
+              </a:spcBef>
+              <a:buFont typeface="Arial" panose="020B0604020202020204" pitchFamily="34" charset="0"/>
+              <a:buChar char="•"/>
+              <a:defRPr sz="2000" kern="1200">
+                <a:solidFill>
+                  <a:schemeClr val="tx1"/>
+                </a:solidFill>
+                <a:latin typeface="+mn-lt"/>
+                <a:ea typeface="+mn-ea"/>
+                <a:cs typeface="+mn-cs"/>
+              </a:defRPr>
+            </a:lvl3pPr>
+            <a:lvl4pPr marL="1600200" indent="-228600" algn="l" defTabSz="914400" rtl="0" eaLnBrk="1" latinLnBrk="0" hangingPunct="1">
+              <a:lnSpc>
+                <a:spcPct val="90000"/>
+              </a:lnSpc>
+              <a:spcBef>
+                <a:spcPts val="500"/>
+              </a:spcBef>
+              <a:buFont typeface="Arial" panose="020B0604020202020204" pitchFamily="34" charset="0"/>
+              <a:buChar char="•"/>
+              <a:defRPr sz="1800" kern="1200">
+                <a:solidFill>
+                  <a:schemeClr val="tx1"/>
+                </a:solidFill>
+                <a:latin typeface="+mn-lt"/>
+                <a:ea typeface="+mn-ea"/>
+                <a:cs typeface="+mn-cs"/>
+              </a:defRPr>
+            </a:lvl4pPr>
+            <a:lvl5pPr marL="2057400" indent="-228600" algn="l" defTabSz="914400" rtl="0" eaLnBrk="1" latinLnBrk="0" hangingPunct="1">
+              <a:lnSpc>
+                <a:spcPct val="90000"/>
+              </a:lnSpc>
+              <a:spcBef>
+                <a:spcPts val="500"/>
+              </a:spcBef>
+              <a:buFont typeface="Arial" panose="020B0604020202020204" pitchFamily="34" charset="0"/>
+              <a:buChar char="•"/>
+              <a:defRPr sz="1800" kern="1200">
+                <a:solidFill>
+                  <a:schemeClr val="tx1"/>
+                </a:solidFill>
+                <a:latin typeface="+mn-lt"/>
+                <a:ea typeface="+mn-ea"/>
+                <a:cs typeface="+mn-cs"/>
+              </a:defRPr>
+            </a:lvl5pPr>
+            <a:lvl6pPr marL="2514600" indent="-228600" algn="l" defTabSz="914400" rtl="0" eaLnBrk="1" latinLnBrk="0" hangingPunct="1">
+              <a:lnSpc>
+                <a:spcPct val="90000"/>
+              </a:lnSpc>
+              <a:spcBef>
+                <a:spcPts val="500"/>
+              </a:spcBef>
+              <a:buFont typeface="Arial" panose="020B0604020202020204" pitchFamily="34" charset="0"/>
+              <a:buChar char="•"/>
+              <a:defRPr sz="1800" kern="1200">
+                <a:solidFill>
+                  <a:schemeClr val="tx1"/>
+                </a:solidFill>
+                <a:latin typeface="+mn-lt"/>
+                <a:ea typeface="+mn-ea"/>
+                <a:cs typeface="+mn-cs"/>
+              </a:defRPr>
+            </a:lvl6pPr>
+            <a:lvl7pPr marL="2971800" indent="-228600" algn="l" defTabSz="914400" rtl="0" eaLnBrk="1" latinLnBrk="0" hangingPunct="1">
+              <a:lnSpc>
+                <a:spcPct val="90000"/>
+              </a:lnSpc>
+              <a:spcBef>
+                <a:spcPts val="500"/>
+              </a:spcBef>
+              <a:buFont typeface="Arial" panose="020B0604020202020204" pitchFamily="34" charset="0"/>
+              <a:buChar char="•"/>
+              <a:defRPr sz="1800" kern="1200">
+                <a:solidFill>
+                  <a:schemeClr val="tx1"/>
+                </a:solidFill>
+                <a:latin typeface="+mn-lt"/>
+                <a:ea typeface="+mn-ea"/>
+                <a:cs typeface="+mn-cs"/>
+              </a:defRPr>
+            </a:lvl7pPr>
+            <a:lvl8pPr marL="3429000" indent="-228600" algn="l" defTabSz="914400" rtl="0" eaLnBrk="1" latinLnBrk="0" hangingPunct="1">
+              <a:lnSpc>
+                <a:spcPct val="90000"/>
+              </a:lnSpc>
+              <a:spcBef>
+                <a:spcPts val="500"/>
+              </a:spcBef>
+              <a:buFont typeface="Arial" panose="020B0604020202020204" pitchFamily="34" charset="0"/>
+              <a:buChar char="•"/>
+              <a:defRPr sz="1800" kern="1200">
+                <a:solidFill>
+                  <a:schemeClr val="tx1"/>
+                </a:solidFill>
+                <a:latin typeface="+mn-lt"/>
+                <a:ea typeface="+mn-ea"/>
+                <a:cs typeface="+mn-cs"/>
+              </a:defRPr>
+            </a:lvl8pPr>
+            <a:lvl9pPr marL="3886200" indent="-228600" algn="l" defTabSz="914400" rtl="0" eaLnBrk="1" latinLnBrk="0" hangingPunct="1">
+              <a:lnSpc>
+                <a:spcPct val="90000"/>
+              </a:lnSpc>
+              <a:spcBef>
+                <a:spcPts val="500"/>
+              </a:spcBef>
+              <a:buFont typeface="Arial" panose="020B0604020202020204" pitchFamily="34" charset="0"/>
+              <a:buChar char="•"/>
+              <a:defRPr sz="1800" kern="1200">
+                <a:solidFill>
+                  <a:schemeClr val="tx1"/>
+                </a:solidFill>
+                <a:latin typeface="+mn-lt"/>
+                <a:ea typeface="+mn-ea"/>
+                <a:cs typeface="+mn-cs"/>
+              </a:defRPr>
+            </a:lvl9pPr>
+          </a:lstStyle>
+          <a:p>
+            <a:r>
+              <a:rPr lang="en-GB" dirty="0">
+                <a:solidFill>
+                  <a:srgbClr val="000000"/>
+                </a:solidFill>
+                <a:latin typeface="Helvetica Neue" panose="02000503000000020004" pitchFamily="2" charset="0"/>
+              </a:rPr>
+              <a:t>Shetland smallest at 22190</a:t>
+            </a:r>
+          </a:p>
+          <a:p>
+            <a:r>
+              <a:rPr lang="en-GB" dirty="0">
+                <a:solidFill>
+                  <a:srgbClr val="000000"/>
+                </a:solidFill>
+                <a:latin typeface="Helvetica Neue" panose="02000503000000020004" pitchFamily="2" charset="0"/>
+              </a:rPr>
+              <a:t>Glasgow largest 1174980</a:t>
+            </a:r>
+          </a:p>
+          <a:p>
+            <a:endParaRPr lang="en-GB" dirty="0">
+              <a:solidFill>
+                <a:srgbClr val="000000"/>
+              </a:solidFill>
+              <a:latin typeface="Helvetica Neue" panose="02000503000000020004" pitchFamily="2" charset="0"/>
+            </a:endParaRPr>
+          </a:p>
+          <a:p>
+            <a:r>
+              <a:rPr lang="en-GB" dirty="0">
+                <a:solidFill>
+                  <a:srgbClr val="000000"/>
+                </a:solidFill>
+                <a:latin typeface="Helvetica Neue" panose="02000503000000020004" pitchFamily="2" charset="0"/>
+              </a:rPr>
+              <a:t>Shetland is &lt;2% size of </a:t>
+            </a:r>
+            <a:r>
+              <a:rPr lang="en-GB" dirty="0" err="1">
+                <a:solidFill>
+                  <a:srgbClr val="000000"/>
+                </a:solidFill>
+                <a:latin typeface="Helvetica Neue" panose="02000503000000020004" pitchFamily="2" charset="0"/>
+              </a:rPr>
+              <a:t>glasgow</a:t>
+            </a:r>
+            <a:endParaRPr lang="en-GB" dirty="0">
+              <a:solidFill>
+                <a:srgbClr val="000000"/>
+              </a:solidFill>
+              <a:latin typeface="Helvetica Neue" panose="02000503000000020004" pitchFamily="2" charset="0"/>
+            </a:endParaRPr>
+          </a:p>
+          <a:p>
+            <a:endParaRPr lang="en-US" dirty="0"/>
+          </a:p>
+        </p:txBody>
+      </p:sp>
     </p:spTree>
     <p:extLst>
       <p:ext uri="{BB962C8B-B14F-4D97-AF65-F5344CB8AC3E}">
-        <p14:creationId xmlns:p14="http://schemas.microsoft.com/office/powerpoint/2010/main" val="382305037"/>
+        <p14:creationId xmlns:p14="http://schemas.microsoft.com/office/powerpoint/2010/main" val="366657298"/>
       </p:ext>
     </p:extLst>
   </p:cSld>
@@ -3945,7 +4256,7 @@
           <p:cNvPr id="2" name="Title 1">
             <a:extLst>
               <a:ext uri="{FF2B5EF4-FFF2-40B4-BE49-F238E27FC236}">
-                <a16:creationId xmlns:a16="http://schemas.microsoft.com/office/drawing/2014/main" id="{5A3CAFC0-00A3-7B08-626D-1F74F0C5D258}"/>
+                <a16:creationId xmlns:a16="http://schemas.microsoft.com/office/drawing/2014/main" id="{CB209A3C-6BFA-042B-D351-268F99B432C9}"/>
               </a:ext>
             </a:extLst>
           </p:cNvPr>
@@ -3961,7 +4272,10 @@
           <a:bodyPr/>
           <a:lstStyle/>
           <a:p>
-            <a:endParaRPr lang="en-US"/>
+            <a:r>
+              <a:rPr lang="en-US" dirty="0"/>
+              <a:t>Health Board Age Structure</a:t>
+            </a:r>
           </a:p>
         </p:txBody>
       </p:sp>
@@ -3970,7 +4284,7 @@
           <p:cNvPr id="3" name="Content Placeholder 2">
             <a:extLst>
               <a:ext uri="{FF2B5EF4-FFF2-40B4-BE49-F238E27FC236}">
-                <a16:creationId xmlns:a16="http://schemas.microsoft.com/office/drawing/2014/main" id="{EB594F8D-8B4F-5258-1FD3-832434845806}"/>
+                <a16:creationId xmlns:a16="http://schemas.microsoft.com/office/drawing/2014/main" id="{65920628-874F-9147-E189-2461B1F6D52A}"/>
               </a:ext>
             </a:extLst>
           </p:cNvPr>
@@ -3986,7 +4300,115 @@
           <a:bodyPr/>
           <a:lstStyle/>
           <a:p>
-            <a:endParaRPr lang="en-US"/>
+            <a:r>
+              <a:rPr lang="en-US" dirty="0"/>
+              <a:t>Could put in something about age structure but we are mostly reporting </a:t>
+            </a:r>
+            <a:r>
+              <a:rPr lang="en-US" dirty="0" err="1"/>
+              <a:t>easr</a:t>
+            </a:r>
+            <a:r>
+              <a:rPr lang="en-US" dirty="0"/>
+              <a:t> so is it really relevant??</a:t>
+            </a:r>
+          </a:p>
+        </p:txBody>
+      </p:sp>
+    </p:spTree>
+    <p:extLst>
+      <p:ext uri="{BB962C8B-B14F-4D97-AF65-F5344CB8AC3E}">
+        <p14:creationId xmlns:p14="http://schemas.microsoft.com/office/powerpoint/2010/main" val="3992747003"/>
+      </p:ext>
+    </p:extLst>
+  </p:cSld>
+  <p:clrMapOvr>
+    <a:masterClrMapping/>
+  </p:clrMapOvr>
+</p:sld>
+</file>
+
+<file path=ppt/slides/slide13.xml><?xml version="1.0" encoding="utf-8"?>
+<p:sld xmlns:a="http://schemas.openxmlformats.org/drawingml/2006/main" xmlns:r="http://schemas.openxmlformats.org/officeDocument/2006/relationships" xmlns:p="http://schemas.openxmlformats.org/presentationml/2006/main">
+  <p:cSld>
+    <p:spTree>
+      <p:nvGrpSpPr>
+        <p:cNvPr id="1" name=""/>
+        <p:cNvGrpSpPr/>
+        <p:nvPr/>
+      </p:nvGrpSpPr>
+      <p:grpSpPr>
+        <a:xfrm>
+          <a:off x="0" y="0"/>
+          <a:ext cx="0" cy="0"/>
+          <a:chOff x="0" y="0"/>
+          <a:chExt cx="0" cy="0"/>
+        </a:xfrm>
+      </p:grpSpPr>
+      <p:sp>
+        <p:nvSpPr>
+          <p:cNvPr id="2" name="Title 1">
+            <a:extLst>
+              <a:ext uri="{FF2B5EF4-FFF2-40B4-BE49-F238E27FC236}">
+                <a16:creationId xmlns:a16="http://schemas.microsoft.com/office/drawing/2014/main" id="{223556C9-06FE-487E-84FA-B9F4BA48E892}"/>
+              </a:ext>
+            </a:extLst>
+          </p:cNvPr>
+          <p:cNvSpPr>
+            <a:spLocks noGrp="1"/>
+          </p:cNvSpPr>
+          <p:nvPr>
+            <p:ph type="title"/>
+          </p:nvPr>
+        </p:nvSpPr>
+        <p:spPr/>
+        <p:txBody>
+          <a:bodyPr/>
+          <a:lstStyle/>
+          <a:p>
+            <a:endParaRPr lang="en-US" dirty="0"/>
+          </a:p>
+        </p:txBody>
+      </p:sp>
+      <p:sp>
+        <p:nvSpPr>
+          <p:cNvPr id="3" name="Content Placeholder 2">
+            <a:extLst>
+              <a:ext uri="{FF2B5EF4-FFF2-40B4-BE49-F238E27FC236}">
+                <a16:creationId xmlns:a16="http://schemas.microsoft.com/office/drawing/2014/main" id="{9AC11E6E-DD03-95FA-6FE0-945DE751C147}"/>
+              </a:ext>
+            </a:extLst>
+          </p:cNvPr>
+          <p:cNvSpPr>
+            <a:spLocks noGrp="1"/>
+          </p:cNvSpPr>
+          <p:nvPr>
+            <p:ph idx="1"/>
+          </p:nvPr>
+        </p:nvSpPr>
+        <p:spPr/>
+        <p:txBody>
+          <a:bodyPr/>
+          <a:lstStyle/>
+          <a:p>
+            <a:r>
+              <a:rPr lang="en-US" dirty="0"/>
+              <a:t>Looked at </a:t>
+            </a:r>
+            <a:r>
+              <a:rPr lang="en-US" dirty="0" err="1"/>
+              <a:t>dischrages</a:t>
+            </a:r>
+            <a:r>
+              <a:rPr lang="en-US" dirty="0"/>
+              <a:t> and deaths by sex and health board but nothing interesting popped up</a:t>
+            </a:r>
+          </a:p>
+          <a:p>
+            <a:r>
+              <a:rPr lang="en-US" dirty="0"/>
+              <a:t>Could do statistics on this – is the increase in borders significant??</a:t>
+            </a:r>
           </a:p>
         </p:txBody>
       </p:sp>
@@ -3995,7 +4417,7 @@
           <p:cNvPr id="4" name="Picture 3">
             <a:extLst>
               <a:ext uri="{FF2B5EF4-FFF2-40B4-BE49-F238E27FC236}">
-                <a16:creationId xmlns:a16="http://schemas.microsoft.com/office/drawing/2014/main" id="{5B8F4BF2-C4DF-C0A5-A0CD-BFD435B81094}"/>
+                <a16:creationId xmlns:a16="http://schemas.microsoft.com/office/drawing/2014/main" id="{5413856C-590A-E3EC-9B7E-61F91EF57FF6}"/>
               </a:ext>
             </a:extLst>
           </p:cNvPr>
@@ -4012,8 +4434,8 @@
         </p:blipFill>
         <p:spPr>
           <a:xfrm>
-            <a:off x="408507" y="1196973"/>
-            <a:ext cx="3429274" cy="5295900"/>
+            <a:off x="6667500" y="3494065"/>
+            <a:ext cx="5257800" cy="3250429"/>
           </a:xfrm>
           <a:prstGeom prst="rect">
             <a:avLst/>
@@ -4025,7 +4447,7 @@
           <p:cNvPr id="5" name="Picture 4">
             <a:extLst>
               <a:ext uri="{FF2B5EF4-FFF2-40B4-BE49-F238E27FC236}">
-                <a16:creationId xmlns:a16="http://schemas.microsoft.com/office/drawing/2014/main" id="{04BBC93C-2068-4203-497C-7A106C5D42BB}"/>
+                <a16:creationId xmlns:a16="http://schemas.microsoft.com/office/drawing/2014/main" id="{B54C06F7-5B87-BF7F-B883-778891C33366}"/>
               </a:ext>
             </a:extLst>
           </p:cNvPr>
@@ -4042,8 +4464,93 @@
         </p:blipFill>
         <p:spPr>
           <a:xfrm>
-            <a:off x="4114800" y="1281109"/>
-            <a:ext cx="7772400" cy="4801482"/>
+            <a:off x="476250" y="3383810"/>
+            <a:ext cx="5619750" cy="3474190"/>
+          </a:xfrm>
+          <a:prstGeom prst="rect">
+            <a:avLst/>
+          </a:prstGeom>
+        </p:spPr>
+      </p:pic>
+    </p:spTree>
+    <p:extLst>
+      <p:ext uri="{BB962C8B-B14F-4D97-AF65-F5344CB8AC3E}">
+        <p14:creationId xmlns:p14="http://schemas.microsoft.com/office/powerpoint/2010/main" val="2816143929"/>
+      </p:ext>
+    </p:extLst>
+  </p:cSld>
+  <p:clrMapOvr>
+    <a:masterClrMapping/>
+  </p:clrMapOvr>
+</p:sld>
+</file>
+
+<file path=ppt/slides/slide14.xml><?xml version="1.0" encoding="utf-8"?>
+<p:sld xmlns:a="http://schemas.openxmlformats.org/drawingml/2006/main" xmlns:r="http://schemas.openxmlformats.org/officeDocument/2006/relationships" xmlns:p="http://schemas.openxmlformats.org/presentationml/2006/main">
+  <p:cSld>
+    <p:spTree>
+      <p:nvGrpSpPr>
+        <p:cNvPr id="1" name=""/>
+        <p:cNvGrpSpPr/>
+        <p:nvPr/>
+      </p:nvGrpSpPr>
+      <p:grpSpPr>
+        <a:xfrm>
+          <a:off x="0" y="0"/>
+          <a:ext cx="0" cy="0"/>
+          <a:chOff x="0" y="0"/>
+          <a:chExt cx="0" cy="0"/>
+        </a:xfrm>
+      </p:grpSpPr>
+      <p:sp>
+        <p:nvSpPr>
+          <p:cNvPr id="3" name="Content Placeholder 2">
+            <a:extLst>
+              <a:ext uri="{FF2B5EF4-FFF2-40B4-BE49-F238E27FC236}">
+                <a16:creationId xmlns:a16="http://schemas.microsoft.com/office/drawing/2014/main" id="{EB594F8D-8B4F-5258-1FD3-832434845806}"/>
+              </a:ext>
+            </a:extLst>
+          </p:cNvPr>
+          <p:cNvSpPr>
+            <a:spLocks noGrp="1"/>
+          </p:cNvSpPr>
+          <p:nvPr>
+            <p:ph idx="1"/>
+          </p:nvPr>
+        </p:nvSpPr>
+        <p:spPr/>
+        <p:txBody>
+          <a:bodyPr/>
+          <a:lstStyle/>
+          <a:p>
+            <a:endParaRPr lang="en-US"/>
+          </a:p>
+        </p:txBody>
+      </p:sp>
+      <p:pic>
+        <p:nvPicPr>
+          <p:cNvPr id="4" name="Picture 3">
+            <a:extLst>
+              <a:ext uri="{FF2B5EF4-FFF2-40B4-BE49-F238E27FC236}">
+                <a16:creationId xmlns:a16="http://schemas.microsoft.com/office/drawing/2014/main" id="{5B8F4BF2-C4DF-C0A5-A0CD-BFD435B81094}"/>
+              </a:ext>
+            </a:extLst>
+          </p:cNvPr>
+          <p:cNvPicPr>
+            <a:picLocks noChangeAspect="1"/>
+          </p:cNvPicPr>
+          <p:nvPr/>
+        </p:nvPicPr>
+        <p:blipFill>
+          <a:blip r:embed="rId3"/>
+          <a:stretch>
+            <a:fillRect/>
+          </a:stretch>
+        </p:blipFill>
+        <p:spPr>
+          <a:xfrm>
+            <a:off x="169017" y="1244635"/>
+            <a:ext cx="3429274" cy="5295900"/>
           </a:xfrm>
           <a:prstGeom prst="rect">
             <a:avLst/>
@@ -4067,13 +4574,13 @@
               <p:nvPr>
                 <p:extLst>
                   <p:ext uri="{D42A27DB-BD31-4B8C-83A1-F6EECF244321}">
-                    <p14:modId xmlns:p14="http://schemas.microsoft.com/office/powerpoint/2010/main" val="1128874950"/>
+                    <p14:modId xmlns:p14="http://schemas.microsoft.com/office/powerpoint/2010/main" val="158119953"/>
                   </p:ext>
                 </p:extLst>
               </p:nvPr>
             </p:nvGraphicFramePr>
             <p:xfrm>
-              <a:off x="2384669" y="0"/>
+              <a:off x="2664960" y="6577009"/>
               <a:ext cx="5336040" cy="4855797"/>
             </p:xfrm>
             <a:graphic>
@@ -4106,7 +4613,7 @@
             </p:blipFill>
             <p:spPr>
               <a:xfrm>
-                <a:off x="2384669" y="0"/>
+                <a:off x="2664960" y="6577009"/>
                 <a:ext cx="5336040" cy="4855797"/>
               </a:xfrm>
               <a:prstGeom prst="rect">
@@ -4138,7 +4645,7 @@
         </p:blipFill>
         <p:spPr>
           <a:xfrm>
-            <a:off x="5679092" y="-800100"/>
+            <a:off x="5897164" y="-759537"/>
             <a:ext cx="5776307" cy="2490790"/>
           </a:xfrm>
           <a:prstGeom prst="rect">
@@ -4181,224 +4688,12 @@
           </a:p>
         </p:txBody>
       </p:sp>
-    </p:spTree>
-    <p:extLst>
-      <p:ext uri="{BB962C8B-B14F-4D97-AF65-F5344CB8AC3E}">
-        <p14:creationId xmlns:p14="http://schemas.microsoft.com/office/powerpoint/2010/main" val="141528984"/>
-      </p:ext>
-    </p:extLst>
-  </p:cSld>
-  <p:clrMapOvr>
-    <a:masterClrMapping/>
-  </p:clrMapOvr>
-</p:sld>
-</file>
-
-<file path=ppt/slides/slide13.xml><?xml version="1.0" encoding="utf-8"?>
-<p:sld xmlns:a="http://schemas.openxmlformats.org/drawingml/2006/main" xmlns:r="http://schemas.openxmlformats.org/officeDocument/2006/relationships" xmlns:p="http://schemas.openxmlformats.org/presentationml/2006/main">
-  <p:cSld>
-    <p:spTree>
-      <p:nvGrpSpPr>
-        <p:cNvPr id="1" name=""/>
-        <p:cNvGrpSpPr/>
-        <p:nvPr/>
-      </p:nvGrpSpPr>
-      <p:grpSpPr>
-        <a:xfrm>
-          <a:off x="0" y="0"/>
-          <a:ext cx="0" cy="0"/>
-          <a:chOff x="0" y="0"/>
-          <a:chExt cx="0" cy="0"/>
-        </a:xfrm>
-      </p:grpSpPr>
-      <p:sp>
-        <p:nvSpPr>
-          <p:cNvPr id="2" name="Title 1">
+      <p:pic>
+        <p:nvPicPr>
+          <p:cNvPr id="9" name="Picture 8">
             <a:extLst>
               <a:ext uri="{FF2B5EF4-FFF2-40B4-BE49-F238E27FC236}">
-                <a16:creationId xmlns:a16="http://schemas.microsoft.com/office/drawing/2014/main" id="{80940275-8B4A-7961-577A-56B01E3AF94B}"/>
-              </a:ext>
-            </a:extLst>
-          </p:cNvPr>
-          <p:cNvSpPr>
-            <a:spLocks noGrp="1"/>
-          </p:cNvSpPr>
-          <p:nvPr>
-            <p:ph type="title"/>
-          </p:nvPr>
-        </p:nvSpPr>
-        <p:spPr/>
-        <p:txBody>
-          <a:bodyPr/>
-          <a:lstStyle/>
-          <a:p>
-            <a:r>
-              <a:rPr lang="en-GB" b="1" dirty="0">
-                <a:solidFill>
-                  <a:srgbClr val="000000"/>
-                </a:solidFill>
-                <a:effectLst/>
-                <a:latin typeface="Helvetica Neue" panose="02000503000000020004" pitchFamily="2" charset="0"/>
-              </a:rPr>
-              <a:t>Council Areas</a:t>
-            </a:r>
-            <a:endParaRPr lang="en-US" dirty="0"/>
-          </a:p>
-        </p:txBody>
-      </p:sp>
-      <p:sp>
-        <p:nvSpPr>
-          <p:cNvPr id="3" name="Content Placeholder 2">
-            <a:extLst>
-              <a:ext uri="{FF2B5EF4-FFF2-40B4-BE49-F238E27FC236}">
-                <a16:creationId xmlns:a16="http://schemas.microsoft.com/office/drawing/2014/main" id="{EECFC439-DAFA-A508-D93B-F1038B035601}"/>
-              </a:ext>
-            </a:extLst>
-          </p:cNvPr>
-          <p:cNvSpPr>
-            <a:spLocks noGrp="1"/>
-          </p:cNvSpPr>
-          <p:nvPr>
-            <p:ph idx="1"/>
-          </p:nvPr>
-        </p:nvSpPr>
-        <p:spPr/>
-        <p:txBody>
-          <a:bodyPr/>
-          <a:lstStyle/>
-          <a:p>
-            <a:pPr>
-              <a:buFont typeface="Arial" panose="020B0604020202020204" pitchFamily="34" charset="0"/>
-              <a:buChar char="•"/>
-            </a:pPr>
-            <a:r>
-              <a:rPr lang="en-GB" dirty="0">
-                <a:solidFill>
-                  <a:srgbClr val="000000"/>
-                </a:solidFill>
-                <a:effectLst/>
-                <a:latin typeface="Helvetica Neue" panose="02000503000000020004" pitchFamily="2" charset="0"/>
-              </a:rPr>
-              <a:t>Anything interesting to say about these?</a:t>
-            </a:r>
-          </a:p>
-          <a:p>
-            <a:pPr>
-              <a:buFont typeface="Arial" panose="020B0604020202020204" pitchFamily="34" charset="0"/>
-              <a:buChar char="•"/>
-            </a:pPr>
-            <a:r>
-              <a:rPr lang="en-GB" dirty="0">
-                <a:solidFill>
-                  <a:srgbClr val="000000"/>
-                </a:solidFill>
-                <a:effectLst/>
-                <a:latin typeface="Helvetica Neue" panose="02000503000000020004" pitchFamily="2" charset="0"/>
-              </a:rPr>
-              <a:t>Could draw a similar graph - is it worth it? </a:t>
-            </a:r>
-          </a:p>
-          <a:p>
-            <a:endParaRPr lang="en-US" dirty="0"/>
-          </a:p>
-        </p:txBody>
-      </p:sp>
-    </p:spTree>
-    <p:extLst>
-      <p:ext uri="{BB962C8B-B14F-4D97-AF65-F5344CB8AC3E}">
-        <p14:creationId xmlns:p14="http://schemas.microsoft.com/office/powerpoint/2010/main" val="2375220375"/>
-      </p:ext>
-    </p:extLst>
-  </p:cSld>
-  <p:clrMapOvr>
-    <a:masterClrMapping/>
-  </p:clrMapOvr>
-</p:sld>
-</file>
-
-<file path=ppt/slides/slide14.xml><?xml version="1.0" encoding="utf-8"?>
-<p:sld xmlns:a="http://schemas.openxmlformats.org/drawingml/2006/main" xmlns:r="http://schemas.openxmlformats.org/officeDocument/2006/relationships" xmlns:p="http://schemas.openxmlformats.org/presentationml/2006/main">
-  <p:cSld>
-    <p:spTree>
-      <p:nvGrpSpPr>
-        <p:cNvPr id="1" name=""/>
-        <p:cNvGrpSpPr/>
-        <p:nvPr/>
-      </p:nvGrpSpPr>
-      <p:grpSpPr>
-        <a:xfrm>
-          <a:off x="0" y="0"/>
-          <a:ext cx="0" cy="0"/>
-          <a:chOff x="0" y="0"/>
-          <a:chExt cx="0" cy="0"/>
-        </a:xfrm>
-      </p:grpSpPr>
-      <p:sp>
-        <p:nvSpPr>
-          <p:cNvPr id="2" name="Title 1">
-            <a:extLst>
-              <a:ext uri="{FF2B5EF4-FFF2-40B4-BE49-F238E27FC236}">
-                <a16:creationId xmlns:a16="http://schemas.microsoft.com/office/drawing/2014/main" id="{EEC1628F-E45D-821A-5276-1C50456DC36C}"/>
-              </a:ext>
-            </a:extLst>
-          </p:cNvPr>
-          <p:cNvSpPr>
-            <a:spLocks noGrp="1"/>
-          </p:cNvSpPr>
-          <p:nvPr>
-            <p:ph type="title"/>
-          </p:nvPr>
-        </p:nvSpPr>
-        <p:spPr/>
-        <p:txBody>
-          <a:bodyPr/>
-          <a:lstStyle/>
-          <a:p>
-            <a:r>
-              <a:rPr lang="en-GB" b="1" dirty="0">
-                <a:solidFill>
-                  <a:srgbClr val="000000"/>
-                </a:solidFill>
-                <a:effectLst/>
-                <a:latin typeface="Helvetica Neue" panose="02000503000000020004" pitchFamily="2" charset="0"/>
-              </a:rPr>
-              <a:t>Mortality by Diagnosis</a:t>
-            </a:r>
-            <a:endParaRPr lang="en-US" dirty="0"/>
-          </a:p>
-        </p:txBody>
-      </p:sp>
-      <p:sp>
-        <p:nvSpPr>
-          <p:cNvPr id="3" name="Content Placeholder 2">
-            <a:extLst>
-              <a:ext uri="{FF2B5EF4-FFF2-40B4-BE49-F238E27FC236}">
-                <a16:creationId xmlns:a16="http://schemas.microsoft.com/office/drawing/2014/main" id="{BADE9EB0-C9FC-7263-46BF-F019CB691C76}"/>
-              </a:ext>
-            </a:extLst>
-          </p:cNvPr>
-          <p:cNvSpPr>
-            <a:spLocks noGrp="1"/>
-          </p:cNvSpPr>
-          <p:nvPr>
-            <p:ph idx="1"/>
-          </p:nvPr>
-        </p:nvSpPr>
-        <p:spPr/>
-        <p:txBody>
-          <a:bodyPr/>
-          <a:lstStyle/>
-          <a:p>
-            <a:endParaRPr lang="en-US"/>
-          </a:p>
-        </p:txBody>
-      </p:sp>
-      <p:pic>
-        <p:nvPicPr>
-          <p:cNvPr id="4" name="Picture 3">
-            <a:extLst>
-              <a:ext uri="{FF2B5EF4-FFF2-40B4-BE49-F238E27FC236}">
-                <a16:creationId xmlns:a16="http://schemas.microsoft.com/office/drawing/2014/main" id="{623B48DE-F233-43F1-D77E-8392B35BF44C}"/>
+                <a16:creationId xmlns:a16="http://schemas.microsoft.com/office/drawing/2014/main" id="{8F647E59-A32E-7AAA-DE5C-BE6A009CCFBE}"/>
               </a:ext>
             </a:extLst>
           </p:cNvPr>
@@ -4408,25 +4703,128 @@
           <p:nvPr/>
         </p:nvPicPr>
         <p:blipFill>
-          <a:blip r:embed="rId2"/>
+          <a:blip r:embed="rId7"/>
           <a:stretch>
             <a:fillRect/>
           </a:stretch>
         </p:blipFill>
         <p:spPr>
           <a:xfrm>
-            <a:off x="1574800" y="2241129"/>
-            <a:ext cx="6377509" cy="3935834"/>
+            <a:off x="4270072" y="2594052"/>
+            <a:ext cx="7772400" cy="4804982"/>
           </a:xfrm>
           <a:prstGeom prst="rect">
             <a:avLst/>
           </a:prstGeom>
         </p:spPr>
       </p:pic>
+      <p:sp>
+        <p:nvSpPr>
+          <p:cNvPr id="10" name="TextBox 9">
+            <a:extLst>
+              <a:ext uri="{FF2B5EF4-FFF2-40B4-BE49-F238E27FC236}">
+                <a16:creationId xmlns:a16="http://schemas.microsoft.com/office/drawing/2014/main" id="{4931F748-4A9A-7F2B-89CB-C66CD055E778}"/>
+              </a:ext>
+            </a:extLst>
+          </p:cNvPr>
+          <p:cNvSpPr txBox="1"/>
+          <p:nvPr/>
+        </p:nvSpPr>
+        <p:spPr>
+          <a:xfrm>
+            <a:off x="5332980" y="1670722"/>
+            <a:ext cx="4596956" cy="923330"/>
+          </a:xfrm>
+          <a:prstGeom prst="rect">
+            <a:avLst/>
+          </a:prstGeom>
+          <a:noFill/>
+        </p:spPr>
+        <p:txBody>
+          <a:bodyPr wrap="square" rtlCol="0">
+            <a:spAutoFit/>
+          </a:bodyPr>
+          <a:lstStyle/>
+          <a:p>
+            <a:r>
+              <a:rPr lang="en-US" dirty="0"/>
+              <a:t>I think there is a rough relationship here where the darker </a:t>
+            </a:r>
+            <a:r>
+              <a:rPr lang="en-US" dirty="0" err="1"/>
+              <a:t>colours</a:t>
+            </a:r>
+            <a:r>
+              <a:rPr lang="en-US" dirty="0"/>
+              <a:t> are the ones going up and lighter are going down</a:t>
+            </a:r>
+          </a:p>
+        </p:txBody>
+      </p:sp>
+      <p:sp>
+        <p:nvSpPr>
+          <p:cNvPr id="11" name="Title 1">
+            <a:extLst>
+              <a:ext uri="{FF2B5EF4-FFF2-40B4-BE49-F238E27FC236}">
+                <a16:creationId xmlns:a16="http://schemas.microsoft.com/office/drawing/2014/main" id="{DAEDAC77-5F5B-B4D0-2C70-76BB9335736D}"/>
+              </a:ext>
+            </a:extLst>
+          </p:cNvPr>
+          <p:cNvSpPr txBox="1">
+            <a:spLocks/>
+          </p:cNvSpPr>
+          <p:nvPr/>
+        </p:nvSpPr>
+        <p:spPr>
+          <a:xfrm>
+            <a:off x="518529" y="-181765"/>
+            <a:ext cx="10515600" cy="1325563"/>
+          </a:xfrm>
+          <a:prstGeom prst="rect">
+            <a:avLst/>
+          </a:prstGeom>
+        </p:spPr>
+        <p:txBody>
+          <a:bodyPr vert="horz" lIns="91440" tIns="45720" rIns="91440" bIns="45720" rtlCol="0" anchor="ctr">
+            <a:normAutofit/>
+          </a:bodyPr>
+          <a:lstStyle>
+            <a:lvl1pPr algn="l" defTabSz="914400" rtl="0" eaLnBrk="1" latinLnBrk="0" hangingPunct="1">
+              <a:lnSpc>
+                <a:spcPct val="90000"/>
+              </a:lnSpc>
+              <a:spcBef>
+                <a:spcPct val="0"/>
+              </a:spcBef>
+              <a:buNone/>
+              <a:defRPr sz="4400" kern="1200">
+                <a:solidFill>
+                  <a:schemeClr val="tx1"/>
+                </a:solidFill>
+                <a:latin typeface="+mj-lt"/>
+                <a:ea typeface="+mj-ea"/>
+                <a:cs typeface="+mj-cs"/>
+              </a:defRPr>
+            </a:lvl1pPr>
+          </a:lstStyle>
+          <a:p>
+            <a:r>
+              <a:rPr lang="en-GB" b="1" dirty="0">
+                <a:solidFill>
+                  <a:srgbClr val="000000"/>
+                </a:solidFill>
+                <a:latin typeface="Helvetica Neue" panose="02000503000000020004" pitchFamily="2" charset="0"/>
+              </a:rPr>
+              <a:t>Discharges or Deaths by Health Board</a:t>
+            </a:r>
+            <a:endParaRPr lang="en-US" dirty="0"/>
+          </a:p>
+        </p:txBody>
+      </p:sp>
     </p:spTree>
     <p:extLst>
       <p:ext uri="{BB962C8B-B14F-4D97-AF65-F5344CB8AC3E}">
-        <p14:creationId xmlns:p14="http://schemas.microsoft.com/office/powerpoint/2010/main" val="3258545041"/>
+        <p14:creationId xmlns:p14="http://schemas.microsoft.com/office/powerpoint/2010/main" val="141528984"/>
       </p:ext>
     </p:extLst>
   </p:cSld>
@@ -4458,7 +4856,7 @@
           <p:cNvPr id="2" name="Title 1">
             <a:extLst>
               <a:ext uri="{FF2B5EF4-FFF2-40B4-BE49-F238E27FC236}">
-                <a16:creationId xmlns:a16="http://schemas.microsoft.com/office/drawing/2014/main" id="{56A262F2-710F-C7FF-AFB3-292604E6904D}"/>
+                <a16:creationId xmlns:a16="http://schemas.microsoft.com/office/drawing/2014/main" id="{018CAEAE-2898-FF3C-5C36-FBD1952691BF}"/>
               </a:ext>
             </a:extLst>
           </p:cNvPr>
@@ -4475,16 +4873,9 @@
           <a:lstStyle/>
           <a:p>
             <a:r>
-              <a:rPr lang="en-GB" b="1" dirty="0">
-                <a:solidFill>
-                  <a:srgbClr val="000000"/>
-                </a:solidFill>
-                <a:effectLst/>
-                <a:latin typeface="Helvetica Neue" panose="02000503000000020004" pitchFamily="2" charset="0"/>
-              </a:rPr>
-              <a:t>Mortality by Age</a:t>
-            </a:r>
-            <a:endParaRPr lang="en-US" dirty="0"/>
+              <a:rPr lang="en-US" dirty="0"/>
+              <a:t>Council Areas</a:t>
+            </a:r>
           </a:p>
         </p:txBody>
       </p:sp>
@@ -4493,7 +4884,7 @@
           <p:cNvPr id="3" name="Content Placeholder 2">
             <a:extLst>
               <a:ext uri="{FF2B5EF4-FFF2-40B4-BE49-F238E27FC236}">
-                <a16:creationId xmlns:a16="http://schemas.microsoft.com/office/drawing/2014/main" id="{F7527FEE-E49C-AAF6-A07F-7815AB80D964}"/>
+                <a16:creationId xmlns:a16="http://schemas.microsoft.com/office/drawing/2014/main" id="{086AACFA-17FB-8C1C-E108-4CEBE20BF90D}"/>
               </a:ext>
             </a:extLst>
           </p:cNvPr>
@@ -4513,10 +4904,45 @@
           </a:p>
         </p:txBody>
       </p:sp>
+      <p:sp>
+        <p:nvSpPr>
+          <p:cNvPr id="4" name="TextBox 3">
+            <a:extLst>
+              <a:ext uri="{FF2B5EF4-FFF2-40B4-BE49-F238E27FC236}">
+                <a16:creationId xmlns:a16="http://schemas.microsoft.com/office/drawing/2014/main" id="{483AA61B-BDA9-D0D9-54F0-94DCF6768CDF}"/>
+              </a:ext>
+            </a:extLst>
+          </p:cNvPr>
+          <p:cNvSpPr txBox="1"/>
+          <p:nvPr/>
+        </p:nvSpPr>
+        <p:spPr>
+          <a:xfrm>
+            <a:off x="1814809" y="112994"/>
+            <a:ext cx="7793648" cy="369332"/>
+          </a:xfrm>
+          <a:prstGeom prst="rect">
+            <a:avLst/>
+          </a:prstGeom>
+          <a:noFill/>
+        </p:spPr>
+        <p:txBody>
+          <a:bodyPr wrap="square">
+            <a:spAutoFit/>
+          </a:bodyPr>
+          <a:lstStyle/>
+          <a:p>
+            <a:r>
+              <a:rPr lang="en-US" dirty="0"/>
+              <a:t>Also have .csv with leading death rates by council area</a:t>
+            </a:r>
+          </a:p>
+        </p:txBody>
+      </p:sp>
     </p:spTree>
     <p:extLst>
       <p:ext uri="{BB962C8B-B14F-4D97-AF65-F5344CB8AC3E}">
-        <p14:creationId xmlns:p14="http://schemas.microsoft.com/office/powerpoint/2010/main" val="3753098787"/>
+        <p14:creationId xmlns:p14="http://schemas.microsoft.com/office/powerpoint/2010/main" val="3650087641"/>
       </p:ext>
     </p:extLst>
   </p:cSld>
@@ -4548,7 +4974,7 @@
           <p:cNvPr id="2" name="Title 1">
             <a:extLst>
               <a:ext uri="{FF2B5EF4-FFF2-40B4-BE49-F238E27FC236}">
-                <a16:creationId xmlns:a16="http://schemas.microsoft.com/office/drawing/2014/main" id="{E8BFDDC5-6DC1-7163-02FE-14BE48EF8F5B}"/>
+                <a16:creationId xmlns:a16="http://schemas.microsoft.com/office/drawing/2014/main" id="{7197D1F9-792B-7CBD-295E-69BB4206FA79}"/>
               </a:ext>
             </a:extLst>
           </p:cNvPr>
@@ -4565,16 +4991,9 @@
           <a:lstStyle/>
           <a:p>
             <a:r>
-              <a:rPr lang="en-GB" b="1" dirty="0">
-                <a:solidFill>
-                  <a:srgbClr val="000000"/>
-                </a:solidFill>
-                <a:effectLst/>
-                <a:latin typeface="Helvetica Neue" panose="02000503000000020004" pitchFamily="2" charset="0"/>
-              </a:rPr>
-              <a:t>Mortality by Sex</a:t>
-            </a:r>
-            <a:endParaRPr lang="en-US" dirty="0"/>
+              <a:rPr lang="en-US" dirty="0"/>
+              <a:t>Overall Headline - Mortality Rates</a:t>
+            </a:r>
           </a:p>
         </p:txBody>
       </p:sp>
@@ -4583,7 +5002,7 @@
           <p:cNvPr id="3" name="Content Placeholder 2">
             <a:extLst>
               <a:ext uri="{FF2B5EF4-FFF2-40B4-BE49-F238E27FC236}">
-                <a16:creationId xmlns:a16="http://schemas.microsoft.com/office/drawing/2014/main" id="{A98908C5-A4FA-A321-0E60-1399D2DBFD52}"/>
+                <a16:creationId xmlns:a16="http://schemas.microsoft.com/office/drawing/2014/main" id="{E8693F66-13E4-D719-6F44-5EA63544A573}"/>
               </a:ext>
             </a:extLst>
           </p:cNvPr>
@@ -4599,14 +5018,47 @@
           <a:bodyPr/>
           <a:lstStyle/>
           <a:p>
-            <a:endParaRPr lang="en-US"/>
-          </a:p>
-        </p:txBody>
-      </p:sp>
+            <a:r>
+              <a:rPr lang="en-US" dirty="0"/>
+              <a:t>Mortality rates are coming down </a:t>
+            </a:r>
+          </a:p>
+        </p:txBody>
+      </p:sp>
+      <p:pic>
+        <p:nvPicPr>
+          <p:cNvPr id="4" name="Picture 3">
+            <a:extLst>
+              <a:ext uri="{FF2B5EF4-FFF2-40B4-BE49-F238E27FC236}">
+                <a16:creationId xmlns:a16="http://schemas.microsoft.com/office/drawing/2014/main" id="{82ED1266-601B-9D61-2272-1BC96311F2D4}"/>
+              </a:ext>
+            </a:extLst>
+          </p:cNvPr>
+          <p:cNvPicPr>
+            <a:picLocks noChangeAspect="1"/>
+          </p:cNvPicPr>
+          <p:nvPr/>
+        </p:nvPicPr>
+        <p:blipFill>
+          <a:blip r:embed="rId2"/>
+          <a:stretch>
+            <a:fillRect/>
+          </a:stretch>
+        </p:blipFill>
+        <p:spPr>
+          <a:xfrm>
+            <a:off x="1563915" y="2489971"/>
+            <a:ext cx="5961743" cy="3686992"/>
+          </a:xfrm>
+          <a:prstGeom prst="rect">
+            <a:avLst/>
+          </a:prstGeom>
+        </p:spPr>
+      </p:pic>
     </p:spTree>
     <p:extLst>
       <p:ext uri="{BB962C8B-B14F-4D97-AF65-F5344CB8AC3E}">
-        <p14:creationId xmlns:p14="http://schemas.microsoft.com/office/powerpoint/2010/main" val="3990055732"/>
+        <p14:creationId xmlns:p14="http://schemas.microsoft.com/office/powerpoint/2010/main" val="1138841784"/>
       </p:ext>
     </p:extLst>
   </p:cSld>
@@ -4638,7 +5090,7 @@
           <p:cNvPr id="2" name="Title 1">
             <a:extLst>
               <a:ext uri="{FF2B5EF4-FFF2-40B4-BE49-F238E27FC236}">
-                <a16:creationId xmlns:a16="http://schemas.microsoft.com/office/drawing/2014/main" id="{FDC7C9B5-85A7-69B1-4D35-809D3B37B5EE}"/>
+                <a16:creationId xmlns:a16="http://schemas.microsoft.com/office/drawing/2014/main" id="{6F400BB8-D619-0061-E30A-A29848C97692}"/>
               </a:ext>
             </a:extLst>
           </p:cNvPr>
@@ -4655,48 +5107,128 @@
           <a:lstStyle/>
           <a:p>
             <a:r>
-              <a:rPr lang="en-GB" b="1" dirty="0">
+              <a:rPr lang="en-US" dirty="0"/>
+              <a:t>The Journey to a ‘Beautiful’ Model</a:t>
+            </a:r>
+          </a:p>
+        </p:txBody>
+      </p:sp>
+      <p:sp>
+        <p:nvSpPr>
+          <p:cNvPr id="3" name="Content Placeholder 2">
+            <a:extLst>
+              <a:ext uri="{FF2B5EF4-FFF2-40B4-BE49-F238E27FC236}">
+                <a16:creationId xmlns:a16="http://schemas.microsoft.com/office/drawing/2014/main" id="{04BE55EE-D00A-D092-BEA4-53B552DE5DC6}"/>
+              </a:ext>
+            </a:extLst>
+          </p:cNvPr>
+          <p:cNvSpPr>
+            <a:spLocks noGrp="1"/>
+          </p:cNvSpPr>
+          <p:nvPr>
+            <p:ph idx="1"/>
+          </p:nvPr>
+        </p:nvSpPr>
+        <p:spPr/>
+        <p:txBody>
+          <a:bodyPr/>
+          <a:lstStyle/>
+          <a:p>
+            <a:pPr>
+              <a:buFont typeface="Arial" panose="020B0604020202020204" pitchFamily="34" charset="0"/>
+              <a:buChar char="•"/>
+            </a:pPr>
+            <a:r>
+              <a:rPr lang="en-GB" dirty="0">
                 <a:solidFill>
                   <a:srgbClr val="000000"/>
                 </a:solidFill>
                 <a:effectLst/>
                 <a:latin typeface="Helvetica Neue" panose="02000503000000020004" pitchFamily="2" charset="0"/>
               </a:rPr>
-              <a:t>Health Board Mortality Data</a:t>
-            </a:r>
+              <a:t>Multiple linear regression - R2 = 31%</a:t>
+            </a:r>
+          </a:p>
+          <a:p>
+            <a:pPr lvl="1"/>
+            <a:r>
+              <a:rPr lang="en-GB" dirty="0">
+                <a:solidFill>
+                  <a:srgbClr val="000000"/>
+                </a:solidFill>
+                <a:effectLst/>
+                <a:latin typeface="Helvetica Neue" panose="02000503000000020004" pitchFamily="2" charset="0"/>
+              </a:rPr>
+              <a:t>Model built using just the health board and year is promising. This was built on totals of the discharges for each health board though and some boards show no significance so does this mean we can estimate them?</a:t>
+            </a:r>
+          </a:p>
+          <a:p>
+            <a:pPr lvl="1"/>
+            <a:endParaRPr lang="en-GB" dirty="0">
+              <a:solidFill>
+                <a:srgbClr val="000000"/>
+              </a:solidFill>
+              <a:effectLst/>
+              <a:latin typeface="Helvetica Neue" panose="02000503000000020004" pitchFamily="2" charset="0"/>
+            </a:endParaRPr>
+          </a:p>
+          <a:p>
+            <a:pPr>
+              <a:buFont typeface="Arial" panose="020B0604020202020204" pitchFamily="34" charset="0"/>
+              <a:buChar char="•"/>
+            </a:pPr>
+            <a:r>
+              <a:rPr lang="en-GB" dirty="0">
+                <a:solidFill>
+                  <a:srgbClr val="000000"/>
+                </a:solidFill>
+                <a:effectLst/>
+                <a:latin typeface="Helvetica Neue" panose="02000503000000020004" pitchFamily="2" charset="0"/>
+              </a:rPr>
+              <a:t>Random forest - R2 = 97% but useless prediction</a:t>
+            </a:r>
+          </a:p>
+          <a:p>
+            <a:pPr>
+              <a:buFont typeface="Arial" panose="020B0604020202020204" pitchFamily="34" charset="0"/>
+              <a:buChar char="•"/>
+            </a:pPr>
+            <a:r>
+              <a:rPr lang="en-GB" dirty="0">
+                <a:solidFill>
+                  <a:srgbClr val="000000"/>
+                </a:solidFill>
+                <a:effectLst/>
+                <a:latin typeface="Helvetica Neue" panose="02000503000000020004" pitchFamily="2" charset="0"/>
+              </a:rPr>
+              <a:t>ARIMA</a:t>
+            </a:r>
+          </a:p>
+          <a:p>
+            <a:pPr>
+              <a:buFont typeface="Arial" panose="020B0604020202020204" pitchFamily="34" charset="0"/>
+              <a:buChar char="•"/>
+            </a:pPr>
+            <a:r>
+              <a:rPr lang="en-GB" dirty="0">
+                <a:solidFill>
+                  <a:srgbClr val="000000"/>
+                </a:solidFill>
+                <a:effectLst/>
+                <a:latin typeface="Helvetica Neue" panose="02000503000000020004" pitchFamily="2" charset="0"/>
+              </a:rPr>
+              <a:t>Neural networks</a:t>
+            </a:r>
+          </a:p>
+          <a:p>
             <a:endParaRPr lang="en-US" dirty="0"/>
-          </a:p>
-        </p:txBody>
-      </p:sp>
-      <p:sp>
-        <p:nvSpPr>
-          <p:cNvPr id="3" name="Content Placeholder 2">
-            <a:extLst>
-              <a:ext uri="{FF2B5EF4-FFF2-40B4-BE49-F238E27FC236}">
-                <a16:creationId xmlns:a16="http://schemas.microsoft.com/office/drawing/2014/main" id="{98DBF6D4-FCA5-8612-8BD2-A79403E3D242}"/>
-              </a:ext>
-            </a:extLst>
-          </p:cNvPr>
-          <p:cNvSpPr>
-            <a:spLocks noGrp="1"/>
-          </p:cNvSpPr>
-          <p:nvPr>
-            <p:ph idx="1"/>
-          </p:nvPr>
-        </p:nvSpPr>
-        <p:spPr/>
-        <p:txBody>
-          <a:bodyPr/>
-          <a:lstStyle/>
-          <a:p>
-            <a:endParaRPr lang="en-US"/>
           </a:p>
         </p:txBody>
       </p:sp>
     </p:spTree>
     <p:extLst>
       <p:ext uri="{BB962C8B-B14F-4D97-AF65-F5344CB8AC3E}">
-        <p14:creationId xmlns:p14="http://schemas.microsoft.com/office/powerpoint/2010/main" val="4259506091"/>
+        <p14:creationId xmlns:p14="http://schemas.microsoft.com/office/powerpoint/2010/main" val="253531789"/>
       </p:ext>
     </p:extLst>
   </p:cSld>
@@ -4728,7 +5260,7 @@
           <p:cNvPr id="2" name="Title 1">
             <a:extLst>
               <a:ext uri="{FF2B5EF4-FFF2-40B4-BE49-F238E27FC236}">
-                <a16:creationId xmlns:a16="http://schemas.microsoft.com/office/drawing/2014/main" id="{6F400BB8-D619-0061-E30A-A29848C97692}"/>
+                <a16:creationId xmlns:a16="http://schemas.microsoft.com/office/drawing/2014/main" id="{640A89AA-D654-56D2-E1C9-591F3A7F2414}"/>
               </a:ext>
             </a:extLst>
           </p:cNvPr>
@@ -4746,7 +5278,7 @@
           <a:p>
             <a:r>
               <a:rPr lang="en-US" dirty="0"/>
-              <a:t>Model</a:t>
+              <a:t>R2</a:t>
             </a:r>
           </a:p>
         </p:txBody>
@@ -4756,7 +5288,7 @@
           <p:cNvPr id="3" name="Content Placeholder 2">
             <a:extLst>
               <a:ext uri="{FF2B5EF4-FFF2-40B4-BE49-F238E27FC236}">
-                <a16:creationId xmlns:a16="http://schemas.microsoft.com/office/drawing/2014/main" id="{04BE55EE-D00A-D092-BEA4-53B552DE5DC6}"/>
+                <a16:creationId xmlns:a16="http://schemas.microsoft.com/office/drawing/2014/main" id="{665CCC5B-BDBF-0706-EA0A-9786972B2782}"/>
               </a:ext>
             </a:extLst>
           </p:cNvPr>
@@ -4769,7 +5301,9 @@
         </p:nvSpPr>
         <p:spPr/>
         <p:txBody>
-          <a:bodyPr/>
+          <a:bodyPr>
+            <a:normAutofit fontScale="40000" lnSpcReduction="20000"/>
+          </a:bodyPr>
           <a:lstStyle/>
           <a:p>
             <a:pPr>
@@ -4777,31 +5311,16 @@
               <a:buChar char="•"/>
             </a:pPr>
             <a:r>
-              <a:rPr lang="en-GB" dirty="0">
+              <a:rPr lang="en-GB" u="sng" dirty="0">
                 <a:solidFill>
                   <a:srgbClr val="000000"/>
                 </a:solidFill>
                 <a:effectLst/>
                 <a:latin typeface="Helvetica Neue" panose="02000503000000020004" pitchFamily="2" charset="0"/>
+                <a:hlinkClick r:id="rId2"/>
               </a:rPr>
-              <a:t>Multiple linear regression - R2 = 31%</a:t>
-            </a:r>
-          </a:p>
-          <a:p>
-            <a:pPr lvl="1"/>
-            <a:r>
-              <a:rPr lang="en-GB" dirty="0">
-                <a:solidFill>
-                  <a:srgbClr val="000000"/>
-                </a:solidFill>
-                <a:effectLst/>
-                <a:latin typeface="Helvetica Neue" panose="02000503000000020004" pitchFamily="2" charset="0"/>
-              </a:rPr>
-              <a:t>Model built using just the health board and year is promising. This was built on totals of the discharges for each health board though and some boards show no significance so does this mean we can estimate them?</a:t>
-            </a:r>
-          </a:p>
-          <a:p>
-            <a:pPr lvl="1"/>
+              <a:t>https://quantifyinghealth.com/r-squared-study/</a:t>
+            </a:r>
             <a:endParaRPr lang="en-GB" dirty="0">
               <a:solidFill>
                 <a:srgbClr val="000000"/>
@@ -4811,52 +5330,274 @@
             </a:endParaRPr>
           </a:p>
           <a:p>
-            <a:pPr>
-              <a:buFont typeface="Arial" panose="020B0604020202020204" pitchFamily="34" charset="0"/>
-              <a:buChar char="•"/>
-            </a:pPr>
+            <a:r>
+              <a:rPr lang="en-GB" dirty="0" err="1">
+                <a:solidFill>
+                  <a:srgbClr val="262626"/>
+                </a:solidFill>
+                <a:effectLst/>
+                <a:latin typeface="Helvetica" pitchFamily="2" charset="0"/>
+              </a:rPr>
+              <a:t>analyzed</a:t>
+            </a:r>
             <a:r>
               <a:rPr lang="en-GB" dirty="0">
                 <a:solidFill>
+                  <a:srgbClr val="262626"/>
+                </a:solidFill>
+                <a:effectLst/>
+                <a:latin typeface="Helvetica" pitchFamily="2" charset="0"/>
+              </a:rPr>
+              <a:t> the content of 43,110 randomly chosen research papers from PubMed to learn more about R-squared.</a:t>
+            </a:r>
+          </a:p>
+          <a:p>
+            <a:r>
+              <a:rPr lang="en-GB" b="1" dirty="0">
+                <a:solidFill>
+                  <a:srgbClr val="262626"/>
+                </a:solidFill>
+                <a:effectLst/>
+                <a:latin typeface="Helvetica" pitchFamily="2" charset="0"/>
+              </a:rPr>
+              <a:t>The average value of R-squared in medical research is 0.499</a:t>
+            </a:r>
+            <a:r>
+              <a:rPr lang="en-GB" dirty="0">
+                <a:solidFill>
+                  <a:srgbClr val="262626"/>
+                </a:solidFill>
+                <a:effectLst/>
+                <a:latin typeface="Helvetica" pitchFamily="2" charset="0"/>
+              </a:rPr>
+              <a:t>, which means that the average linear regression model explains 49.9% of the outcome variance.</a:t>
+            </a:r>
+          </a:p>
+          <a:p>
+            <a:br>
+              <a:rPr lang="en-GB" dirty="0">
+                <a:solidFill>
+                  <a:srgbClr val="262626"/>
+                </a:solidFill>
+                <a:effectLst/>
+                <a:latin typeface="Helvetica" pitchFamily="2" charset="0"/>
+              </a:rPr>
+            </a:br>
+            <a:endParaRPr lang="en-GB" dirty="0">
+              <a:solidFill>
+                <a:srgbClr val="262626"/>
+              </a:solidFill>
+              <a:effectLst/>
+              <a:latin typeface="Helvetica" pitchFamily="2" charset="0"/>
+            </a:endParaRPr>
+          </a:p>
+          <a:p>
+            <a:r>
+              <a:rPr lang="en-GB" i="1" dirty="0">
+                <a:solidFill>
                   <a:srgbClr val="000000"/>
                 </a:solidFill>
                 <a:effectLst/>
-                <a:latin typeface="Helvetica Neue" panose="02000503000000020004" pitchFamily="2" charset="0"/>
+                <a:latin typeface="Helvetica" pitchFamily="2" charset="0"/>
               </a:rPr>
-              <a:t>Random forest - R2 = 97% but useless prediction</a:t>
-            </a:r>
-          </a:p>
-          <a:p>
-            <a:pPr>
-              <a:buFont typeface="Arial" panose="020B0604020202020204" pitchFamily="34" charset="0"/>
-              <a:buChar char="•"/>
-            </a:pPr>
-            <a:r>
+              <a:t>In typical applications in biology, psychology, marketing, and other domains, we would expect only a very small proportion of the variance in the response to be explained by the predictor, and an R2 value well below 0.1 might be more realistic!</a:t>
+            </a:r>
+            <a:endParaRPr lang="en-GB" dirty="0">
+              <a:solidFill>
+                <a:srgbClr val="000000"/>
+              </a:solidFill>
+              <a:effectLst/>
+              <a:latin typeface="Helvetica" pitchFamily="2" charset="0"/>
+            </a:endParaRPr>
+          </a:p>
+          <a:p>
+            <a:r>
+              <a:rPr lang="en-GB" i="1" dirty="0">
+                <a:solidFill>
+                  <a:srgbClr val="000000"/>
+                </a:solidFill>
+                <a:effectLst/>
+                <a:latin typeface="Helvetica" pitchFamily="2" charset="0"/>
+              </a:rPr>
+              <a:t>An Introduction to Statistical Learning by Gareth James et al.</a:t>
+            </a:r>
+            <a:endParaRPr lang="en-GB" dirty="0">
+              <a:solidFill>
+                <a:srgbClr val="000000"/>
+              </a:solidFill>
+              <a:effectLst/>
+              <a:latin typeface="Helvetica" pitchFamily="2" charset="0"/>
+            </a:endParaRPr>
+          </a:p>
+          <a:p>
+            <a:br>
               <a:rPr lang="en-GB" dirty="0">
                 <a:solidFill>
                   <a:srgbClr val="000000"/>
                 </a:solidFill>
                 <a:effectLst/>
-                <a:latin typeface="Helvetica Neue" panose="02000503000000020004" pitchFamily="2" charset="0"/>
+                <a:latin typeface="Helvetica" pitchFamily="2" charset="0"/>
               </a:rPr>
-              <a:t>ARIMA</a:t>
-            </a:r>
-          </a:p>
-          <a:p>
-            <a:pPr>
-              <a:buFont typeface="Arial" panose="020B0604020202020204" pitchFamily="34" charset="0"/>
-              <a:buChar char="•"/>
-            </a:pPr>
+            </a:br>
+            <a:endParaRPr lang="en-GB" dirty="0">
+              <a:solidFill>
+                <a:srgbClr val="000000"/>
+              </a:solidFill>
+              <a:effectLst/>
+              <a:latin typeface="Helvetica" pitchFamily="2" charset="0"/>
+            </a:endParaRPr>
+          </a:p>
+          <a:p>
+            <a:r>
+              <a:rPr lang="en-GB" i="1" u="sng" dirty="0">
+                <a:solidFill>
+                  <a:srgbClr val="000000"/>
+                </a:solidFill>
+                <a:effectLst/>
+                <a:latin typeface="Helvetica" pitchFamily="2" charset="0"/>
+                <a:hlinkClick r:id="rId3"/>
+              </a:rPr>
+              <a:t>https://statisticsbyjim.com/regression/how-high-r-squared/</a:t>
+            </a:r>
+            <a:endParaRPr lang="en-GB" dirty="0">
+              <a:solidFill>
+                <a:srgbClr val="000000"/>
+              </a:solidFill>
+              <a:effectLst/>
+              <a:latin typeface="Helvetica" pitchFamily="2" charset="0"/>
+            </a:endParaRPr>
+          </a:p>
+          <a:p>
             <a:r>
               <a:rPr lang="en-GB" dirty="0">
                 <a:solidFill>
-                  <a:srgbClr val="000000"/>
+                  <a:srgbClr val="636360"/>
                 </a:solidFill>
                 <a:effectLst/>
-                <a:latin typeface="Helvetica Neue" panose="02000503000000020004" pitchFamily="2" charset="0"/>
+                <a:latin typeface="Helvetica Light" panose="020B0403020202020204" pitchFamily="34" charset="0"/>
               </a:rPr>
-              <a:t>Neural networks</a:t>
-            </a:r>
+              <a:t>Any study that attempts to predict human </a:t>
+            </a:r>
+            <a:r>
+              <a:rPr lang="en-GB" dirty="0" err="1">
+                <a:solidFill>
+                  <a:srgbClr val="636360"/>
+                </a:solidFill>
+                <a:effectLst/>
+                <a:latin typeface="Helvetica Light" panose="020B0403020202020204" pitchFamily="34" charset="0"/>
+              </a:rPr>
+              <a:t>behavior</a:t>
+            </a:r>
+            <a:r>
+              <a:rPr lang="en-GB" dirty="0">
+                <a:solidFill>
+                  <a:srgbClr val="636360"/>
+                </a:solidFill>
+                <a:effectLst/>
+                <a:latin typeface="Helvetica Light" panose="020B0403020202020204" pitchFamily="34" charset="0"/>
+              </a:rPr>
+              <a:t> will tend to have R-squared values less than 50%. </a:t>
+            </a:r>
+          </a:p>
+          <a:p>
+            <a:br>
+              <a:rPr lang="en-GB" dirty="0">
+                <a:solidFill>
+                  <a:srgbClr val="636360"/>
+                </a:solidFill>
+                <a:effectLst/>
+                <a:latin typeface="Helvetica Light" panose="020B0403020202020204" pitchFamily="34" charset="0"/>
+              </a:rPr>
+            </a:br>
+            <a:endParaRPr lang="en-GB" dirty="0">
+              <a:solidFill>
+                <a:srgbClr val="636360"/>
+              </a:solidFill>
+              <a:effectLst/>
+              <a:latin typeface="Helvetica Light" panose="020B0403020202020204" pitchFamily="34" charset="0"/>
+            </a:endParaRPr>
+          </a:p>
+          <a:p>
+            <a:r>
+              <a:rPr lang="en-GB" dirty="0">
+                <a:solidFill>
+                  <a:srgbClr val="636360"/>
+                </a:solidFill>
+                <a:effectLst/>
+                <a:latin typeface="Helvetica Light" panose="020B0403020202020204" pitchFamily="34" charset="0"/>
+              </a:rPr>
+              <a:t>However, if you </a:t>
+            </a:r>
+            <a:r>
+              <a:rPr lang="en-GB" dirty="0" err="1">
+                <a:solidFill>
+                  <a:srgbClr val="636360"/>
+                </a:solidFill>
+                <a:effectLst/>
+                <a:latin typeface="Helvetica Light" panose="020B0403020202020204" pitchFamily="34" charset="0"/>
+              </a:rPr>
+              <a:t>analyze</a:t>
+            </a:r>
+            <a:r>
+              <a:rPr lang="en-GB" dirty="0">
+                <a:solidFill>
+                  <a:srgbClr val="636360"/>
+                </a:solidFill>
+                <a:effectLst/>
+                <a:latin typeface="Helvetica Light" panose="020B0403020202020204" pitchFamily="34" charset="0"/>
+              </a:rPr>
+              <a:t> a physical process and have very good measurements, you might expect R-squared values over 90%. </a:t>
+            </a:r>
+          </a:p>
+          <a:p>
+            <a:br>
+              <a:rPr lang="en-GB" dirty="0">
+                <a:solidFill>
+                  <a:srgbClr val="636360"/>
+                </a:solidFill>
+                <a:effectLst/>
+                <a:latin typeface="Helvetica Light" panose="020B0403020202020204" pitchFamily="34" charset="0"/>
+              </a:rPr>
+            </a:br>
+            <a:endParaRPr lang="en-GB" dirty="0">
+              <a:solidFill>
+                <a:srgbClr val="636360"/>
+              </a:solidFill>
+              <a:effectLst/>
+              <a:latin typeface="Helvetica Light" panose="020B0403020202020204" pitchFamily="34" charset="0"/>
+            </a:endParaRPr>
+          </a:p>
+          <a:p>
+            <a:r>
+              <a:rPr lang="en-GB" dirty="0">
+                <a:solidFill>
+                  <a:srgbClr val="636360"/>
+                </a:solidFill>
+                <a:effectLst/>
+                <a:latin typeface="Helvetica Light" panose="020B0403020202020204" pitchFamily="34" charset="0"/>
+              </a:rPr>
+              <a:t>Use prediction intervals to access precision</a:t>
+            </a:r>
+          </a:p>
+          <a:p>
+            <a:r>
+              <a:rPr lang="en-GB" u="sng" dirty="0">
+                <a:solidFill>
+                  <a:srgbClr val="636360"/>
+                </a:solidFill>
+                <a:effectLst/>
+                <a:latin typeface="Helvetica Light" panose="020B0403020202020204" pitchFamily="34" charset="0"/>
+                <a:hlinkClick r:id="rId3"/>
+              </a:rPr>
+              <a:t>https://statisticsbyjim.com/regression/how-high-r-squared/</a:t>
+            </a:r>
+            <a:endParaRPr lang="en-GB" dirty="0">
+              <a:solidFill>
+                <a:srgbClr val="636360"/>
+              </a:solidFill>
+              <a:effectLst/>
+              <a:latin typeface="Helvetica Light" panose="020B0403020202020204" pitchFamily="34" charset="0"/>
+            </a:endParaRPr>
           </a:p>
           <a:p>
             <a:endParaRPr lang="en-US" dirty="0"/>
@@ -4866,7 +5607,7 @@
     </p:spTree>
     <p:extLst>
       <p:ext uri="{BB962C8B-B14F-4D97-AF65-F5344CB8AC3E}">
-        <p14:creationId xmlns:p14="http://schemas.microsoft.com/office/powerpoint/2010/main" val="253531789"/>
+        <p14:creationId xmlns:p14="http://schemas.microsoft.com/office/powerpoint/2010/main" val="3979207818"/>
       </p:ext>
     </p:extLst>
   </p:cSld>
@@ -4898,7 +5639,7 @@
           <p:cNvPr id="2" name="Title 1">
             <a:extLst>
               <a:ext uri="{FF2B5EF4-FFF2-40B4-BE49-F238E27FC236}">
-                <a16:creationId xmlns:a16="http://schemas.microsoft.com/office/drawing/2014/main" id="{640A89AA-D654-56D2-E1C9-591F3A7F2414}"/>
+                <a16:creationId xmlns:a16="http://schemas.microsoft.com/office/drawing/2014/main" id="{0644B7D0-CD88-8D07-EA7A-37CFB3720BE8}"/>
               </a:ext>
             </a:extLst>
           </p:cNvPr>
@@ -4914,10 +5655,7 @@
           <a:bodyPr/>
           <a:lstStyle/>
           <a:p>
-            <a:r>
-              <a:rPr lang="en-US" dirty="0"/>
-              <a:t>R2</a:t>
-            </a:r>
+            <a:endParaRPr lang="en-US"/>
           </a:p>
         </p:txBody>
       </p:sp>
@@ -4926,7 +5664,7 @@
           <p:cNvPr id="3" name="Content Placeholder 2">
             <a:extLst>
               <a:ext uri="{FF2B5EF4-FFF2-40B4-BE49-F238E27FC236}">
-                <a16:creationId xmlns:a16="http://schemas.microsoft.com/office/drawing/2014/main" id="{665CCC5B-BDBF-0706-EA0A-9786972B2782}"/>
+                <a16:creationId xmlns:a16="http://schemas.microsoft.com/office/drawing/2014/main" id="{CF8384A0-67D2-BC46-241E-49C51BCFCCCA}"/>
               </a:ext>
             </a:extLst>
           </p:cNvPr>
@@ -4940,312 +5678,545 @@
         <p:spPr/>
         <p:txBody>
           <a:bodyPr>
-            <a:normAutofit fontScale="40000" lnSpcReduction="20000"/>
+            <a:normAutofit/>
           </a:bodyPr>
           <a:lstStyle/>
           <a:p>
-            <a:pPr>
-              <a:buFont typeface="Arial" panose="020B0604020202020204" pitchFamily="34" charset="0"/>
-              <a:buChar char="•"/>
-            </a:pPr>
-            <a:r>
-              <a:rPr lang="en-GB" u="sng" dirty="0">
-                <a:solidFill>
-                  <a:srgbClr val="000000"/>
-                </a:solidFill>
-                <a:effectLst/>
-                <a:latin typeface="Helvetica Neue" panose="02000503000000020004" pitchFamily="2" charset="0"/>
-                <a:hlinkClick r:id="rId2"/>
-              </a:rPr>
-              <a:t>https://quantifyinghealth.com/r-squared-study/</a:t>
-            </a:r>
-            <a:endParaRPr lang="en-GB" dirty="0">
-              <a:solidFill>
-                <a:srgbClr val="000000"/>
-              </a:solidFill>
-              <a:effectLst/>
-              <a:latin typeface="Helvetica Neue" panose="02000503000000020004" pitchFamily="2" charset="0"/>
-            </a:endParaRPr>
-          </a:p>
-          <a:p>
-            <a:r>
-              <a:rPr lang="en-GB" dirty="0" err="1">
-                <a:solidFill>
-                  <a:srgbClr val="262626"/>
-                </a:solidFill>
-                <a:effectLst/>
-                <a:latin typeface="Helvetica" pitchFamily="2" charset="0"/>
-              </a:rPr>
-              <a:t>analyzed</a:t>
-            </a:r>
-            <a:r>
-              <a:rPr lang="en-GB" dirty="0">
-                <a:solidFill>
-                  <a:srgbClr val="262626"/>
-                </a:solidFill>
-                <a:effectLst/>
-                <a:latin typeface="Helvetica" pitchFamily="2" charset="0"/>
-              </a:rPr>
-              <a:t> the content of 43,110 randomly chosen research papers from PubMed to learn more about R-squared.</a:t>
-            </a:r>
-          </a:p>
-          <a:p>
-            <a:r>
-              <a:rPr lang="en-GB" b="1" dirty="0">
-                <a:solidFill>
-                  <a:srgbClr val="262626"/>
-                </a:solidFill>
-                <a:effectLst/>
-                <a:latin typeface="Helvetica" pitchFamily="2" charset="0"/>
-              </a:rPr>
-              <a:t>The average value of R-squared in medical research is 0.499</a:t>
-            </a:r>
-            <a:r>
-              <a:rPr lang="en-GB" dirty="0">
-                <a:solidFill>
-                  <a:srgbClr val="262626"/>
-                </a:solidFill>
-                <a:effectLst/>
-                <a:latin typeface="Helvetica" pitchFamily="2" charset="0"/>
-              </a:rPr>
-              <a:t>, which means that the average linear regression model explains 49.9% of the outcome variance.</a:t>
-            </a:r>
-          </a:p>
-          <a:p>
-            <a:br>
-              <a:rPr lang="en-GB" dirty="0">
-                <a:solidFill>
-                  <a:srgbClr val="262626"/>
-                </a:solidFill>
-                <a:effectLst/>
-                <a:latin typeface="Helvetica" pitchFamily="2" charset="0"/>
-              </a:rPr>
-            </a:br>
-            <a:endParaRPr lang="en-GB" dirty="0">
-              <a:solidFill>
-                <a:srgbClr val="262626"/>
-              </a:solidFill>
-              <a:effectLst/>
-              <a:latin typeface="Helvetica" pitchFamily="2" charset="0"/>
-            </a:endParaRPr>
-          </a:p>
-          <a:p>
-            <a:r>
-              <a:rPr lang="en-GB" i="1" dirty="0">
-                <a:solidFill>
-                  <a:srgbClr val="000000"/>
-                </a:solidFill>
-                <a:effectLst/>
-                <a:latin typeface="Helvetica" pitchFamily="2" charset="0"/>
-              </a:rPr>
-              <a:t>In typical applications in biology, psychology, marketing, and other domains, we would expect only a very small proportion of the variance in the response to be explained by the predictor, and an R2 value well below 0.1 might be more realistic!</a:t>
-            </a:r>
-            <a:endParaRPr lang="en-GB" dirty="0">
-              <a:solidFill>
-                <a:srgbClr val="000000"/>
-              </a:solidFill>
-              <a:effectLst/>
-              <a:latin typeface="Helvetica" pitchFamily="2" charset="0"/>
-            </a:endParaRPr>
-          </a:p>
-          <a:p>
-            <a:r>
-              <a:rPr lang="en-GB" i="1" dirty="0">
-                <a:solidFill>
-                  <a:srgbClr val="000000"/>
-                </a:solidFill>
-                <a:effectLst/>
-                <a:latin typeface="Helvetica" pitchFamily="2" charset="0"/>
-              </a:rPr>
-              <a:t>An Introduction to Statistical Learning by Gareth James et al.</a:t>
-            </a:r>
-            <a:endParaRPr lang="en-GB" dirty="0">
-              <a:solidFill>
-                <a:srgbClr val="000000"/>
-              </a:solidFill>
-              <a:effectLst/>
-              <a:latin typeface="Helvetica" pitchFamily="2" charset="0"/>
-            </a:endParaRPr>
-          </a:p>
-          <a:p>
-            <a:br>
-              <a:rPr lang="en-GB" dirty="0">
-                <a:solidFill>
-                  <a:srgbClr val="000000"/>
-                </a:solidFill>
-                <a:effectLst/>
-                <a:latin typeface="Helvetica" pitchFamily="2" charset="0"/>
-              </a:rPr>
-            </a:br>
-            <a:endParaRPr lang="en-GB" dirty="0">
-              <a:solidFill>
-                <a:srgbClr val="000000"/>
-              </a:solidFill>
-              <a:effectLst/>
-              <a:latin typeface="Helvetica" pitchFamily="2" charset="0"/>
-            </a:endParaRPr>
-          </a:p>
-          <a:p>
-            <a:r>
-              <a:rPr lang="en-GB" i="1" u="sng" dirty="0">
-                <a:solidFill>
-                  <a:srgbClr val="000000"/>
-                </a:solidFill>
-                <a:effectLst/>
-                <a:latin typeface="Helvetica" pitchFamily="2" charset="0"/>
-                <a:hlinkClick r:id="rId3"/>
-              </a:rPr>
-              <a:t>https://statisticsbyjim.com/regression/how-high-r-squared/</a:t>
-            </a:r>
-            <a:endParaRPr lang="en-GB" dirty="0">
-              <a:solidFill>
-                <a:srgbClr val="000000"/>
-              </a:solidFill>
-              <a:effectLst/>
-              <a:latin typeface="Helvetica" pitchFamily="2" charset="0"/>
-            </a:endParaRPr>
-          </a:p>
-          <a:p>
-            <a:r>
-              <a:rPr lang="en-GB" dirty="0">
-                <a:solidFill>
-                  <a:srgbClr val="636360"/>
-                </a:solidFill>
-                <a:effectLst/>
-                <a:latin typeface="Helvetica Light" panose="020B0403020202020204" pitchFamily="34" charset="0"/>
-              </a:rPr>
-              <a:t>Any study that attempts to predict human </a:t>
-            </a:r>
-            <a:r>
-              <a:rPr lang="en-GB" dirty="0" err="1">
-                <a:solidFill>
-                  <a:srgbClr val="636360"/>
-                </a:solidFill>
-                <a:effectLst/>
-                <a:latin typeface="Helvetica Light" panose="020B0403020202020204" pitchFamily="34" charset="0"/>
-              </a:rPr>
-              <a:t>behavior</a:t>
-            </a:r>
-            <a:r>
-              <a:rPr lang="en-GB" dirty="0">
-                <a:solidFill>
-                  <a:srgbClr val="636360"/>
-                </a:solidFill>
-                <a:effectLst/>
-                <a:latin typeface="Helvetica Light" panose="020B0403020202020204" pitchFamily="34" charset="0"/>
-              </a:rPr>
-              <a:t> will tend to have R-squared values less than 50%. </a:t>
-            </a:r>
-          </a:p>
-          <a:p>
-            <a:br>
-              <a:rPr lang="en-GB" dirty="0">
-                <a:solidFill>
-                  <a:srgbClr val="636360"/>
-                </a:solidFill>
-                <a:effectLst/>
-                <a:latin typeface="Helvetica Light" panose="020B0403020202020204" pitchFamily="34" charset="0"/>
-              </a:rPr>
-            </a:br>
-            <a:endParaRPr lang="en-GB" dirty="0">
-              <a:solidFill>
-                <a:srgbClr val="636360"/>
-              </a:solidFill>
-              <a:effectLst/>
-              <a:latin typeface="Helvetica Light" panose="020B0403020202020204" pitchFamily="34" charset="0"/>
-            </a:endParaRPr>
-          </a:p>
-          <a:p>
-            <a:r>
-              <a:rPr lang="en-GB" dirty="0">
-                <a:solidFill>
-                  <a:srgbClr val="636360"/>
-                </a:solidFill>
-                <a:effectLst/>
-                <a:latin typeface="Helvetica Light" panose="020B0403020202020204" pitchFamily="34" charset="0"/>
-              </a:rPr>
-              <a:t>However, if you </a:t>
-            </a:r>
-            <a:r>
-              <a:rPr lang="en-GB" dirty="0" err="1">
-                <a:solidFill>
-                  <a:srgbClr val="636360"/>
-                </a:solidFill>
-                <a:effectLst/>
-                <a:latin typeface="Helvetica Light" panose="020B0403020202020204" pitchFamily="34" charset="0"/>
-              </a:rPr>
-              <a:t>analyze</a:t>
-            </a:r>
-            <a:r>
-              <a:rPr lang="en-GB" dirty="0">
-                <a:solidFill>
-                  <a:srgbClr val="636360"/>
-                </a:solidFill>
-                <a:effectLst/>
-                <a:latin typeface="Helvetica Light" panose="020B0403020202020204" pitchFamily="34" charset="0"/>
-              </a:rPr>
-              <a:t> a physical process and have very good measurements, you might expect R-squared values over 90%. </a:t>
-            </a:r>
-          </a:p>
-          <a:p>
-            <a:br>
-              <a:rPr lang="en-GB" dirty="0">
-                <a:solidFill>
-                  <a:srgbClr val="636360"/>
-                </a:solidFill>
-                <a:effectLst/>
-                <a:latin typeface="Helvetica Light" panose="020B0403020202020204" pitchFamily="34" charset="0"/>
-              </a:rPr>
-            </a:br>
-            <a:endParaRPr lang="en-GB" dirty="0">
-              <a:solidFill>
-                <a:srgbClr val="636360"/>
-              </a:solidFill>
-              <a:effectLst/>
-              <a:latin typeface="Helvetica Light" panose="020B0403020202020204" pitchFamily="34" charset="0"/>
-            </a:endParaRPr>
-          </a:p>
-          <a:p>
-            <a:r>
-              <a:rPr lang="en-GB" dirty="0">
-                <a:solidFill>
-                  <a:srgbClr val="636360"/>
-                </a:solidFill>
-                <a:effectLst/>
-                <a:latin typeface="Helvetica Light" panose="020B0403020202020204" pitchFamily="34" charset="0"/>
-              </a:rPr>
-              <a:t>Use prediction intervals to access precision</a:t>
-            </a:r>
-          </a:p>
-          <a:p>
-            <a:r>
-              <a:rPr lang="en-GB" u="sng" dirty="0">
-                <a:solidFill>
-                  <a:srgbClr val="636360"/>
-                </a:solidFill>
-                <a:effectLst/>
-                <a:latin typeface="Helvetica Light" panose="020B0403020202020204" pitchFamily="34" charset="0"/>
-                <a:hlinkClick r:id="rId3"/>
-              </a:rPr>
-              <a:t>https://statisticsbyjim.com/regression/how-high-r-squared/</a:t>
-            </a:r>
-            <a:endParaRPr lang="en-GB" dirty="0">
-              <a:solidFill>
-                <a:srgbClr val="636360"/>
-              </a:solidFill>
-              <a:effectLst/>
-              <a:latin typeface="Helvetica Light" panose="020B0403020202020204" pitchFamily="34" charset="0"/>
-            </a:endParaRPr>
-          </a:p>
-          <a:p>
-            <a:endParaRPr lang="en-US" dirty="0"/>
+            <a:r>
+              <a:rPr lang="en-US" sz="2000" dirty="0"/>
+              <a:t>What do we want to model – if we use raw values we need to account for future changes in age structures of the population . This would have been interesting but maybe not necessary given we have </a:t>
+            </a:r>
+            <a:r>
+              <a:rPr lang="en-US" sz="2000" dirty="0" err="1"/>
+              <a:t>easr</a:t>
+            </a:r>
+            <a:r>
+              <a:rPr lang="en-US" sz="2000" dirty="0"/>
+              <a:t> numbers. </a:t>
+            </a:r>
+          </a:p>
+          <a:p>
+            <a:r>
+              <a:rPr lang="en-US" sz="2000" dirty="0"/>
+              <a:t>But I think using EASR numbers means you can’t predict levels by health board because everything is standardized – or maybe </a:t>
+            </a:r>
+            <a:r>
+              <a:rPr lang="en-US" sz="2000" dirty="0" err="1"/>
+              <a:t>easr</a:t>
+            </a:r>
+            <a:r>
+              <a:rPr lang="en-US" sz="2000" dirty="0"/>
+              <a:t> revels true differences??</a:t>
+            </a:r>
+          </a:p>
+          <a:p>
+            <a:r>
+              <a:rPr lang="en-US" sz="2000" dirty="0"/>
+              <a:t>Options for modelling –</a:t>
+            </a:r>
+          </a:p>
+          <a:p>
+            <a:r>
+              <a:rPr lang="en-US" sz="2000" dirty="0"/>
+              <a:t>Numbers at council level were too low to form pattern</a:t>
+            </a:r>
+          </a:p>
+        </p:txBody>
+      </p:sp>
+      <p:sp>
+        <p:nvSpPr>
+          <p:cNvPr id="4" name="TextBox 3">
+            <a:extLst>
+              <a:ext uri="{FF2B5EF4-FFF2-40B4-BE49-F238E27FC236}">
+                <a16:creationId xmlns:a16="http://schemas.microsoft.com/office/drawing/2014/main" id="{7B7FA0CA-7D1B-985E-899E-9335EBEF1201}"/>
+              </a:ext>
+            </a:extLst>
+          </p:cNvPr>
+          <p:cNvSpPr txBox="1"/>
+          <p:nvPr/>
+        </p:nvSpPr>
+        <p:spPr>
+          <a:xfrm>
+            <a:off x="6096000" y="3631962"/>
+            <a:ext cx="3502177" cy="369332"/>
+          </a:xfrm>
+          <a:prstGeom prst="rect">
+            <a:avLst/>
+          </a:prstGeom>
+          <a:noFill/>
+        </p:spPr>
+        <p:txBody>
+          <a:bodyPr wrap="none" rtlCol="0">
+            <a:spAutoFit/>
+          </a:bodyPr>
+          <a:lstStyle/>
+          <a:p>
+            <a:r>
+              <a:rPr lang="en-US" dirty="0"/>
+              <a:t>Raw Values  |  Crude Rates  |  EASR</a:t>
+            </a:r>
+          </a:p>
+        </p:txBody>
+      </p:sp>
+      <p:cxnSp>
+        <p:nvCxnSpPr>
+          <p:cNvPr id="6" name="Straight Arrow Connector 5">
+            <a:extLst>
+              <a:ext uri="{FF2B5EF4-FFF2-40B4-BE49-F238E27FC236}">
+                <a16:creationId xmlns:a16="http://schemas.microsoft.com/office/drawing/2014/main" id="{DC33E501-1BC2-EA14-D7AD-D926930D1442}"/>
+              </a:ext>
+            </a:extLst>
+          </p:cNvPr>
+          <p:cNvCxnSpPr>
+            <a:stCxn id="4" idx="2"/>
+          </p:cNvCxnSpPr>
+          <p:nvPr/>
+        </p:nvCxnSpPr>
+        <p:spPr>
+          <a:xfrm flipH="1">
+            <a:off x="6995886" y="4001294"/>
+            <a:ext cx="851203" cy="556192"/>
+          </a:xfrm>
+          <a:prstGeom prst="straightConnector1">
+            <a:avLst/>
+          </a:prstGeom>
+          <a:ln>
+            <a:tailEnd type="triangle"/>
+          </a:ln>
+        </p:spPr>
+        <p:style>
+          <a:lnRef idx="1">
+            <a:schemeClr val="accent1"/>
+          </a:lnRef>
+          <a:fillRef idx="0">
+            <a:schemeClr val="accent1"/>
+          </a:fillRef>
+          <a:effectRef idx="0">
+            <a:schemeClr val="accent1"/>
+          </a:effectRef>
+          <a:fontRef idx="minor">
+            <a:schemeClr val="tx1"/>
+          </a:fontRef>
+        </p:style>
+      </p:cxnSp>
+      <p:cxnSp>
+        <p:nvCxnSpPr>
+          <p:cNvPr id="7" name="Straight Arrow Connector 6">
+            <a:extLst>
+              <a:ext uri="{FF2B5EF4-FFF2-40B4-BE49-F238E27FC236}">
+                <a16:creationId xmlns:a16="http://schemas.microsoft.com/office/drawing/2014/main" id="{64EF9384-B575-0D56-85BB-236CAFE866A7}"/>
+              </a:ext>
+            </a:extLst>
+          </p:cNvPr>
+          <p:cNvCxnSpPr>
+            <a:cxnSpLocks/>
+          </p:cNvCxnSpPr>
+          <p:nvPr/>
+        </p:nvCxnSpPr>
+        <p:spPr>
+          <a:xfrm>
+            <a:off x="7849207" y="4018759"/>
+            <a:ext cx="897768" cy="538727"/>
+          </a:xfrm>
+          <a:prstGeom prst="straightConnector1">
+            <a:avLst/>
+          </a:prstGeom>
+          <a:ln>
+            <a:tailEnd type="triangle"/>
+          </a:ln>
+        </p:spPr>
+        <p:style>
+          <a:lnRef idx="1">
+            <a:schemeClr val="accent1"/>
+          </a:lnRef>
+          <a:fillRef idx="0">
+            <a:schemeClr val="accent1"/>
+          </a:fillRef>
+          <a:effectRef idx="0">
+            <a:schemeClr val="accent1"/>
+          </a:effectRef>
+          <a:fontRef idx="minor">
+            <a:schemeClr val="tx1"/>
+          </a:fontRef>
+        </p:style>
+      </p:cxnSp>
+      <p:sp>
+        <p:nvSpPr>
+          <p:cNvPr id="10" name="TextBox 9">
+            <a:extLst>
+              <a:ext uri="{FF2B5EF4-FFF2-40B4-BE49-F238E27FC236}">
+                <a16:creationId xmlns:a16="http://schemas.microsoft.com/office/drawing/2014/main" id="{EBF8C95F-D7CF-E65A-8AA8-42806348DC10}"/>
+              </a:ext>
+            </a:extLst>
+          </p:cNvPr>
+          <p:cNvSpPr txBox="1"/>
+          <p:nvPr/>
+        </p:nvSpPr>
+        <p:spPr>
+          <a:xfrm>
+            <a:off x="5566229" y="4507755"/>
+            <a:ext cx="2260299" cy="369332"/>
+          </a:xfrm>
+          <a:prstGeom prst="rect">
+            <a:avLst/>
+          </a:prstGeom>
+          <a:noFill/>
+        </p:spPr>
+        <p:txBody>
+          <a:bodyPr wrap="none" rtlCol="0">
+            <a:spAutoFit/>
+          </a:bodyPr>
+          <a:lstStyle/>
+          <a:p>
+            <a:r>
+              <a:rPr lang="en-US" dirty="0"/>
+              <a:t>Number of Discharges</a:t>
+            </a:r>
+          </a:p>
+        </p:txBody>
+      </p:sp>
+      <p:sp>
+        <p:nvSpPr>
+          <p:cNvPr id="11" name="TextBox 10">
+            <a:extLst>
+              <a:ext uri="{FF2B5EF4-FFF2-40B4-BE49-F238E27FC236}">
+                <a16:creationId xmlns:a16="http://schemas.microsoft.com/office/drawing/2014/main" id="{C01E4908-BD97-AAC6-4046-53598DD195F5}"/>
+              </a:ext>
+            </a:extLst>
+          </p:cNvPr>
+          <p:cNvSpPr txBox="1"/>
+          <p:nvPr/>
+        </p:nvSpPr>
+        <p:spPr>
+          <a:xfrm>
+            <a:off x="8645150" y="4563388"/>
+            <a:ext cx="1910588" cy="369332"/>
+          </a:xfrm>
+          <a:prstGeom prst="rect">
+            <a:avLst/>
+          </a:prstGeom>
+          <a:noFill/>
+        </p:spPr>
+        <p:txBody>
+          <a:bodyPr wrap="none" rtlCol="0">
+            <a:spAutoFit/>
+          </a:bodyPr>
+          <a:lstStyle/>
+          <a:p>
+            <a:r>
+              <a:rPr lang="en-US" dirty="0"/>
+              <a:t>Number of Deaths</a:t>
+            </a:r>
+          </a:p>
+        </p:txBody>
+      </p:sp>
+      <p:cxnSp>
+        <p:nvCxnSpPr>
+          <p:cNvPr id="12" name="Straight Arrow Connector 11">
+            <a:extLst>
+              <a:ext uri="{FF2B5EF4-FFF2-40B4-BE49-F238E27FC236}">
+                <a16:creationId xmlns:a16="http://schemas.microsoft.com/office/drawing/2014/main" id="{4126844D-53F5-D8D9-CA64-393843C65B8D}"/>
+              </a:ext>
+            </a:extLst>
+          </p:cNvPr>
+          <p:cNvCxnSpPr>
+            <a:cxnSpLocks/>
+            <a:endCxn id="16" idx="0"/>
+          </p:cNvCxnSpPr>
+          <p:nvPr/>
+        </p:nvCxnSpPr>
+        <p:spPr>
+          <a:xfrm flipH="1">
+            <a:off x="5766952" y="4970833"/>
+            <a:ext cx="754649" cy="682195"/>
+          </a:xfrm>
+          <a:prstGeom prst="straightConnector1">
+            <a:avLst/>
+          </a:prstGeom>
+          <a:ln>
+            <a:tailEnd type="triangle"/>
+          </a:ln>
+        </p:spPr>
+        <p:style>
+          <a:lnRef idx="1">
+            <a:schemeClr val="accent1"/>
+          </a:lnRef>
+          <a:fillRef idx="0">
+            <a:schemeClr val="accent1"/>
+          </a:fillRef>
+          <a:effectRef idx="0">
+            <a:schemeClr val="accent1"/>
+          </a:effectRef>
+          <a:fontRef idx="minor">
+            <a:schemeClr val="tx1"/>
+          </a:fontRef>
+        </p:style>
+      </p:cxnSp>
+      <p:cxnSp>
+        <p:nvCxnSpPr>
+          <p:cNvPr id="13" name="Straight Arrow Connector 12">
+            <a:extLst>
+              <a:ext uri="{FF2B5EF4-FFF2-40B4-BE49-F238E27FC236}">
+                <a16:creationId xmlns:a16="http://schemas.microsoft.com/office/drawing/2014/main" id="{B04E804F-9DAE-99A8-070E-AC60E6793B1B}"/>
+              </a:ext>
+            </a:extLst>
+          </p:cNvPr>
+          <p:cNvCxnSpPr>
+            <a:cxnSpLocks/>
+          </p:cNvCxnSpPr>
+          <p:nvPr/>
+        </p:nvCxnSpPr>
+        <p:spPr>
+          <a:xfrm>
+            <a:off x="6523719" y="4988298"/>
+            <a:ext cx="897768" cy="538727"/>
+          </a:xfrm>
+          <a:prstGeom prst="straightConnector1">
+            <a:avLst/>
+          </a:prstGeom>
+          <a:ln>
+            <a:tailEnd type="triangle"/>
+          </a:ln>
+        </p:spPr>
+        <p:style>
+          <a:lnRef idx="1">
+            <a:schemeClr val="accent1"/>
+          </a:lnRef>
+          <a:fillRef idx="0">
+            <a:schemeClr val="accent1"/>
+          </a:fillRef>
+          <a:effectRef idx="0">
+            <a:schemeClr val="accent1"/>
+          </a:effectRef>
+          <a:fontRef idx="minor">
+            <a:schemeClr val="tx1"/>
+          </a:fontRef>
+        </p:style>
+      </p:cxnSp>
+      <p:cxnSp>
+        <p:nvCxnSpPr>
+          <p:cNvPr id="14" name="Straight Arrow Connector 13">
+            <a:extLst>
+              <a:ext uri="{FF2B5EF4-FFF2-40B4-BE49-F238E27FC236}">
+                <a16:creationId xmlns:a16="http://schemas.microsoft.com/office/drawing/2014/main" id="{D58C4610-1F19-10DE-B400-C29D3FAAE4E9}"/>
+              </a:ext>
+            </a:extLst>
+          </p:cNvPr>
+          <p:cNvCxnSpPr/>
+          <p:nvPr/>
+        </p:nvCxnSpPr>
+        <p:spPr>
+          <a:xfrm flipH="1">
+            <a:off x="8775620" y="4998649"/>
+            <a:ext cx="851203" cy="556192"/>
+          </a:xfrm>
+          <a:prstGeom prst="straightConnector1">
+            <a:avLst/>
+          </a:prstGeom>
+          <a:ln>
+            <a:tailEnd type="triangle"/>
+          </a:ln>
+        </p:spPr>
+        <p:style>
+          <a:lnRef idx="1">
+            <a:schemeClr val="accent1"/>
+          </a:lnRef>
+          <a:fillRef idx="0">
+            <a:schemeClr val="accent1"/>
+          </a:fillRef>
+          <a:effectRef idx="0">
+            <a:schemeClr val="accent1"/>
+          </a:effectRef>
+          <a:fontRef idx="minor">
+            <a:schemeClr val="tx1"/>
+          </a:fontRef>
+        </p:style>
+      </p:cxnSp>
+      <p:cxnSp>
+        <p:nvCxnSpPr>
+          <p:cNvPr id="15" name="Straight Arrow Connector 14">
+            <a:extLst>
+              <a:ext uri="{FF2B5EF4-FFF2-40B4-BE49-F238E27FC236}">
+                <a16:creationId xmlns:a16="http://schemas.microsoft.com/office/drawing/2014/main" id="{2FD958DC-6071-7396-7CBF-625DCB4B9230}"/>
+              </a:ext>
+            </a:extLst>
+          </p:cNvPr>
+          <p:cNvCxnSpPr>
+            <a:cxnSpLocks/>
+          </p:cNvCxnSpPr>
+          <p:nvPr/>
+        </p:nvCxnSpPr>
+        <p:spPr>
+          <a:xfrm>
+            <a:off x="9628941" y="5016114"/>
+            <a:ext cx="897768" cy="538727"/>
+          </a:xfrm>
+          <a:prstGeom prst="straightConnector1">
+            <a:avLst/>
+          </a:prstGeom>
+          <a:ln>
+            <a:tailEnd type="triangle"/>
+          </a:ln>
+        </p:spPr>
+        <p:style>
+          <a:lnRef idx="1">
+            <a:schemeClr val="accent1"/>
+          </a:lnRef>
+          <a:fillRef idx="0">
+            <a:schemeClr val="accent1"/>
+          </a:fillRef>
+          <a:effectRef idx="0">
+            <a:schemeClr val="accent1"/>
+          </a:effectRef>
+          <a:fontRef idx="minor">
+            <a:schemeClr val="tx1"/>
+          </a:fontRef>
+        </p:style>
+      </p:cxnSp>
+      <p:sp>
+        <p:nvSpPr>
+          <p:cNvPr id="16" name="TextBox 15">
+            <a:extLst>
+              <a:ext uri="{FF2B5EF4-FFF2-40B4-BE49-F238E27FC236}">
+                <a16:creationId xmlns:a16="http://schemas.microsoft.com/office/drawing/2014/main" id="{A2D55129-3B09-FB44-F205-74C8C5F506C8}"/>
+              </a:ext>
+            </a:extLst>
+          </p:cNvPr>
+          <p:cNvSpPr txBox="1"/>
+          <p:nvPr/>
+        </p:nvSpPr>
+        <p:spPr>
+          <a:xfrm>
+            <a:off x="5059033" y="5653028"/>
+            <a:ext cx="1415837" cy="369332"/>
+          </a:xfrm>
+          <a:prstGeom prst="rect">
+            <a:avLst/>
+          </a:prstGeom>
+          <a:noFill/>
+        </p:spPr>
+        <p:txBody>
+          <a:bodyPr wrap="none" rtlCol="0">
+            <a:spAutoFit/>
+          </a:bodyPr>
+          <a:lstStyle/>
+          <a:p>
+            <a:r>
+              <a:rPr lang="en-US" dirty="0"/>
+              <a:t>Health Board</a:t>
+            </a:r>
+          </a:p>
+        </p:txBody>
+      </p:sp>
+      <p:sp>
+        <p:nvSpPr>
+          <p:cNvPr id="17" name="TextBox 16">
+            <a:extLst>
+              <a:ext uri="{FF2B5EF4-FFF2-40B4-BE49-F238E27FC236}">
+                <a16:creationId xmlns:a16="http://schemas.microsoft.com/office/drawing/2014/main" id="{DDA10BA2-0C54-7A7C-3941-95963E4A4B59}"/>
+              </a:ext>
+            </a:extLst>
+          </p:cNvPr>
+          <p:cNvSpPr txBox="1"/>
+          <p:nvPr/>
+        </p:nvSpPr>
+        <p:spPr>
+          <a:xfrm>
+            <a:off x="8123244" y="5640531"/>
+            <a:ext cx="1415837" cy="369332"/>
+          </a:xfrm>
+          <a:prstGeom prst="rect">
+            <a:avLst/>
+          </a:prstGeom>
+          <a:noFill/>
+        </p:spPr>
+        <p:txBody>
+          <a:bodyPr wrap="none" rtlCol="0">
+            <a:spAutoFit/>
+          </a:bodyPr>
+          <a:lstStyle/>
+          <a:p>
+            <a:r>
+              <a:rPr lang="en-US" dirty="0"/>
+              <a:t>Health Board</a:t>
+            </a:r>
+          </a:p>
+        </p:txBody>
+      </p:sp>
+      <p:sp>
+        <p:nvSpPr>
+          <p:cNvPr id="18" name="TextBox 17">
+            <a:extLst>
+              <a:ext uri="{FF2B5EF4-FFF2-40B4-BE49-F238E27FC236}">
+                <a16:creationId xmlns:a16="http://schemas.microsoft.com/office/drawing/2014/main" id="{8F0B956A-3E35-0D69-0A9D-141982A9FB76}"/>
+              </a:ext>
+            </a:extLst>
+          </p:cNvPr>
+          <p:cNvSpPr txBox="1"/>
+          <p:nvPr/>
+        </p:nvSpPr>
+        <p:spPr>
+          <a:xfrm>
+            <a:off x="6873752" y="5678571"/>
+            <a:ext cx="877163" cy="369332"/>
+          </a:xfrm>
+          <a:prstGeom prst="rect">
+            <a:avLst/>
+          </a:prstGeom>
+          <a:noFill/>
+        </p:spPr>
+        <p:txBody>
+          <a:bodyPr wrap="none" rtlCol="0">
+            <a:spAutoFit/>
+          </a:bodyPr>
+          <a:lstStyle/>
+          <a:p>
+            <a:r>
+              <a:rPr lang="en-US" dirty="0"/>
+              <a:t>Council</a:t>
+            </a:r>
+          </a:p>
+        </p:txBody>
+      </p:sp>
+      <p:sp>
+        <p:nvSpPr>
+          <p:cNvPr id="19" name="TextBox 18">
+            <a:extLst>
+              <a:ext uri="{FF2B5EF4-FFF2-40B4-BE49-F238E27FC236}">
+                <a16:creationId xmlns:a16="http://schemas.microsoft.com/office/drawing/2014/main" id="{E15EC775-ED37-C086-6DB0-DAF30EB93F8F}"/>
+              </a:ext>
+            </a:extLst>
+          </p:cNvPr>
+          <p:cNvSpPr txBox="1"/>
+          <p:nvPr/>
+        </p:nvSpPr>
+        <p:spPr>
+          <a:xfrm>
+            <a:off x="10283738" y="5681236"/>
+            <a:ext cx="877163" cy="369332"/>
+          </a:xfrm>
+          <a:prstGeom prst="rect">
+            <a:avLst/>
+          </a:prstGeom>
+          <a:noFill/>
+        </p:spPr>
+        <p:txBody>
+          <a:bodyPr wrap="none" rtlCol="0">
+            <a:spAutoFit/>
+          </a:bodyPr>
+          <a:lstStyle/>
+          <a:p>
+            <a:r>
+              <a:rPr lang="en-US" dirty="0"/>
+              <a:t>Council</a:t>
+            </a:r>
           </a:p>
         </p:txBody>
       </p:sp>
     </p:spTree>
     <p:extLst>
       <p:ext uri="{BB962C8B-B14F-4D97-AF65-F5344CB8AC3E}">
-        <p14:creationId xmlns:p14="http://schemas.microsoft.com/office/powerpoint/2010/main" val="3979207818"/>
+        <p14:creationId xmlns:p14="http://schemas.microsoft.com/office/powerpoint/2010/main" val="3351946832"/>
       </p:ext>
     </p:extLst>
   </p:cSld>
@@ -5558,6 +6529,158 @@
     <p:extLst>
       <p:ext uri="{BB962C8B-B14F-4D97-AF65-F5344CB8AC3E}">
         <p14:creationId xmlns:p14="http://schemas.microsoft.com/office/powerpoint/2010/main" val="4058243109"/>
+      </p:ext>
+    </p:extLst>
+  </p:cSld>
+  <p:clrMapOvr>
+    <a:masterClrMapping/>
+  </p:clrMapOvr>
+</p:sld>
+</file>
+
+<file path=ppt/slides/slide21.xml><?xml version="1.0" encoding="utf-8"?>
+<p:sld xmlns:a="http://schemas.openxmlformats.org/drawingml/2006/main" xmlns:r="http://schemas.openxmlformats.org/officeDocument/2006/relationships" xmlns:p="http://schemas.openxmlformats.org/presentationml/2006/main">
+  <p:cSld>
+    <p:spTree>
+      <p:nvGrpSpPr>
+        <p:cNvPr id="1" name=""/>
+        <p:cNvGrpSpPr/>
+        <p:nvPr/>
+      </p:nvGrpSpPr>
+      <p:grpSpPr>
+        <a:xfrm>
+          <a:off x="0" y="0"/>
+          <a:ext cx="0" cy="0"/>
+          <a:chOff x="0" y="0"/>
+          <a:chExt cx="0" cy="0"/>
+        </a:xfrm>
+      </p:grpSpPr>
+      <p:pic>
+        <p:nvPicPr>
+          <p:cNvPr id="3074" name="Picture 2" descr="Three charts that show where the coronavirus death rate is heading">
+            <a:extLst>
+              <a:ext uri="{FF2B5EF4-FFF2-40B4-BE49-F238E27FC236}">
+                <a16:creationId xmlns:a16="http://schemas.microsoft.com/office/drawing/2014/main" id="{F0C5B51D-A90C-D502-F299-2EBE3CBFAB9F}"/>
+              </a:ext>
+            </a:extLst>
+          </p:cNvPr>
+          <p:cNvPicPr>
+            <a:picLocks noChangeAspect="1" noChangeArrowheads="1"/>
+          </p:cNvPicPr>
+          <p:nvPr/>
+        </p:nvPicPr>
+        <p:blipFill>
+          <a:blip r:embed="rId2">
+            <a:extLst>
+              <a:ext uri="{28A0092B-C50C-407E-A947-70E740481C1C}">
+                <a14:useLocalDpi xmlns:a14="http://schemas.microsoft.com/office/drawing/2010/main" val="0"/>
+              </a:ext>
+            </a:extLst>
+          </a:blip>
+          <a:srcRect/>
+          <a:stretch>
+            <a:fillRect/>
+          </a:stretch>
+        </p:blipFill>
+        <p:spPr bwMode="auto">
+          <a:xfrm>
+            <a:off x="87881" y="871716"/>
+            <a:ext cx="9056120" cy="5768570"/>
+          </a:xfrm>
+          <a:prstGeom prst="rect">
+            <a:avLst/>
+          </a:prstGeom>
+          <a:noFill/>
+          <a:extLst>
+            <a:ext uri="{909E8E84-426E-40DD-AFC4-6F175D3DCCD1}">
+              <a14:hiddenFill xmlns:a14="http://schemas.microsoft.com/office/drawing/2010/main">
+                <a:solidFill>
+                  <a:srgbClr val="FFFFFF"/>
+                </a:solidFill>
+              </a14:hiddenFill>
+            </a:ext>
+          </a:extLst>
+        </p:spPr>
+      </p:pic>
+      <p:sp>
+        <p:nvSpPr>
+          <p:cNvPr id="5" name="TextBox 4">
+            <a:extLst>
+              <a:ext uri="{FF2B5EF4-FFF2-40B4-BE49-F238E27FC236}">
+                <a16:creationId xmlns:a16="http://schemas.microsoft.com/office/drawing/2014/main" id="{3456CD95-4A4D-3904-A8F1-C30974F9CB69}"/>
+              </a:ext>
+            </a:extLst>
+          </p:cNvPr>
+          <p:cNvSpPr txBox="1"/>
+          <p:nvPr/>
+        </p:nvSpPr>
+        <p:spPr>
+          <a:xfrm>
+            <a:off x="9144001" y="2261551"/>
+            <a:ext cx="3758803" cy="1815882"/>
+          </a:xfrm>
+          <a:prstGeom prst="rect">
+            <a:avLst/>
+          </a:prstGeom>
+          <a:noFill/>
+        </p:spPr>
+        <p:txBody>
+          <a:bodyPr wrap="square">
+            <a:spAutoFit/>
+          </a:bodyPr>
+          <a:lstStyle/>
+          <a:p>
+            <a:r>
+              <a:rPr lang="en-US" sz="1400" dirty="0"/>
+              <a:t>https://</a:t>
+            </a:r>
+            <a:r>
+              <a:rPr lang="en-US" sz="1400" dirty="0" err="1"/>
+              <a:t>www.google.com</a:t>
+            </a:r>
+            <a:r>
+              <a:rPr lang="en-US" sz="1400" dirty="0"/>
+              <a:t>/</a:t>
+            </a:r>
+            <a:r>
+              <a:rPr lang="en-US" sz="1400" dirty="0" err="1"/>
+              <a:t>url?sa</a:t>
+            </a:r>
+            <a:r>
+              <a:rPr lang="en-US" sz="1400" dirty="0"/>
+              <a:t>=</a:t>
+            </a:r>
+            <a:r>
+              <a:rPr lang="en-US" sz="1400" dirty="0" err="1"/>
+              <a:t>i&amp;url</a:t>
+            </a:r>
+            <a:r>
+              <a:rPr lang="en-US" sz="1400" dirty="0"/>
+              <a:t>=https%3A%2F%2Ftheconversation.com%2Fthree-charts-that-show-where-the-coronavirus-death-rate-is-heading-137103&amp;psig=AOvVaw0_3uQRiHl9VkVurSQsCgd8&amp;ust=1676730548894000&amp;source=</a:t>
+            </a:r>
+            <a:r>
+              <a:rPr lang="en-US" sz="1400" dirty="0" err="1"/>
+              <a:t>images&amp;cd</a:t>
+            </a:r>
+            <a:r>
+              <a:rPr lang="en-US" sz="1400" dirty="0"/>
+              <a:t>=</a:t>
+            </a:r>
+            <a:r>
+              <a:rPr lang="en-US" sz="1400" dirty="0" err="1"/>
+              <a:t>vfe&amp;ved</a:t>
+            </a:r>
+            <a:r>
+              <a:rPr lang="en-US" sz="1400" dirty="0"/>
+              <a:t>=0CA8QjRxqFwoTCLDm5ZfinP0CFQAAAAAdAAAAABAE</a:t>
+            </a:r>
+          </a:p>
+        </p:txBody>
+      </p:sp>
+    </p:spTree>
+    <p:extLst>
+      <p:ext uri="{BB962C8B-B14F-4D97-AF65-F5344CB8AC3E}">
+        <p14:creationId xmlns:p14="http://schemas.microsoft.com/office/powerpoint/2010/main" val="1158849680"/>
       </p:ext>
     </p:extLst>
   </p:cSld>
@@ -5886,8 +7009,8 @@
         </p:blipFill>
         <p:spPr>
           <a:xfrm>
-            <a:off x="730098" y="2019938"/>
-            <a:ext cx="4920386" cy="3784912"/>
+            <a:off x="-580571" y="1011731"/>
+            <a:ext cx="6231055" cy="4793119"/>
           </a:xfrm>
           <a:prstGeom prst="rect">
             <a:avLst/>
@@ -6038,6 +7161,41 @@
             <a:r>
               <a:rPr lang="en-US" dirty="0"/>
               <a:t>Possible to create something similar</a:t>
+            </a:r>
+          </a:p>
+        </p:txBody>
+      </p:sp>
+      <p:sp>
+        <p:nvSpPr>
+          <p:cNvPr id="12" name="TextBox 11">
+            <a:extLst>
+              <a:ext uri="{FF2B5EF4-FFF2-40B4-BE49-F238E27FC236}">
+                <a16:creationId xmlns:a16="http://schemas.microsoft.com/office/drawing/2014/main" id="{EEC6E5CE-AD23-6023-E8EF-C7076B3883BF}"/>
+              </a:ext>
+            </a:extLst>
+          </p:cNvPr>
+          <p:cNvSpPr txBox="1"/>
+          <p:nvPr/>
+        </p:nvSpPr>
+        <p:spPr>
+          <a:xfrm>
+            <a:off x="6415836" y="5804850"/>
+            <a:ext cx="4545076" cy="646331"/>
+          </a:xfrm>
+          <a:prstGeom prst="rect">
+            <a:avLst/>
+          </a:prstGeom>
+          <a:noFill/>
+        </p:spPr>
+        <p:txBody>
+          <a:bodyPr wrap="square">
+            <a:spAutoFit/>
+          </a:bodyPr>
+          <a:lstStyle/>
+          <a:p>
+            <a:r>
+              <a:rPr lang="en-US" dirty="0"/>
+              <a:t>Also have .csv with leading death rates by council area</a:t>
             </a:r>
           </a:p>
         </p:txBody>
@@ -6832,10 +7990,10 @@
       </p:sp>
       <p:pic>
         <p:nvPicPr>
-          <p:cNvPr id="9" name="Picture 8">
+          <p:cNvPr id="10" name="Picture 9">
             <a:extLst>
               <a:ext uri="{FF2B5EF4-FFF2-40B4-BE49-F238E27FC236}">
-                <a16:creationId xmlns:a16="http://schemas.microsoft.com/office/drawing/2014/main" id="{3B996B27-B344-A42D-E76D-D440AA046198}"/>
+                <a16:creationId xmlns:a16="http://schemas.microsoft.com/office/drawing/2014/main" id="{5ED87970-0A8B-6E47-08D7-375567D260B3}"/>
               </a:ext>
             </a:extLst>
           </p:cNvPr>
@@ -6852,8 +8010,8 @@
         </p:blipFill>
         <p:spPr>
           <a:xfrm>
-            <a:off x="6371771" y="3295485"/>
-            <a:ext cx="5395686" cy="3336918"/>
+            <a:off x="132793" y="3340650"/>
+            <a:ext cx="5687438" cy="3517350"/>
           </a:xfrm>
           <a:prstGeom prst="rect">
             <a:avLst/>
@@ -6862,10 +8020,10 @@
       </p:pic>
       <p:pic>
         <p:nvPicPr>
-          <p:cNvPr id="10" name="Picture 9">
+          <p:cNvPr id="11" name="Picture 10">
             <a:extLst>
               <a:ext uri="{FF2B5EF4-FFF2-40B4-BE49-F238E27FC236}">
-                <a16:creationId xmlns:a16="http://schemas.microsoft.com/office/drawing/2014/main" id="{5ED87970-0A8B-6E47-08D7-375567D260B3}"/>
+                <a16:creationId xmlns:a16="http://schemas.microsoft.com/office/drawing/2014/main" id="{1A329167-AD12-90EF-D37A-D2910B2A2751}"/>
               </a:ext>
             </a:extLst>
           </p:cNvPr>
@@ -6882,8 +8040,8 @@
         </p:blipFill>
         <p:spPr>
           <a:xfrm>
-            <a:off x="132793" y="3340650"/>
-            <a:ext cx="5687438" cy="3517350"/>
+            <a:off x="6197600" y="3340650"/>
+            <a:ext cx="5729514" cy="3543372"/>
           </a:xfrm>
           <a:prstGeom prst="rect">
             <a:avLst/>
@@ -6948,29 +8106,9 @@
                 <a:solidFill>
                   <a:srgbClr val="000000"/>
                 </a:solidFill>
-                <a:effectLst/>
                 <a:latin typeface="Helvetica Neue" panose="02000503000000020004" pitchFamily="2" charset="0"/>
               </a:rPr>
-              <a:t>CVD Diagnosis Demographics</a:t>
-            </a:r>
-            <a:br>
-              <a:rPr lang="en-GB" dirty="0">
-                <a:solidFill>
-                  <a:srgbClr val="000000"/>
-                </a:solidFill>
-                <a:effectLst/>
-                <a:latin typeface="Helvetica Neue" panose="02000503000000020004" pitchFamily="2" charset="0"/>
-              </a:rPr>
-            </a:br>
-            <a:r>
-              <a:rPr lang="en-GB" b="1" dirty="0">
-                <a:solidFill>
-                  <a:srgbClr val="000000"/>
-                </a:solidFill>
-                <a:effectLst/>
-                <a:latin typeface="Helvetica Neue" panose="02000503000000020004" pitchFamily="2" charset="0"/>
-              </a:rPr>
-              <a:t>Sex</a:t>
+              <a:t>Type of CVD by Sex</a:t>
             </a:r>
             <a:endParaRPr lang="en-US" dirty="0"/>
           </a:p>
@@ -7001,12 +8139,170 @@
           </a:p>
         </p:txBody>
       </p:sp>
+      <p:sp>
+        <p:nvSpPr>
+          <p:cNvPr id="8" name="TextBox 7">
+            <a:extLst>
+              <a:ext uri="{FF2B5EF4-FFF2-40B4-BE49-F238E27FC236}">
+                <a16:creationId xmlns:a16="http://schemas.microsoft.com/office/drawing/2014/main" id="{A7C37F0F-E656-2F3C-C7F7-03E2870A65AF}"/>
+              </a:ext>
+            </a:extLst>
+          </p:cNvPr>
+          <p:cNvSpPr txBox="1"/>
+          <p:nvPr/>
+        </p:nvSpPr>
+        <p:spPr>
+          <a:xfrm>
+            <a:off x="-404586" y="0"/>
+            <a:ext cx="6096000" cy="2031325"/>
+          </a:xfrm>
+          <a:prstGeom prst="rect">
+            <a:avLst/>
+          </a:prstGeom>
+          <a:noFill/>
+        </p:spPr>
+        <p:txBody>
+          <a:bodyPr wrap="square">
+            <a:spAutoFit/>
+          </a:bodyPr>
+          <a:lstStyle/>
+          <a:p>
+            <a:pPr algn="ctr"/>
+            <a:r>
+              <a:rPr lang="en-GB" u="sng" dirty="0">
+                <a:solidFill>
+                  <a:srgbClr val="4C4C4C"/>
+                </a:solidFill>
+                <a:effectLst/>
+                <a:latin typeface="Helvetica Neue" panose="02000503000000020004" pitchFamily="2" charset="0"/>
+                <a:hlinkClick r:id="rId2"/>
+              </a:rPr>
+              <a:t>https://www.ahajournals.org/doi/10.1161/01.STR.0000105933.16654.B4</a:t>
+            </a:r>
+            <a:endParaRPr lang="en-GB" dirty="0">
+              <a:solidFill>
+                <a:srgbClr val="4C4C4C"/>
+              </a:solidFill>
+              <a:effectLst/>
+              <a:latin typeface="Helvetica Neue" panose="02000503000000020004" pitchFamily="2" charset="0"/>
+            </a:endParaRPr>
+          </a:p>
+          <a:p>
+            <a:pPr algn="ctr"/>
+            <a:r>
+              <a:rPr lang="en-GB" dirty="0">
+                <a:solidFill>
+                  <a:srgbClr val="4C4C4C"/>
+                </a:solidFill>
+                <a:effectLst/>
+                <a:latin typeface="Helvetica Neue" panose="02000503000000020004" pitchFamily="2" charset="0"/>
+              </a:rPr>
+              <a:t>SAH - only type of stroke with female predominance - suggesting reproductive factors may pay a role in ethology.</a:t>
+            </a:r>
+          </a:p>
+          <a:p>
+            <a:pPr algn="ctr"/>
+            <a:r>
+              <a:rPr lang="en-GB" dirty="0">
+                <a:solidFill>
+                  <a:srgbClr val="4C4C4C"/>
+                </a:solidFill>
+                <a:effectLst/>
+                <a:latin typeface="Helvetica Neue" panose="02000503000000020004" pitchFamily="2" charset="0"/>
+              </a:rPr>
+              <a:t>-primarily affects those &lt; 60 </a:t>
+            </a:r>
+            <a:r>
+              <a:rPr lang="en-GB" dirty="0" err="1">
+                <a:solidFill>
+                  <a:srgbClr val="4C4C4C"/>
+                </a:solidFill>
+                <a:effectLst/>
+                <a:latin typeface="Helvetica Neue" panose="02000503000000020004" pitchFamily="2" charset="0"/>
+              </a:rPr>
+              <a:t>yrs</a:t>
+            </a:r>
+            <a:r>
+              <a:rPr lang="en-GB" dirty="0">
+                <a:solidFill>
+                  <a:srgbClr val="4C4C4C"/>
+                </a:solidFill>
+                <a:effectLst/>
+                <a:latin typeface="Helvetica Neue" panose="02000503000000020004" pitchFamily="2" charset="0"/>
+              </a:rPr>
+              <a:t> old</a:t>
+            </a:r>
+          </a:p>
+          <a:p>
+            <a:pPr algn="ctr"/>
+            <a:r>
+              <a:rPr lang="en-GB" dirty="0">
+                <a:solidFill>
+                  <a:srgbClr val="4C4C4C"/>
+                </a:solidFill>
+                <a:effectLst/>
+                <a:latin typeface="Helvetica Neue" panose="02000503000000020004" pitchFamily="2" charset="0"/>
+              </a:rPr>
+              <a:t>- carries high morbidity and mortality rate</a:t>
+            </a:r>
+          </a:p>
+        </p:txBody>
+      </p:sp>
+      <p:sp>
+        <p:nvSpPr>
+          <p:cNvPr id="10" name="TextBox 9">
+            <a:extLst>
+              <a:ext uri="{FF2B5EF4-FFF2-40B4-BE49-F238E27FC236}">
+                <a16:creationId xmlns:a16="http://schemas.microsoft.com/office/drawing/2014/main" id="{9AB4D3FD-3D79-10E0-30F5-297B6132934C}"/>
+              </a:ext>
+            </a:extLst>
+          </p:cNvPr>
+          <p:cNvSpPr txBox="1"/>
+          <p:nvPr/>
+        </p:nvSpPr>
+        <p:spPr>
+          <a:xfrm>
+            <a:off x="7378700" y="-42336"/>
+            <a:ext cx="3975100" cy="1200329"/>
+          </a:xfrm>
+          <a:prstGeom prst="rect">
+            <a:avLst/>
+          </a:prstGeom>
+          <a:noFill/>
+        </p:spPr>
+        <p:txBody>
+          <a:bodyPr wrap="square">
+            <a:spAutoFit/>
+          </a:bodyPr>
+          <a:lstStyle/>
+          <a:p>
+            <a:r>
+              <a:rPr lang="en-US" dirty="0"/>
+              <a:t>https://</a:t>
+            </a:r>
+            <a:r>
+              <a:rPr lang="en-US" dirty="0" err="1"/>
+              <a:t>www.frontiersin.org</a:t>
+            </a:r>
+            <a:r>
+              <a:rPr lang="en-US" dirty="0"/>
+              <a:t>/articles/10.3389/fneur.2012.00078/full</a:t>
+            </a:r>
+          </a:p>
+          <a:p>
+            <a:r>
+              <a:rPr lang="en-US" dirty="0"/>
+              <a:t>result of both hormonal influences and variation in wall shear stress.</a:t>
+            </a:r>
+          </a:p>
+        </p:txBody>
+      </p:sp>
       <p:pic>
         <p:nvPicPr>
-          <p:cNvPr id="4" name="Picture 3">
+          <p:cNvPr id="15" name="Picture 14">
             <a:extLst>
               <a:ext uri="{FF2B5EF4-FFF2-40B4-BE49-F238E27FC236}">
-                <a16:creationId xmlns:a16="http://schemas.microsoft.com/office/drawing/2014/main" id="{972FE17D-527D-E0AE-5C26-B5C611EB1EE7}"/>
+                <a16:creationId xmlns:a16="http://schemas.microsoft.com/office/drawing/2014/main" id="{9D58C1B5-E6EC-825A-8801-A54EC7938AB8}"/>
               </a:ext>
             </a:extLst>
           </p:cNvPr>
@@ -7016,179 +8312,81 @@
           <p:nvPr/>
         </p:nvPicPr>
         <p:blipFill>
-          <a:blip r:embed="rId2"/>
+          <a:blip r:embed="rId3"/>
           <a:stretch>
             <a:fillRect/>
           </a:stretch>
         </p:blipFill>
         <p:spPr>
           <a:xfrm>
-            <a:off x="160249" y="2513757"/>
-            <a:ext cx="5935751" cy="3663206"/>
+            <a:off x="-395506" y="2815981"/>
+            <a:ext cx="5945412" cy="3676892"/>
           </a:xfrm>
           <a:prstGeom prst="rect">
             <a:avLst/>
           </a:prstGeom>
         </p:spPr>
       </p:pic>
-      <p:sp>
-        <p:nvSpPr>
-          <p:cNvPr id="8" name="TextBox 7">
+      <p:pic>
+        <p:nvPicPr>
+          <p:cNvPr id="16" name="Picture 15">
             <a:extLst>
               <a:ext uri="{FF2B5EF4-FFF2-40B4-BE49-F238E27FC236}">
-                <a16:creationId xmlns:a16="http://schemas.microsoft.com/office/drawing/2014/main" id="{A7C37F0F-E656-2F3C-C7F7-03E2870A65AF}"/>
+                <a16:creationId xmlns:a16="http://schemas.microsoft.com/office/drawing/2014/main" id="{ADE130E6-2DB7-67B8-7CCA-238DB2709EF7}"/>
               </a:ext>
             </a:extLst>
           </p:cNvPr>
-          <p:cNvSpPr txBox="1"/>
+          <p:cNvPicPr>
+            <a:picLocks noChangeAspect="1"/>
+          </p:cNvPicPr>
           <p:nvPr/>
-        </p:nvSpPr>
+        </p:nvPicPr>
+        <p:blipFill>
+          <a:blip r:embed="rId4"/>
+          <a:stretch>
+            <a:fillRect/>
+          </a:stretch>
+        </p:blipFill>
         <p:spPr>
           <a:xfrm>
-            <a:off x="5676900" y="1216686"/>
-            <a:ext cx="6096000" cy="2031325"/>
+            <a:off x="-521611" y="3679277"/>
+            <a:ext cx="6542313" cy="4046041"/>
           </a:xfrm>
           <a:prstGeom prst="rect">
             <a:avLst/>
           </a:prstGeom>
-          <a:noFill/>
         </p:spPr>
-        <p:txBody>
-          <a:bodyPr wrap="square">
-            <a:spAutoFit/>
-          </a:bodyPr>
-          <a:lstStyle/>
-          <a:p>
-            <a:pPr algn="ctr"/>
-            <a:r>
-              <a:rPr lang="en-GB" u="sng" dirty="0">
-                <a:solidFill>
-                  <a:srgbClr val="4C4C4C"/>
-                </a:solidFill>
-                <a:effectLst/>
-                <a:latin typeface="Helvetica Neue" panose="02000503000000020004" pitchFamily="2" charset="0"/>
-                <a:hlinkClick r:id="rId3"/>
-              </a:rPr>
-              <a:t>https://www.ahajournals.org/doi/10.1161/01.STR.0000105933.16654.B4</a:t>
-            </a:r>
-            <a:endParaRPr lang="en-GB" dirty="0">
-              <a:solidFill>
-                <a:srgbClr val="4C4C4C"/>
-              </a:solidFill>
-              <a:effectLst/>
-              <a:latin typeface="Helvetica Neue" panose="02000503000000020004" pitchFamily="2" charset="0"/>
-            </a:endParaRPr>
-          </a:p>
-          <a:p>
-            <a:pPr algn="ctr"/>
-            <a:r>
-              <a:rPr lang="en-GB" dirty="0">
-                <a:solidFill>
-                  <a:srgbClr val="4C4C4C"/>
-                </a:solidFill>
-                <a:effectLst/>
-                <a:latin typeface="Helvetica Neue" panose="02000503000000020004" pitchFamily="2" charset="0"/>
-              </a:rPr>
-              <a:t>SAH - only type of stroke with female predominance - suggesting reproductive factors may pay a role in ethology.</a:t>
-            </a:r>
-          </a:p>
-          <a:p>
-            <a:pPr algn="ctr"/>
-            <a:r>
-              <a:rPr lang="en-GB" dirty="0">
-                <a:solidFill>
-                  <a:srgbClr val="4C4C4C"/>
-                </a:solidFill>
-                <a:effectLst/>
-                <a:latin typeface="Helvetica Neue" panose="02000503000000020004" pitchFamily="2" charset="0"/>
-              </a:rPr>
-              <a:t>-primarily affects those &lt; 60 </a:t>
-            </a:r>
-            <a:r>
-              <a:rPr lang="en-GB" dirty="0" err="1">
-                <a:solidFill>
-                  <a:srgbClr val="4C4C4C"/>
-                </a:solidFill>
-                <a:effectLst/>
-                <a:latin typeface="Helvetica Neue" panose="02000503000000020004" pitchFamily="2" charset="0"/>
-              </a:rPr>
-              <a:t>yrs</a:t>
-            </a:r>
-            <a:r>
-              <a:rPr lang="en-GB" dirty="0">
-                <a:solidFill>
-                  <a:srgbClr val="4C4C4C"/>
-                </a:solidFill>
-                <a:effectLst/>
-                <a:latin typeface="Helvetica Neue" panose="02000503000000020004" pitchFamily="2" charset="0"/>
-              </a:rPr>
-              <a:t> old</a:t>
-            </a:r>
-          </a:p>
-          <a:p>
-            <a:pPr algn="ctr"/>
-            <a:r>
-              <a:rPr lang="en-GB" dirty="0">
-                <a:solidFill>
-                  <a:srgbClr val="4C4C4C"/>
-                </a:solidFill>
-                <a:effectLst/>
-                <a:latin typeface="Helvetica Neue" panose="02000503000000020004" pitchFamily="2" charset="0"/>
-              </a:rPr>
-              <a:t>- carries high morbidity and mortality rate</a:t>
-            </a:r>
-          </a:p>
-        </p:txBody>
-      </p:sp>
-      <p:sp>
-        <p:nvSpPr>
-          <p:cNvPr id="10" name="TextBox 9">
+      </p:pic>
+      <p:pic>
+        <p:nvPicPr>
+          <p:cNvPr id="18" name="Picture 17">
             <a:extLst>
               <a:ext uri="{FF2B5EF4-FFF2-40B4-BE49-F238E27FC236}">
-                <a16:creationId xmlns:a16="http://schemas.microsoft.com/office/drawing/2014/main" id="{9AB4D3FD-3D79-10E0-30F5-297B6132934C}"/>
+                <a16:creationId xmlns:a16="http://schemas.microsoft.com/office/drawing/2014/main" id="{12FE19A5-7B25-5C4A-EACD-3FAB7E840FBA}"/>
               </a:ext>
             </a:extLst>
           </p:cNvPr>
-          <p:cNvSpPr txBox="1"/>
+          <p:cNvPicPr>
+            <a:picLocks noChangeAspect="1"/>
+          </p:cNvPicPr>
           <p:nvPr/>
-        </p:nvSpPr>
+        </p:nvPicPr>
+        <p:blipFill>
+          <a:blip r:embed="rId5"/>
+          <a:stretch>
+            <a:fillRect/>
+          </a:stretch>
+        </p:blipFill>
         <p:spPr>
           <a:xfrm>
-            <a:off x="7797800" y="4225836"/>
-            <a:ext cx="3975100" cy="1200329"/>
+            <a:off x="6380838" y="2802622"/>
+            <a:ext cx="6992257" cy="4324305"/>
           </a:xfrm>
           <a:prstGeom prst="rect">
             <a:avLst/>
           </a:prstGeom>
-          <a:noFill/>
         </p:spPr>
-        <p:txBody>
-          <a:bodyPr wrap="square">
-            <a:spAutoFit/>
-          </a:bodyPr>
-          <a:lstStyle/>
-          <a:p>
-            <a:r>
-              <a:rPr lang="en-US" dirty="0"/>
-              <a:t>https://</a:t>
-            </a:r>
-            <a:r>
-              <a:rPr lang="en-US" dirty="0" err="1"/>
-              <a:t>www.frontiersin.org</a:t>
-            </a:r>
-            <a:r>
-              <a:rPr lang="en-US" dirty="0"/>
-              <a:t>/articles/10.3389/fneur.2012.00078/full</a:t>
-            </a:r>
-          </a:p>
-          <a:p>
-            <a:r>
-              <a:rPr lang="en-US" dirty="0"/>
-              <a:t>result of both hormonal influences and variation in wall shear stress.</a:t>
-            </a:r>
-          </a:p>
-        </p:txBody>
-      </p:sp>
+      </p:pic>
     </p:spTree>
     <p:extLst>
       <p:ext uri="{BB962C8B-B14F-4D97-AF65-F5344CB8AC3E}">

--- a/presentation/phs_stroke_presentation.pptx
+++ b/presentation/phs_stroke_presentation.pptx
@@ -5,7 +5,7 @@
     <p:sldMasterId id="2147483660" r:id="rId1"/>
   </p:sldMasterIdLst>
   <p:notesMasterIdLst>
-    <p:notesMasterId r:id="rId23"/>
+    <p:notesMasterId r:id="rId26"/>
   </p:notesMasterIdLst>
   <p:sldIdLst>
     <p:sldId id="256" r:id="rId2"/>
@@ -13,22 +13,25 @@
     <p:sldId id="258" r:id="rId4"/>
     <p:sldId id="259" r:id="rId5"/>
     <p:sldId id="260" r:id="rId6"/>
-    <p:sldId id="261" r:id="rId7"/>
-    <p:sldId id="263" r:id="rId8"/>
-    <p:sldId id="264" r:id="rId9"/>
-    <p:sldId id="268" r:id="rId10"/>
+    <p:sldId id="263" r:id="rId7"/>
+    <p:sldId id="264" r:id="rId8"/>
+    <p:sldId id="268" r:id="rId9"/>
+    <p:sldId id="283" r:id="rId10"/>
     <p:sldId id="280" r:id="rId11"/>
     <p:sldId id="265" r:id="rId12"/>
     <p:sldId id="281" r:id="rId13"/>
     <p:sldId id="279" r:id="rId14"/>
     <p:sldId id="267" r:id="rId15"/>
-    <p:sldId id="276" r:id="rId16"/>
-    <p:sldId id="277" r:id="rId17"/>
-    <p:sldId id="262" r:id="rId18"/>
-    <p:sldId id="273" r:id="rId19"/>
+    <p:sldId id="284" r:id="rId16"/>
+    <p:sldId id="276" r:id="rId17"/>
+    <p:sldId id="277" r:id="rId18"/>
+    <p:sldId id="262" r:id="rId19"/>
     <p:sldId id="282" r:id="rId20"/>
-    <p:sldId id="274" r:id="rId21"/>
-    <p:sldId id="278" r:id="rId22"/>
+    <p:sldId id="285" r:id="rId21"/>
+    <p:sldId id="286" r:id="rId22"/>
+    <p:sldId id="273" r:id="rId23"/>
+    <p:sldId id="274" r:id="rId24"/>
+    <p:sldId id="278" r:id="rId25"/>
   </p:sldIdLst>
   <p:sldSz cx="12192000" cy="6858000"/>
   <p:notesSz cx="6858000" cy="9144000"/>
@@ -217,7 +220,7 @@
           <a:p>
             <a:fld id="{91191DD5-2FE3-E444-96F8-81FE98631208}" type="datetimeFigureOut">
               <a:rPr lang="en-US" smtClean="0"/>
-              <a:t>2/17/23</a:t>
+              <a:t>2/18/23</a:t>
             </a:fld>
             <a:endParaRPr lang="en-US"/>
           </a:p>
@@ -618,29 +621,6 @@
           <a:bodyPr/>
           <a:lstStyle/>
           <a:p>
-            <a:r>
-              <a:rPr lang="en-US" dirty="0"/>
-              <a:t>Looked at incidences but it is not as relevant as I thought as it screens out anyone who has had any stroke related admission in the last 10 years. </a:t>
-            </a:r>
-          </a:p>
-          <a:p>
-            <a:r>
-              <a:rPr lang="en-US" dirty="0"/>
-              <a:t>Incidence data was sources from excel files related to the PHS Stroke report but these only sub-</a:t>
-            </a:r>
-            <a:r>
-              <a:rPr lang="en-US" dirty="0" err="1"/>
-              <a:t>categorised</a:t>
-            </a:r>
-            <a:r>
-              <a:rPr lang="en-US" dirty="0"/>
-              <a:t> cerebrovascular disease and stroke.</a:t>
-            </a:r>
-          </a:p>
-          <a:p>
-            <a:endParaRPr lang="en-US" dirty="0"/>
-          </a:p>
-          <a:p>
             <a:pPr marL="0" marR="0" lvl="0" indent="0" algn="l" defTabSz="914400" rtl="0" eaLnBrk="1" fontAlgn="auto" latinLnBrk="0" hangingPunct="1">
               <a:lnSpc>
                 <a:spcPct val="100000"/>
@@ -659,6 +639,338 @@
               <a:defRPr/>
             </a:pPr>
             <a:r>
+              <a:rPr lang="en-GB" dirty="0">
+                <a:solidFill>
+                  <a:srgbClr val="000000"/>
+                </a:solidFill>
+                <a:effectLst/>
+                <a:latin typeface="Helvetica Neue" panose="02000503000000020004" pitchFamily="2" charset="0"/>
+              </a:rPr>
+              <a:t>Cerebrovascular disease (CVD) - condition that develops as a result of problems with the blood vessels supplying the brain. </a:t>
+            </a:r>
+          </a:p>
+          <a:p>
+            <a:endParaRPr lang="en-US" dirty="0"/>
+          </a:p>
+        </p:txBody>
+      </p:sp>
+      <p:sp>
+        <p:nvSpPr>
+          <p:cNvPr id="4" name="Slide Number Placeholder 3"/>
+          <p:cNvSpPr>
+            <a:spLocks noGrp="1"/>
+          </p:cNvSpPr>
+          <p:nvPr>
+            <p:ph type="sldNum" sz="quarter" idx="5"/>
+          </p:nvPr>
+        </p:nvSpPr>
+        <p:spPr/>
+        <p:txBody>
+          <a:bodyPr/>
+          <a:lstStyle/>
+          <a:p>
+            <a:fld id="{D13304AD-2B04-8F47-B241-50EC441111BE}" type="slidenum">
+              <a:rPr lang="en-US" smtClean="0"/>
+              <a:t>3</a:t>
+            </a:fld>
+            <a:endParaRPr lang="en-US"/>
+          </a:p>
+        </p:txBody>
+      </p:sp>
+    </p:spTree>
+    <p:extLst>
+      <p:ext uri="{BB962C8B-B14F-4D97-AF65-F5344CB8AC3E}">
+        <p14:creationId xmlns:p14="http://schemas.microsoft.com/office/powerpoint/2010/main" val="2181695447"/>
+      </p:ext>
+    </p:extLst>
+  </p:cSld>
+  <p:clrMapOvr>
+    <a:masterClrMapping/>
+  </p:clrMapOvr>
+</p:notes>
+</file>
+
+<file path=ppt/notesSlides/notesSlide3.xml><?xml version="1.0" encoding="utf-8"?>
+<p:notes xmlns:a="http://schemas.openxmlformats.org/drawingml/2006/main" xmlns:r="http://schemas.openxmlformats.org/officeDocument/2006/relationships" xmlns:p="http://schemas.openxmlformats.org/presentationml/2006/main">
+  <p:cSld>
+    <p:spTree>
+      <p:nvGrpSpPr>
+        <p:cNvPr id="1" name=""/>
+        <p:cNvGrpSpPr/>
+        <p:nvPr/>
+      </p:nvGrpSpPr>
+      <p:grpSpPr>
+        <a:xfrm>
+          <a:off x="0" y="0"/>
+          <a:ext cx="0" cy="0"/>
+          <a:chOff x="0" y="0"/>
+          <a:chExt cx="0" cy="0"/>
+        </a:xfrm>
+      </p:grpSpPr>
+      <p:sp>
+        <p:nvSpPr>
+          <p:cNvPr id="2" name="Slide Image Placeholder 1"/>
+          <p:cNvSpPr>
+            <a:spLocks noGrp="1" noRot="1" noChangeAspect="1"/>
+          </p:cNvSpPr>
+          <p:nvPr>
+            <p:ph type="sldImg"/>
+          </p:nvPr>
+        </p:nvSpPr>
+        <p:spPr/>
+      </p:sp>
+      <p:sp>
+        <p:nvSpPr>
+          <p:cNvPr id="3" name="Notes Placeholder 2"/>
+          <p:cNvSpPr>
+            <a:spLocks noGrp="1"/>
+          </p:cNvSpPr>
+          <p:nvPr>
+            <p:ph type="body" idx="1"/>
+          </p:nvPr>
+        </p:nvSpPr>
+        <p:spPr/>
+        <p:txBody>
+          <a:bodyPr/>
+          <a:lstStyle/>
+          <a:p>
+            <a:r>
+              <a:rPr lang="en-US" dirty="0"/>
+              <a:t>130,000 is 2.4% of population</a:t>
+            </a:r>
+          </a:p>
+        </p:txBody>
+      </p:sp>
+      <p:sp>
+        <p:nvSpPr>
+          <p:cNvPr id="4" name="Slide Number Placeholder 3"/>
+          <p:cNvSpPr>
+            <a:spLocks noGrp="1"/>
+          </p:cNvSpPr>
+          <p:nvPr>
+            <p:ph type="sldNum" sz="quarter" idx="5"/>
+          </p:nvPr>
+        </p:nvSpPr>
+        <p:spPr/>
+        <p:txBody>
+          <a:bodyPr/>
+          <a:lstStyle/>
+          <a:p>
+            <a:fld id="{D13304AD-2B04-8F47-B241-50EC441111BE}" type="slidenum">
+              <a:rPr lang="en-US" smtClean="0"/>
+              <a:t>4</a:t>
+            </a:fld>
+            <a:endParaRPr lang="en-US"/>
+          </a:p>
+        </p:txBody>
+      </p:sp>
+    </p:spTree>
+    <p:extLst>
+      <p:ext uri="{BB962C8B-B14F-4D97-AF65-F5344CB8AC3E}">
+        <p14:creationId xmlns:p14="http://schemas.microsoft.com/office/powerpoint/2010/main" val="330799176"/>
+      </p:ext>
+    </p:extLst>
+  </p:cSld>
+  <p:clrMapOvr>
+    <a:masterClrMapping/>
+  </p:clrMapOvr>
+</p:notes>
+</file>
+
+<file path=ppt/notesSlides/notesSlide4.xml><?xml version="1.0" encoding="utf-8"?>
+<p:notes xmlns:a="http://schemas.openxmlformats.org/drawingml/2006/main" xmlns:r="http://schemas.openxmlformats.org/officeDocument/2006/relationships" xmlns:p="http://schemas.openxmlformats.org/presentationml/2006/main">
+  <p:cSld>
+    <p:spTree>
+      <p:nvGrpSpPr>
+        <p:cNvPr id="1" name=""/>
+        <p:cNvGrpSpPr/>
+        <p:nvPr/>
+      </p:nvGrpSpPr>
+      <p:grpSpPr>
+        <a:xfrm>
+          <a:off x="0" y="0"/>
+          <a:ext cx="0" cy="0"/>
+          <a:chOff x="0" y="0"/>
+          <a:chExt cx="0" cy="0"/>
+        </a:xfrm>
+      </p:grpSpPr>
+      <p:sp>
+        <p:nvSpPr>
+          <p:cNvPr id="2" name="Slide Image Placeholder 1"/>
+          <p:cNvSpPr>
+            <a:spLocks noGrp="1" noRot="1" noChangeAspect="1"/>
+          </p:cNvSpPr>
+          <p:nvPr>
+            <p:ph type="sldImg"/>
+          </p:nvPr>
+        </p:nvSpPr>
+        <p:spPr/>
+      </p:sp>
+      <p:sp>
+        <p:nvSpPr>
+          <p:cNvPr id="3" name="Notes Placeholder 2"/>
+          <p:cNvSpPr>
+            <a:spLocks noGrp="1"/>
+          </p:cNvSpPr>
+          <p:nvPr>
+            <p:ph type="body" idx="1"/>
+          </p:nvPr>
+        </p:nvSpPr>
+        <p:spPr/>
+        <p:txBody>
+          <a:bodyPr/>
+          <a:lstStyle/>
+          <a:p>
+            <a:r>
+              <a:rPr lang="en-GB" dirty="0">
+                <a:solidFill>
+                  <a:srgbClr val="000000"/>
+                </a:solidFill>
+                <a:effectLst/>
+                <a:latin typeface="Arial" panose="020B0604020202020204" pitchFamily="34" charset="0"/>
+              </a:rPr>
+              <a:t>One patient can have more than one discharge from hospital within a given time period. </a:t>
+            </a:r>
+          </a:p>
+          <a:p>
+            <a:r>
+              <a:rPr lang="en-GB" dirty="0">
+                <a:solidFill>
+                  <a:srgbClr val="000000"/>
+                </a:solidFill>
+                <a:effectLst/>
+                <a:latin typeface="Arial" panose="020B0604020202020204" pitchFamily="34" charset="0"/>
+              </a:rPr>
+              <a:t>Figures on discharges provide an indication of hospital usage for the diagnosis and treatment of cerebrovascular disease in either an inpatient or day case setting but exclude activity relating to outpatients. </a:t>
+            </a:r>
+            <a:endParaRPr lang="en-US" dirty="0"/>
+          </a:p>
+          <a:p>
+            <a:endParaRPr lang="en-US" dirty="0"/>
+          </a:p>
+          <a:p>
+            <a:r>
+              <a:rPr lang="en-US" dirty="0"/>
+              <a:t>Looked at incidences but it is not as relevant as I thought as it screens out anyone who has had any stroke related admission in the last 10 years. </a:t>
+            </a:r>
+          </a:p>
+          <a:p>
+            <a:r>
+              <a:rPr lang="en-US" dirty="0"/>
+              <a:t>Incidence data was sources from excel files related to the PHS Stroke report but these only sub-</a:t>
+            </a:r>
+            <a:r>
+              <a:rPr lang="en-US" dirty="0" err="1"/>
+              <a:t>categorised</a:t>
+            </a:r>
+            <a:r>
+              <a:rPr lang="en-US"/>
+              <a:t> cerebrovascular disease and stroke.</a:t>
+            </a:r>
+          </a:p>
+          <a:p>
+            <a:endParaRPr lang="en-US" dirty="0"/>
+          </a:p>
+        </p:txBody>
+      </p:sp>
+      <p:sp>
+        <p:nvSpPr>
+          <p:cNvPr id="4" name="Slide Number Placeholder 3"/>
+          <p:cNvSpPr>
+            <a:spLocks noGrp="1"/>
+          </p:cNvSpPr>
+          <p:nvPr>
+            <p:ph type="sldNum" sz="quarter" idx="5"/>
+          </p:nvPr>
+        </p:nvSpPr>
+        <p:spPr/>
+        <p:txBody>
+          <a:bodyPr/>
+          <a:lstStyle/>
+          <a:p>
+            <a:fld id="{D13304AD-2B04-8F47-B241-50EC441111BE}" type="slidenum">
+              <a:rPr lang="en-US" smtClean="0"/>
+              <a:t>5</a:t>
+            </a:fld>
+            <a:endParaRPr lang="en-US"/>
+          </a:p>
+        </p:txBody>
+      </p:sp>
+    </p:spTree>
+    <p:extLst>
+      <p:ext uri="{BB962C8B-B14F-4D97-AF65-F5344CB8AC3E}">
+        <p14:creationId xmlns:p14="http://schemas.microsoft.com/office/powerpoint/2010/main" val="838986539"/>
+      </p:ext>
+    </p:extLst>
+  </p:cSld>
+  <p:clrMapOvr>
+    <a:masterClrMapping/>
+  </p:clrMapOvr>
+</p:notes>
+</file>
+
+<file path=ppt/notesSlides/notesSlide5.xml><?xml version="1.0" encoding="utf-8"?>
+<p:notes xmlns:a="http://schemas.openxmlformats.org/drawingml/2006/main" xmlns:r="http://schemas.openxmlformats.org/officeDocument/2006/relationships" xmlns:p="http://schemas.openxmlformats.org/presentationml/2006/main">
+  <p:cSld>
+    <p:spTree>
+      <p:nvGrpSpPr>
+        <p:cNvPr id="1" name=""/>
+        <p:cNvGrpSpPr/>
+        <p:nvPr/>
+      </p:nvGrpSpPr>
+      <p:grpSpPr>
+        <a:xfrm>
+          <a:off x="0" y="0"/>
+          <a:ext cx="0" cy="0"/>
+          <a:chOff x="0" y="0"/>
+          <a:chExt cx="0" cy="0"/>
+        </a:xfrm>
+      </p:grpSpPr>
+      <p:sp>
+        <p:nvSpPr>
+          <p:cNvPr id="2" name="Slide Image Placeholder 1"/>
+          <p:cNvSpPr>
+            <a:spLocks noGrp="1" noRot="1" noChangeAspect="1"/>
+          </p:cNvSpPr>
+          <p:nvPr>
+            <p:ph type="sldImg"/>
+          </p:nvPr>
+        </p:nvSpPr>
+        <p:spPr/>
+      </p:sp>
+      <p:sp>
+        <p:nvSpPr>
+          <p:cNvPr id="3" name="Notes Placeholder 2"/>
+          <p:cNvSpPr>
+            <a:spLocks noGrp="1"/>
+          </p:cNvSpPr>
+          <p:nvPr>
+            <p:ph type="body" idx="1"/>
+          </p:nvPr>
+        </p:nvSpPr>
+        <p:spPr/>
+        <p:txBody>
+          <a:bodyPr/>
+          <a:lstStyle/>
+          <a:p>
+            <a:pPr marL="0" marR="0" lvl="0" indent="0" algn="l" defTabSz="914400" rtl="0" eaLnBrk="1" fontAlgn="auto" latinLnBrk="0" hangingPunct="1">
+              <a:lnSpc>
+                <a:spcPct val="100000"/>
+              </a:lnSpc>
+              <a:spcBef>
+                <a:spcPts val="0"/>
+              </a:spcBef>
+              <a:spcAft>
+                <a:spcPts val="0"/>
+              </a:spcAft>
+              <a:buClrTx/>
+              <a:buSzTx/>
+              <a:buFontTx/>
+              <a:buNone/>
+              <a:tabLst/>
+              <a:defRPr/>
+            </a:pPr>
+            <a:r>
               <a:rPr lang="en-GB" sz="1800" dirty="0">
                 <a:effectLst/>
                 <a:latin typeface="ArialMT"/>
@@ -689,7 +1001,7 @@
           <a:p>
             <a:fld id="{D13304AD-2B04-8F47-B241-50EC441111BE}" type="slidenum">
               <a:rPr lang="en-US" smtClean="0"/>
-              <a:t>7</a:t>
+              <a:t>6</a:t>
             </a:fld>
             <a:endParaRPr lang="en-US"/>
           </a:p>
@@ -708,7 +1020,7 @@
 </p:notes>
 </file>
 
-<file path=ppt/notesSlides/notesSlide3.xml><?xml version="1.0" encoding="utf-8"?>
+<file path=ppt/notesSlides/notesSlide6.xml><?xml version="1.0" encoding="utf-8"?>
 <p:notes xmlns:a="http://schemas.openxmlformats.org/drawingml/2006/main" xmlns:r="http://schemas.openxmlformats.org/officeDocument/2006/relationships" xmlns:p="http://schemas.openxmlformats.org/presentationml/2006/main">
   <p:cSld>
     <p:spTree>
@@ -923,7 +1235,7 @@
           <a:p>
             <a:fld id="{203FA79D-7864-F34D-9E45-3C3BEB9F6F77}" type="datetimeFigureOut">
               <a:rPr lang="en-US" smtClean="0"/>
-              <a:t>2/17/23</a:t>
+              <a:t>2/18/23</a:t>
             </a:fld>
             <a:endParaRPr lang="en-US"/>
           </a:p>
@@ -1093,7 +1405,7 @@
           <a:p>
             <a:fld id="{203FA79D-7864-F34D-9E45-3C3BEB9F6F77}" type="datetimeFigureOut">
               <a:rPr lang="en-US" smtClean="0"/>
-              <a:t>2/17/23</a:t>
+              <a:t>2/18/23</a:t>
             </a:fld>
             <a:endParaRPr lang="en-US"/>
           </a:p>
@@ -1273,7 +1585,7 @@
           <a:p>
             <a:fld id="{203FA79D-7864-F34D-9E45-3C3BEB9F6F77}" type="datetimeFigureOut">
               <a:rPr lang="en-US" smtClean="0"/>
-              <a:t>2/17/23</a:t>
+              <a:t>2/18/23</a:t>
             </a:fld>
             <a:endParaRPr lang="en-US"/>
           </a:p>
@@ -1443,7 +1755,7 @@
           <a:p>
             <a:fld id="{203FA79D-7864-F34D-9E45-3C3BEB9F6F77}" type="datetimeFigureOut">
               <a:rPr lang="en-US" smtClean="0"/>
-              <a:t>2/17/23</a:t>
+              <a:t>2/18/23</a:t>
             </a:fld>
             <a:endParaRPr lang="en-US"/>
           </a:p>
@@ -1687,7 +1999,7 @@
           <a:p>
             <a:fld id="{203FA79D-7864-F34D-9E45-3C3BEB9F6F77}" type="datetimeFigureOut">
               <a:rPr lang="en-US" smtClean="0"/>
-              <a:t>2/17/23</a:t>
+              <a:t>2/18/23</a:t>
             </a:fld>
             <a:endParaRPr lang="en-US"/>
           </a:p>
@@ -1919,7 +2231,7 @@
           <a:p>
             <a:fld id="{203FA79D-7864-F34D-9E45-3C3BEB9F6F77}" type="datetimeFigureOut">
               <a:rPr lang="en-US" smtClean="0"/>
-              <a:t>2/17/23</a:t>
+              <a:t>2/18/23</a:t>
             </a:fld>
             <a:endParaRPr lang="en-US"/>
           </a:p>
@@ -2286,7 +2598,7 @@
           <a:p>
             <a:fld id="{203FA79D-7864-F34D-9E45-3C3BEB9F6F77}" type="datetimeFigureOut">
               <a:rPr lang="en-US" smtClean="0"/>
-              <a:t>2/17/23</a:t>
+              <a:t>2/18/23</a:t>
             </a:fld>
             <a:endParaRPr lang="en-US"/>
           </a:p>
@@ -2404,7 +2716,7 @@
           <a:p>
             <a:fld id="{203FA79D-7864-F34D-9E45-3C3BEB9F6F77}" type="datetimeFigureOut">
               <a:rPr lang="en-US" smtClean="0"/>
-              <a:t>2/17/23</a:t>
+              <a:t>2/18/23</a:t>
             </a:fld>
             <a:endParaRPr lang="en-US"/>
           </a:p>
@@ -2499,7 +2811,7 @@
           <a:p>
             <a:fld id="{203FA79D-7864-F34D-9E45-3C3BEB9F6F77}" type="datetimeFigureOut">
               <a:rPr lang="en-US" smtClean="0"/>
-              <a:t>2/17/23</a:t>
+              <a:t>2/18/23</a:t>
             </a:fld>
             <a:endParaRPr lang="en-US"/>
           </a:p>
@@ -2776,7 +3088,7 @@
           <a:p>
             <a:fld id="{203FA79D-7864-F34D-9E45-3C3BEB9F6F77}" type="datetimeFigureOut">
               <a:rPr lang="en-US" smtClean="0"/>
-              <a:t>2/17/23</a:t>
+              <a:t>2/18/23</a:t>
             </a:fld>
             <a:endParaRPr lang="en-US"/>
           </a:p>
@@ -3033,7 +3345,7 @@
           <a:p>
             <a:fld id="{203FA79D-7864-F34D-9E45-3C3BEB9F6F77}" type="datetimeFigureOut">
               <a:rPr lang="en-US" smtClean="0"/>
-              <a:t>2/17/23</a:t>
+              <a:t>2/18/23</a:t>
             </a:fld>
             <a:endParaRPr lang="en-US"/>
           </a:p>
@@ -3246,7 +3558,7 @@
           <a:p>
             <a:fld id="{203FA79D-7864-F34D-9E45-3C3BEB9F6F77}" type="datetimeFigureOut">
               <a:rPr lang="en-US" smtClean="0"/>
-              <a:t>2/17/23</a:t>
+              <a:t>2/18/23</a:t>
             </a:fld>
             <a:endParaRPr lang="en-US"/>
           </a:p>
@@ -3669,35 +3981,57 @@
         </p:nvSpPr>
         <p:spPr/>
         <p:txBody>
+          <a:bodyPr>
+            <a:normAutofit/>
+          </a:bodyPr>
+          <a:lstStyle/>
+          <a:p>
+            <a:r>
+              <a:rPr lang="en-US" dirty="0"/>
+              <a:t>Cerebrovascular Disease in Scotland</a:t>
+            </a:r>
+            <a:br>
+              <a:rPr lang="en-US" dirty="0"/>
+            </a:br>
+            <a:r>
+              <a:rPr lang="en-US" sz="4000" dirty="0"/>
+              <a:t>Statistics and Modeling </a:t>
+            </a:r>
+            <a:endParaRPr lang="en-US" dirty="0"/>
+          </a:p>
+        </p:txBody>
+      </p:sp>
+      <p:sp>
+        <p:nvSpPr>
+          <p:cNvPr id="3" name="Subtitle 2">
+            <a:extLst>
+              <a:ext uri="{FF2B5EF4-FFF2-40B4-BE49-F238E27FC236}">
+                <a16:creationId xmlns:a16="http://schemas.microsoft.com/office/drawing/2014/main" id="{FB9698E6-BEC3-87C3-C0B0-6DAA0401ACC1}"/>
+              </a:ext>
+            </a:extLst>
+          </p:cNvPr>
+          <p:cNvSpPr>
+            <a:spLocks noGrp="1"/>
+          </p:cNvSpPr>
+          <p:nvPr>
+            <p:ph type="subTitle" idx="1"/>
+          </p:nvPr>
+        </p:nvSpPr>
+        <p:spPr/>
+        <p:txBody>
           <a:bodyPr/>
           <a:lstStyle/>
           <a:p>
-            <a:endParaRPr lang="en-US"/>
-          </a:p>
-        </p:txBody>
-      </p:sp>
-      <p:sp>
-        <p:nvSpPr>
-          <p:cNvPr id="3" name="Subtitle 2">
-            <a:extLst>
-              <a:ext uri="{FF2B5EF4-FFF2-40B4-BE49-F238E27FC236}">
-                <a16:creationId xmlns:a16="http://schemas.microsoft.com/office/drawing/2014/main" id="{FB9698E6-BEC3-87C3-C0B0-6DAA0401ACC1}"/>
-              </a:ext>
-            </a:extLst>
-          </p:cNvPr>
-          <p:cNvSpPr>
-            <a:spLocks noGrp="1"/>
-          </p:cNvSpPr>
-          <p:nvPr>
-            <p:ph type="subTitle" idx="1"/>
-          </p:nvPr>
-        </p:nvSpPr>
-        <p:spPr/>
-        <p:txBody>
-          <a:bodyPr/>
-          <a:lstStyle/>
-          <a:p>
-            <a:endParaRPr lang="en-US"/>
+            <a:r>
+              <a:rPr lang="en-US" dirty="0"/>
+              <a:t>Fiona Carson </a:t>
+            </a:r>
+          </a:p>
+          <a:p>
+            <a:r>
+              <a:rPr lang="en-US" dirty="0"/>
+              <a:t>February 2023</a:t>
+            </a:r>
           </a:p>
         </p:txBody>
       </p:sp>
@@ -4315,6 +4649,71 @@
           </a:p>
         </p:txBody>
       </p:sp>
+      <p:pic>
+        <p:nvPicPr>
+          <p:cNvPr id="4" name="Content Placeholder 8" descr="Table&#10;&#10;Description automatically generated">
+            <a:extLst>
+              <a:ext uri="{FF2B5EF4-FFF2-40B4-BE49-F238E27FC236}">
+                <a16:creationId xmlns:a16="http://schemas.microsoft.com/office/drawing/2014/main" id="{354A39C0-451D-826D-32A3-20C160A87270}"/>
+              </a:ext>
+            </a:extLst>
+          </p:cNvPr>
+          <p:cNvPicPr>
+            <a:picLocks noChangeAspect="1"/>
+          </p:cNvPicPr>
+          <p:nvPr/>
+        </p:nvPicPr>
+        <p:blipFill>
+          <a:blip r:embed="rId2"/>
+          <a:stretch>
+            <a:fillRect/>
+          </a:stretch>
+        </p:blipFill>
+        <p:spPr>
+          <a:xfrm>
+            <a:off x="4064110" y="3232819"/>
+            <a:ext cx="5776307" cy="2490790"/>
+          </a:xfrm>
+          <a:prstGeom prst="rect">
+            <a:avLst/>
+          </a:prstGeom>
+        </p:spPr>
+      </p:pic>
+      <p:sp>
+        <p:nvSpPr>
+          <p:cNvPr id="5" name="TextBox 4">
+            <a:extLst>
+              <a:ext uri="{FF2B5EF4-FFF2-40B4-BE49-F238E27FC236}">
+                <a16:creationId xmlns:a16="http://schemas.microsoft.com/office/drawing/2014/main" id="{E601BFEF-DE9D-5C68-AE5D-BC5456E3DD5C}"/>
+              </a:ext>
+            </a:extLst>
+          </p:cNvPr>
+          <p:cNvSpPr txBox="1"/>
+          <p:nvPr/>
+        </p:nvSpPr>
+        <p:spPr>
+          <a:xfrm>
+            <a:off x="670587" y="4750628"/>
+            <a:ext cx="3556102" cy="369332"/>
+          </a:xfrm>
+          <a:prstGeom prst="rect">
+            <a:avLst/>
+          </a:prstGeom>
+          <a:noFill/>
+        </p:spPr>
+        <p:txBody>
+          <a:bodyPr wrap="none" rtlCol="0">
+            <a:spAutoFit/>
+          </a:bodyPr>
+          <a:lstStyle/>
+          <a:p>
+            <a:r>
+              <a:rPr lang="en-US" dirty="0"/>
+              <a:t>Possible to create something similar</a:t>
+            </a:r>
+          </a:p>
+        </p:txBody>
+      </p:sp>
     </p:spTree>
     <p:extLst>
       <p:ext uri="{BB962C8B-B14F-4D97-AF65-F5344CB8AC3E}">
@@ -4710,7 +5109,7 @@
         </p:blipFill>
         <p:spPr>
           <a:xfrm>
-            <a:off x="4270072" y="2594052"/>
+            <a:off x="3745258" y="1825625"/>
             <a:ext cx="7772400" cy="4804982"/>
           </a:xfrm>
           <a:prstGeom prst="rect">
@@ -4856,6 +5255,89 @@
           <p:cNvPr id="2" name="Title 1">
             <a:extLst>
               <a:ext uri="{FF2B5EF4-FFF2-40B4-BE49-F238E27FC236}">
+                <a16:creationId xmlns:a16="http://schemas.microsoft.com/office/drawing/2014/main" id="{C34C0B3B-A913-E847-C0F4-9BE63ACDC3CD}"/>
+              </a:ext>
+            </a:extLst>
+          </p:cNvPr>
+          <p:cNvSpPr>
+            <a:spLocks noGrp="1"/>
+          </p:cNvSpPr>
+          <p:nvPr>
+            <p:ph type="title"/>
+          </p:nvPr>
+        </p:nvSpPr>
+        <p:spPr/>
+        <p:txBody>
+          <a:bodyPr/>
+          <a:lstStyle/>
+          <a:p>
+            <a:endParaRPr lang="en-US"/>
+          </a:p>
+        </p:txBody>
+      </p:sp>
+      <p:sp>
+        <p:nvSpPr>
+          <p:cNvPr id="3" name="Content Placeholder 2">
+            <a:extLst>
+              <a:ext uri="{FF2B5EF4-FFF2-40B4-BE49-F238E27FC236}">
+                <a16:creationId xmlns:a16="http://schemas.microsoft.com/office/drawing/2014/main" id="{8B52A780-5BCF-CA84-2450-3C9F2275F70F}"/>
+              </a:ext>
+            </a:extLst>
+          </p:cNvPr>
+          <p:cNvSpPr>
+            <a:spLocks noGrp="1"/>
+          </p:cNvSpPr>
+          <p:nvPr>
+            <p:ph idx="1"/>
+          </p:nvPr>
+        </p:nvSpPr>
+        <p:spPr/>
+        <p:txBody>
+          <a:bodyPr/>
+          <a:lstStyle/>
+          <a:p>
+            <a:r>
+              <a:rPr lang="en-US" dirty="0"/>
+              <a:t>Anything we can do to look at national average and compare which health boards and regions are higher or lower?</a:t>
+            </a:r>
+          </a:p>
+        </p:txBody>
+      </p:sp>
+    </p:spTree>
+    <p:extLst>
+      <p:ext uri="{BB962C8B-B14F-4D97-AF65-F5344CB8AC3E}">
+        <p14:creationId xmlns:p14="http://schemas.microsoft.com/office/powerpoint/2010/main" val="582665976"/>
+      </p:ext>
+    </p:extLst>
+  </p:cSld>
+  <p:clrMapOvr>
+    <a:masterClrMapping/>
+  </p:clrMapOvr>
+</p:sld>
+</file>
+
+<file path=ppt/slides/slide16.xml><?xml version="1.0" encoding="utf-8"?>
+<p:sld xmlns:a="http://schemas.openxmlformats.org/drawingml/2006/main" xmlns:r="http://schemas.openxmlformats.org/officeDocument/2006/relationships" xmlns:p="http://schemas.openxmlformats.org/presentationml/2006/main">
+  <p:cSld>
+    <p:spTree>
+      <p:nvGrpSpPr>
+        <p:cNvPr id="1" name=""/>
+        <p:cNvGrpSpPr/>
+        <p:nvPr/>
+      </p:nvGrpSpPr>
+      <p:grpSpPr>
+        <a:xfrm>
+          <a:off x="0" y="0"/>
+          <a:ext cx="0" cy="0"/>
+          <a:chOff x="0" y="0"/>
+          <a:chExt cx="0" cy="0"/>
+        </a:xfrm>
+      </p:grpSpPr>
+      <p:sp>
+        <p:nvSpPr>
+          <p:cNvPr id="2" name="Title 1">
+            <a:extLst>
+              <a:ext uri="{FF2B5EF4-FFF2-40B4-BE49-F238E27FC236}">
                 <a16:creationId xmlns:a16="http://schemas.microsoft.com/office/drawing/2014/main" id="{018CAEAE-2898-FF3C-5C36-FBD1952691BF}"/>
               </a:ext>
             </a:extLst>
@@ -4952,7 +5434,7 @@
 </p:sld>
 </file>
 
-<file path=ppt/slides/slide16.xml><?xml version="1.0" encoding="utf-8"?>
+<file path=ppt/slides/slide17.xml><?xml version="1.0" encoding="utf-8"?>
 <p:sld xmlns:a="http://schemas.openxmlformats.org/drawingml/2006/main" xmlns:r="http://schemas.openxmlformats.org/officeDocument/2006/relationships" xmlns:p="http://schemas.openxmlformats.org/presentationml/2006/main">
   <p:cSld>
     <p:spTree>
@@ -5068,176 +5550,6 @@
 </p:sld>
 </file>
 
-<file path=ppt/slides/slide17.xml><?xml version="1.0" encoding="utf-8"?>
-<p:sld xmlns:a="http://schemas.openxmlformats.org/drawingml/2006/main" xmlns:r="http://schemas.openxmlformats.org/officeDocument/2006/relationships" xmlns:p="http://schemas.openxmlformats.org/presentationml/2006/main">
-  <p:cSld>
-    <p:spTree>
-      <p:nvGrpSpPr>
-        <p:cNvPr id="1" name=""/>
-        <p:cNvGrpSpPr/>
-        <p:nvPr/>
-      </p:nvGrpSpPr>
-      <p:grpSpPr>
-        <a:xfrm>
-          <a:off x="0" y="0"/>
-          <a:ext cx="0" cy="0"/>
-          <a:chOff x="0" y="0"/>
-          <a:chExt cx="0" cy="0"/>
-        </a:xfrm>
-      </p:grpSpPr>
-      <p:sp>
-        <p:nvSpPr>
-          <p:cNvPr id="2" name="Title 1">
-            <a:extLst>
-              <a:ext uri="{FF2B5EF4-FFF2-40B4-BE49-F238E27FC236}">
-                <a16:creationId xmlns:a16="http://schemas.microsoft.com/office/drawing/2014/main" id="{6F400BB8-D619-0061-E30A-A29848C97692}"/>
-              </a:ext>
-            </a:extLst>
-          </p:cNvPr>
-          <p:cNvSpPr>
-            <a:spLocks noGrp="1"/>
-          </p:cNvSpPr>
-          <p:nvPr>
-            <p:ph type="title"/>
-          </p:nvPr>
-        </p:nvSpPr>
-        <p:spPr/>
-        <p:txBody>
-          <a:bodyPr/>
-          <a:lstStyle/>
-          <a:p>
-            <a:r>
-              <a:rPr lang="en-US" dirty="0"/>
-              <a:t>The Journey to a ‘Beautiful’ Model</a:t>
-            </a:r>
-          </a:p>
-        </p:txBody>
-      </p:sp>
-      <p:sp>
-        <p:nvSpPr>
-          <p:cNvPr id="3" name="Content Placeholder 2">
-            <a:extLst>
-              <a:ext uri="{FF2B5EF4-FFF2-40B4-BE49-F238E27FC236}">
-                <a16:creationId xmlns:a16="http://schemas.microsoft.com/office/drawing/2014/main" id="{04BE55EE-D00A-D092-BEA4-53B552DE5DC6}"/>
-              </a:ext>
-            </a:extLst>
-          </p:cNvPr>
-          <p:cNvSpPr>
-            <a:spLocks noGrp="1"/>
-          </p:cNvSpPr>
-          <p:nvPr>
-            <p:ph idx="1"/>
-          </p:nvPr>
-        </p:nvSpPr>
-        <p:spPr/>
-        <p:txBody>
-          <a:bodyPr/>
-          <a:lstStyle/>
-          <a:p>
-            <a:pPr>
-              <a:buFont typeface="Arial" panose="020B0604020202020204" pitchFamily="34" charset="0"/>
-              <a:buChar char="•"/>
-            </a:pPr>
-            <a:r>
-              <a:rPr lang="en-GB" dirty="0">
-                <a:solidFill>
-                  <a:srgbClr val="000000"/>
-                </a:solidFill>
-                <a:effectLst/>
-                <a:latin typeface="Helvetica Neue" panose="02000503000000020004" pitchFamily="2" charset="0"/>
-              </a:rPr>
-              <a:t>Multiple linear regression - R2 = 31%</a:t>
-            </a:r>
-          </a:p>
-          <a:p>
-            <a:pPr lvl="1"/>
-            <a:r>
-              <a:rPr lang="en-GB" dirty="0">
-                <a:solidFill>
-                  <a:srgbClr val="000000"/>
-                </a:solidFill>
-                <a:effectLst/>
-                <a:latin typeface="Helvetica Neue" panose="02000503000000020004" pitchFamily="2" charset="0"/>
-              </a:rPr>
-              <a:t>Model built using just the health board and year is promising. This was built on totals of the discharges for each health board though and some boards show no significance so does this mean we can estimate them?</a:t>
-            </a:r>
-          </a:p>
-          <a:p>
-            <a:pPr lvl="1"/>
-            <a:endParaRPr lang="en-GB" dirty="0">
-              <a:solidFill>
-                <a:srgbClr val="000000"/>
-              </a:solidFill>
-              <a:effectLst/>
-              <a:latin typeface="Helvetica Neue" panose="02000503000000020004" pitchFamily="2" charset="0"/>
-            </a:endParaRPr>
-          </a:p>
-          <a:p>
-            <a:pPr>
-              <a:buFont typeface="Arial" panose="020B0604020202020204" pitchFamily="34" charset="0"/>
-              <a:buChar char="•"/>
-            </a:pPr>
-            <a:r>
-              <a:rPr lang="en-GB" dirty="0">
-                <a:solidFill>
-                  <a:srgbClr val="000000"/>
-                </a:solidFill>
-                <a:effectLst/>
-                <a:latin typeface="Helvetica Neue" panose="02000503000000020004" pitchFamily="2" charset="0"/>
-              </a:rPr>
-              <a:t>Random forest - R2 = 97% but useless prediction</a:t>
-            </a:r>
-          </a:p>
-          <a:p>
-            <a:pPr>
-              <a:buFont typeface="Arial" panose="020B0604020202020204" pitchFamily="34" charset="0"/>
-              <a:buChar char="•"/>
-            </a:pPr>
-            <a:r>
-              <a:rPr lang="en-GB" dirty="0">
-                <a:solidFill>
-                  <a:srgbClr val="000000"/>
-                </a:solidFill>
-                <a:effectLst/>
-                <a:latin typeface="Helvetica Neue" panose="02000503000000020004" pitchFamily="2" charset="0"/>
-              </a:rPr>
-              <a:t>ARIMA</a:t>
-            </a:r>
-          </a:p>
-          <a:p>
-            <a:pPr>
-              <a:buFont typeface="Arial" panose="020B0604020202020204" pitchFamily="34" charset="0"/>
-              <a:buChar char="•"/>
-            </a:pPr>
-            <a:r>
-              <a:rPr lang="en-GB" dirty="0">
-                <a:solidFill>
-                  <a:srgbClr val="000000"/>
-                </a:solidFill>
-                <a:effectLst/>
-                <a:latin typeface="Helvetica Neue" panose="02000503000000020004" pitchFamily="2" charset="0"/>
-              </a:rPr>
-              <a:t>Neural networks</a:t>
-            </a:r>
-          </a:p>
-          <a:p>
-            <a:endParaRPr lang="en-US" dirty="0"/>
-          </a:p>
-        </p:txBody>
-      </p:sp>
-    </p:spTree>
-    <p:extLst>
-      <p:ext uri="{BB962C8B-B14F-4D97-AF65-F5344CB8AC3E}">
-        <p14:creationId xmlns:p14="http://schemas.microsoft.com/office/powerpoint/2010/main" val="253531789"/>
-      </p:ext>
-    </p:extLst>
-  </p:cSld>
-  <p:clrMapOvr>
-    <a:masterClrMapping/>
-  </p:clrMapOvr>
-</p:sld>
-</file>
-
 <file path=ppt/slides/slide18.xml><?xml version="1.0" encoding="utf-8"?>
 <p:sld xmlns:a="http://schemas.openxmlformats.org/drawingml/2006/main" xmlns:r="http://schemas.openxmlformats.org/officeDocument/2006/relationships" xmlns:p="http://schemas.openxmlformats.org/presentationml/2006/main">
   <p:cSld>
@@ -5260,7 +5572,7 @@
           <p:cNvPr id="2" name="Title 1">
             <a:extLst>
               <a:ext uri="{FF2B5EF4-FFF2-40B4-BE49-F238E27FC236}">
-                <a16:creationId xmlns:a16="http://schemas.microsoft.com/office/drawing/2014/main" id="{640A89AA-D654-56D2-E1C9-591F3A7F2414}"/>
+                <a16:creationId xmlns:a16="http://schemas.microsoft.com/office/drawing/2014/main" id="{6F400BB8-D619-0061-E30A-A29848C97692}"/>
               </a:ext>
             </a:extLst>
           </p:cNvPr>
@@ -5278,7 +5590,7 @@
           <a:p>
             <a:r>
               <a:rPr lang="en-US" dirty="0"/>
-              <a:t>R2</a:t>
+              <a:t>The Journey to a ‘Beautiful’ Model</a:t>
             </a:r>
           </a:p>
         </p:txBody>
@@ -5288,7 +5600,7 @@
           <p:cNvPr id="3" name="Content Placeholder 2">
             <a:extLst>
               <a:ext uri="{FF2B5EF4-FFF2-40B4-BE49-F238E27FC236}">
-                <a16:creationId xmlns:a16="http://schemas.microsoft.com/office/drawing/2014/main" id="{665CCC5B-BDBF-0706-EA0A-9786972B2782}"/>
+                <a16:creationId xmlns:a16="http://schemas.microsoft.com/office/drawing/2014/main" id="{04BE55EE-D00A-D092-BEA4-53B552DE5DC6}"/>
               </a:ext>
             </a:extLst>
           </p:cNvPr>
@@ -5301,9 +5613,7 @@
         </p:nvSpPr>
         <p:spPr/>
         <p:txBody>
-          <a:bodyPr>
-            <a:normAutofit fontScale="40000" lnSpcReduction="20000"/>
-          </a:bodyPr>
+          <a:bodyPr/>
           <a:lstStyle/>
           <a:p>
             <a:pPr>
@@ -5311,16 +5621,31 @@
               <a:buChar char="•"/>
             </a:pPr>
             <a:r>
-              <a:rPr lang="en-GB" u="sng" dirty="0">
+              <a:rPr lang="en-GB" dirty="0">
                 <a:solidFill>
                   <a:srgbClr val="000000"/>
                 </a:solidFill>
                 <a:effectLst/>
                 <a:latin typeface="Helvetica Neue" panose="02000503000000020004" pitchFamily="2" charset="0"/>
-                <a:hlinkClick r:id="rId2"/>
               </a:rPr>
-              <a:t>https://quantifyinghealth.com/r-squared-study/</a:t>
-            </a:r>
+              <a:t>Multiple linear regression - R2 = 31%</a:t>
+            </a:r>
+          </a:p>
+          <a:p>
+            <a:pPr lvl="1"/>
+            <a:r>
+              <a:rPr lang="en-GB" dirty="0">
+                <a:solidFill>
+                  <a:srgbClr val="000000"/>
+                </a:solidFill>
+                <a:effectLst/>
+                <a:latin typeface="Helvetica Neue" panose="02000503000000020004" pitchFamily="2" charset="0"/>
+              </a:rPr>
+              <a:t>Model built using just the health board and year is promising. This was built on totals of the discharges for each health board though and some boards show no significance so does this mean we can estimate them?</a:t>
+            </a:r>
+          </a:p>
+          <a:p>
+            <a:pPr lvl="1"/>
             <a:endParaRPr lang="en-GB" dirty="0">
               <a:solidFill>
                 <a:srgbClr val="000000"/>
@@ -5330,274 +5655,52 @@
             </a:endParaRPr>
           </a:p>
           <a:p>
-            <a:r>
-              <a:rPr lang="en-GB" dirty="0" err="1">
-                <a:solidFill>
-                  <a:srgbClr val="262626"/>
-                </a:solidFill>
-                <a:effectLst/>
-                <a:latin typeface="Helvetica" pitchFamily="2" charset="0"/>
-              </a:rPr>
-              <a:t>analyzed</a:t>
-            </a:r>
-            <a:r>
-              <a:rPr lang="en-GB" dirty="0">
-                <a:solidFill>
-                  <a:srgbClr val="262626"/>
-                </a:solidFill>
-                <a:effectLst/>
-                <a:latin typeface="Helvetica" pitchFamily="2" charset="0"/>
-              </a:rPr>
-              <a:t> the content of 43,110 randomly chosen research papers from PubMed to learn more about R-squared.</a:t>
-            </a:r>
-          </a:p>
-          <a:p>
-            <a:r>
-              <a:rPr lang="en-GB" b="1" dirty="0">
-                <a:solidFill>
-                  <a:srgbClr val="262626"/>
-                </a:solidFill>
-                <a:effectLst/>
-                <a:latin typeface="Helvetica" pitchFamily="2" charset="0"/>
-              </a:rPr>
-              <a:t>The average value of R-squared in medical research is 0.499</a:t>
-            </a:r>
-            <a:r>
-              <a:rPr lang="en-GB" dirty="0">
-                <a:solidFill>
-                  <a:srgbClr val="262626"/>
-                </a:solidFill>
-                <a:effectLst/>
-                <a:latin typeface="Helvetica" pitchFamily="2" charset="0"/>
-              </a:rPr>
-              <a:t>, which means that the average linear regression model explains 49.9% of the outcome variance.</a:t>
-            </a:r>
-          </a:p>
-          <a:p>
-            <a:br>
-              <a:rPr lang="en-GB" dirty="0">
-                <a:solidFill>
-                  <a:srgbClr val="262626"/>
-                </a:solidFill>
-                <a:effectLst/>
-                <a:latin typeface="Helvetica" pitchFamily="2" charset="0"/>
-              </a:rPr>
-            </a:br>
-            <a:endParaRPr lang="en-GB" dirty="0">
-              <a:solidFill>
-                <a:srgbClr val="262626"/>
-              </a:solidFill>
-              <a:effectLst/>
-              <a:latin typeface="Helvetica" pitchFamily="2" charset="0"/>
-            </a:endParaRPr>
-          </a:p>
-          <a:p>
-            <a:r>
-              <a:rPr lang="en-GB" i="1" dirty="0">
-                <a:solidFill>
-                  <a:srgbClr val="000000"/>
-                </a:solidFill>
-                <a:effectLst/>
-                <a:latin typeface="Helvetica" pitchFamily="2" charset="0"/>
-              </a:rPr>
-              <a:t>In typical applications in biology, psychology, marketing, and other domains, we would expect only a very small proportion of the variance in the response to be explained by the predictor, and an R2 value well below 0.1 might be more realistic!</a:t>
-            </a:r>
-            <a:endParaRPr lang="en-GB" dirty="0">
-              <a:solidFill>
-                <a:srgbClr val="000000"/>
-              </a:solidFill>
-              <a:effectLst/>
-              <a:latin typeface="Helvetica" pitchFamily="2" charset="0"/>
-            </a:endParaRPr>
-          </a:p>
-          <a:p>
-            <a:r>
-              <a:rPr lang="en-GB" i="1" dirty="0">
-                <a:solidFill>
-                  <a:srgbClr val="000000"/>
-                </a:solidFill>
-                <a:effectLst/>
-                <a:latin typeface="Helvetica" pitchFamily="2" charset="0"/>
-              </a:rPr>
-              <a:t>An Introduction to Statistical Learning by Gareth James et al.</a:t>
-            </a:r>
-            <a:endParaRPr lang="en-GB" dirty="0">
-              <a:solidFill>
-                <a:srgbClr val="000000"/>
-              </a:solidFill>
-              <a:effectLst/>
-              <a:latin typeface="Helvetica" pitchFamily="2" charset="0"/>
-            </a:endParaRPr>
-          </a:p>
-          <a:p>
-            <a:br>
+            <a:pPr>
+              <a:buFont typeface="Arial" panose="020B0604020202020204" pitchFamily="34" charset="0"/>
+              <a:buChar char="•"/>
+            </a:pPr>
+            <a:r>
               <a:rPr lang="en-GB" dirty="0">
                 <a:solidFill>
                   <a:srgbClr val="000000"/>
                 </a:solidFill>
                 <a:effectLst/>
-                <a:latin typeface="Helvetica" pitchFamily="2" charset="0"/>
+                <a:latin typeface="Helvetica Neue" panose="02000503000000020004" pitchFamily="2" charset="0"/>
               </a:rPr>
-            </a:br>
-            <a:endParaRPr lang="en-GB" dirty="0">
-              <a:solidFill>
-                <a:srgbClr val="000000"/>
-              </a:solidFill>
-              <a:effectLst/>
-              <a:latin typeface="Helvetica" pitchFamily="2" charset="0"/>
-            </a:endParaRPr>
-          </a:p>
-          <a:p>
-            <a:r>
-              <a:rPr lang="en-GB" i="1" u="sng" dirty="0">
+              <a:t>Random forest - R2 = 97% but useless prediction</a:t>
+            </a:r>
+          </a:p>
+          <a:p>
+            <a:pPr>
+              <a:buFont typeface="Arial" panose="020B0604020202020204" pitchFamily="34" charset="0"/>
+              <a:buChar char="•"/>
+            </a:pPr>
+            <a:r>
+              <a:rPr lang="en-GB" dirty="0">
                 <a:solidFill>
                   <a:srgbClr val="000000"/>
                 </a:solidFill>
                 <a:effectLst/>
-                <a:latin typeface="Helvetica" pitchFamily="2" charset="0"/>
-                <a:hlinkClick r:id="rId3"/>
+                <a:latin typeface="Helvetica Neue" panose="02000503000000020004" pitchFamily="2" charset="0"/>
               </a:rPr>
-              <a:t>https://statisticsbyjim.com/regression/how-high-r-squared/</a:t>
-            </a:r>
-            <a:endParaRPr lang="en-GB" dirty="0">
-              <a:solidFill>
-                <a:srgbClr val="000000"/>
-              </a:solidFill>
-              <a:effectLst/>
-              <a:latin typeface="Helvetica" pitchFamily="2" charset="0"/>
-            </a:endParaRPr>
-          </a:p>
-          <a:p>
+              <a:t>ARIMA</a:t>
+            </a:r>
+          </a:p>
+          <a:p>
+            <a:pPr>
+              <a:buFont typeface="Arial" panose="020B0604020202020204" pitchFamily="34" charset="0"/>
+              <a:buChar char="•"/>
+            </a:pPr>
             <a:r>
               <a:rPr lang="en-GB" dirty="0">
                 <a:solidFill>
-                  <a:srgbClr val="636360"/>
+                  <a:srgbClr val="000000"/>
                 </a:solidFill>
                 <a:effectLst/>
-                <a:latin typeface="Helvetica Light" panose="020B0403020202020204" pitchFamily="34" charset="0"/>
+                <a:latin typeface="Helvetica Neue" panose="02000503000000020004" pitchFamily="2" charset="0"/>
               </a:rPr>
-              <a:t>Any study that attempts to predict human </a:t>
-            </a:r>
-            <a:r>
-              <a:rPr lang="en-GB" dirty="0" err="1">
-                <a:solidFill>
-                  <a:srgbClr val="636360"/>
-                </a:solidFill>
-                <a:effectLst/>
-                <a:latin typeface="Helvetica Light" panose="020B0403020202020204" pitchFamily="34" charset="0"/>
-              </a:rPr>
-              <a:t>behavior</a:t>
-            </a:r>
-            <a:r>
-              <a:rPr lang="en-GB" dirty="0">
-                <a:solidFill>
-                  <a:srgbClr val="636360"/>
-                </a:solidFill>
-                <a:effectLst/>
-                <a:latin typeface="Helvetica Light" panose="020B0403020202020204" pitchFamily="34" charset="0"/>
-              </a:rPr>
-              <a:t> will tend to have R-squared values less than 50%. </a:t>
-            </a:r>
-          </a:p>
-          <a:p>
-            <a:br>
-              <a:rPr lang="en-GB" dirty="0">
-                <a:solidFill>
-                  <a:srgbClr val="636360"/>
-                </a:solidFill>
-                <a:effectLst/>
-                <a:latin typeface="Helvetica Light" panose="020B0403020202020204" pitchFamily="34" charset="0"/>
-              </a:rPr>
-            </a:br>
-            <a:endParaRPr lang="en-GB" dirty="0">
-              <a:solidFill>
-                <a:srgbClr val="636360"/>
-              </a:solidFill>
-              <a:effectLst/>
-              <a:latin typeface="Helvetica Light" panose="020B0403020202020204" pitchFamily="34" charset="0"/>
-            </a:endParaRPr>
-          </a:p>
-          <a:p>
-            <a:r>
-              <a:rPr lang="en-GB" dirty="0">
-                <a:solidFill>
-                  <a:srgbClr val="636360"/>
-                </a:solidFill>
-                <a:effectLst/>
-                <a:latin typeface="Helvetica Light" panose="020B0403020202020204" pitchFamily="34" charset="0"/>
-              </a:rPr>
-              <a:t>However, if you </a:t>
-            </a:r>
-            <a:r>
-              <a:rPr lang="en-GB" dirty="0" err="1">
-                <a:solidFill>
-                  <a:srgbClr val="636360"/>
-                </a:solidFill>
-                <a:effectLst/>
-                <a:latin typeface="Helvetica Light" panose="020B0403020202020204" pitchFamily="34" charset="0"/>
-              </a:rPr>
-              <a:t>analyze</a:t>
-            </a:r>
-            <a:r>
-              <a:rPr lang="en-GB" dirty="0">
-                <a:solidFill>
-                  <a:srgbClr val="636360"/>
-                </a:solidFill>
-                <a:effectLst/>
-                <a:latin typeface="Helvetica Light" panose="020B0403020202020204" pitchFamily="34" charset="0"/>
-              </a:rPr>
-              <a:t> a physical process and have very good measurements, you might expect R-squared values over 90%. </a:t>
-            </a:r>
-          </a:p>
-          <a:p>
-            <a:br>
-              <a:rPr lang="en-GB" dirty="0">
-                <a:solidFill>
-                  <a:srgbClr val="636360"/>
-                </a:solidFill>
-                <a:effectLst/>
-                <a:latin typeface="Helvetica Light" panose="020B0403020202020204" pitchFamily="34" charset="0"/>
-              </a:rPr>
-            </a:br>
-            <a:endParaRPr lang="en-GB" dirty="0">
-              <a:solidFill>
-                <a:srgbClr val="636360"/>
-              </a:solidFill>
-              <a:effectLst/>
-              <a:latin typeface="Helvetica Light" panose="020B0403020202020204" pitchFamily="34" charset="0"/>
-            </a:endParaRPr>
-          </a:p>
-          <a:p>
-            <a:r>
-              <a:rPr lang="en-GB" dirty="0">
-                <a:solidFill>
-                  <a:srgbClr val="636360"/>
-                </a:solidFill>
-                <a:effectLst/>
-                <a:latin typeface="Helvetica Light" panose="020B0403020202020204" pitchFamily="34" charset="0"/>
-              </a:rPr>
-              <a:t>Use prediction intervals to access precision</a:t>
-            </a:r>
-          </a:p>
-          <a:p>
-            <a:r>
-              <a:rPr lang="en-GB" u="sng" dirty="0">
-                <a:solidFill>
-                  <a:srgbClr val="636360"/>
-                </a:solidFill>
-                <a:effectLst/>
-                <a:latin typeface="Helvetica Light" panose="020B0403020202020204" pitchFamily="34" charset="0"/>
-                <a:hlinkClick r:id="rId3"/>
-              </a:rPr>
-              <a:t>https://statisticsbyjim.com/regression/how-high-r-squared/</a:t>
-            </a:r>
-            <a:endParaRPr lang="en-GB" dirty="0">
-              <a:solidFill>
-                <a:srgbClr val="636360"/>
-              </a:solidFill>
-              <a:effectLst/>
-              <a:latin typeface="Helvetica Light" panose="020B0403020202020204" pitchFamily="34" charset="0"/>
-            </a:endParaRPr>
+              <a:t>Neural networks</a:t>
+            </a:r>
           </a:p>
           <a:p>
             <a:endParaRPr lang="en-US" dirty="0"/>
@@ -5607,7 +5710,7 @@
     </p:spTree>
     <p:extLst>
       <p:ext uri="{BB962C8B-B14F-4D97-AF65-F5344CB8AC3E}">
-        <p14:creationId xmlns:p14="http://schemas.microsoft.com/office/powerpoint/2010/main" val="3979207818"/>
+        <p14:creationId xmlns:p14="http://schemas.microsoft.com/office/powerpoint/2010/main" val="253531789"/>
       </p:ext>
     </p:extLst>
   </p:cSld>
@@ -5720,6 +5823,50 @@
               <a:rPr lang="en-US" sz="2000" dirty="0"/>
               <a:t>Numbers at council level were too low to form pattern</a:t>
             </a:r>
+          </a:p>
+          <a:p>
+            <a:r>
+              <a:rPr lang="en-US" sz="2000" dirty="0"/>
+              <a:t>Predicting future values is going to be influenced by change in age structure but not if we use </a:t>
+            </a:r>
+            <a:r>
+              <a:rPr lang="en-US" sz="2000" dirty="0" err="1"/>
+              <a:t>easr</a:t>
+            </a:r>
+            <a:r>
+              <a:rPr lang="en-US" sz="2000" dirty="0"/>
+              <a:t> values – then they can be converted back (I think – check this_</a:t>
+            </a:r>
+          </a:p>
+          <a:p>
+            <a:r>
+              <a:rPr lang="en-US" sz="2000" dirty="0"/>
+              <a:t>Lets try 2 models – </a:t>
+            </a:r>
+            <a:r>
+              <a:rPr lang="en-US" sz="2000" dirty="0" err="1"/>
+              <a:t>acitivty-hb-easr</a:t>
+            </a:r>
+            <a:r>
+              <a:rPr lang="en-US" sz="2000" dirty="0"/>
+              <a:t> and mortality-</a:t>
+            </a:r>
+            <a:r>
+              <a:rPr lang="en-US" sz="2000" dirty="0" err="1"/>
+              <a:t>hb</a:t>
+            </a:r>
+            <a:r>
+              <a:rPr lang="en-US" sz="2000" dirty="0"/>
+              <a:t>-</a:t>
+            </a:r>
+            <a:r>
+              <a:rPr lang="en-US" sz="2000" dirty="0" err="1"/>
+              <a:t>easr</a:t>
+            </a:r>
+            <a:endParaRPr lang="en-US" sz="2000" dirty="0"/>
+          </a:p>
+          <a:p>
+            <a:endParaRPr lang="en-US" sz="2000" dirty="0"/>
           </a:p>
         </p:txBody>
       </p:sp>
@@ -6438,6 +6585,599 @@
           <p:cNvPr id="2" name="Title 1">
             <a:extLst>
               <a:ext uri="{FF2B5EF4-FFF2-40B4-BE49-F238E27FC236}">
+                <a16:creationId xmlns:a16="http://schemas.microsoft.com/office/drawing/2014/main" id="{C1780C02-F241-3D99-517C-B2E952A60D60}"/>
+              </a:ext>
+            </a:extLst>
+          </p:cNvPr>
+          <p:cNvSpPr>
+            <a:spLocks noGrp="1"/>
+          </p:cNvSpPr>
+          <p:nvPr>
+            <p:ph type="title"/>
+          </p:nvPr>
+        </p:nvSpPr>
+        <p:spPr/>
+        <p:txBody>
+          <a:bodyPr/>
+          <a:lstStyle/>
+          <a:p>
+            <a:endParaRPr lang="en-US"/>
+          </a:p>
+        </p:txBody>
+      </p:sp>
+      <p:sp>
+        <p:nvSpPr>
+          <p:cNvPr id="3" name="Content Placeholder 2">
+            <a:extLst>
+              <a:ext uri="{FF2B5EF4-FFF2-40B4-BE49-F238E27FC236}">
+                <a16:creationId xmlns:a16="http://schemas.microsoft.com/office/drawing/2014/main" id="{0A3F0CCE-BE5F-3A4D-91FE-EA89664126FE}"/>
+              </a:ext>
+            </a:extLst>
+          </p:cNvPr>
+          <p:cNvSpPr>
+            <a:spLocks noGrp="1"/>
+          </p:cNvSpPr>
+          <p:nvPr>
+            <p:ph idx="1"/>
+          </p:nvPr>
+        </p:nvSpPr>
+        <p:spPr/>
+        <p:txBody>
+          <a:bodyPr/>
+          <a:lstStyle/>
+          <a:p>
+            <a:r>
+              <a:rPr lang="en-US" dirty="0"/>
+              <a:t>Built 2 models </a:t>
+            </a:r>
+          </a:p>
+          <a:p>
+            <a:pPr lvl="1"/>
+            <a:r>
+              <a:rPr lang="en-US" dirty="0"/>
+              <a:t>discharges – health board – </a:t>
+            </a:r>
+            <a:r>
+              <a:rPr lang="en-US" dirty="0" err="1"/>
+              <a:t>easr</a:t>
+            </a:r>
+            <a:endParaRPr lang="en-US" dirty="0"/>
+          </a:p>
+          <a:p>
+            <a:pPr lvl="1"/>
+            <a:r>
+              <a:rPr lang="en-US" dirty="0"/>
+              <a:t>deaths – health board – </a:t>
+            </a:r>
+            <a:r>
+              <a:rPr lang="en-US" dirty="0" err="1"/>
+              <a:t>easr</a:t>
+            </a:r>
+            <a:endParaRPr lang="en-US" dirty="0"/>
+          </a:p>
+          <a:p>
+            <a:r>
+              <a:rPr lang="en-US" dirty="0"/>
+              <a:t>Test-train split – didn’t do because of the nature of the data – only have one row per year per “category”. Tried holding back later years but predictions were bad because of covid effects.</a:t>
+            </a:r>
+          </a:p>
+          <a:p>
+            <a:r>
+              <a:rPr lang="en-US" dirty="0"/>
+              <a:t>What if we train model on years before covid – up to 2019?</a:t>
+            </a:r>
+          </a:p>
+          <a:p>
+            <a:r>
+              <a:rPr lang="en-US" dirty="0"/>
+              <a:t>Logged discharge and deaths</a:t>
+            </a:r>
+          </a:p>
+          <a:p>
+            <a:r>
+              <a:rPr lang="en-US" dirty="0"/>
+              <a:t>Added interactions – took R2 from 0.63 to 0.79</a:t>
+            </a:r>
+          </a:p>
+        </p:txBody>
+      </p:sp>
+    </p:spTree>
+    <p:extLst>
+      <p:ext uri="{BB962C8B-B14F-4D97-AF65-F5344CB8AC3E}">
+        <p14:creationId xmlns:p14="http://schemas.microsoft.com/office/powerpoint/2010/main" val="1279066299"/>
+      </p:ext>
+    </p:extLst>
+  </p:cSld>
+  <p:clrMapOvr>
+    <a:masterClrMapping/>
+  </p:clrMapOvr>
+</p:sld>
+</file>
+
+<file path=ppt/slides/slide21.xml><?xml version="1.0" encoding="utf-8"?>
+<p:sld xmlns:a="http://schemas.openxmlformats.org/drawingml/2006/main" xmlns:r="http://schemas.openxmlformats.org/officeDocument/2006/relationships" xmlns:p="http://schemas.openxmlformats.org/presentationml/2006/main">
+  <p:cSld>
+    <p:spTree>
+      <p:nvGrpSpPr>
+        <p:cNvPr id="1" name=""/>
+        <p:cNvGrpSpPr/>
+        <p:nvPr/>
+      </p:nvGrpSpPr>
+      <p:grpSpPr>
+        <a:xfrm>
+          <a:off x="0" y="0"/>
+          <a:ext cx="0" cy="0"/>
+          <a:chOff x="0" y="0"/>
+          <a:chExt cx="0" cy="0"/>
+        </a:xfrm>
+      </p:grpSpPr>
+      <p:sp>
+        <p:nvSpPr>
+          <p:cNvPr id="2" name="Title 1">
+            <a:extLst>
+              <a:ext uri="{FF2B5EF4-FFF2-40B4-BE49-F238E27FC236}">
+                <a16:creationId xmlns:a16="http://schemas.microsoft.com/office/drawing/2014/main" id="{4BC15866-364D-83BD-E25C-09C9AEE71D31}"/>
+              </a:ext>
+            </a:extLst>
+          </p:cNvPr>
+          <p:cNvSpPr>
+            <a:spLocks noGrp="1"/>
+          </p:cNvSpPr>
+          <p:nvPr>
+            <p:ph type="title"/>
+          </p:nvPr>
+        </p:nvSpPr>
+        <p:spPr/>
+        <p:txBody>
+          <a:bodyPr/>
+          <a:lstStyle/>
+          <a:p>
+            <a:endParaRPr lang="en-US"/>
+          </a:p>
+        </p:txBody>
+      </p:sp>
+      <p:sp>
+        <p:nvSpPr>
+          <p:cNvPr id="3" name="Content Placeholder 2">
+            <a:extLst>
+              <a:ext uri="{FF2B5EF4-FFF2-40B4-BE49-F238E27FC236}">
+                <a16:creationId xmlns:a16="http://schemas.microsoft.com/office/drawing/2014/main" id="{5708B355-BA17-440C-E080-C65ECA8F59EF}"/>
+              </a:ext>
+            </a:extLst>
+          </p:cNvPr>
+          <p:cNvSpPr>
+            <a:spLocks noGrp="1"/>
+          </p:cNvSpPr>
+          <p:nvPr>
+            <p:ph idx="1"/>
+          </p:nvPr>
+        </p:nvSpPr>
+        <p:spPr/>
+        <p:txBody>
+          <a:bodyPr/>
+          <a:lstStyle/>
+          <a:p>
+            <a:r>
+              <a:rPr lang="en-US" dirty="0"/>
+              <a:t>Add AIC graph</a:t>
+            </a:r>
+          </a:p>
+        </p:txBody>
+      </p:sp>
+    </p:spTree>
+    <p:extLst>
+      <p:ext uri="{BB962C8B-B14F-4D97-AF65-F5344CB8AC3E}">
+        <p14:creationId xmlns:p14="http://schemas.microsoft.com/office/powerpoint/2010/main" val="1514891853"/>
+      </p:ext>
+    </p:extLst>
+  </p:cSld>
+  <p:clrMapOvr>
+    <a:masterClrMapping/>
+  </p:clrMapOvr>
+</p:sld>
+</file>
+
+<file path=ppt/slides/slide22.xml><?xml version="1.0" encoding="utf-8"?>
+<p:sld xmlns:a="http://schemas.openxmlformats.org/drawingml/2006/main" xmlns:r="http://schemas.openxmlformats.org/officeDocument/2006/relationships" xmlns:p="http://schemas.openxmlformats.org/presentationml/2006/main">
+  <p:cSld>
+    <p:spTree>
+      <p:nvGrpSpPr>
+        <p:cNvPr id="1" name=""/>
+        <p:cNvGrpSpPr/>
+        <p:nvPr/>
+      </p:nvGrpSpPr>
+      <p:grpSpPr>
+        <a:xfrm>
+          <a:off x="0" y="0"/>
+          <a:ext cx="0" cy="0"/>
+          <a:chOff x="0" y="0"/>
+          <a:chExt cx="0" cy="0"/>
+        </a:xfrm>
+      </p:grpSpPr>
+      <p:sp>
+        <p:nvSpPr>
+          <p:cNvPr id="2" name="Title 1">
+            <a:extLst>
+              <a:ext uri="{FF2B5EF4-FFF2-40B4-BE49-F238E27FC236}">
+                <a16:creationId xmlns:a16="http://schemas.microsoft.com/office/drawing/2014/main" id="{640A89AA-D654-56D2-E1C9-591F3A7F2414}"/>
+              </a:ext>
+            </a:extLst>
+          </p:cNvPr>
+          <p:cNvSpPr>
+            <a:spLocks noGrp="1"/>
+          </p:cNvSpPr>
+          <p:nvPr>
+            <p:ph type="title"/>
+          </p:nvPr>
+        </p:nvSpPr>
+        <p:spPr/>
+        <p:txBody>
+          <a:bodyPr/>
+          <a:lstStyle/>
+          <a:p>
+            <a:r>
+              <a:rPr lang="en-US" dirty="0"/>
+              <a:t>R2</a:t>
+            </a:r>
+          </a:p>
+        </p:txBody>
+      </p:sp>
+      <p:sp>
+        <p:nvSpPr>
+          <p:cNvPr id="3" name="Content Placeholder 2">
+            <a:extLst>
+              <a:ext uri="{FF2B5EF4-FFF2-40B4-BE49-F238E27FC236}">
+                <a16:creationId xmlns:a16="http://schemas.microsoft.com/office/drawing/2014/main" id="{665CCC5B-BDBF-0706-EA0A-9786972B2782}"/>
+              </a:ext>
+            </a:extLst>
+          </p:cNvPr>
+          <p:cNvSpPr>
+            <a:spLocks noGrp="1"/>
+          </p:cNvSpPr>
+          <p:nvPr>
+            <p:ph idx="1"/>
+          </p:nvPr>
+        </p:nvSpPr>
+        <p:spPr/>
+        <p:txBody>
+          <a:bodyPr>
+            <a:normAutofit fontScale="40000" lnSpcReduction="20000"/>
+          </a:bodyPr>
+          <a:lstStyle/>
+          <a:p>
+            <a:pPr>
+              <a:buFont typeface="Arial" panose="020B0604020202020204" pitchFamily="34" charset="0"/>
+              <a:buChar char="•"/>
+            </a:pPr>
+            <a:r>
+              <a:rPr lang="en-GB" u="sng" dirty="0">
+                <a:solidFill>
+                  <a:srgbClr val="000000"/>
+                </a:solidFill>
+                <a:effectLst/>
+                <a:latin typeface="Helvetica Neue" panose="02000503000000020004" pitchFamily="2" charset="0"/>
+                <a:hlinkClick r:id="rId2"/>
+              </a:rPr>
+              <a:t>https://quantifyinghealth.com/r-squared-study/</a:t>
+            </a:r>
+            <a:endParaRPr lang="en-GB" dirty="0">
+              <a:solidFill>
+                <a:srgbClr val="000000"/>
+              </a:solidFill>
+              <a:effectLst/>
+              <a:latin typeface="Helvetica Neue" panose="02000503000000020004" pitchFamily="2" charset="0"/>
+            </a:endParaRPr>
+          </a:p>
+          <a:p>
+            <a:r>
+              <a:rPr lang="en-GB" dirty="0" err="1">
+                <a:solidFill>
+                  <a:srgbClr val="262626"/>
+                </a:solidFill>
+                <a:effectLst/>
+                <a:latin typeface="Helvetica" pitchFamily="2" charset="0"/>
+              </a:rPr>
+              <a:t>analyzed</a:t>
+            </a:r>
+            <a:r>
+              <a:rPr lang="en-GB" dirty="0">
+                <a:solidFill>
+                  <a:srgbClr val="262626"/>
+                </a:solidFill>
+                <a:effectLst/>
+                <a:latin typeface="Helvetica" pitchFamily="2" charset="0"/>
+              </a:rPr>
+              <a:t> the content of 43,110 randomly chosen research papers from PubMed to learn more about R-squared.</a:t>
+            </a:r>
+          </a:p>
+          <a:p>
+            <a:r>
+              <a:rPr lang="en-GB" b="1" dirty="0">
+                <a:solidFill>
+                  <a:srgbClr val="262626"/>
+                </a:solidFill>
+                <a:effectLst/>
+                <a:latin typeface="Helvetica" pitchFamily="2" charset="0"/>
+              </a:rPr>
+              <a:t>The average value of R-squared in medical research is 0.499</a:t>
+            </a:r>
+            <a:r>
+              <a:rPr lang="en-GB" dirty="0">
+                <a:solidFill>
+                  <a:srgbClr val="262626"/>
+                </a:solidFill>
+                <a:effectLst/>
+                <a:latin typeface="Helvetica" pitchFamily="2" charset="0"/>
+              </a:rPr>
+              <a:t>, which means that the average linear regression model explains 49.9% of the outcome variance.</a:t>
+            </a:r>
+          </a:p>
+          <a:p>
+            <a:br>
+              <a:rPr lang="en-GB" dirty="0">
+                <a:solidFill>
+                  <a:srgbClr val="262626"/>
+                </a:solidFill>
+                <a:effectLst/>
+                <a:latin typeface="Helvetica" pitchFamily="2" charset="0"/>
+              </a:rPr>
+            </a:br>
+            <a:endParaRPr lang="en-GB" dirty="0">
+              <a:solidFill>
+                <a:srgbClr val="262626"/>
+              </a:solidFill>
+              <a:effectLst/>
+              <a:latin typeface="Helvetica" pitchFamily="2" charset="0"/>
+            </a:endParaRPr>
+          </a:p>
+          <a:p>
+            <a:r>
+              <a:rPr lang="en-GB" i="1" dirty="0">
+                <a:solidFill>
+                  <a:srgbClr val="000000"/>
+                </a:solidFill>
+                <a:effectLst/>
+                <a:latin typeface="Helvetica" pitchFamily="2" charset="0"/>
+              </a:rPr>
+              <a:t>In typical applications in biology, psychology, marketing, and other domains, we would expect only a very small proportion of the variance in the response to be explained by the predictor, and an R2 value well below 0.1 might be more realistic!</a:t>
+            </a:r>
+            <a:endParaRPr lang="en-GB" dirty="0">
+              <a:solidFill>
+                <a:srgbClr val="000000"/>
+              </a:solidFill>
+              <a:effectLst/>
+              <a:latin typeface="Helvetica" pitchFamily="2" charset="0"/>
+            </a:endParaRPr>
+          </a:p>
+          <a:p>
+            <a:r>
+              <a:rPr lang="en-GB" i="1" dirty="0">
+                <a:solidFill>
+                  <a:srgbClr val="000000"/>
+                </a:solidFill>
+                <a:effectLst/>
+                <a:latin typeface="Helvetica" pitchFamily="2" charset="0"/>
+              </a:rPr>
+              <a:t>An Introduction to Statistical Learning by Gareth James et al.</a:t>
+            </a:r>
+            <a:endParaRPr lang="en-GB" dirty="0">
+              <a:solidFill>
+                <a:srgbClr val="000000"/>
+              </a:solidFill>
+              <a:effectLst/>
+              <a:latin typeface="Helvetica" pitchFamily="2" charset="0"/>
+            </a:endParaRPr>
+          </a:p>
+          <a:p>
+            <a:br>
+              <a:rPr lang="en-GB" dirty="0">
+                <a:solidFill>
+                  <a:srgbClr val="000000"/>
+                </a:solidFill>
+                <a:effectLst/>
+                <a:latin typeface="Helvetica" pitchFamily="2" charset="0"/>
+              </a:rPr>
+            </a:br>
+            <a:endParaRPr lang="en-GB" dirty="0">
+              <a:solidFill>
+                <a:srgbClr val="000000"/>
+              </a:solidFill>
+              <a:effectLst/>
+              <a:latin typeface="Helvetica" pitchFamily="2" charset="0"/>
+            </a:endParaRPr>
+          </a:p>
+          <a:p>
+            <a:r>
+              <a:rPr lang="en-GB" i="1" u="sng" dirty="0">
+                <a:solidFill>
+                  <a:srgbClr val="000000"/>
+                </a:solidFill>
+                <a:effectLst/>
+                <a:latin typeface="Helvetica" pitchFamily="2" charset="0"/>
+                <a:hlinkClick r:id="rId3"/>
+              </a:rPr>
+              <a:t>https://statisticsbyjim.com/regression/how-high-r-squared/</a:t>
+            </a:r>
+            <a:endParaRPr lang="en-GB" dirty="0">
+              <a:solidFill>
+                <a:srgbClr val="000000"/>
+              </a:solidFill>
+              <a:effectLst/>
+              <a:latin typeface="Helvetica" pitchFamily="2" charset="0"/>
+            </a:endParaRPr>
+          </a:p>
+          <a:p>
+            <a:r>
+              <a:rPr lang="en-GB" dirty="0">
+                <a:solidFill>
+                  <a:srgbClr val="636360"/>
+                </a:solidFill>
+                <a:effectLst/>
+                <a:latin typeface="Helvetica Light" panose="020B0403020202020204" pitchFamily="34" charset="0"/>
+              </a:rPr>
+              <a:t>Any study that attempts to predict human </a:t>
+            </a:r>
+            <a:r>
+              <a:rPr lang="en-GB" dirty="0" err="1">
+                <a:solidFill>
+                  <a:srgbClr val="636360"/>
+                </a:solidFill>
+                <a:effectLst/>
+                <a:latin typeface="Helvetica Light" panose="020B0403020202020204" pitchFamily="34" charset="0"/>
+              </a:rPr>
+              <a:t>behavior</a:t>
+            </a:r>
+            <a:r>
+              <a:rPr lang="en-GB" dirty="0">
+                <a:solidFill>
+                  <a:srgbClr val="636360"/>
+                </a:solidFill>
+                <a:effectLst/>
+                <a:latin typeface="Helvetica Light" panose="020B0403020202020204" pitchFamily="34" charset="0"/>
+              </a:rPr>
+              <a:t> will tend to have R-squared values less than 50%. </a:t>
+            </a:r>
+          </a:p>
+          <a:p>
+            <a:br>
+              <a:rPr lang="en-GB" dirty="0">
+                <a:solidFill>
+                  <a:srgbClr val="636360"/>
+                </a:solidFill>
+                <a:effectLst/>
+                <a:latin typeface="Helvetica Light" panose="020B0403020202020204" pitchFamily="34" charset="0"/>
+              </a:rPr>
+            </a:br>
+            <a:endParaRPr lang="en-GB" dirty="0">
+              <a:solidFill>
+                <a:srgbClr val="636360"/>
+              </a:solidFill>
+              <a:effectLst/>
+              <a:latin typeface="Helvetica Light" panose="020B0403020202020204" pitchFamily="34" charset="0"/>
+            </a:endParaRPr>
+          </a:p>
+          <a:p>
+            <a:r>
+              <a:rPr lang="en-GB" dirty="0">
+                <a:solidFill>
+                  <a:srgbClr val="636360"/>
+                </a:solidFill>
+                <a:effectLst/>
+                <a:latin typeface="Helvetica Light" panose="020B0403020202020204" pitchFamily="34" charset="0"/>
+              </a:rPr>
+              <a:t>However, if you </a:t>
+            </a:r>
+            <a:r>
+              <a:rPr lang="en-GB" dirty="0" err="1">
+                <a:solidFill>
+                  <a:srgbClr val="636360"/>
+                </a:solidFill>
+                <a:effectLst/>
+                <a:latin typeface="Helvetica Light" panose="020B0403020202020204" pitchFamily="34" charset="0"/>
+              </a:rPr>
+              <a:t>analyze</a:t>
+            </a:r>
+            <a:r>
+              <a:rPr lang="en-GB" dirty="0">
+                <a:solidFill>
+                  <a:srgbClr val="636360"/>
+                </a:solidFill>
+                <a:effectLst/>
+                <a:latin typeface="Helvetica Light" panose="020B0403020202020204" pitchFamily="34" charset="0"/>
+              </a:rPr>
+              <a:t> a physical process and have very good measurements, you might expect R-squared values over 90%. </a:t>
+            </a:r>
+          </a:p>
+          <a:p>
+            <a:br>
+              <a:rPr lang="en-GB" dirty="0">
+                <a:solidFill>
+                  <a:srgbClr val="636360"/>
+                </a:solidFill>
+                <a:effectLst/>
+                <a:latin typeface="Helvetica Light" panose="020B0403020202020204" pitchFamily="34" charset="0"/>
+              </a:rPr>
+            </a:br>
+            <a:endParaRPr lang="en-GB" dirty="0">
+              <a:solidFill>
+                <a:srgbClr val="636360"/>
+              </a:solidFill>
+              <a:effectLst/>
+              <a:latin typeface="Helvetica Light" panose="020B0403020202020204" pitchFamily="34" charset="0"/>
+            </a:endParaRPr>
+          </a:p>
+          <a:p>
+            <a:r>
+              <a:rPr lang="en-GB" dirty="0">
+                <a:solidFill>
+                  <a:srgbClr val="636360"/>
+                </a:solidFill>
+                <a:effectLst/>
+                <a:latin typeface="Helvetica Light" panose="020B0403020202020204" pitchFamily="34" charset="0"/>
+              </a:rPr>
+              <a:t>Use prediction intervals to access precision</a:t>
+            </a:r>
+          </a:p>
+          <a:p>
+            <a:r>
+              <a:rPr lang="en-GB" u="sng" dirty="0">
+                <a:solidFill>
+                  <a:srgbClr val="636360"/>
+                </a:solidFill>
+                <a:effectLst/>
+                <a:latin typeface="Helvetica Light" panose="020B0403020202020204" pitchFamily="34" charset="0"/>
+                <a:hlinkClick r:id="rId3"/>
+              </a:rPr>
+              <a:t>https://statisticsbyjim.com/regression/how-high-r-squared/</a:t>
+            </a:r>
+            <a:endParaRPr lang="en-GB" dirty="0">
+              <a:solidFill>
+                <a:srgbClr val="636360"/>
+              </a:solidFill>
+              <a:effectLst/>
+              <a:latin typeface="Helvetica Light" panose="020B0403020202020204" pitchFamily="34" charset="0"/>
+            </a:endParaRPr>
+          </a:p>
+          <a:p>
+            <a:endParaRPr lang="en-US" dirty="0"/>
+          </a:p>
+        </p:txBody>
+      </p:sp>
+    </p:spTree>
+    <p:extLst>
+      <p:ext uri="{BB962C8B-B14F-4D97-AF65-F5344CB8AC3E}">
+        <p14:creationId xmlns:p14="http://schemas.microsoft.com/office/powerpoint/2010/main" val="3979207818"/>
+      </p:ext>
+    </p:extLst>
+  </p:cSld>
+  <p:clrMapOvr>
+    <a:masterClrMapping/>
+  </p:clrMapOvr>
+</p:sld>
+</file>
+
+<file path=ppt/slides/slide23.xml><?xml version="1.0" encoding="utf-8"?>
+<p:sld xmlns:a="http://schemas.openxmlformats.org/drawingml/2006/main" xmlns:r="http://schemas.openxmlformats.org/officeDocument/2006/relationships" xmlns:p="http://schemas.openxmlformats.org/presentationml/2006/main">
+  <p:cSld>
+    <p:spTree>
+      <p:nvGrpSpPr>
+        <p:cNvPr id="1" name=""/>
+        <p:cNvGrpSpPr/>
+        <p:nvPr/>
+      </p:nvGrpSpPr>
+      <p:grpSpPr>
+        <a:xfrm>
+          <a:off x="0" y="0"/>
+          <a:ext cx="0" cy="0"/>
+          <a:chOff x="0" y="0"/>
+          <a:chExt cx="0" cy="0"/>
+        </a:xfrm>
+      </p:grpSpPr>
+      <p:sp>
+        <p:nvSpPr>
+          <p:cNvPr id="2" name="Title 1">
+            <a:extLst>
+              <a:ext uri="{FF2B5EF4-FFF2-40B4-BE49-F238E27FC236}">
                 <a16:creationId xmlns:a16="http://schemas.microsoft.com/office/drawing/2014/main" id="{A2456F71-C6DB-6DAF-03EB-682B3ED28ED6}"/>
               </a:ext>
             </a:extLst>
@@ -6538,7 +7278,7 @@
 </p:sld>
 </file>
 
-<file path=ppt/slides/slide21.xml><?xml version="1.0" encoding="utf-8"?>
+<file path=ppt/slides/slide24.xml><?xml version="1.0" encoding="utf-8"?>
 <p:sld xmlns:a="http://schemas.openxmlformats.org/drawingml/2006/main" xmlns:r="http://schemas.openxmlformats.org/officeDocument/2006/relationships" xmlns:p="http://schemas.openxmlformats.org/presentationml/2006/main">
   <p:cSld>
     <p:spTree>
@@ -6751,14 +7491,22 @@
             <p:ph idx="1"/>
           </p:nvPr>
         </p:nvSpPr>
-        <p:spPr/>
+        <p:spPr>
+          <a:xfrm>
+            <a:off x="838200" y="1825625"/>
+            <a:ext cx="8224716" cy="4353182"/>
+          </a:xfrm>
+        </p:spPr>
         <p:txBody>
           <a:bodyPr>
-            <a:normAutofit fontScale="70000" lnSpcReduction="20000"/>
+            <a:normAutofit fontScale="85000" lnSpcReduction="10000"/>
           </a:bodyPr>
           <a:lstStyle/>
           <a:p>
             <a:pPr>
+              <a:lnSpc>
+                <a:spcPct val="120000"/>
+              </a:lnSpc>
               <a:buFont typeface="Arial" panose="020B0604020202020204" pitchFamily="34" charset="0"/>
               <a:buChar char="•"/>
             </a:pPr>
@@ -6770,14 +7518,26 @@
                 <a:effectLst/>
                 <a:latin typeface="Helvetica Neue" panose="02000503000000020004" pitchFamily="2" charset="0"/>
               </a:rPr>
-              <a:t>Cerebrovascular disease (CVD) - condition that develops as a result of problems with the blood vessels supplying the brain. </a:t>
+              <a:t>Result of problems with the blood vessels supplying the brain</a:t>
             </a:r>
           </a:p>
           <a:p>
             <a:pPr>
+              <a:lnSpc>
+                <a:spcPct val="120000"/>
+              </a:lnSpc>
               <a:buFont typeface="Arial" panose="020B0604020202020204" pitchFamily="34" charset="0"/>
               <a:buChar char="•"/>
             </a:pPr>
+            <a:r>
+              <a:rPr lang="en-GB" dirty="0">
+                <a:solidFill>
+                  <a:srgbClr val="000000"/>
+                </a:solidFill>
+                <a:latin typeface="Helvetica Neue" panose="02000503000000020004" pitchFamily="2" charset="0"/>
+              </a:rPr>
+              <a:t>T</a:t>
+            </a:r>
             <a:r>
               <a:rPr lang="en-GB" dirty="0">
                 <a:solidFill>
@@ -6786,14 +7546,27 @@
                 <a:effectLst/>
                 <a:latin typeface="Helvetica Neue" panose="02000503000000020004" pitchFamily="2" charset="0"/>
               </a:rPr>
-              <a:t>Stroke is a common type of CVD</a:t>
-            </a:r>
-          </a:p>
-          <a:p>
-            <a:pPr>
+              <a:t>ypes of CVD in the PHS data</a:t>
+            </a:r>
+          </a:p>
+          <a:p>
+            <a:pPr marL="742950" lvl="1" indent="-285750">
+              <a:lnSpc>
+                <a:spcPct val="120000"/>
+              </a:lnSpc>
               <a:buFont typeface="Arial" panose="020B0604020202020204" pitchFamily="34" charset="0"/>
               <a:buChar char="•"/>
             </a:pPr>
+            <a:r>
+              <a:rPr lang="en-GB" b="1" dirty="0">
+                <a:solidFill>
+                  <a:srgbClr val="000000"/>
+                </a:solidFill>
+                <a:effectLst/>
+                <a:latin typeface="Helvetica Neue" panose="02000503000000020004" pitchFamily="2" charset="0"/>
+              </a:rPr>
+              <a:t>Stroke</a:t>
+            </a:r>
             <a:r>
               <a:rPr lang="en-GB" dirty="0">
                 <a:solidFill>
@@ -6802,14 +7575,27 @@
                 <a:effectLst/>
                 <a:latin typeface="Helvetica Neue" panose="02000503000000020004" pitchFamily="2" charset="0"/>
               </a:rPr>
-              <a:t>Stroke - blood supply to part of the brain is interrupted and brain cells are starved of oxygen. Usually occurs because a blood vessel becomes blocked by fatty deposits or a blood clot. </a:t>
-            </a:r>
-          </a:p>
-          <a:p>
-            <a:pPr>
+              <a:t> - area of brain is deprived of blood supply because of a blockage usually by fatty deposits or a blood clot</a:t>
+            </a:r>
+          </a:p>
+          <a:p>
+            <a:pPr marL="742950" lvl="1" indent="-285750">
+              <a:lnSpc>
+                <a:spcPct val="120000"/>
+              </a:lnSpc>
               <a:buFont typeface="Arial" panose="020B0604020202020204" pitchFamily="34" charset="0"/>
               <a:buChar char="•"/>
             </a:pPr>
+            <a:r>
+              <a:rPr lang="en-GB" b="1" dirty="0">
+                <a:solidFill>
+                  <a:srgbClr val="000000"/>
+                </a:solidFill>
+                <a:effectLst/>
+                <a:latin typeface="Helvetica Neue" panose="02000503000000020004" pitchFamily="2" charset="0"/>
+              </a:rPr>
+              <a:t>Transient ischaemic attach (TIA) </a:t>
+            </a:r>
             <a:r>
               <a:rPr lang="en-GB" dirty="0">
                 <a:solidFill>
@@ -6818,14 +7604,27 @@
                 <a:effectLst/>
                 <a:latin typeface="Helvetica Neue" panose="02000503000000020004" pitchFamily="2" charset="0"/>
               </a:rPr>
-              <a:t>2021 health survey - 3% men and 2% women reported they have experienced a stroke</a:t>
-            </a:r>
-          </a:p>
-          <a:p>
-            <a:pPr>
+              <a:t>- temporary form of stroke (“mini-stroke”), symptoms generally last less than 24 hours</a:t>
+            </a:r>
+          </a:p>
+          <a:p>
+            <a:pPr marL="742950" lvl="1" indent="-285750">
+              <a:lnSpc>
+                <a:spcPct val="120000"/>
+              </a:lnSpc>
               <a:buFont typeface="Arial" panose="020B0604020202020204" pitchFamily="34" charset="0"/>
               <a:buChar char="•"/>
             </a:pPr>
+            <a:r>
+              <a:rPr lang="en-GB" b="1" dirty="0">
+                <a:solidFill>
+                  <a:srgbClr val="000000"/>
+                </a:solidFill>
+                <a:effectLst/>
+                <a:latin typeface="Helvetica Neue" panose="02000503000000020004" pitchFamily="2" charset="0"/>
+              </a:rPr>
+              <a:t>Subarachnoid haemorrhage </a:t>
+            </a:r>
             <a:r>
               <a:rPr lang="en-GB" dirty="0">
                 <a:solidFill>
@@ -6834,72 +7633,238 @@
                 <a:effectLst/>
                 <a:latin typeface="Helvetica Neue" panose="02000503000000020004" pitchFamily="2" charset="0"/>
               </a:rPr>
-              <a:t>CVD</a:t>
+              <a:t>- a leak of blood caused by the rupture of a blood vessel beneath the membrane covering the brain (type of brain haemorrhage)</a:t>
             </a:r>
           </a:p>
           <a:p>
             <a:pPr marL="742950" lvl="1" indent="-285750">
+              <a:lnSpc>
+                <a:spcPct val="120000"/>
+              </a:lnSpc>
               <a:buFont typeface="Arial" panose="020B0604020202020204" pitchFamily="34" charset="0"/>
               <a:buChar char="•"/>
             </a:pPr>
+            <a:r>
+              <a:rPr lang="en-GB" b="1" dirty="0">
+                <a:solidFill>
+                  <a:srgbClr val="000000"/>
+                </a:solidFill>
+                <a:latin typeface="Helvetica Neue" panose="02000503000000020004" pitchFamily="2" charset="0"/>
+              </a:rPr>
+              <a:t>Other CVD </a:t>
+            </a:r>
             <a:r>
               <a:rPr lang="en-GB" dirty="0">
                 <a:solidFill>
                   <a:srgbClr val="000000"/>
                 </a:solidFill>
-                <a:effectLst/>
                 <a:latin typeface="Helvetica Neue" panose="02000503000000020004" pitchFamily="2" charset="0"/>
               </a:rPr>
-              <a:t>Stroke - area of brain is deprived of blood supply because of a blockage of a blood vessel supplying the brain</a:t>
-            </a:r>
-          </a:p>
-          <a:p>
-            <a:pPr marL="742950" lvl="1" indent="-285750">
-              <a:buFont typeface="Arial" panose="020B0604020202020204" pitchFamily="34" charset="0"/>
-              <a:buChar char="•"/>
-            </a:pPr>
-            <a:r>
-              <a:rPr lang="en-GB" dirty="0">
-                <a:solidFill>
-                  <a:srgbClr val="000000"/>
-                </a:solidFill>
-                <a:effectLst/>
-                <a:latin typeface="Helvetica Neue" panose="02000503000000020004" pitchFamily="2" charset="0"/>
-              </a:rPr>
-              <a:t>Transient ischaemic attach (TIA) a temporary form of stroke (sometimes referred to as mini-stroke), symptoms generally last less than 24 hours</a:t>
-            </a:r>
-          </a:p>
-          <a:p>
-            <a:pPr marL="742950" lvl="1" indent="-285750">
-              <a:buFont typeface="Arial" panose="020B0604020202020204" pitchFamily="34" charset="0"/>
-              <a:buChar char="•"/>
-            </a:pPr>
-            <a:r>
-              <a:rPr lang="en-GB" dirty="0">
-                <a:solidFill>
-                  <a:srgbClr val="000000"/>
-                </a:solidFill>
-                <a:effectLst/>
-                <a:latin typeface="Helvetica Neue" panose="02000503000000020004" pitchFamily="2" charset="0"/>
-              </a:rPr>
-              <a:t>Subarachnoid haemorrhage - a leak of blood caused by the rupture of a blood vessel beneath the membrane covering the brain (type of brain haemorrhage)</a:t>
-            </a:r>
-          </a:p>
-          <a:p>
-            <a:pPr>
-              <a:buFont typeface="Arial" panose="020B0604020202020204" pitchFamily="34" charset="0"/>
-              <a:buChar char="•"/>
-            </a:pPr>
-            <a:r>
-              <a:rPr lang="en-GB" dirty="0">
-                <a:solidFill>
-                  <a:srgbClr val="000000"/>
-                </a:solidFill>
-                <a:effectLst/>
-                <a:latin typeface="Helvetica Neue" panose="02000503000000020004" pitchFamily="2" charset="0"/>
-              </a:rPr>
-              <a:t>Carotid endarterectomy - main procedure for treating CVD and stroke - removes blockage in artery in neck to improve blood flow to the brain</a:t>
-            </a:r>
+              <a:t>– incidences which don’t fall into above categories</a:t>
+            </a:r>
+            <a:endParaRPr lang="en-GB" dirty="0">
+              <a:solidFill>
+                <a:srgbClr val="000000"/>
+              </a:solidFill>
+              <a:effectLst/>
+              <a:latin typeface="Helvetica Neue" panose="02000503000000020004" pitchFamily="2" charset="0"/>
+            </a:endParaRPr>
+          </a:p>
+        </p:txBody>
+      </p:sp>
+      <p:pic>
+        <p:nvPicPr>
+          <p:cNvPr id="7" name="Picture 6">
+            <a:extLst>
+              <a:ext uri="{FF2B5EF4-FFF2-40B4-BE49-F238E27FC236}">
+                <a16:creationId xmlns:a16="http://schemas.microsoft.com/office/drawing/2014/main" id="{8AD64512-D952-5D6C-99DF-7AE1FC0788FC}"/>
+              </a:ext>
+            </a:extLst>
+          </p:cNvPr>
+          <p:cNvPicPr>
+            <a:picLocks noChangeAspect="1"/>
+          </p:cNvPicPr>
+          <p:nvPr/>
+        </p:nvPicPr>
+        <p:blipFill>
+          <a:blip r:embed="rId3"/>
+          <a:stretch>
+            <a:fillRect/>
+          </a:stretch>
+        </p:blipFill>
+        <p:spPr>
+          <a:xfrm>
+            <a:off x="9062916" y="1251000"/>
+            <a:ext cx="3048000" cy="1740501"/>
+          </a:xfrm>
+          <a:prstGeom prst="rect">
+            <a:avLst/>
+          </a:prstGeom>
+        </p:spPr>
+      </p:pic>
+      <p:pic>
+        <p:nvPicPr>
+          <p:cNvPr id="9" name="Picture 8" descr="A picture containing text, businesscard, vector graphics&#10;&#10;Description automatically generated">
+            <a:extLst>
+              <a:ext uri="{FF2B5EF4-FFF2-40B4-BE49-F238E27FC236}">
+                <a16:creationId xmlns:a16="http://schemas.microsoft.com/office/drawing/2014/main" id="{F388D3E3-04FE-2B02-8195-FC7B767E9703}"/>
+              </a:ext>
+            </a:extLst>
+          </p:cNvPr>
+          <p:cNvPicPr>
+            <a:picLocks noChangeAspect="1"/>
+          </p:cNvPicPr>
+          <p:nvPr/>
+        </p:nvPicPr>
+        <p:blipFill>
+          <a:blip r:embed="rId4"/>
+          <a:stretch>
+            <a:fillRect/>
+          </a:stretch>
+        </p:blipFill>
+        <p:spPr>
+          <a:xfrm>
+            <a:off x="9050704" y="4877996"/>
+            <a:ext cx="3141296" cy="1971186"/>
+          </a:xfrm>
+          <a:prstGeom prst="rect">
+            <a:avLst/>
+          </a:prstGeom>
+        </p:spPr>
+      </p:pic>
+      <p:pic>
+        <p:nvPicPr>
+          <p:cNvPr id="11" name="Picture 10" descr="Diagram&#10;&#10;Description automatically generated with medium confidence">
+            <a:extLst>
+              <a:ext uri="{FF2B5EF4-FFF2-40B4-BE49-F238E27FC236}">
+                <a16:creationId xmlns:a16="http://schemas.microsoft.com/office/drawing/2014/main" id="{89423964-DDB1-47C0-6A66-0A4DF68E6EA1}"/>
+              </a:ext>
+            </a:extLst>
+          </p:cNvPr>
+          <p:cNvPicPr>
+            <a:picLocks noChangeAspect="1"/>
+          </p:cNvPicPr>
+          <p:nvPr/>
+        </p:nvPicPr>
+        <p:blipFill>
+          <a:blip r:embed="rId5"/>
+          <a:stretch>
+            <a:fillRect/>
+          </a:stretch>
+        </p:blipFill>
+        <p:spPr>
+          <a:xfrm>
+            <a:off x="9062916" y="2995651"/>
+            <a:ext cx="3048000" cy="1836874"/>
+          </a:xfrm>
+          <a:prstGeom prst="rect">
+            <a:avLst/>
+          </a:prstGeom>
+        </p:spPr>
+      </p:pic>
+      <p:sp>
+        <p:nvSpPr>
+          <p:cNvPr id="12" name="TextBox 11">
+            <a:extLst>
+              <a:ext uri="{FF2B5EF4-FFF2-40B4-BE49-F238E27FC236}">
+                <a16:creationId xmlns:a16="http://schemas.microsoft.com/office/drawing/2014/main" id="{75D27A02-E8B6-EDD3-2DC6-84CF107E797B}"/>
+              </a:ext>
+            </a:extLst>
+          </p:cNvPr>
+          <p:cNvSpPr txBox="1"/>
+          <p:nvPr/>
+        </p:nvSpPr>
+        <p:spPr>
+          <a:xfrm>
+            <a:off x="10788581" y="2391897"/>
+            <a:ext cx="1130438" cy="369332"/>
+          </a:xfrm>
+          <a:prstGeom prst="rect">
+            <a:avLst/>
+          </a:prstGeom>
+          <a:noFill/>
+        </p:spPr>
+        <p:txBody>
+          <a:bodyPr wrap="none" rtlCol="0">
+            <a:spAutoFit/>
+          </a:bodyPr>
+          <a:lstStyle/>
+          <a:p>
+            <a:r>
+              <a:rPr lang="en-US" dirty="0"/>
+              <a:t>Blood clot</a:t>
+            </a:r>
+          </a:p>
+        </p:txBody>
+      </p:sp>
+      <p:sp>
+        <p:nvSpPr>
+          <p:cNvPr id="13" name="TextBox 12">
+            <a:extLst>
+              <a:ext uri="{FF2B5EF4-FFF2-40B4-BE49-F238E27FC236}">
+                <a16:creationId xmlns:a16="http://schemas.microsoft.com/office/drawing/2014/main" id="{DAF2E9CC-0056-DA93-C3D6-5AA61CA948F1}"/>
+              </a:ext>
+            </a:extLst>
+          </p:cNvPr>
+          <p:cNvSpPr txBox="1"/>
+          <p:nvPr/>
+        </p:nvSpPr>
+        <p:spPr>
+          <a:xfrm>
+            <a:off x="10788581" y="4278392"/>
+            <a:ext cx="1490729" cy="369332"/>
+          </a:xfrm>
+          <a:prstGeom prst="rect">
+            <a:avLst/>
+          </a:prstGeom>
+          <a:noFill/>
+        </p:spPr>
+        <p:txBody>
+          <a:bodyPr wrap="none" rtlCol="0">
+            <a:spAutoFit/>
+          </a:bodyPr>
+          <a:lstStyle/>
+          <a:p>
+            <a:r>
+              <a:rPr lang="en-US" dirty="0"/>
+              <a:t>Fatty deposits</a:t>
+            </a:r>
+          </a:p>
+        </p:txBody>
+      </p:sp>
+      <p:sp>
+        <p:nvSpPr>
+          <p:cNvPr id="14" name="TextBox 13">
+            <a:extLst>
+              <a:ext uri="{FF2B5EF4-FFF2-40B4-BE49-F238E27FC236}">
+                <a16:creationId xmlns:a16="http://schemas.microsoft.com/office/drawing/2014/main" id="{930DB3D5-98AC-1B4D-141B-034352E82BEC}"/>
+              </a:ext>
+            </a:extLst>
+          </p:cNvPr>
+          <p:cNvSpPr txBox="1"/>
+          <p:nvPr/>
+        </p:nvSpPr>
+        <p:spPr>
+          <a:xfrm>
+            <a:off x="10697082" y="6181726"/>
+            <a:ext cx="1582228" cy="369332"/>
+          </a:xfrm>
+          <a:prstGeom prst="rect">
+            <a:avLst/>
+          </a:prstGeom>
+          <a:noFill/>
+        </p:spPr>
+        <p:txBody>
+          <a:bodyPr wrap="none" rtlCol="0">
+            <a:spAutoFit/>
+          </a:bodyPr>
+          <a:lstStyle/>
+          <a:p>
+            <a:r>
+              <a:rPr lang="en-US" dirty="0" err="1"/>
+              <a:t>Haemorrahage</a:t>
+            </a:r>
+            <a:endParaRPr lang="en-US" dirty="0"/>
           </a:p>
         </p:txBody>
       </p:sp>
@@ -6954,39 +7919,13 @@
           <a:bodyPr/>
           <a:lstStyle/>
           <a:p>
-            <a:endParaRPr lang="en-US"/>
-          </a:p>
-        </p:txBody>
-      </p:sp>
-      <p:pic>
-        <p:nvPicPr>
-          <p:cNvPr id="9" name="Content Placeholder 8" descr="Table&#10;&#10;Description automatically generated">
-            <a:extLst>
-              <a:ext uri="{FF2B5EF4-FFF2-40B4-BE49-F238E27FC236}">
-                <a16:creationId xmlns:a16="http://schemas.microsoft.com/office/drawing/2014/main" id="{2DB6205B-001A-2E28-3AC1-ECFAF5F0CCCE}"/>
-              </a:ext>
-            </a:extLst>
-          </p:cNvPr>
-          <p:cNvPicPr>
-            <a:picLocks noGrp="1" noChangeAspect="1"/>
-          </p:cNvPicPr>
-          <p:nvPr>
-            <p:ph idx="1"/>
-          </p:nvPr>
-        </p:nvPicPr>
-        <p:blipFill>
-          <a:blip r:embed="rId2"/>
-          <a:stretch>
-            <a:fillRect/>
-          </a:stretch>
-        </p:blipFill>
-        <p:spPr>
-          <a:xfrm>
-            <a:off x="5679092" y="-800100"/>
-            <a:ext cx="5776307" cy="2490790"/>
-          </a:xfrm>
-        </p:spPr>
-      </p:pic>
+            <a:r>
+              <a:rPr lang="en-US" dirty="0"/>
+              <a:t>Introduction – CVD in Scotland</a:t>
+            </a:r>
+          </a:p>
+        </p:txBody>
+      </p:sp>
       <p:pic>
         <p:nvPicPr>
           <p:cNvPr id="4" name="Picture 3">
@@ -7009,8 +7948,8 @@
         </p:blipFill>
         <p:spPr>
           <a:xfrm>
-            <a:off x="-580571" y="1011731"/>
-            <a:ext cx="6231055" cy="4793119"/>
+            <a:off x="6994764" y="1837786"/>
+            <a:ext cx="4512541" cy="3471185"/>
           </a:xfrm>
           <a:prstGeom prst="rect">
             <a:avLst/>
@@ -7031,8 +7970,8 @@
         </p:nvSpPr>
         <p:spPr>
           <a:xfrm>
-            <a:off x="306324" y="6134098"/>
-            <a:ext cx="4545076" cy="646331"/>
+            <a:off x="733196" y="6353330"/>
+            <a:ext cx="9839999" cy="523220"/>
           </a:xfrm>
           <a:prstGeom prst="rect">
             <a:avLst/>
@@ -7046,26 +7985,31 @@
           <a:lstStyle/>
           <a:p>
             <a:r>
-              <a:rPr lang="en-US" dirty="0"/>
-              <a:t>https://</a:t>
-            </a:r>
-            <a:r>
-              <a:rPr lang="en-US" dirty="0" err="1"/>
-              <a:t>www.scotpho.org.uk</a:t>
-            </a:r>
-            <a:r>
-              <a:rPr lang="en-US" dirty="0"/>
-              <a:t>/population-dynamics/deaths/data/most-frequent-causes/</a:t>
-            </a:r>
-          </a:p>
-        </p:txBody>
-      </p:sp>
-      <p:sp>
-        <p:nvSpPr>
-          <p:cNvPr id="7" name="TextBox 6">
-            <a:extLst>
-              <a:ext uri="{FF2B5EF4-FFF2-40B4-BE49-F238E27FC236}">
-                <a16:creationId xmlns:a16="http://schemas.microsoft.com/office/drawing/2014/main" id="{2706AF0F-D7EB-5700-5F35-FE0554BA195F}"/>
+              <a:rPr lang="en-US" sz="1400" dirty="0"/>
+              <a:t>References: 	</a:t>
+            </a:r>
+            <a:r>
+              <a:rPr lang="en-US" sz="1400" dirty="0">
+                <a:hlinkClick r:id="rId4"/>
+              </a:rPr>
+              <a:t>https://www.scotpho.org.uk/population-dynamics/deaths/data/most-frequent-causes/</a:t>
+            </a:r>
+            <a:endParaRPr lang="en-US" sz="1400" dirty="0"/>
+          </a:p>
+          <a:p>
+            <a:r>
+              <a:rPr lang="en-US" sz="1400" dirty="0"/>
+              <a:t>			British Heart Foundation - Global Heart &amp; Circulatory Disease Factsheet Feb 2023</a:t>
+            </a:r>
+          </a:p>
+        </p:txBody>
+      </p:sp>
+      <p:sp>
+        <p:nvSpPr>
+          <p:cNvPr id="12" name="TextBox 11">
+            <a:extLst>
+              <a:ext uri="{FF2B5EF4-FFF2-40B4-BE49-F238E27FC236}">
+                <a16:creationId xmlns:a16="http://schemas.microsoft.com/office/drawing/2014/main" id="{EEC6E5CE-AD23-6023-E8EF-C7076B3883BF}"/>
               </a:ext>
             </a:extLst>
           </p:cNvPr>
@@ -7074,8 +8018,8 @@
         </p:nvSpPr>
         <p:spPr>
           <a:xfrm>
-            <a:off x="6351524" y="2400298"/>
-            <a:ext cx="4545076" cy="2862322"/>
+            <a:off x="6096000" y="5346039"/>
+            <a:ext cx="4545076" cy="1200329"/>
           </a:xfrm>
           <a:prstGeom prst="rect">
             <a:avLst/>
@@ -7089,29 +8033,46 @@
           <a:lstStyle/>
           <a:p>
             <a:r>
+              <a:rPr lang="en-US" dirty="0">
+                <a:solidFill>
+                  <a:srgbClr val="FF0000"/>
+                </a:solidFill>
+              </a:rPr>
+              <a:t>Also have .csv with leading death rates by council area – could show some of most deprived council areas have it as higher cause of death</a:t>
+            </a:r>
+          </a:p>
+        </p:txBody>
+      </p:sp>
+      <p:sp>
+        <p:nvSpPr>
+          <p:cNvPr id="5" name="Content Placeholder 4">
+            <a:extLst>
+              <a:ext uri="{FF2B5EF4-FFF2-40B4-BE49-F238E27FC236}">
+                <a16:creationId xmlns:a16="http://schemas.microsoft.com/office/drawing/2014/main" id="{B5F6217F-3F8E-E7B1-30E7-F27D1F2CDAB0}"/>
+              </a:ext>
+            </a:extLst>
+          </p:cNvPr>
+          <p:cNvSpPr>
+            <a:spLocks noGrp="1"/>
+          </p:cNvSpPr>
+          <p:nvPr>
+            <p:ph idx="1"/>
+          </p:nvPr>
+        </p:nvSpPr>
+        <p:spPr>
+          <a:xfrm>
+            <a:off x="838200" y="1825625"/>
+            <a:ext cx="5399314" cy="4351338"/>
+          </a:xfrm>
+        </p:spPr>
+        <p:txBody>
+          <a:bodyPr/>
+          <a:lstStyle/>
+          <a:p>
+            <a:r>
               <a:rPr lang="en-US" dirty="0"/>
-              <a:t>Stats from BHF </a:t>
-            </a:r>
-            <a:r>
-              <a:rPr lang="en-US" dirty="0" err="1"/>
-              <a:t>feb</a:t>
-            </a:r>
-            <a:r>
-              <a:rPr lang="en-US" dirty="0"/>
-              <a:t> factsheet</a:t>
-            </a:r>
-          </a:p>
-          <a:p>
-            <a:endParaRPr lang="en-US" dirty="0"/>
-          </a:p>
-          <a:p>
-            <a:r>
-              <a:rPr lang="en-US" dirty="0"/>
-              <a:t>130,000 people living in Scotland have survived a stroke or TIA</a:t>
-            </a:r>
-          </a:p>
-          <a:p>
-            <a:endParaRPr lang="en-US" dirty="0"/>
+              <a:t>130,000 people living in Scotland have survived a stroke or TIA </a:t>
+            </a:r>
           </a:p>
           <a:p>
             <a:r>
@@ -7120,83 +8081,13 @@
             </a:r>
           </a:p>
           <a:p>
+            <a:r>
+              <a:rPr lang="en-US" dirty="0"/>
+              <a:t>Prevalence rates for stroke in most deprived areas of Scotland are more than twice those in the least deprived areas </a:t>
+            </a:r>
+          </a:p>
+          <a:p>
             <a:endParaRPr lang="en-US" dirty="0"/>
-          </a:p>
-          <a:p>
-            <a:r>
-              <a:rPr lang="en-US" dirty="0"/>
-              <a:t>Prevalence rates for stroke in most deprived areas of Scotland are more than twice those in the least deprived areas. </a:t>
-            </a:r>
-          </a:p>
-        </p:txBody>
-      </p:sp>
-      <p:sp>
-        <p:nvSpPr>
-          <p:cNvPr id="10" name="TextBox 9">
-            <a:extLst>
-              <a:ext uri="{FF2B5EF4-FFF2-40B4-BE49-F238E27FC236}">
-                <a16:creationId xmlns:a16="http://schemas.microsoft.com/office/drawing/2014/main" id="{D6640BD4-A03A-D943-4663-CE40DF017BBA}"/>
-              </a:ext>
-            </a:extLst>
-          </p:cNvPr>
-          <p:cNvSpPr txBox="1"/>
-          <p:nvPr/>
-        </p:nvSpPr>
-        <p:spPr>
-          <a:xfrm>
-            <a:off x="6910323" y="0"/>
-            <a:ext cx="3556102" cy="369332"/>
-          </a:xfrm>
-          <a:prstGeom prst="rect">
-            <a:avLst/>
-          </a:prstGeom>
-          <a:noFill/>
-        </p:spPr>
-        <p:txBody>
-          <a:bodyPr wrap="none" rtlCol="0">
-            <a:spAutoFit/>
-          </a:bodyPr>
-          <a:lstStyle/>
-          <a:p>
-            <a:r>
-              <a:rPr lang="en-US" dirty="0"/>
-              <a:t>Possible to create something similar</a:t>
-            </a:r>
-          </a:p>
-        </p:txBody>
-      </p:sp>
-      <p:sp>
-        <p:nvSpPr>
-          <p:cNvPr id="12" name="TextBox 11">
-            <a:extLst>
-              <a:ext uri="{FF2B5EF4-FFF2-40B4-BE49-F238E27FC236}">
-                <a16:creationId xmlns:a16="http://schemas.microsoft.com/office/drawing/2014/main" id="{EEC6E5CE-AD23-6023-E8EF-C7076B3883BF}"/>
-              </a:ext>
-            </a:extLst>
-          </p:cNvPr>
-          <p:cNvSpPr txBox="1"/>
-          <p:nvPr/>
-        </p:nvSpPr>
-        <p:spPr>
-          <a:xfrm>
-            <a:off x="6415836" y="5804850"/>
-            <a:ext cx="4545076" cy="646331"/>
-          </a:xfrm>
-          <a:prstGeom prst="rect">
-            <a:avLst/>
-          </a:prstGeom>
-          <a:noFill/>
-        </p:spPr>
-        <p:txBody>
-          <a:bodyPr wrap="square">
-            <a:spAutoFit/>
-          </a:bodyPr>
-          <a:lstStyle/>
-          <a:p>
-            <a:r>
-              <a:rPr lang="en-US" dirty="0"/>
-              <a:t>Also have .csv with leading death rates by council area</a:t>
-            </a:r>
           </a:p>
         </p:txBody>
       </p:sp>
@@ -7253,7 +8144,7 @@
           <a:p>
             <a:r>
               <a:rPr lang="en-US" dirty="0"/>
-              <a:t>Introduction – CVD Statistics</a:t>
+              <a:t>Introduction – CVD Data</a:t>
             </a:r>
           </a:p>
         </p:txBody>
@@ -7274,33 +8165,23 @@
             <p:ph idx="1"/>
           </p:nvPr>
         </p:nvSpPr>
-        <p:spPr/>
-        <p:txBody>
-          <a:bodyPr/>
-          <a:lstStyle/>
-          <a:p>
-            <a:r>
-              <a:rPr lang="en-GB" b="1" dirty="0">
-                <a:solidFill>
-                  <a:srgbClr val="000000"/>
-                </a:solidFill>
-                <a:effectLst/>
-                <a:latin typeface="Helvetica Neue" panose="02000503000000020004" pitchFamily="2" charset="0"/>
-              </a:rPr>
-              <a:t>Explain different measurements</a:t>
-            </a:r>
-            <a:endParaRPr lang="en-GB" dirty="0">
-              <a:solidFill>
-                <a:srgbClr val="000000"/>
-              </a:solidFill>
-              <a:effectLst/>
-              <a:latin typeface="Helvetica Neue" panose="02000503000000020004" pitchFamily="2" charset="0"/>
-            </a:endParaRPr>
-          </a:p>
-          <a:p>
-            <a:pPr>
-              <a:buFont typeface="Arial" panose="020B0604020202020204" pitchFamily="34" charset="0"/>
-              <a:buChar char="•"/>
+        <p:spPr>
+          <a:xfrm>
+            <a:off x="838201" y="1825625"/>
+            <a:ext cx="6242514" cy="4351338"/>
+          </a:xfrm>
+        </p:spPr>
+        <p:txBody>
+          <a:bodyPr>
+            <a:normAutofit/>
+          </a:bodyPr>
+          <a:lstStyle/>
+          <a:p>
+            <a:pPr marL="0" indent="0">
+              <a:lnSpc>
+                <a:spcPct val="100000"/>
+              </a:lnSpc>
+              <a:buNone/>
             </a:pPr>
             <a:r>
               <a:rPr lang="en-GB" dirty="0">
@@ -7310,18 +8191,31 @@
                 <a:effectLst/>
                 <a:latin typeface="Helvetica Neue" panose="02000503000000020004" pitchFamily="2" charset="0"/>
               </a:rPr>
-              <a:t>Naked values, crude rates and </a:t>
-            </a:r>
-            <a:r>
-              <a:rPr lang="en-GB" dirty="0" err="1">
+              <a:t>Data from PHS Scotland</a:t>
+            </a:r>
+          </a:p>
+          <a:p>
+            <a:pPr lvl="1">
+              <a:lnSpc>
+                <a:spcPct val="100000"/>
+              </a:lnSpc>
+            </a:pPr>
+            <a:r>
+              <a:rPr lang="en-GB" dirty="0">
                 <a:solidFill>
                   <a:srgbClr val="000000"/>
                 </a:solidFill>
-                <a:effectLst/>
                 <a:latin typeface="Helvetica Neue" panose="02000503000000020004" pitchFamily="2" charset="0"/>
               </a:rPr>
-              <a:t>easr</a:t>
-            </a:r>
+              <a:t>Discharges</a:t>
+            </a:r>
+          </a:p>
+          <a:p>
+            <a:pPr lvl="1">
+              <a:lnSpc>
+                <a:spcPct val="100000"/>
+              </a:lnSpc>
+            </a:pPr>
             <a:r>
               <a:rPr lang="en-GB" dirty="0">
                 <a:solidFill>
@@ -7330,43 +8224,579 @@
                 <a:effectLst/>
                 <a:latin typeface="Helvetica Neue" panose="02000503000000020004" pitchFamily="2" charset="0"/>
               </a:rPr>
-              <a:t>.</a:t>
+              <a:t>Mortality</a:t>
             </a:r>
           </a:p>
           <a:p>
             <a:pPr>
-              <a:buFont typeface="Arial" panose="020B0604020202020204" pitchFamily="34" charset="0"/>
-              <a:buChar char="•"/>
+              <a:lnSpc>
+                <a:spcPct val="100000"/>
+              </a:lnSpc>
             </a:pPr>
-            <a:r>
-              <a:rPr lang="en-GB" dirty="0">
+            <a:endParaRPr lang="en-GB" dirty="0">
+              <a:solidFill>
+                <a:srgbClr val="000000"/>
+              </a:solidFill>
+              <a:latin typeface="Helvetica Neue" panose="02000503000000020004" pitchFamily="2" charset="0"/>
+            </a:endParaRPr>
+          </a:p>
+          <a:p>
+            <a:pPr>
+              <a:lnSpc>
+                <a:spcPct val="100000"/>
+              </a:lnSpc>
+            </a:pPr>
+            <a:r>
+              <a:rPr lang="en-GB" sz="2000" b="1" dirty="0">
                 <a:solidFill>
                   <a:srgbClr val="000000"/>
                 </a:solidFill>
                 <a:effectLst/>
                 <a:latin typeface="Helvetica Neue" panose="02000503000000020004" pitchFamily="2" charset="0"/>
               </a:rPr>
-              <a:t>Explain how values related to one another</a:t>
-            </a:r>
-          </a:p>
-          <a:p>
-            <a:pPr>
-              <a:buFont typeface="Arial" panose="020B0604020202020204" pitchFamily="34" charset="0"/>
-              <a:buChar char="•"/>
-            </a:pPr>
-            <a:r>
-              <a:rPr lang="en-GB" dirty="0">
+              <a:t>Raw data </a:t>
+            </a:r>
+            <a:r>
+              <a:rPr lang="en-GB" sz="2000" dirty="0">
                 <a:solidFill>
                   <a:srgbClr val="000000"/>
                 </a:solidFill>
                 <a:effectLst/>
                 <a:latin typeface="Helvetica Neue" panose="02000503000000020004" pitchFamily="2" charset="0"/>
               </a:rPr>
-              <a:t>Will make it clear which numbers I’m referring to</a:t>
-            </a:r>
+              <a:t>– number of discharges</a:t>
+            </a:r>
+          </a:p>
+          <a:p>
+            <a:pPr>
+              <a:lnSpc>
+                <a:spcPct val="100000"/>
+              </a:lnSpc>
+            </a:pPr>
+            <a:r>
+              <a:rPr lang="en-GB" sz="2000" b="1" dirty="0">
+                <a:solidFill>
+                  <a:srgbClr val="000000"/>
+                </a:solidFill>
+                <a:effectLst/>
+                <a:latin typeface="Helvetica Neue" panose="02000503000000020004" pitchFamily="2" charset="0"/>
+              </a:rPr>
+              <a:t>Crude rates </a:t>
+            </a:r>
+            <a:r>
+              <a:rPr lang="en-GB" sz="2000" dirty="0">
+                <a:solidFill>
+                  <a:srgbClr val="000000"/>
+                </a:solidFill>
+                <a:effectLst/>
+                <a:latin typeface="Helvetica Neue" panose="02000503000000020004" pitchFamily="2" charset="0"/>
+              </a:rPr>
+              <a:t>– discharges per 100,000 population</a:t>
+            </a:r>
+          </a:p>
+          <a:p>
+            <a:pPr>
+              <a:lnSpc>
+                <a:spcPct val="100000"/>
+              </a:lnSpc>
+            </a:pPr>
+            <a:r>
+              <a:rPr lang="en-GB" sz="2000" b="1" dirty="0">
+                <a:solidFill>
+                  <a:srgbClr val="000000"/>
+                </a:solidFill>
+                <a:effectLst/>
+                <a:latin typeface="Helvetica Neue" panose="02000503000000020004" pitchFamily="2" charset="0"/>
+              </a:rPr>
+              <a:t>EASR</a:t>
+            </a:r>
+            <a:r>
+              <a:rPr lang="en-GB" sz="2000" dirty="0">
+                <a:solidFill>
+                  <a:srgbClr val="000000"/>
+                </a:solidFill>
+                <a:effectLst/>
+                <a:latin typeface="Helvetica Neue" panose="02000503000000020004" pitchFamily="2" charset="0"/>
+              </a:rPr>
+              <a:t> – discharges adjusted to European Standard Population to account for age and sex differences in differen</a:t>
+            </a:r>
+            <a:r>
+              <a:rPr lang="en-GB" sz="2000" dirty="0">
+                <a:solidFill>
+                  <a:srgbClr val="000000"/>
+                </a:solidFill>
+                <a:latin typeface="Helvetica Neue" panose="02000503000000020004" pitchFamily="2" charset="0"/>
+              </a:rPr>
+              <a:t>t places</a:t>
+            </a:r>
+            <a:endParaRPr lang="en-GB" sz="2000" dirty="0">
+              <a:solidFill>
+                <a:srgbClr val="000000"/>
+              </a:solidFill>
+              <a:effectLst/>
+              <a:latin typeface="Helvetica Neue" panose="02000503000000020004" pitchFamily="2" charset="0"/>
+            </a:endParaRPr>
           </a:p>
           <a:p>
             <a:endParaRPr lang="en-US" dirty="0"/>
+          </a:p>
+        </p:txBody>
+      </p:sp>
+      <p:sp>
+        <p:nvSpPr>
+          <p:cNvPr id="6" name="TextBox 5">
+            <a:extLst>
+              <a:ext uri="{FF2B5EF4-FFF2-40B4-BE49-F238E27FC236}">
+                <a16:creationId xmlns:a16="http://schemas.microsoft.com/office/drawing/2014/main" id="{CF60F840-1A02-E015-FFF3-7AA95B0F22E6}"/>
+              </a:ext>
+            </a:extLst>
+          </p:cNvPr>
+          <p:cNvSpPr txBox="1"/>
+          <p:nvPr/>
+        </p:nvSpPr>
+        <p:spPr>
+          <a:xfrm>
+            <a:off x="3265714" y="2194386"/>
+            <a:ext cx="729343" cy="1107996"/>
+          </a:xfrm>
+          <a:prstGeom prst="rect">
+            <a:avLst/>
+          </a:prstGeom>
+          <a:noFill/>
+        </p:spPr>
+        <p:txBody>
+          <a:bodyPr wrap="square" rtlCol="0">
+            <a:spAutoFit/>
+          </a:bodyPr>
+          <a:lstStyle/>
+          <a:p>
+            <a:r>
+              <a:rPr lang="en-US" sz="6600" dirty="0">
+                <a:latin typeface="+mj-lt"/>
+                <a:cs typeface="Arial" panose="020B0604020202020204" pitchFamily="34" charset="0"/>
+              </a:rPr>
+              <a:t>}	</a:t>
+            </a:r>
+          </a:p>
+        </p:txBody>
+      </p:sp>
+      <p:sp>
+        <p:nvSpPr>
+          <p:cNvPr id="7" name="TextBox 6">
+            <a:extLst>
+              <a:ext uri="{FF2B5EF4-FFF2-40B4-BE49-F238E27FC236}">
+                <a16:creationId xmlns:a16="http://schemas.microsoft.com/office/drawing/2014/main" id="{380AF678-D829-64E6-383B-5456F82C19FC}"/>
+              </a:ext>
+            </a:extLst>
+          </p:cNvPr>
+          <p:cNvSpPr txBox="1"/>
+          <p:nvPr/>
+        </p:nvSpPr>
+        <p:spPr>
+          <a:xfrm>
+            <a:off x="3706585" y="2548329"/>
+            <a:ext cx="3374129" cy="400110"/>
+          </a:xfrm>
+          <a:prstGeom prst="rect">
+            <a:avLst/>
+          </a:prstGeom>
+          <a:noFill/>
+        </p:spPr>
+        <p:txBody>
+          <a:bodyPr wrap="none" rtlCol="0">
+            <a:spAutoFit/>
+          </a:bodyPr>
+          <a:lstStyle/>
+          <a:p>
+            <a:r>
+              <a:rPr lang="en-US" sz="2000" dirty="0"/>
+              <a:t>Health Board and Council Area</a:t>
+            </a:r>
+          </a:p>
+        </p:txBody>
+      </p:sp>
+      <p:sp>
+        <p:nvSpPr>
+          <p:cNvPr id="8" name="TextBox 7">
+            <a:extLst>
+              <a:ext uri="{FF2B5EF4-FFF2-40B4-BE49-F238E27FC236}">
+                <a16:creationId xmlns:a16="http://schemas.microsoft.com/office/drawing/2014/main" id="{463E9005-4902-1FBD-71CA-09ED7A4F345E}"/>
+              </a:ext>
+            </a:extLst>
+          </p:cNvPr>
+          <p:cNvSpPr txBox="1"/>
+          <p:nvPr/>
+        </p:nvSpPr>
+        <p:spPr>
+          <a:xfrm>
+            <a:off x="7855933" y="1625000"/>
+            <a:ext cx="819455" cy="1938992"/>
+          </a:xfrm>
+          <a:prstGeom prst="rect">
+            <a:avLst/>
+          </a:prstGeom>
+          <a:noFill/>
+        </p:spPr>
+        <p:txBody>
+          <a:bodyPr wrap="square" rtlCol="0">
+            <a:spAutoFit/>
+          </a:bodyPr>
+          <a:lstStyle/>
+          <a:p>
+            <a:r>
+              <a:rPr lang="en-US" sz="2000" dirty="0"/>
+              <a:t>2009  </a:t>
+            </a:r>
+          </a:p>
+          <a:p>
+            <a:endParaRPr lang="en-US" sz="2000" dirty="0"/>
+          </a:p>
+          <a:p>
+            <a:endParaRPr lang="en-US" sz="2000" dirty="0"/>
+          </a:p>
+          <a:p>
+            <a:r>
+              <a:rPr lang="en-US" sz="2000" dirty="0"/>
+              <a:t>2018</a:t>
+            </a:r>
+          </a:p>
+          <a:p>
+            <a:endParaRPr lang="en-US" sz="2000" dirty="0"/>
+          </a:p>
+          <a:p>
+            <a:r>
+              <a:rPr lang="en-US" sz="2000" dirty="0"/>
+              <a:t>2021</a:t>
+            </a:r>
+          </a:p>
+        </p:txBody>
+      </p:sp>
+      <p:cxnSp>
+        <p:nvCxnSpPr>
+          <p:cNvPr id="10" name="Straight Arrow Connector 9">
+            <a:extLst>
+              <a:ext uri="{FF2B5EF4-FFF2-40B4-BE49-F238E27FC236}">
+                <a16:creationId xmlns:a16="http://schemas.microsoft.com/office/drawing/2014/main" id="{18BCB00F-DEDC-B962-4EFF-E35BD122DCB2}"/>
+              </a:ext>
+            </a:extLst>
+          </p:cNvPr>
+          <p:cNvCxnSpPr>
+            <a:cxnSpLocks/>
+          </p:cNvCxnSpPr>
+          <p:nvPr/>
+        </p:nvCxnSpPr>
+        <p:spPr>
+          <a:xfrm>
+            <a:off x="8184544" y="1998291"/>
+            <a:ext cx="0" cy="550038"/>
+          </a:xfrm>
+          <a:prstGeom prst="straightConnector1">
+            <a:avLst/>
+          </a:prstGeom>
+          <a:ln>
+            <a:solidFill>
+              <a:schemeClr val="tx1"/>
+            </a:solidFill>
+            <a:tailEnd type="triangle"/>
+          </a:ln>
+        </p:spPr>
+        <p:style>
+          <a:lnRef idx="1">
+            <a:schemeClr val="accent1"/>
+          </a:lnRef>
+          <a:fillRef idx="0">
+            <a:schemeClr val="accent1"/>
+          </a:fillRef>
+          <a:effectRef idx="0">
+            <a:schemeClr val="accent1"/>
+          </a:effectRef>
+          <a:fontRef idx="minor">
+            <a:schemeClr val="tx1"/>
+          </a:fontRef>
+        </p:style>
+      </p:cxnSp>
+      <p:cxnSp>
+        <p:nvCxnSpPr>
+          <p:cNvPr id="12" name="Straight Arrow Connector 11">
+            <a:extLst>
+              <a:ext uri="{FF2B5EF4-FFF2-40B4-BE49-F238E27FC236}">
+                <a16:creationId xmlns:a16="http://schemas.microsoft.com/office/drawing/2014/main" id="{FBF84F7D-F0AA-6817-E023-E2D923D31E4E}"/>
+              </a:ext>
+            </a:extLst>
+          </p:cNvPr>
+          <p:cNvCxnSpPr>
+            <a:cxnSpLocks/>
+          </p:cNvCxnSpPr>
+          <p:nvPr/>
+        </p:nvCxnSpPr>
+        <p:spPr>
+          <a:xfrm>
+            <a:off x="8184544" y="2867560"/>
+            <a:ext cx="0" cy="353023"/>
+          </a:xfrm>
+          <a:prstGeom prst="straightConnector1">
+            <a:avLst/>
+          </a:prstGeom>
+          <a:ln>
+            <a:solidFill>
+              <a:schemeClr val="tx1"/>
+            </a:solidFill>
+            <a:tailEnd type="triangle"/>
+          </a:ln>
+        </p:spPr>
+        <p:style>
+          <a:lnRef idx="1">
+            <a:schemeClr val="accent1"/>
+          </a:lnRef>
+          <a:fillRef idx="0">
+            <a:schemeClr val="accent1"/>
+          </a:fillRef>
+          <a:effectRef idx="0">
+            <a:schemeClr val="accent1"/>
+          </a:effectRef>
+          <a:fontRef idx="minor">
+            <a:schemeClr val="tx1"/>
+          </a:fontRef>
+        </p:style>
+      </p:cxnSp>
+      <p:sp>
+        <p:nvSpPr>
+          <p:cNvPr id="14" name="Explosion 1 13">
+            <a:extLst>
+              <a:ext uri="{FF2B5EF4-FFF2-40B4-BE49-F238E27FC236}">
+                <a16:creationId xmlns:a16="http://schemas.microsoft.com/office/drawing/2014/main" id="{0604DAE7-9A1D-3C29-59BC-91F6F8AB2BD0}"/>
+              </a:ext>
+            </a:extLst>
+          </p:cNvPr>
+          <p:cNvSpPr/>
+          <p:nvPr/>
+        </p:nvSpPr>
+        <p:spPr>
+          <a:xfrm>
+            <a:off x="8840713" y="1042198"/>
+            <a:ext cx="3188001" cy="2683778"/>
+          </a:xfrm>
+          <a:prstGeom prst="irregularSeal1">
+            <a:avLst/>
+          </a:prstGeom>
+          <a:solidFill>
+            <a:srgbClr val="C00000"/>
+          </a:solidFill>
+          <a:ln>
+            <a:solidFill>
+              <a:srgbClr val="FFFF00"/>
+            </a:solidFill>
+          </a:ln>
+        </p:spPr>
+        <p:style>
+          <a:lnRef idx="2">
+            <a:schemeClr val="accent1">
+              <a:shade val="50000"/>
+            </a:schemeClr>
+          </a:lnRef>
+          <a:fillRef idx="1">
+            <a:schemeClr val="accent1"/>
+          </a:fillRef>
+          <a:effectRef idx="0">
+            <a:schemeClr val="accent1"/>
+          </a:effectRef>
+          <a:fontRef idx="minor">
+            <a:schemeClr val="lt1"/>
+          </a:fontRef>
+        </p:style>
+        <p:txBody>
+          <a:bodyPr rtlCol="0" anchor="ctr"/>
+          <a:lstStyle/>
+          <a:p>
+            <a:pPr algn="ctr"/>
+            <a:r>
+              <a:rPr lang="en-US" dirty="0"/>
+              <a:t>Includes the “COVID years”!!</a:t>
+            </a:r>
+          </a:p>
+        </p:txBody>
+      </p:sp>
+      <p:sp>
+        <p:nvSpPr>
+          <p:cNvPr id="15" name="TextBox 14">
+            <a:extLst>
+              <a:ext uri="{FF2B5EF4-FFF2-40B4-BE49-F238E27FC236}">
+                <a16:creationId xmlns:a16="http://schemas.microsoft.com/office/drawing/2014/main" id="{0BF184D4-B98F-2EA9-A757-4D86C9195FD2}"/>
+              </a:ext>
+            </a:extLst>
+          </p:cNvPr>
+          <p:cNvSpPr txBox="1"/>
+          <p:nvPr/>
+        </p:nvSpPr>
+        <p:spPr>
+          <a:xfrm>
+            <a:off x="7157803" y="4045207"/>
+            <a:ext cx="4936223" cy="2246769"/>
+          </a:xfrm>
+          <a:prstGeom prst="rect">
+            <a:avLst/>
+          </a:prstGeom>
+          <a:noFill/>
+          <a:ln>
+            <a:solidFill>
+              <a:schemeClr val="bg1">
+                <a:lumMod val="65000"/>
+              </a:schemeClr>
+            </a:solidFill>
+          </a:ln>
+        </p:spPr>
+        <p:txBody>
+          <a:bodyPr wrap="none" rtlCol="0">
+            <a:spAutoFit/>
+          </a:bodyPr>
+          <a:lstStyle/>
+          <a:p>
+            <a:r>
+              <a:rPr lang="en-US" sz="2000" b="1" dirty="0"/>
+              <a:t>Discharges</a:t>
+            </a:r>
+          </a:p>
+          <a:p>
+            <a:r>
+              <a:rPr lang="en-US" sz="2000" dirty="0"/>
+              <a:t>Complicated statistic</a:t>
+            </a:r>
+          </a:p>
+          <a:p>
+            <a:r>
+              <a:rPr lang="en-US" sz="2000" dirty="0"/>
+              <a:t>	</a:t>
+            </a:r>
+          </a:p>
+          <a:p>
+            <a:r>
+              <a:rPr lang="en-US" sz="2000" dirty="0"/>
+              <a:t>	less people dying, more being discharged</a:t>
+            </a:r>
+          </a:p>
+          <a:p>
+            <a:endParaRPr lang="en-US" sz="2000" dirty="0"/>
+          </a:p>
+          <a:p>
+            <a:r>
+              <a:rPr lang="en-US" sz="2000" dirty="0"/>
+              <a:t>	more people suffering CVD</a:t>
+            </a:r>
+          </a:p>
+          <a:p>
+            <a:endParaRPr lang="en-US" sz="2000" dirty="0"/>
+          </a:p>
+        </p:txBody>
+      </p:sp>
+      <p:sp>
+        <p:nvSpPr>
+          <p:cNvPr id="16" name="Up Arrow 15">
+            <a:extLst>
+              <a:ext uri="{FF2B5EF4-FFF2-40B4-BE49-F238E27FC236}">
+                <a16:creationId xmlns:a16="http://schemas.microsoft.com/office/drawing/2014/main" id="{92F8E1F6-3215-28A8-AECE-3FEE9B4FC7A4}"/>
+              </a:ext>
+            </a:extLst>
+          </p:cNvPr>
+          <p:cNvSpPr/>
+          <p:nvPr/>
+        </p:nvSpPr>
+        <p:spPr>
+          <a:xfrm>
+            <a:off x="7237372" y="4835495"/>
+            <a:ext cx="328611" cy="471114"/>
+          </a:xfrm>
+          <a:prstGeom prst="upArrow">
+            <a:avLst/>
+          </a:prstGeom>
+          <a:solidFill>
+            <a:schemeClr val="accent6"/>
+          </a:solidFill>
+          <a:ln>
+            <a:solidFill>
+              <a:schemeClr val="bg1">
+                <a:lumMod val="65000"/>
+              </a:schemeClr>
+            </a:solidFill>
+          </a:ln>
+        </p:spPr>
+        <p:style>
+          <a:lnRef idx="2">
+            <a:schemeClr val="accent1">
+              <a:shade val="50000"/>
+            </a:schemeClr>
+          </a:lnRef>
+          <a:fillRef idx="1">
+            <a:schemeClr val="accent1"/>
+          </a:fillRef>
+          <a:effectRef idx="0">
+            <a:schemeClr val="accent1"/>
+          </a:effectRef>
+          <a:fontRef idx="minor">
+            <a:schemeClr val="lt1"/>
+          </a:fontRef>
+        </p:style>
+        <p:txBody>
+          <a:bodyPr rtlCol="0" anchor="ctr"/>
+          <a:lstStyle/>
+          <a:p>
+            <a:pPr algn="ctr"/>
+            <a:endParaRPr lang="en-US"/>
+          </a:p>
+        </p:txBody>
+      </p:sp>
+      <p:sp>
+        <p:nvSpPr>
+          <p:cNvPr id="17" name="Up Arrow 16">
+            <a:extLst>
+              <a:ext uri="{FF2B5EF4-FFF2-40B4-BE49-F238E27FC236}">
+                <a16:creationId xmlns:a16="http://schemas.microsoft.com/office/drawing/2014/main" id="{A0B8C51C-F62F-B937-F59A-908D202A2FDD}"/>
+              </a:ext>
+            </a:extLst>
+          </p:cNvPr>
+          <p:cNvSpPr/>
+          <p:nvPr/>
+        </p:nvSpPr>
+        <p:spPr>
+          <a:xfrm>
+            <a:off x="7245118" y="5563735"/>
+            <a:ext cx="328611" cy="471114"/>
+          </a:xfrm>
+          <a:prstGeom prst="upArrow">
+            <a:avLst/>
+          </a:prstGeom>
+          <a:solidFill>
+            <a:srgbClr val="FF0000"/>
+          </a:solidFill>
+          <a:ln>
+            <a:solidFill>
+              <a:schemeClr val="bg1">
+                <a:lumMod val="65000"/>
+              </a:schemeClr>
+            </a:solidFill>
+          </a:ln>
+        </p:spPr>
+        <p:style>
+          <a:lnRef idx="2">
+            <a:schemeClr val="accent1">
+              <a:shade val="50000"/>
+            </a:schemeClr>
+          </a:lnRef>
+          <a:fillRef idx="1">
+            <a:schemeClr val="accent1"/>
+          </a:fillRef>
+          <a:effectRef idx="0">
+            <a:schemeClr val="accent1"/>
+          </a:effectRef>
+          <a:fontRef idx="minor">
+            <a:schemeClr val="lt1"/>
+          </a:fontRef>
+        </p:style>
+        <p:txBody>
+          <a:bodyPr rtlCol="0" anchor="ctr"/>
+          <a:lstStyle/>
+          <a:p>
+            <a:pPr algn="ctr"/>
+            <a:endParaRPr lang="en-US"/>
           </a:p>
         </p:txBody>
       </p:sp>
@@ -7384,210 +8814,6 @@
 </file>
 
 <file path=ppt/slides/slide6.xml><?xml version="1.0" encoding="utf-8"?>
-<p:sld xmlns:a="http://schemas.openxmlformats.org/drawingml/2006/main" xmlns:r="http://schemas.openxmlformats.org/officeDocument/2006/relationships" xmlns:p="http://schemas.openxmlformats.org/presentationml/2006/main">
-  <p:cSld>
-    <p:spTree>
-      <p:nvGrpSpPr>
-        <p:cNvPr id="1" name=""/>
-        <p:cNvGrpSpPr/>
-        <p:nvPr/>
-      </p:nvGrpSpPr>
-      <p:grpSpPr>
-        <a:xfrm>
-          <a:off x="0" y="0"/>
-          <a:ext cx="0" cy="0"/>
-          <a:chOff x="0" y="0"/>
-          <a:chExt cx="0" cy="0"/>
-        </a:xfrm>
-      </p:grpSpPr>
-      <p:sp>
-        <p:nvSpPr>
-          <p:cNvPr id="2" name="Title 1">
-            <a:extLst>
-              <a:ext uri="{FF2B5EF4-FFF2-40B4-BE49-F238E27FC236}">
-                <a16:creationId xmlns:a16="http://schemas.microsoft.com/office/drawing/2014/main" id="{BB7E3AB4-7246-27E3-3156-B4D100A95E81}"/>
-              </a:ext>
-            </a:extLst>
-          </p:cNvPr>
-          <p:cNvSpPr>
-            <a:spLocks noGrp="1"/>
-          </p:cNvSpPr>
-          <p:nvPr>
-            <p:ph type="title"/>
-          </p:nvPr>
-        </p:nvSpPr>
-        <p:spPr/>
-        <p:txBody>
-          <a:bodyPr/>
-          <a:lstStyle/>
-          <a:p>
-            <a:r>
-              <a:rPr lang="en-US" dirty="0"/>
-              <a:t>Introduction - Data</a:t>
-            </a:r>
-          </a:p>
-        </p:txBody>
-      </p:sp>
-      <p:sp>
-        <p:nvSpPr>
-          <p:cNvPr id="3" name="Content Placeholder 2">
-            <a:extLst>
-              <a:ext uri="{FF2B5EF4-FFF2-40B4-BE49-F238E27FC236}">
-                <a16:creationId xmlns:a16="http://schemas.microsoft.com/office/drawing/2014/main" id="{98AF2922-BB11-3700-F910-D463C8525637}"/>
-              </a:ext>
-            </a:extLst>
-          </p:cNvPr>
-          <p:cNvSpPr>
-            <a:spLocks noGrp="1"/>
-          </p:cNvSpPr>
-          <p:nvPr>
-            <p:ph idx="1"/>
-          </p:nvPr>
-        </p:nvSpPr>
-        <p:spPr/>
-        <p:txBody>
-          <a:bodyPr>
-            <a:normAutofit fontScale="77500" lnSpcReduction="20000"/>
-          </a:bodyPr>
-          <a:lstStyle/>
-          <a:p>
-            <a:pPr>
-              <a:buFont typeface="Arial" panose="020B0604020202020204" pitchFamily="34" charset="0"/>
-              <a:buChar char="•"/>
-            </a:pPr>
-            <a:r>
-              <a:rPr lang="en-GB" dirty="0">
-                <a:solidFill>
-                  <a:srgbClr val="000000"/>
-                </a:solidFill>
-                <a:effectLst/>
-                <a:latin typeface="Helvetica Neue" panose="02000503000000020004" pitchFamily="2" charset="0"/>
-              </a:rPr>
-              <a:t>Supplied with discharge data - could be multiple discharges per person</a:t>
-            </a:r>
-          </a:p>
-          <a:p>
-            <a:r>
-              <a:rPr lang="en-GB" dirty="0">
-                <a:solidFill>
-                  <a:srgbClr val="FF0000"/>
-                </a:solidFill>
-                <a:effectLst/>
-                <a:latin typeface="Helvetica Neue" panose="02000503000000020004" pitchFamily="2" charset="0"/>
-              </a:rPr>
-              <a:t>Added most recent 3 years of data available so we have 13 years of data</a:t>
-            </a:r>
-            <a:endParaRPr lang="en-GB" dirty="0">
-              <a:solidFill>
-                <a:srgbClr val="000000"/>
-              </a:solidFill>
-              <a:effectLst/>
-              <a:latin typeface="Helvetica Neue" panose="02000503000000020004" pitchFamily="2" charset="0"/>
-            </a:endParaRPr>
-          </a:p>
-          <a:p>
-            <a:pPr>
-              <a:buFont typeface="Arial" panose="020B0604020202020204" pitchFamily="34" charset="0"/>
-              <a:buChar char="•"/>
-            </a:pPr>
-            <a:r>
-              <a:rPr lang="en-GB" dirty="0">
-                <a:solidFill>
-                  <a:srgbClr val="000000"/>
-                </a:solidFill>
-                <a:effectLst/>
-                <a:latin typeface="Helvetica Neue" panose="02000503000000020004" pitchFamily="2" charset="0"/>
-              </a:rPr>
-              <a:t>Number of discharges is a complicated statistic - do we want it to go up or down?</a:t>
-            </a:r>
-          </a:p>
-          <a:p>
-            <a:pPr>
-              <a:buFont typeface="Arial" panose="020B0604020202020204" pitchFamily="34" charset="0"/>
-              <a:buChar char="•"/>
-            </a:pPr>
-            <a:r>
-              <a:rPr lang="en-GB" dirty="0">
-                <a:solidFill>
-                  <a:srgbClr val="000000"/>
-                </a:solidFill>
-                <a:effectLst/>
-                <a:latin typeface="Helvetica Neue" panose="02000503000000020004" pitchFamily="2" charset="0"/>
-              </a:rPr>
-              <a:t>Mortality data</a:t>
-            </a:r>
-          </a:p>
-          <a:p>
-            <a:r>
-              <a:rPr lang="en-GB" b="1" i="1" dirty="0">
-                <a:solidFill>
-                  <a:srgbClr val="313131"/>
-                </a:solidFill>
-                <a:effectLst/>
-                <a:latin typeface="Arial" panose="020B0604020202020204" pitchFamily="34" charset="0"/>
-              </a:rPr>
-              <a:t>Discharges </a:t>
-            </a:r>
-            <a:endParaRPr lang="en-GB" dirty="0">
-              <a:solidFill>
-                <a:srgbClr val="313131"/>
-              </a:solidFill>
-              <a:effectLst/>
-              <a:latin typeface="Arial" panose="020B0604020202020204" pitchFamily="34" charset="0"/>
-            </a:endParaRPr>
-          </a:p>
-          <a:p>
-            <a:r>
-              <a:rPr lang="en-GB" dirty="0">
-                <a:solidFill>
-                  <a:srgbClr val="000000"/>
-                </a:solidFill>
-                <a:effectLst/>
-                <a:latin typeface="Arial" panose="020B0604020202020204" pitchFamily="34" charset="0"/>
-              </a:rPr>
-              <a:t>This section of the report examines the number of discharges from hospital with a specific cerebrovascular disease. Please note that one patient can have more than one discharge from hospital within a given time period. </a:t>
-            </a:r>
-          </a:p>
-          <a:p>
-            <a:r>
-              <a:rPr lang="en-GB" dirty="0">
-                <a:solidFill>
-                  <a:srgbClr val="000000"/>
-                </a:solidFill>
-                <a:effectLst/>
-                <a:latin typeface="Arial" panose="020B0604020202020204" pitchFamily="34" charset="0"/>
-              </a:rPr>
-              <a:t>Figures on discharges provide an indication of hospital usage for the diagnosis and treatment of cerebrovascular disease in either an inpatient or day case setting but exclude activity relating to outpatients. Age and sex adjusted rates are presented here. Further information is available in Appendix A1. </a:t>
-            </a:r>
-          </a:p>
-          <a:p>
-            <a:endParaRPr lang="en-GB" dirty="0">
-              <a:solidFill>
-                <a:srgbClr val="000000"/>
-              </a:solidFill>
-              <a:effectLst/>
-              <a:latin typeface="Arial" panose="020B0604020202020204" pitchFamily="34" charset="0"/>
-            </a:endParaRPr>
-          </a:p>
-          <a:p>
-            <a:endParaRPr lang="en-US" dirty="0"/>
-          </a:p>
-        </p:txBody>
-      </p:sp>
-    </p:spTree>
-    <p:extLst>
-      <p:ext uri="{BB962C8B-B14F-4D97-AF65-F5344CB8AC3E}">
-        <p14:creationId xmlns:p14="http://schemas.microsoft.com/office/powerpoint/2010/main" val="2224392036"/>
-      </p:ext>
-    </p:extLst>
-  </p:cSld>
-  <p:clrMapOvr>
-    <a:masterClrMapping/>
-  </p:clrMapOvr>
-</p:sld>
-</file>
-
-<file path=ppt/slides/slide7.xml><?xml version="1.0" encoding="utf-8"?>
 <p:sld xmlns:a="http://schemas.openxmlformats.org/drawingml/2006/main" xmlns:r="http://schemas.openxmlformats.org/officeDocument/2006/relationships" xmlns:p="http://schemas.openxmlformats.org/presentationml/2006/main">
   <p:cSld>
     <p:spTree>
@@ -7865,7 +9091,7 @@
 </p:sld>
 </file>
 
-<file path=ppt/slides/slide8.xml><?xml version="1.0" encoding="utf-8"?>
+<file path=ppt/slides/slide7.xml><?xml version="1.0" encoding="utf-8"?>
 <p:sld xmlns:a="http://schemas.openxmlformats.org/drawingml/2006/main" xmlns:r="http://schemas.openxmlformats.org/officeDocument/2006/relationships" xmlns:p="http://schemas.openxmlformats.org/presentationml/2006/main">
   <p:cSld>
     <p:spTree>
@@ -8061,7 +9287,7 @@
 </p:sld>
 </file>
 
-<file path=ppt/slides/slide9.xml><?xml version="1.0" encoding="utf-8"?>
+<file path=ppt/slides/slide8.xml><?xml version="1.0" encoding="utf-8"?>
 <p:sld xmlns:a="http://schemas.openxmlformats.org/drawingml/2006/main" xmlns:r="http://schemas.openxmlformats.org/officeDocument/2006/relationships" xmlns:p="http://schemas.openxmlformats.org/presentationml/2006/main">
   <p:cSld>
     <p:spTree>
@@ -8391,6 +9617,89 @@
     <p:extLst>
       <p:ext uri="{BB962C8B-B14F-4D97-AF65-F5344CB8AC3E}">
         <p14:creationId xmlns:p14="http://schemas.microsoft.com/office/powerpoint/2010/main" val="2552885989"/>
+      </p:ext>
+    </p:extLst>
+  </p:cSld>
+  <p:clrMapOvr>
+    <a:masterClrMapping/>
+  </p:clrMapOvr>
+</p:sld>
+</file>
+
+<file path=ppt/slides/slide9.xml><?xml version="1.0" encoding="utf-8"?>
+<p:sld xmlns:a="http://schemas.openxmlformats.org/drawingml/2006/main" xmlns:r="http://schemas.openxmlformats.org/officeDocument/2006/relationships" xmlns:p="http://schemas.openxmlformats.org/presentationml/2006/main">
+  <p:cSld>
+    <p:spTree>
+      <p:nvGrpSpPr>
+        <p:cNvPr id="1" name=""/>
+        <p:cNvGrpSpPr/>
+        <p:nvPr/>
+      </p:nvGrpSpPr>
+      <p:grpSpPr>
+        <a:xfrm>
+          <a:off x="0" y="0"/>
+          <a:ext cx="0" cy="0"/>
+          <a:chOff x="0" y="0"/>
+          <a:chExt cx="0" cy="0"/>
+        </a:xfrm>
+      </p:grpSpPr>
+      <p:sp>
+        <p:nvSpPr>
+          <p:cNvPr id="2" name="Title 1">
+            <a:extLst>
+              <a:ext uri="{FF2B5EF4-FFF2-40B4-BE49-F238E27FC236}">
+                <a16:creationId xmlns:a16="http://schemas.microsoft.com/office/drawing/2014/main" id="{909E760A-3B9F-75B9-6F6F-AFD881D1D74D}"/>
+              </a:ext>
+            </a:extLst>
+          </p:cNvPr>
+          <p:cNvSpPr>
+            <a:spLocks noGrp="1"/>
+          </p:cNvSpPr>
+          <p:nvPr>
+            <p:ph type="title"/>
+          </p:nvPr>
+        </p:nvSpPr>
+        <p:spPr/>
+        <p:txBody>
+          <a:bodyPr/>
+          <a:lstStyle/>
+          <a:p>
+            <a:endParaRPr lang="en-US"/>
+          </a:p>
+        </p:txBody>
+      </p:sp>
+      <p:sp>
+        <p:nvSpPr>
+          <p:cNvPr id="3" name="Content Placeholder 2">
+            <a:extLst>
+              <a:ext uri="{FF2B5EF4-FFF2-40B4-BE49-F238E27FC236}">
+                <a16:creationId xmlns:a16="http://schemas.microsoft.com/office/drawing/2014/main" id="{398EA16B-FCE7-1F58-BA1D-8B5083AC1132}"/>
+              </a:ext>
+            </a:extLst>
+          </p:cNvPr>
+          <p:cNvSpPr>
+            <a:spLocks noGrp="1"/>
+          </p:cNvSpPr>
+          <p:nvPr>
+            <p:ph idx="1"/>
+          </p:nvPr>
+        </p:nvSpPr>
+        <p:spPr/>
+        <p:txBody>
+          <a:bodyPr/>
+          <a:lstStyle/>
+          <a:p>
+            <a:r>
+              <a:rPr lang="en-US" dirty="0"/>
+              <a:t>The above slide on sex is the one to run statistics on if there is time. </a:t>
+            </a:r>
+          </a:p>
+        </p:txBody>
+      </p:sp>
+    </p:spTree>
+    <p:extLst>
+      <p:ext uri="{BB962C8B-B14F-4D97-AF65-F5344CB8AC3E}">
+        <p14:creationId xmlns:p14="http://schemas.microsoft.com/office/powerpoint/2010/main" val="1655714010"/>
       </p:ext>
     </p:extLst>
   </p:cSld>

--- a/presentation/phs_stroke_presentation.pptx
+++ b/presentation/phs_stroke_presentation.pptx
@@ -5,7 +5,7 @@
     <p:sldMasterId id="2147483659" r:id="rId1"/>
   </p:sldMasterIdLst>
   <p:notesMasterIdLst>
-    <p:notesMasterId r:id="rId28"/>
+    <p:notesMasterId r:id="rId32"/>
   </p:notesMasterIdLst>
   <p:sldIdLst>
     <p:sldId id="256" r:id="rId2"/>
@@ -24,31 +24,35 @@
     <p:sldId id="287" r:id="rId15"/>
     <p:sldId id="288" r:id="rId16"/>
     <p:sldId id="295" r:id="rId17"/>
-    <p:sldId id="289" r:id="rId18"/>
-    <p:sldId id="292" r:id="rId19"/>
-    <p:sldId id="294" r:id="rId20"/>
-    <p:sldId id="293" r:id="rId21"/>
-    <p:sldId id="290" r:id="rId22"/>
-    <p:sldId id="269" r:id="rId23"/>
-    <p:sldId id="275" r:id="rId24"/>
-    <p:sldId id="274" r:id="rId25"/>
-    <p:sldId id="291" r:id="rId26"/>
-    <p:sldId id="279" r:id="rId27"/>
+    <p:sldId id="296" r:id="rId18"/>
+    <p:sldId id="297" r:id="rId19"/>
+    <p:sldId id="298" r:id="rId20"/>
+    <p:sldId id="299" r:id="rId21"/>
+    <p:sldId id="289" r:id="rId22"/>
+    <p:sldId id="292" r:id="rId23"/>
+    <p:sldId id="294" r:id="rId24"/>
+    <p:sldId id="293" r:id="rId25"/>
+    <p:sldId id="290" r:id="rId26"/>
+    <p:sldId id="269" r:id="rId27"/>
+    <p:sldId id="275" r:id="rId28"/>
+    <p:sldId id="274" r:id="rId29"/>
+    <p:sldId id="291" r:id="rId30"/>
+    <p:sldId id="279" r:id="rId31"/>
   </p:sldIdLst>
   <p:sldSz cx="9144000" cy="5143500" type="screen16x9"/>
   <p:notesSz cx="6858000" cy="9144000"/>
   <p:embeddedFontLst>
     <p:embeddedFont>
       <p:font typeface="Oswald" pitchFamily="2" charset="77"/>
-      <p:regular r:id="rId29"/>
-      <p:bold r:id="rId30"/>
+      <p:regular r:id="rId33"/>
+      <p:bold r:id="rId34"/>
     </p:embeddedFont>
     <p:embeddedFont>
       <p:font typeface="Source Sans Pro" panose="020B0503030403020204" pitchFamily="34" charset="0"/>
-      <p:regular r:id="rId31"/>
-      <p:bold r:id="rId32"/>
-      <p:italic r:id="rId33"/>
-      <p:boldItalic r:id="rId34"/>
+      <p:regular r:id="rId35"/>
+      <p:bold r:id="rId36"/>
+      <p:italic r:id="rId37"/>
+      <p:boldItalic r:id="rId38"/>
     </p:embeddedFont>
   </p:embeddedFontLst>
   <p:defaultTextStyle>
@@ -822,8 +826,8 @@
               <a:buNone/>
             </a:pPr>
             <a:r>
-              <a:rPr lang="en-GB" dirty="0"/>
-              <a:t>Talk about brief?</a:t>
+              <a:rPr lang="en-GB" b="1" u="sng" dirty="0"/>
+              <a:t>Brief</a:t>
             </a:r>
           </a:p>
           <a:p>
@@ -839,29 +843,38 @@
             <a:endParaRPr lang="en-GB" dirty="0"/>
           </a:p>
           <a:p>
-            <a:pPr marL="0" lvl="0" indent="0" algn="l" rtl="0">
+            <a:pPr marL="171450" lvl="0" indent="-171450" algn="l" rtl="0">
               <a:spcBef>
                 <a:spcPts val="0"/>
               </a:spcBef>
               <a:spcAft>
                 <a:spcPts val="0"/>
               </a:spcAft>
-              <a:buNone/>
             </a:pPr>
             <a:r>
               <a:rPr lang="en-GB" dirty="0"/>
-              <a:t>Look at discharge and mortality data and investigate the effects of demographics on the types of CVD</a:t>
+              <a:t>discharge and mortality data and investigate the effects of demographics on the types of CVD</a:t>
             </a:r>
           </a:p>
           <a:p>
-            <a:pPr marL="0" lvl="0" indent="0" algn="l" rtl="0">
+            <a:pPr marL="171450" lvl="0" indent="-171450" algn="l" rtl="0">
               <a:spcBef>
                 <a:spcPts val="0"/>
               </a:spcBef>
               <a:spcAft>
                 <a:spcPts val="0"/>
               </a:spcAft>
-              <a:buNone/>
+            </a:pPr>
+            <a:endParaRPr lang="en-GB" dirty="0"/>
+          </a:p>
+          <a:p>
+            <a:pPr marL="171450" lvl="0" indent="-171450" algn="l" rtl="0">
+              <a:spcBef>
+                <a:spcPts val="0"/>
+              </a:spcBef>
+              <a:spcAft>
+                <a:spcPts val="0"/>
+              </a:spcAft>
             </a:pPr>
             <a:r>
               <a:rPr lang="en-GB" dirty="0"/>
@@ -928,6 +941,190 @@
           <a:bodyPr/>
           <a:lstStyle/>
           <a:p>
+            <a:r>
+              <a:rPr lang="en-US" dirty="0"/>
+              <a:t>Had 13 years of data </a:t>
+            </a:r>
+          </a:p>
+          <a:p>
+            <a:r>
+              <a:rPr lang="en-US" dirty="0"/>
+              <a:t>Predicted on next 13 years</a:t>
+            </a:r>
+          </a:p>
+        </p:txBody>
+      </p:sp>
+    </p:spTree>
+    <p:extLst>
+      <p:ext uri="{BB962C8B-B14F-4D97-AF65-F5344CB8AC3E}">
+        <p14:creationId xmlns:p14="http://schemas.microsoft.com/office/powerpoint/2010/main" val="1235958171"/>
+      </p:ext>
+    </p:extLst>
+  </p:cSld>
+  <p:clrMapOvr>
+    <a:masterClrMapping/>
+  </p:clrMapOvr>
+</p:notes>
+</file>
+
+<file path=ppt/notesSlides/notesSlide11.xml><?xml version="1.0" encoding="utf-8"?>
+<p:notes xmlns:a="http://schemas.openxmlformats.org/drawingml/2006/main" xmlns:r="http://schemas.openxmlformats.org/officeDocument/2006/relationships" xmlns:p="http://schemas.openxmlformats.org/presentationml/2006/main" showMasterSp="0" showMasterPhAnim="0">
+  <p:cSld>
+    <p:spTree>
+      <p:nvGrpSpPr>
+        <p:cNvPr id="1" name="Shape 495"/>
+        <p:cNvGrpSpPr/>
+        <p:nvPr/>
+      </p:nvGrpSpPr>
+      <p:grpSpPr>
+        <a:xfrm>
+          <a:off x="0" y="0"/>
+          <a:ext cx="0" cy="0"/>
+          <a:chOff x="0" y="0"/>
+          <a:chExt cx="0" cy="0"/>
+        </a:xfrm>
+      </p:grpSpPr>
+      <p:sp>
+        <p:nvSpPr>
+          <p:cNvPr id="496" name="Google Shape;496;p:notes"/>
+          <p:cNvSpPr>
+            <a:spLocks noGrp="1" noRot="1" noChangeAspect="1"/>
+          </p:cNvSpPr>
+          <p:nvPr>
+            <p:ph type="sldImg" idx="2"/>
+          </p:nvPr>
+        </p:nvSpPr>
+        <p:spPr>
+          <a:xfrm>
+            <a:off x="381000" y="685800"/>
+            <a:ext cx="6096000" cy="3429000"/>
+          </a:xfrm>
+          <a:custGeom>
+            <a:avLst/>
+            <a:gdLst/>
+            <a:ahLst/>
+            <a:cxnLst/>
+            <a:rect l="l" t="t" r="r" b="b"/>
+            <a:pathLst>
+              <a:path w="120000" h="120000" extrusionOk="0">
+                <a:moveTo>
+                  <a:pt x="0" y="0"/>
+                </a:moveTo>
+                <a:lnTo>
+                  <a:pt x="120000" y="0"/>
+                </a:lnTo>
+                <a:lnTo>
+                  <a:pt x="120000" y="120000"/>
+                </a:lnTo>
+                <a:lnTo>
+                  <a:pt x="0" y="120000"/>
+                </a:lnTo>
+                <a:close/>
+              </a:path>
+            </a:pathLst>
+          </a:custGeom>
+        </p:spPr>
+      </p:sp>
+      <p:sp>
+        <p:nvSpPr>
+          <p:cNvPr id="497" name="Google Shape;497;p:notes"/>
+          <p:cNvSpPr txBox="1">
+            <a:spLocks noGrp="1"/>
+          </p:cNvSpPr>
+          <p:nvPr>
+            <p:ph type="body" idx="1"/>
+          </p:nvPr>
+        </p:nvSpPr>
+        <p:spPr>
+          <a:xfrm>
+            <a:off x="685800" y="4343400"/>
+            <a:ext cx="5486400" cy="4114800"/>
+          </a:xfrm>
+          <a:prstGeom prst="rect">
+            <a:avLst/>
+          </a:prstGeom>
+        </p:spPr>
+        <p:txBody>
+          <a:bodyPr spcFirstLastPara="1" wrap="square" lIns="91425" tIns="91425" rIns="91425" bIns="91425" anchor="t" anchorCtr="0">
+            <a:noAutofit/>
+          </a:bodyPr>
+          <a:lstStyle/>
+          <a:p>
+            <a:pPr marL="0" lvl="0" indent="0" algn="l" rtl="0">
+              <a:spcBef>
+                <a:spcPts val="0"/>
+              </a:spcBef>
+              <a:spcAft>
+                <a:spcPts val="0"/>
+              </a:spcAft>
+              <a:buNone/>
+            </a:pPr>
+            <a:endParaRPr dirty="0"/>
+          </a:p>
+        </p:txBody>
+      </p:sp>
+    </p:spTree>
+    <p:extLst>
+      <p:ext uri="{BB962C8B-B14F-4D97-AF65-F5344CB8AC3E}">
+        <p14:creationId xmlns:p14="http://schemas.microsoft.com/office/powerpoint/2010/main" val="2140799352"/>
+      </p:ext>
+    </p:extLst>
+  </p:cSld>
+  <p:clrMapOvr>
+    <a:masterClrMapping/>
+  </p:clrMapOvr>
+</p:notes>
+</file>
+
+<file path=ppt/notesSlides/notesSlide12.xml><?xml version="1.0" encoding="utf-8"?>
+<p:notes xmlns:a="http://schemas.openxmlformats.org/drawingml/2006/main" xmlns:r="http://schemas.openxmlformats.org/officeDocument/2006/relationships" xmlns:p="http://schemas.openxmlformats.org/presentationml/2006/main">
+  <p:cSld>
+    <p:spTree>
+      <p:nvGrpSpPr>
+        <p:cNvPr id="1" name=""/>
+        <p:cNvGrpSpPr/>
+        <p:nvPr/>
+      </p:nvGrpSpPr>
+      <p:grpSpPr>
+        <a:xfrm>
+          <a:off x="0" y="0"/>
+          <a:ext cx="0" cy="0"/>
+          <a:chOff x="0" y="0"/>
+          <a:chExt cx="0" cy="0"/>
+        </a:xfrm>
+      </p:grpSpPr>
+      <p:sp>
+        <p:nvSpPr>
+          <p:cNvPr id="2" name="Slide Image Placeholder 1"/>
+          <p:cNvSpPr>
+            <a:spLocks noGrp="1" noRot="1" noChangeAspect="1"/>
+          </p:cNvSpPr>
+          <p:nvPr>
+            <p:ph type="sldImg"/>
+          </p:nvPr>
+        </p:nvSpPr>
+        <p:spPr>
+          <a:xfrm>
+            <a:off x="381000" y="685800"/>
+            <a:ext cx="6096000" cy="3429000"/>
+          </a:xfrm>
+        </p:spPr>
+      </p:sp>
+      <p:sp>
+        <p:nvSpPr>
+          <p:cNvPr id="3" name="Notes Placeholder 2"/>
+          <p:cNvSpPr>
+            <a:spLocks noGrp="1"/>
+          </p:cNvSpPr>
+          <p:nvPr>
+            <p:ph type="body" idx="1"/>
+          </p:nvPr>
+        </p:nvSpPr>
+        <p:spPr/>
+        <p:txBody>
+          <a:bodyPr/>
+          <a:lstStyle/>
+          <a:p>
             <a:endParaRPr lang="en-US" dirty="0"/>
           </a:p>
         </p:txBody>
@@ -945,7 +1142,7 @@
 </p:notes>
 </file>
 
-<file path=ppt/notesSlides/notesSlide11.xml><?xml version="1.0" encoding="utf-8"?>
+<file path=ppt/notesSlides/notesSlide13.xml><?xml version="1.0" encoding="utf-8"?>
 <p:notes xmlns:a="http://schemas.openxmlformats.org/drawingml/2006/main" xmlns:r="http://schemas.openxmlformats.org/officeDocument/2006/relationships" xmlns:p="http://schemas.openxmlformats.org/presentationml/2006/main">
   <p:cSld>
     <p:spTree>
@@ -1247,13 +1444,98 @@
                 <a:srgbClr val="000000"/>
               </a:buClr>
               <a:buSzPts val="1400"/>
-              <a:buFont typeface="Arial"/>
               <a:buNone/>
               <a:tabLst/>
               <a:defRPr/>
             </a:pPr>
             <a:r>
-              <a:rPr lang="en-US" dirty="0"/>
+              <a:rPr lang="en-US" sz="2000" b="1" dirty="0"/>
+              <a:t>LEAD IN - CVD is a leading cause of death in Scotland</a:t>
+            </a:r>
+          </a:p>
+          <a:p>
+            <a:pPr marL="342900" marR="0" lvl="0" indent="-342900" algn="l" defTabSz="914400" rtl="0" eaLnBrk="1" fontAlgn="auto" latinLnBrk="0" hangingPunct="1">
+              <a:lnSpc>
+                <a:spcPct val="100000"/>
+              </a:lnSpc>
+              <a:spcBef>
+                <a:spcPts val="0"/>
+              </a:spcBef>
+              <a:spcAft>
+                <a:spcPts val="0"/>
+              </a:spcAft>
+              <a:buClr>
+                <a:srgbClr val="000000"/>
+              </a:buClr>
+              <a:buSzPts val="1400"/>
+              <a:tabLst/>
+              <a:defRPr/>
+            </a:pPr>
+            <a:endParaRPr lang="en-US" sz="2000" dirty="0"/>
+          </a:p>
+          <a:p>
+            <a:pPr marL="342900" marR="0" lvl="0" indent="-342900" algn="l" defTabSz="914400" rtl="0" eaLnBrk="1" fontAlgn="auto" latinLnBrk="0" hangingPunct="1">
+              <a:lnSpc>
+                <a:spcPct val="100000"/>
+              </a:lnSpc>
+              <a:spcBef>
+                <a:spcPts val="0"/>
+              </a:spcBef>
+              <a:spcAft>
+                <a:spcPts val="0"/>
+              </a:spcAft>
+              <a:buClr>
+                <a:srgbClr val="000000"/>
+              </a:buClr>
+              <a:buSzPts val="1400"/>
+              <a:tabLst/>
+              <a:defRPr/>
+            </a:pPr>
+            <a:r>
+              <a:rPr lang="en-US" sz="2000" dirty="0"/>
+              <a:t>Nearly 4000 deaths in 2021</a:t>
+            </a:r>
+          </a:p>
+          <a:p>
+            <a:pPr marL="342900" marR="0" lvl="0" indent="-342900" algn="l" defTabSz="914400" rtl="0" eaLnBrk="1" fontAlgn="auto" latinLnBrk="0" hangingPunct="1">
+              <a:lnSpc>
+                <a:spcPct val="100000"/>
+              </a:lnSpc>
+              <a:spcBef>
+                <a:spcPts val="0"/>
+              </a:spcBef>
+              <a:spcAft>
+                <a:spcPts val="0"/>
+              </a:spcAft>
+              <a:buClr>
+                <a:srgbClr val="000000"/>
+              </a:buClr>
+              <a:buSzPts val="1400"/>
+              <a:tabLst/>
+              <a:defRPr/>
+            </a:pPr>
+            <a:endParaRPr lang="en-US" sz="2000" dirty="0"/>
+          </a:p>
+          <a:p>
+            <a:pPr marL="342900" marR="0" lvl="0" indent="-342900" algn="l" defTabSz="914400" rtl="0" eaLnBrk="1" fontAlgn="auto" latinLnBrk="0" hangingPunct="1">
+              <a:lnSpc>
+                <a:spcPct val="100000"/>
+              </a:lnSpc>
+              <a:spcBef>
+                <a:spcPts val="0"/>
+              </a:spcBef>
+              <a:spcAft>
+                <a:spcPts val="0"/>
+              </a:spcAft>
+              <a:buClr>
+                <a:srgbClr val="000000"/>
+              </a:buClr>
+              <a:buSzPts val="1400"/>
+              <a:tabLst/>
+              <a:defRPr/>
+            </a:pPr>
+            <a:r>
+              <a:rPr lang="en-US" sz="2000" dirty="0"/>
               <a:t>130,000 is 2.4% of population</a:t>
             </a:r>
           </a:p>
@@ -1375,11 +1657,11 @@
               <a:defRPr/>
             </a:pPr>
             <a:r>
-              <a:rPr lang="en-GB" sz="1100" dirty="0">
+              <a:rPr lang="en-GB" sz="1100" b="1" dirty="0">
                 <a:effectLst/>
                 <a:latin typeface="ArialMT"/>
               </a:rPr>
-              <a:t>So I’ve mentioned the different types of CVD that exist but what is the most common. </a:t>
+              <a:t>LEAD IN - So I’ve mentioned the different types of CVD that exist but what is the most common. </a:t>
             </a:r>
           </a:p>
           <a:p>
@@ -1402,16 +1684,39 @@
               <a:tabLst/>
               <a:defRPr/>
             </a:pPr>
+            <a:endParaRPr lang="en-GB" sz="1100" b="1" dirty="0">
+              <a:effectLst/>
+              <a:latin typeface="ArialMT"/>
+            </a:endParaRPr>
+          </a:p>
+          <a:p>
+            <a:pPr marL="171450" marR="0" lvl="0" indent="-171450" algn="l" defTabSz="914400" rtl="0" eaLnBrk="1" fontAlgn="auto" latinLnBrk="0" hangingPunct="1">
+              <a:lnSpc>
+                <a:spcPct val="100000"/>
+              </a:lnSpc>
+              <a:spcBef>
+                <a:spcPts val="0"/>
+              </a:spcBef>
+              <a:spcAft>
+                <a:spcPts val="0"/>
+              </a:spcAft>
+              <a:buClr>
+                <a:srgbClr val="000000"/>
+              </a:buClr>
+              <a:buSzPts val="1400"/>
+              <a:tabLst/>
+              <a:defRPr/>
+            </a:pPr>
             <a:r>
               <a:rPr lang="en-GB" sz="1100" dirty="0">
                 <a:effectLst/>
                 <a:latin typeface="ArialMT"/>
               </a:rPr>
-              <a:t>In terms of number of discharges stroke is by far the most common</a:t>
+              <a:t>In terms of discharge data - stroke is by far the most common</a:t>
             </a:r>
           </a:p>
           <a:p>
-            <a:pPr marL="0" marR="0" lvl="0" indent="0" algn="l" defTabSz="914400" rtl="0" eaLnBrk="1" fontAlgn="auto" latinLnBrk="0" hangingPunct="1">
+            <a:pPr marL="171450" marR="0" lvl="0" indent="-171450" algn="l" defTabSz="914400" rtl="0" eaLnBrk="1" fontAlgn="auto" latinLnBrk="0" hangingPunct="1">
               <a:lnSpc>
                 <a:spcPct val="100000"/>
               </a:lnSpc>
@@ -1425,8 +1730,6 @@
                 <a:srgbClr val="000000"/>
               </a:buClr>
               <a:buSzPts val="1400"/>
-              <a:buFont typeface="Arial"/>
-              <a:buNone/>
               <a:tabLst/>
               <a:defRPr/>
             </a:pPr>
@@ -1458,13 +1761,10 @@
               <a:tabLst/>
               <a:defRPr/>
             </a:pPr>
-            <a:r>
-              <a:rPr lang="en-GB" sz="1100" dirty="0">
-                <a:effectLst/>
-                <a:latin typeface="ArialMT"/>
-              </a:rPr>
-              <a:t>The mortality data categorised TIAs under Other CVD</a:t>
-            </a:r>
+            <a:endParaRPr lang="en-GB" sz="1100" b="1" u="sng" dirty="0">
+              <a:effectLst/>
+              <a:latin typeface="ArialMT"/>
+            </a:endParaRPr>
           </a:p>
           <a:p>
             <a:pPr marL="0" marR="0" lvl="0" indent="0" algn="l" defTabSz="914400" rtl="0" eaLnBrk="1" fontAlgn="auto" latinLnBrk="0" hangingPunct="1">
@@ -1487,15 +1787,15 @@
               <a:defRPr/>
             </a:pPr>
             <a:r>
-              <a:rPr lang="en-GB" sz="1100" dirty="0">
+              <a:rPr lang="en-GB" sz="1100" b="1" u="sng" dirty="0">
                 <a:effectLst/>
                 <a:latin typeface="ArialMT"/>
               </a:rPr>
-              <a:t>That could be why Other CVD is so high but this category also includes something called “sequelae of CVD” </a:t>
+              <a:t>Other CVD</a:t>
             </a:r>
           </a:p>
           <a:p>
-            <a:pPr marL="0" marR="0" lvl="0" indent="0" algn="l" defTabSz="914400" rtl="0" eaLnBrk="1" fontAlgn="auto" latinLnBrk="0" hangingPunct="1">
+            <a:pPr marL="171450" marR="0" lvl="0" indent="-171450" algn="l" defTabSz="914400" rtl="0" eaLnBrk="1" fontAlgn="auto" latinLnBrk="0" hangingPunct="1">
               <a:lnSpc>
                 <a:spcPct val="100000"/>
               </a:lnSpc>
@@ -1509,8 +1809,6 @@
                 <a:srgbClr val="000000"/>
               </a:buClr>
               <a:buSzPts val="1400"/>
-              <a:buFont typeface="Arial"/>
-              <a:buNone/>
               <a:tabLst/>
               <a:defRPr/>
             </a:pPr>
@@ -1519,11 +1817,11 @@
                 <a:effectLst/>
                 <a:latin typeface="ArialMT"/>
               </a:rPr>
-              <a:t>Sequelae – consequence of previous disease or injury</a:t>
+              <a:t>Other CVD also has a high mortality rate</a:t>
             </a:r>
           </a:p>
           <a:p>
-            <a:pPr marL="0" marR="0" lvl="0" indent="0" algn="l" defTabSz="914400" rtl="0" eaLnBrk="1" fontAlgn="auto" latinLnBrk="0" hangingPunct="1">
+            <a:pPr marL="171450" marR="0" lvl="0" indent="-171450" algn="l" defTabSz="914400" rtl="0" eaLnBrk="1" fontAlgn="auto" latinLnBrk="0" hangingPunct="1">
               <a:lnSpc>
                 <a:spcPct val="100000"/>
               </a:lnSpc>
@@ -1537,8 +1835,58 @@
                 <a:srgbClr val="000000"/>
               </a:buClr>
               <a:buSzPts val="1400"/>
-              <a:buFont typeface="Arial"/>
-              <a:buNone/>
+              <a:tabLst/>
+              <a:defRPr/>
+            </a:pPr>
+            <a:r>
+              <a:rPr lang="en-GB" sz="1100" dirty="0">
+                <a:effectLst/>
+                <a:latin typeface="ArialMT"/>
+              </a:rPr>
+              <a:t>This category includes something called “sequelae of CVD” </a:t>
+            </a:r>
+          </a:p>
+          <a:p>
+            <a:pPr marL="171450" marR="0" lvl="0" indent="-171450" algn="l" defTabSz="914400" rtl="0" eaLnBrk="1" fontAlgn="auto" latinLnBrk="0" hangingPunct="1">
+              <a:lnSpc>
+                <a:spcPct val="100000"/>
+              </a:lnSpc>
+              <a:spcBef>
+                <a:spcPts val="0"/>
+              </a:spcBef>
+              <a:spcAft>
+                <a:spcPts val="0"/>
+              </a:spcAft>
+              <a:buClr>
+                <a:srgbClr val="000000"/>
+              </a:buClr>
+              <a:buSzPts val="1400"/>
+              <a:tabLst/>
+              <a:defRPr/>
+            </a:pPr>
+            <a:r>
+              <a:rPr lang="en-GB" sz="1100" dirty="0">
+                <a:effectLst/>
+                <a:latin typeface="ArialMT"/>
+              </a:rPr>
+              <a:t>Sequelae – consequence of CVD incident</a:t>
+            </a:r>
+          </a:p>
+          <a:p>
+            <a:pPr marL="171450" marR="0" lvl="0" indent="-171450" algn="l" defTabSz="914400" rtl="0" eaLnBrk="1" fontAlgn="auto" latinLnBrk="0" hangingPunct="1">
+              <a:lnSpc>
+                <a:spcPct val="100000"/>
+              </a:lnSpc>
+              <a:spcBef>
+                <a:spcPts val="0"/>
+              </a:spcBef>
+              <a:spcAft>
+                <a:spcPts val="0"/>
+              </a:spcAft>
+              <a:buClr>
+                <a:srgbClr val="000000"/>
+              </a:buClr>
+              <a:buSzPts val="1400"/>
               <a:tabLst/>
               <a:defRPr/>
             </a:pPr>
@@ -1738,13 +2086,116 @@
               <a:defRPr/>
             </a:pPr>
             <a:r>
+              <a:rPr lang="en-GB" sz="1100" b="1" dirty="0">
+                <a:solidFill>
+                  <a:srgbClr val="000000"/>
+                </a:solidFill>
+                <a:latin typeface="Helvetica Neue" panose="02000503000000020004" pitchFamily="2" charset="0"/>
+              </a:rPr>
+              <a:t>LEAD IN – if we break down the data further into different age groups</a:t>
+            </a:r>
+          </a:p>
+          <a:p>
+            <a:pPr marL="0" marR="0" lvl="0" indent="0" algn="l" defTabSz="914400" rtl="0" eaLnBrk="1" fontAlgn="auto" latinLnBrk="0" hangingPunct="1">
+              <a:lnSpc>
+                <a:spcPct val="100000"/>
+              </a:lnSpc>
+              <a:spcBef>
+                <a:spcPts val="0"/>
+              </a:spcBef>
+              <a:spcAft>
+                <a:spcPts val="0"/>
+              </a:spcAft>
+              <a:buClrTx/>
+              <a:buSzTx/>
+              <a:buFontTx/>
+              <a:buNone/>
+              <a:tabLst/>
+              <a:defRPr/>
+            </a:pPr>
+            <a:endParaRPr lang="en-GB" sz="1100" dirty="0">
+              <a:solidFill>
+                <a:srgbClr val="000000"/>
+              </a:solidFill>
+              <a:latin typeface="Helvetica Neue" panose="02000503000000020004" pitchFamily="2" charset="0"/>
+            </a:endParaRPr>
+          </a:p>
+          <a:p>
+            <a:pPr marL="171450" marR="0" lvl="0" indent="-171450" algn="l" defTabSz="914400" rtl="0" eaLnBrk="1" fontAlgn="auto" latinLnBrk="0" hangingPunct="1">
+              <a:lnSpc>
+                <a:spcPct val="100000"/>
+              </a:lnSpc>
+              <a:spcBef>
+                <a:spcPts val="0"/>
+              </a:spcBef>
+              <a:spcAft>
+                <a:spcPts val="0"/>
+              </a:spcAft>
+              <a:buClrTx/>
+              <a:buSzTx/>
+              <a:tabLst/>
+              <a:defRPr/>
+            </a:pPr>
+            <a:r>
               <a:rPr lang="en-GB" sz="1100" dirty="0">
                 <a:solidFill>
                   <a:srgbClr val="000000"/>
                 </a:solidFill>
                 <a:latin typeface="Helvetica Neue" panose="02000503000000020004" pitchFamily="2" charset="0"/>
               </a:rPr>
-              <a:t>LEAD IN</a:t>
+              <a:t>For most categories the discharges increase with age </a:t>
+            </a:r>
+          </a:p>
+          <a:p>
+            <a:pPr marL="171450" marR="0" lvl="0" indent="-171450" algn="l" defTabSz="914400" rtl="0" eaLnBrk="1" fontAlgn="auto" latinLnBrk="0" hangingPunct="1">
+              <a:lnSpc>
+                <a:spcPct val="100000"/>
+              </a:lnSpc>
+              <a:spcBef>
+                <a:spcPts val="0"/>
+              </a:spcBef>
+              <a:spcAft>
+                <a:spcPts val="0"/>
+              </a:spcAft>
+              <a:buClrTx/>
+              <a:buSzTx/>
+              <a:tabLst/>
+              <a:defRPr/>
+            </a:pPr>
+            <a:r>
+              <a:rPr lang="en-GB" sz="1100" dirty="0">
+                <a:solidFill>
+                  <a:srgbClr val="000000"/>
+                </a:solidFill>
+                <a:latin typeface="Helvetica Neue" panose="02000503000000020004" pitchFamily="2" charset="0"/>
+              </a:rPr>
+              <a:t>but SAH affects younger age groups at a similar level to over 75s</a:t>
+            </a:r>
+          </a:p>
+          <a:p>
+            <a:pPr marL="171450" marR="0" lvl="0" indent="-171450" algn="l" defTabSz="914400" rtl="0" eaLnBrk="1" fontAlgn="auto" latinLnBrk="0" hangingPunct="1">
+              <a:lnSpc>
+                <a:spcPct val="100000"/>
+              </a:lnSpc>
+              <a:spcBef>
+                <a:spcPts val="0"/>
+              </a:spcBef>
+              <a:spcAft>
+                <a:spcPts val="0"/>
+              </a:spcAft>
+              <a:buClrTx/>
+              <a:buSzTx/>
+              <a:tabLst/>
+              <a:defRPr/>
+            </a:pPr>
+            <a:r>
+              <a:rPr lang="en-GB" sz="1100" dirty="0">
+                <a:solidFill>
+                  <a:srgbClr val="000000"/>
+                </a:solidFill>
+                <a:latin typeface="Helvetica Neue" panose="02000503000000020004" pitchFamily="2" charset="0"/>
+              </a:rPr>
+              <a:t>Mortality data shows that the chance of survival is better for younger age groups – which is what we would expect. </a:t>
             </a:r>
           </a:p>
           <a:p>
@@ -1790,71 +2241,12 @@
               <a:tabLst/>
               <a:defRPr/>
             </a:pPr>
-            <a:r>
-              <a:rPr lang="en-GB" sz="1100" dirty="0">
-                <a:solidFill>
-                  <a:srgbClr val="000000"/>
-                </a:solidFill>
-                <a:latin typeface="Helvetica Neue" panose="02000503000000020004" pitchFamily="2" charset="0"/>
-              </a:rPr>
-              <a:t>For most categories the discharges increase with age as you might expect</a:t>
-            </a:r>
-          </a:p>
-          <a:p>
-            <a:pPr marL="0" marR="0" lvl="0" indent="0" algn="l" defTabSz="914400" rtl="0" eaLnBrk="1" fontAlgn="auto" latinLnBrk="0" hangingPunct="1">
-              <a:lnSpc>
-                <a:spcPct val="100000"/>
-              </a:lnSpc>
-              <a:spcBef>
-                <a:spcPts val="0"/>
-              </a:spcBef>
-              <a:spcAft>
-                <a:spcPts val="0"/>
-              </a:spcAft>
-              <a:buClrTx/>
-              <a:buSzTx/>
-              <a:buFontTx/>
-              <a:buNone/>
-              <a:tabLst/>
-              <a:defRPr/>
-            </a:pPr>
-            <a:r>
-              <a:rPr lang="en-GB" sz="1100" dirty="0">
-                <a:solidFill>
-                  <a:srgbClr val="000000"/>
-                </a:solidFill>
-                <a:latin typeface="Helvetica Neue" panose="02000503000000020004" pitchFamily="2" charset="0"/>
-              </a:rPr>
-              <a:t>but SAH affects younger age groups</a:t>
-            </a:r>
-          </a:p>
-          <a:p>
-            <a:pPr marL="0" marR="0" lvl="0" indent="0" algn="l" defTabSz="914400" rtl="0" eaLnBrk="1" fontAlgn="auto" latinLnBrk="0" hangingPunct="1">
-              <a:lnSpc>
-                <a:spcPct val="100000"/>
-              </a:lnSpc>
-              <a:spcBef>
-                <a:spcPts val="0"/>
-              </a:spcBef>
-              <a:spcAft>
-                <a:spcPts val="0"/>
-              </a:spcAft>
-              <a:buClrTx/>
-              <a:buSzTx/>
-              <a:buFontTx/>
-              <a:buNone/>
-              <a:tabLst/>
-              <a:defRPr/>
-            </a:pPr>
-            <a:r>
-              <a:rPr lang="en-GB" sz="1100" dirty="0">
-                <a:solidFill>
-                  <a:srgbClr val="000000"/>
-                </a:solidFill>
-                <a:latin typeface="Helvetica Neue" panose="02000503000000020004" pitchFamily="2" charset="0"/>
-              </a:rPr>
-              <a:t>Mortality data follows a similar trend for all categories but it appears that more younger people survive </a:t>
-            </a:r>
+            <a:endParaRPr lang="en-GB" sz="1100" dirty="0">
+              <a:solidFill>
+                <a:srgbClr val="000000"/>
+              </a:solidFill>
+              <a:latin typeface="Helvetica Neue" panose="02000503000000020004" pitchFamily="2" charset="0"/>
+            </a:endParaRPr>
           </a:p>
           <a:p>
             <a:pPr marL="0" marR="0" lvl="0" indent="0" algn="l" defTabSz="914400" rtl="0" eaLnBrk="1" fontAlgn="auto" latinLnBrk="0" hangingPunct="1">
@@ -1880,181 +2272,6 @@
               </a:solidFill>
               <a:latin typeface="Helvetica Neue" panose="02000503000000020004" pitchFamily="2" charset="0"/>
             </a:endParaRPr>
-          </a:p>
-          <a:p>
-            <a:pPr marL="0" marR="0" lvl="0" indent="0" algn="l" defTabSz="914400" rtl="0" eaLnBrk="1" fontAlgn="auto" latinLnBrk="0" hangingPunct="1">
-              <a:lnSpc>
-                <a:spcPct val="100000"/>
-              </a:lnSpc>
-              <a:spcBef>
-                <a:spcPts val="0"/>
-              </a:spcBef>
-              <a:spcAft>
-                <a:spcPts val="0"/>
-              </a:spcAft>
-              <a:buClrTx/>
-              <a:buSzTx/>
-              <a:buFontTx/>
-              <a:buNone/>
-              <a:tabLst/>
-              <a:defRPr/>
-            </a:pPr>
-            <a:endParaRPr lang="en-GB" sz="1100" dirty="0">
-              <a:solidFill>
-                <a:srgbClr val="000000"/>
-              </a:solidFill>
-              <a:latin typeface="Helvetica Neue" panose="02000503000000020004" pitchFamily="2" charset="0"/>
-            </a:endParaRPr>
-          </a:p>
-          <a:p>
-            <a:pPr marL="0" marR="0" lvl="0" indent="0" algn="l" defTabSz="914400" rtl="0" eaLnBrk="1" fontAlgn="auto" latinLnBrk="0" hangingPunct="1">
-              <a:lnSpc>
-                <a:spcPct val="100000"/>
-              </a:lnSpc>
-              <a:spcBef>
-                <a:spcPts val="0"/>
-              </a:spcBef>
-              <a:spcAft>
-                <a:spcPts val="0"/>
-              </a:spcAft>
-              <a:buClrTx/>
-              <a:buSzTx/>
-              <a:buFontTx/>
-              <a:buNone/>
-              <a:tabLst/>
-              <a:defRPr/>
-            </a:pPr>
-            <a:endParaRPr lang="en-GB" sz="1100" dirty="0">
-              <a:solidFill>
-                <a:srgbClr val="000000"/>
-              </a:solidFill>
-              <a:latin typeface="Helvetica Neue" panose="02000503000000020004" pitchFamily="2" charset="0"/>
-            </a:endParaRPr>
-          </a:p>
-          <a:p>
-            <a:pPr marL="0" marR="0" lvl="0" indent="0" algn="l" defTabSz="914400" rtl="0" eaLnBrk="1" fontAlgn="auto" latinLnBrk="0" hangingPunct="1">
-              <a:lnSpc>
-                <a:spcPct val="100000"/>
-              </a:lnSpc>
-              <a:spcBef>
-                <a:spcPts val="0"/>
-              </a:spcBef>
-              <a:spcAft>
-                <a:spcPts val="0"/>
-              </a:spcAft>
-              <a:buClrTx/>
-              <a:buSzTx/>
-              <a:buFontTx/>
-              <a:buNone/>
-              <a:tabLst/>
-              <a:defRPr/>
-            </a:pPr>
-            <a:endParaRPr lang="en-GB" sz="1100" dirty="0">
-              <a:solidFill>
-                <a:srgbClr val="000000"/>
-              </a:solidFill>
-              <a:latin typeface="Helvetica Neue" panose="02000503000000020004" pitchFamily="2" charset="0"/>
-            </a:endParaRPr>
-          </a:p>
-          <a:p>
-            <a:pPr marL="0" marR="0" lvl="0" indent="0" algn="l" defTabSz="914400" rtl="0" eaLnBrk="1" fontAlgn="auto" latinLnBrk="0" hangingPunct="1">
-              <a:lnSpc>
-                <a:spcPct val="100000"/>
-              </a:lnSpc>
-              <a:spcBef>
-                <a:spcPts val="0"/>
-              </a:spcBef>
-              <a:spcAft>
-                <a:spcPts val="0"/>
-              </a:spcAft>
-              <a:buClrTx/>
-              <a:buSzTx/>
-              <a:buFontTx/>
-              <a:buNone/>
-              <a:tabLst/>
-              <a:defRPr/>
-            </a:pPr>
-            <a:r>
-              <a:rPr lang="en-GB" sz="1100" dirty="0">
-                <a:effectLst/>
-                <a:latin typeface="ArialMT"/>
-              </a:rPr>
-              <a:t>LEAD IN – I’m going to go on to discuss how CVD affects different age groups, sex and </a:t>
-            </a:r>
-          </a:p>
-          <a:p>
-            <a:pPr marL="0" marR="0" lvl="0" indent="0" algn="l" defTabSz="914400" rtl="0" eaLnBrk="1" fontAlgn="auto" latinLnBrk="0" hangingPunct="1">
-              <a:lnSpc>
-                <a:spcPct val="100000"/>
-              </a:lnSpc>
-              <a:spcBef>
-                <a:spcPts val="0"/>
-              </a:spcBef>
-              <a:spcAft>
-                <a:spcPts val="0"/>
-              </a:spcAft>
-              <a:buClrTx/>
-              <a:buSzTx/>
-              <a:buFontTx/>
-              <a:buNone/>
-              <a:tabLst/>
-              <a:defRPr/>
-            </a:pPr>
-            <a:r>
-              <a:rPr lang="en-GB" sz="1100" dirty="0">
-                <a:solidFill>
-                  <a:srgbClr val="000000"/>
-                </a:solidFill>
-                <a:latin typeface="Helvetica Neue" panose="02000503000000020004" pitchFamily="2" charset="0"/>
-              </a:rPr>
-              <a:t>It is important to note at this point that I’ll be showing </a:t>
-            </a:r>
-            <a:r>
-              <a:rPr lang="en-GB" sz="1100" dirty="0" err="1">
-                <a:solidFill>
-                  <a:srgbClr val="000000"/>
-                </a:solidFill>
-                <a:latin typeface="Helvetica Neue" panose="02000503000000020004" pitchFamily="2" charset="0"/>
-              </a:rPr>
-              <a:t>easr</a:t>
-            </a:r>
-            <a:r>
-              <a:rPr lang="en-GB" sz="1100" dirty="0">
-                <a:solidFill>
-                  <a:srgbClr val="000000"/>
-                </a:solidFill>
-                <a:latin typeface="Helvetica Neue" panose="02000503000000020004" pitchFamily="2" charset="0"/>
-              </a:rPr>
-              <a:t> values from now on. What are these?</a:t>
-            </a:r>
-          </a:p>
-          <a:p>
-            <a:pPr marL="0" marR="0" lvl="0" indent="0" algn="l" defTabSz="914400" rtl="0" eaLnBrk="1" fontAlgn="auto" latinLnBrk="0" hangingPunct="1">
-              <a:lnSpc>
-                <a:spcPct val="100000"/>
-              </a:lnSpc>
-              <a:spcBef>
-                <a:spcPts val="0"/>
-              </a:spcBef>
-              <a:spcAft>
-                <a:spcPts val="0"/>
-              </a:spcAft>
-              <a:buClrTx/>
-              <a:buSzTx/>
-              <a:buFontTx/>
-              <a:buNone/>
-              <a:tabLst/>
-              <a:defRPr/>
-            </a:pPr>
-            <a:r>
-              <a:rPr lang="en-GB" sz="1100" dirty="0">
-                <a:solidFill>
-                  <a:srgbClr val="000000"/>
-                </a:solidFill>
-                <a:latin typeface="Helvetica Neue" panose="02000503000000020004" pitchFamily="2" charset="0"/>
-              </a:rPr>
-              <a:t>This means the data is reported per 100,000 people and adjusted for age and sex. </a:t>
-            </a:r>
           </a:p>
           <a:p>
             <a:pPr marL="0" marR="0" lvl="0" indent="0" algn="l" defTabSz="914400" rtl="0" eaLnBrk="1" fontAlgn="auto" latinLnBrk="0" hangingPunct="1">
@@ -2197,11 +2414,74 @@
               <a:defRPr/>
             </a:pPr>
             <a:r>
+              <a:rPr lang="en-GB" sz="1100" b="1" dirty="0">
+                <a:effectLst/>
+                <a:latin typeface="ArialMT"/>
+              </a:rPr>
+              <a:t>LEAD IN – if we look at the data broken down by sex</a:t>
+            </a:r>
+          </a:p>
+          <a:p>
+            <a:pPr marL="0" marR="0" lvl="0" indent="0" algn="l" defTabSz="914400" rtl="0" eaLnBrk="1" fontAlgn="auto" latinLnBrk="0" hangingPunct="1">
+              <a:lnSpc>
+                <a:spcPct val="100000"/>
+              </a:lnSpc>
+              <a:spcBef>
+                <a:spcPts val="0"/>
+              </a:spcBef>
+              <a:spcAft>
+                <a:spcPts val="0"/>
+              </a:spcAft>
+              <a:buClrTx/>
+              <a:buSzTx/>
+              <a:buFontTx/>
+              <a:buNone/>
+              <a:tabLst/>
+              <a:defRPr/>
+            </a:pPr>
+            <a:endParaRPr lang="en-GB" sz="1100" b="1" dirty="0">
+              <a:effectLst/>
+              <a:latin typeface="ArialMT"/>
+            </a:endParaRPr>
+          </a:p>
+          <a:p>
+            <a:pPr marL="0" marR="0" lvl="0" indent="0" algn="l" defTabSz="914400" rtl="0" eaLnBrk="1" fontAlgn="auto" latinLnBrk="0" hangingPunct="1">
+              <a:lnSpc>
+                <a:spcPct val="100000"/>
+              </a:lnSpc>
+              <a:spcBef>
+                <a:spcPts val="0"/>
+              </a:spcBef>
+              <a:spcAft>
+                <a:spcPts val="0"/>
+              </a:spcAft>
+              <a:buClrTx/>
+              <a:buSzTx/>
+              <a:buFontTx/>
+              <a:buNone/>
+              <a:tabLst/>
+              <a:defRPr/>
+            </a:pPr>
+            <a:r>
               <a:rPr lang="en-GB" sz="1100" dirty="0">
                 <a:effectLst/>
                 <a:latin typeface="ArialMT"/>
               </a:rPr>
-              <a:t>LEAD IN – I’m going to go on to discuss how CVD affects different age groups, sex and </a:t>
+              <a:t>It is again subarachnoid </a:t>
+            </a:r>
+            <a:r>
+              <a:rPr lang="en-GB" sz="1100" dirty="0" err="1">
+                <a:effectLst/>
+                <a:latin typeface="ArialMT"/>
+              </a:rPr>
+              <a:t>heamorrhage</a:t>
+            </a:r>
+            <a:r>
+              <a:rPr lang="en-GB" sz="1100" dirty="0">
+                <a:effectLst/>
+                <a:latin typeface="ArialMT"/>
+              </a:rPr>
+              <a:t> which shows a different pattern. </a:t>
             </a:r>
           </a:p>
           <a:p>
@@ -2245,6 +2525,32 @@
               <a:tabLst/>
               <a:defRPr/>
             </a:pPr>
+            <a:r>
+              <a:rPr lang="en-GB" sz="1100" dirty="0">
+                <a:effectLst/>
+                <a:latin typeface="ArialMT"/>
+              </a:rPr>
+              <a:t>SAH is the only type of CVD with female predominance</a:t>
+            </a:r>
+          </a:p>
+          <a:p>
+            <a:pPr marL="0" marR="0" lvl="0" indent="0" algn="l" defTabSz="914400" rtl="0" eaLnBrk="1" fontAlgn="auto" latinLnBrk="0" hangingPunct="1">
+              <a:lnSpc>
+                <a:spcPct val="100000"/>
+              </a:lnSpc>
+              <a:spcBef>
+                <a:spcPts val="0"/>
+              </a:spcBef>
+              <a:spcAft>
+                <a:spcPts val="0"/>
+              </a:spcAft>
+              <a:buClrTx/>
+              <a:buSzTx/>
+              <a:buFontTx/>
+              <a:buNone/>
+              <a:tabLst/>
+              <a:defRPr/>
+            </a:pPr>
             <a:endParaRPr lang="en-GB" sz="1100" dirty="0">
               <a:effectLst/>
               <a:latin typeface="ArialMT"/>
@@ -2268,160 +2574,12 @@
               <a:tabLst/>
               <a:defRPr/>
             </a:pPr>
-            <a:endParaRPr lang="en-GB" sz="1100" dirty="0">
-              <a:solidFill>
-                <a:srgbClr val="000000"/>
-              </a:solidFill>
-              <a:latin typeface="Helvetica Neue" panose="02000503000000020004" pitchFamily="2" charset="0"/>
-            </a:endParaRPr>
-          </a:p>
-          <a:p>
-            <a:pPr marL="0" marR="0" lvl="0" indent="0" algn="l" defTabSz="914400" rtl="0" eaLnBrk="1" fontAlgn="auto" latinLnBrk="0" hangingPunct="1">
-              <a:lnSpc>
-                <a:spcPct val="100000"/>
-              </a:lnSpc>
-              <a:spcBef>
-                <a:spcPts val="0"/>
-              </a:spcBef>
-              <a:spcAft>
-                <a:spcPts val="0"/>
-              </a:spcAft>
-              <a:buClrTx/>
-              <a:buSzTx/>
-              <a:buFontTx/>
-              <a:buNone/>
-              <a:tabLst/>
-              <a:defRPr/>
-            </a:pPr>
-            <a:r>
-              <a:rPr lang="en-GB" sz="1100" dirty="0">
-                <a:solidFill>
-                  <a:srgbClr val="000000"/>
-                </a:solidFill>
-                <a:latin typeface="Helvetica Neue" panose="02000503000000020004" pitchFamily="2" charset="0"/>
-              </a:rPr>
-              <a:t>It is important to note at this point that I’ll be showing </a:t>
-            </a:r>
-            <a:r>
-              <a:rPr lang="en-GB" sz="1100" dirty="0" err="1">
-                <a:solidFill>
-                  <a:srgbClr val="000000"/>
-                </a:solidFill>
-                <a:latin typeface="Helvetica Neue" panose="02000503000000020004" pitchFamily="2" charset="0"/>
-              </a:rPr>
-              <a:t>easr</a:t>
-            </a:r>
-            <a:r>
-              <a:rPr lang="en-GB" sz="1100" dirty="0">
-                <a:solidFill>
-                  <a:srgbClr val="000000"/>
-                </a:solidFill>
-                <a:latin typeface="Helvetica Neue" panose="02000503000000020004" pitchFamily="2" charset="0"/>
-              </a:rPr>
-              <a:t> values from now on. What are these?</a:t>
-            </a:r>
-          </a:p>
-          <a:p>
-            <a:pPr marL="0" marR="0" lvl="0" indent="0" algn="l" defTabSz="914400" rtl="0" eaLnBrk="1" fontAlgn="auto" latinLnBrk="0" hangingPunct="1">
-              <a:lnSpc>
-                <a:spcPct val="100000"/>
-              </a:lnSpc>
-              <a:spcBef>
-                <a:spcPts val="0"/>
-              </a:spcBef>
-              <a:spcAft>
-                <a:spcPts val="0"/>
-              </a:spcAft>
-              <a:buClrTx/>
-              <a:buSzTx/>
-              <a:buFontTx/>
-              <a:buNone/>
-              <a:tabLst/>
-              <a:defRPr/>
-            </a:pPr>
-            <a:endParaRPr lang="en-GB" sz="1100" dirty="0">
-              <a:solidFill>
-                <a:srgbClr val="000000"/>
-              </a:solidFill>
-              <a:latin typeface="Helvetica Neue" panose="02000503000000020004" pitchFamily="2" charset="0"/>
-            </a:endParaRPr>
-          </a:p>
-          <a:p>
-            <a:pPr marL="0" marR="0" lvl="0" indent="0" algn="l" defTabSz="914400" rtl="0" eaLnBrk="1" fontAlgn="auto" latinLnBrk="0" hangingPunct="1">
-              <a:lnSpc>
-                <a:spcPct val="100000"/>
-              </a:lnSpc>
-              <a:spcBef>
-                <a:spcPts val="0"/>
-              </a:spcBef>
-              <a:spcAft>
-                <a:spcPts val="0"/>
-              </a:spcAft>
-              <a:buClrTx/>
-              <a:buSzTx/>
-              <a:buFontTx/>
-              <a:buNone/>
-              <a:tabLst/>
-              <a:defRPr/>
-            </a:pPr>
-            <a:r>
-              <a:rPr lang="en-GB" sz="1100" dirty="0">
-                <a:solidFill>
-                  <a:srgbClr val="000000"/>
-                </a:solidFill>
-                <a:latin typeface="Helvetica Neue" panose="02000503000000020004" pitchFamily="2" charset="0"/>
-              </a:rPr>
-              <a:t>This means the data is reported per 100,000 people and adjusted for age and sex. </a:t>
-            </a:r>
-          </a:p>
-          <a:p>
-            <a:pPr marL="0" marR="0" lvl="0" indent="0" algn="l" defTabSz="914400" rtl="0" eaLnBrk="1" fontAlgn="auto" latinLnBrk="0" hangingPunct="1">
-              <a:lnSpc>
-                <a:spcPct val="100000"/>
-              </a:lnSpc>
-              <a:spcBef>
-                <a:spcPts val="0"/>
-              </a:spcBef>
-              <a:spcAft>
-                <a:spcPts val="0"/>
-              </a:spcAft>
-              <a:buClr>
-                <a:srgbClr val="000000"/>
-              </a:buClr>
-              <a:buSzPts val="1400"/>
-              <a:buFont typeface="Arial"/>
-              <a:buNone/>
-              <a:tabLst/>
-              <a:defRPr/>
-            </a:pPr>
-            <a:endParaRPr lang="en-GB" dirty="0"/>
-          </a:p>
-          <a:p>
-            <a:pPr marL="0" marR="0" lvl="0" indent="0" algn="l" defTabSz="914400" rtl="0" eaLnBrk="1" fontAlgn="auto" latinLnBrk="0" hangingPunct="1">
-              <a:lnSpc>
-                <a:spcPct val="100000"/>
-              </a:lnSpc>
-              <a:spcBef>
-                <a:spcPts val="0"/>
-              </a:spcBef>
-              <a:spcAft>
-                <a:spcPts val="0"/>
-              </a:spcAft>
-              <a:buClr>
-                <a:srgbClr val="000000"/>
-              </a:buClr>
-              <a:buSzPts val="1400"/>
-              <a:buFont typeface="Arial"/>
-              <a:buNone/>
-              <a:tabLst/>
-              <a:defRPr/>
-            </a:pPr>
             <a:r>
               <a:rPr lang="en-GB" sz="1100" dirty="0">
                 <a:effectLst/>
                 <a:latin typeface="ArialMT"/>
               </a:rPr>
-              <a:t>Nothing too striking about the discharge data but I wanted to show the </a:t>
+              <a:t>Another result that popped up from this data was a peak in male deaths from SAH in 2020 - COVID</a:t>
             </a:r>
           </a:p>
           <a:p>
@@ -2522,6 +2680,24 @@
             </a:endParaRPr>
           </a:p>
           <a:p>
+            <a:pPr marL="139700" indent="0">
+              <a:buNone/>
+            </a:pPr>
+            <a:r>
+              <a:rPr lang="en-GB" sz="1100" b="1" u="sng" dirty="0">
+                <a:solidFill>
+                  <a:schemeClr val="bg1">
+                    <a:lumMod val="50000"/>
+                  </a:schemeClr>
+                </a:solidFill>
+                <a:effectLst/>
+                <a:latin typeface="Source Sans Pro" panose="020B0503030403020204" pitchFamily="34" charset="0"/>
+                <a:ea typeface="Source Sans Pro" panose="020B0503030403020204" pitchFamily="34" charset="0"/>
+              </a:rPr>
+              <a:t>MAP</a:t>
+            </a:r>
+          </a:p>
+          <a:p>
             <a:r>
               <a:rPr lang="en-GB" sz="1100" dirty="0">
                 <a:solidFill>
@@ -2579,20 +2755,11 @@
             </a:endParaRPr>
           </a:p>
           <a:p>
-            <a:endParaRPr lang="en-GB" sz="1100" dirty="0">
-              <a:solidFill>
-                <a:schemeClr val="bg1">
-                  <a:lumMod val="50000"/>
-                </a:schemeClr>
-              </a:solidFill>
-              <a:effectLst/>
-              <a:latin typeface="Source Sans Pro" panose="020B0503030403020204" pitchFamily="34" charset="0"/>
-              <a:ea typeface="Source Sans Pro" panose="020B0503030403020204" pitchFamily="34" charset="0"/>
-            </a:endParaRPr>
-          </a:p>
-          <a:p>
+            <a:pPr marL="139700" indent="0">
+              <a:buNone/>
+            </a:pPr>
             <a:r>
-              <a:rPr lang="en-GB" sz="1100" dirty="0">
+              <a:rPr lang="en-GB" sz="1100" b="1" u="sng" dirty="0">
                 <a:solidFill>
                   <a:schemeClr val="bg1">
                     <a:lumMod val="50000"/>
@@ -2602,7 +2769,7 @@
                 <a:latin typeface="Source Sans Pro" panose="020B0503030403020204" pitchFamily="34" charset="0"/>
                 <a:ea typeface="Source Sans Pro" panose="020B0503030403020204" pitchFamily="34" charset="0"/>
               </a:rPr>
-              <a:t>From PHS report:</a:t>
+              <a:t>Health Board Graphs</a:t>
             </a:r>
           </a:p>
           <a:p>
@@ -2617,8 +2784,35 @@
                 <a:latin typeface="Source Sans Pro" panose="020B0503030403020204" pitchFamily="34" charset="0"/>
                 <a:ea typeface="Source Sans Pro" panose="020B0503030403020204" pitchFamily="34" charset="0"/>
               </a:rPr>
-              <a:t>“Over the past ten years, there was an increase in the adjusted discharge rate for stroke in all deprivation quintiles. The rate in the most deprived quintile increased by 39% compared to 21% in the least deprived quintile.” </a:t>
+              <a:t>Some are going up some are going down</a:t>
             </a:r>
+          </a:p>
+          <a:p>
+            <a:r>
+              <a:rPr lang="en-GB" sz="1100" dirty="0">
+                <a:solidFill>
+                  <a:schemeClr val="bg1">
+                    <a:lumMod val="50000"/>
+                  </a:schemeClr>
+                </a:solidFill>
+                <a:effectLst/>
+                <a:latin typeface="Source Sans Pro" panose="020B0503030403020204" pitchFamily="34" charset="0"/>
+                <a:ea typeface="Source Sans Pro" panose="020B0503030403020204" pitchFamily="34" charset="0"/>
+              </a:rPr>
+              <a:t>There are a lot of complicated factors feeding in to these numbers</a:t>
+            </a:r>
+          </a:p>
+          <a:p>
+            <a:endParaRPr lang="en-GB" sz="1100" dirty="0">
+              <a:solidFill>
+                <a:schemeClr val="bg1">
+                  <a:lumMod val="50000"/>
+                </a:schemeClr>
+              </a:solidFill>
+              <a:effectLst/>
+              <a:latin typeface="Source Sans Pro" panose="020B0503030403020204" pitchFamily="34" charset="0"/>
+              <a:ea typeface="Source Sans Pro" panose="020B0503030403020204" pitchFamily="34" charset="0"/>
+            </a:endParaRPr>
           </a:p>
         </p:txBody>
       </p:sp>
@@ -2702,11 +2896,11 @@
 </file>
 
 <file path=ppt/notesSlides/notesSlide9.xml><?xml version="1.0" encoding="utf-8"?>
-<p:notes xmlns:a="http://schemas.openxmlformats.org/drawingml/2006/main" xmlns:r="http://schemas.openxmlformats.org/officeDocument/2006/relationships" xmlns:p="http://schemas.openxmlformats.org/presentationml/2006/main" showMasterSp="0" showMasterPhAnim="0">
+<p:notes xmlns:a="http://schemas.openxmlformats.org/drawingml/2006/main" xmlns:r="http://schemas.openxmlformats.org/officeDocument/2006/relationships" xmlns:p="http://schemas.openxmlformats.org/presentationml/2006/main">
   <p:cSld>
     <p:spTree>
       <p:nvGrpSpPr>
-        <p:cNvPr id="1" name="Shape 495"/>
+        <p:cNvPr id="1" name=""/>
         <p:cNvGrpSpPr/>
         <p:nvPr/>
       </p:nvGrpSpPr>
@@ -2720,12 +2914,12 @@
       </p:grpSpPr>
       <p:sp>
         <p:nvSpPr>
-          <p:cNvPr id="496" name="Google Shape;496;p:notes"/>
+          <p:cNvPr id="2" name="Slide Image Placeholder 1"/>
           <p:cNvSpPr>
             <a:spLocks noGrp="1" noRot="1" noChangeAspect="1"/>
           </p:cNvSpPr>
           <p:nvPr>
-            <p:ph type="sldImg" idx="2"/>
+            <p:ph type="sldImg"/>
           </p:nvPr>
         </p:nvSpPr>
         <p:spPr>
@@ -2733,74 +2927,40 @@
             <a:off x="381000" y="685800"/>
             <a:ext cx="6096000" cy="3429000"/>
           </a:xfrm>
-          <a:custGeom>
-            <a:avLst/>
-            <a:gdLst/>
-            <a:ahLst/>
-            <a:cxnLst/>
-            <a:rect l="l" t="t" r="r" b="b"/>
-            <a:pathLst>
-              <a:path w="120000" h="120000" extrusionOk="0">
-                <a:moveTo>
-                  <a:pt x="0" y="0"/>
-                </a:moveTo>
-                <a:lnTo>
-                  <a:pt x="120000" y="0"/>
-                </a:lnTo>
-                <a:lnTo>
-                  <a:pt x="120000" y="120000"/>
-                </a:lnTo>
-                <a:lnTo>
-                  <a:pt x="0" y="120000"/>
-                </a:lnTo>
-                <a:close/>
-              </a:path>
-            </a:pathLst>
-          </a:custGeom>
         </p:spPr>
       </p:sp>
       <p:sp>
         <p:nvSpPr>
-          <p:cNvPr id="497" name="Google Shape;497;p:notes"/>
-          <p:cNvSpPr txBox="1">
+          <p:cNvPr id="3" name="Notes Placeholder 2"/>
+          <p:cNvSpPr>
             <a:spLocks noGrp="1"/>
           </p:cNvSpPr>
           <p:nvPr>
             <p:ph type="body" idx="1"/>
           </p:nvPr>
         </p:nvSpPr>
-        <p:spPr>
-          <a:xfrm>
-            <a:off x="685800" y="4343400"/>
-            <a:ext cx="5486400" cy="4114800"/>
-          </a:xfrm>
-          <a:prstGeom prst="rect">
-            <a:avLst/>
-          </a:prstGeom>
-        </p:spPr>
+        <p:spPr/>
         <p:txBody>
-          <a:bodyPr spcFirstLastPara="1" wrap="square" lIns="91425" tIns="91425" rIns="91425" bIns="91425" anchor="t" anchorCtr="0">
-            <a:noAutofit/>
-          </a:bodyPr>
+          <a:bodyPr/>
           <a:lstStyle/>
           <a:p>
-            <a:pPr marL="0" lvl="0" indent="0" algn="l" rtl="0">
-              <a:spcBef>
-                <a:spcPts val="0"/>
-              </a:spcBef>
-              <a:spcAft>
-                <a:spcPts val="0"/>
-              </a:spcAft>
-              <a:buNone/>
-            </a:pPr>
-            <a:endParaRPr dirty="0"/>
+            <a:r>
+              <a:rPr lang="en-US" dirty="0"/>
+              <a:t>Adjusted R2 – already talked about</a:t>
+            </a:r>
+          </a:p>
+          <a:p>
+            <a:r>
+              <a:rPr lang="en-US" dirty="0"/>
+              <a:t>RSE – skewed by the amount of low data</a:t>
+            </a:r>
           </a:p>
         </p:txBody>
       </p:sp>
     </p:spTree>
     <p:extLst>
       <p:ext uri="{BB962C8B-B14F-4D97-AF65-F5344CB8AC3E}">
-        <p14:creationId xmlns:p14="http://schemas.microsoft.com/office/powerpoint/2010/main" val="2140799352"/>
+        <p14:creationId xmlns:p14="http://schemas.microsoft.com/office/powerpoint/2010/main" val="4120744275"/>
       </p:ext>
     </p:extLst>
   </p:cSld>
@@ -7411,8 +7571,8 @@
         </p:nvSpPr>
         <p:spPr>
           <a:xfrm>
-            <a:off x="506406" y="735334"/>
-            <a:ext cx="7319333" cy="3096194"/>
+            <a:off x="569725" y="3858511"/>
+            <a:ext cx="7863872" cy="716617"/>
           </a:xfrm>
         </p:spPr>
         <p:txBody>
@@ -7420,42 +7580,12 @@
           <a:lstStyle/>
           <a:p>
             <a:r>
-              <a:rPr lang="en-US" dirty="0"/>
+              <a:rPr lang="en-US" sz="1800" dirty="0"/>
               <a:t>Mortality rates &lt; 10 causing the model issues (evidence from density plots) </a:t>
             </a:r>
           </a:p>
         </p:txBody>
       </p:sp>
-      <p:pic>
-        <p:nvPicPr>
-          <p:cNvPr id="4" name="Picture 3">
-            <a:extLst>
-              <a:ext uri="{FF2B5EF4-FFF2-40B4-BE49-F238E27FC236}">
-                <a16:creationId xmlns:a16="http://schemas.microsoft.com/office/drawing/2014/main" id="{9EBFC925-76D8-6A0F-888C-83E485FDB2BC}"/>
-              </a:ext>
-            </a:extLst>
-          </p:cNvPr>
-          <p:cNvPicPr>
-            <a:picLocks noChangeAspect="1"/>
-          </p:cNvPicPr>
-          <p:nvPr/>
-        </p:nvPicPr>
-        <p:blipFill>
-          <a:blip r:embed="rId2"/>
-          <a:stretch>
-            <a:fillRect/>
-          </a:stretch>
-        </p:blipFill>
-        <p:spPr>
-          <a:xfrm>
-            <a:off x="369757" y="1600100"/>
-            <a:ext cx="4639862" cy="2867157"/>
-          </a:xfrm>
-          <a:prstGeom prst="rect">
-            <a:avLst/>
-          </a:prstGeom>
-        </p:spPr>
-      </p:pic>
       <p:graphicFrame>
         <p:nvGraphicFramePr>
           <p:cNvPr id="8" name="Table 8">
@@ -7471,13 +7601,13 @@
           <p:nvPr>
             <p:extLst>
               <p:ext uri="{D42A27DB-BD31-4B8C-83A1-F6EECF244321}">
-                <p14:modId xmlns:p14="http://schemas.microsoft.com/office/powerpoint/2010/main" val="1438938436"/>
+                <p14:modId xmlns:p14="http://schemas.microsoft.com/office/powerpoint/2010/main" val="1983264943"/>
               </p:ext>
             </p:extLst>
           </p:nvPr>
         </p:nvGraphicFramePr>
         <p:xfrm>
-          <a:off x="5340428" y="1940460"/>
+          <a:off x="5185802" y="1565124"/>
           <a:ext cx="3636425" cy="1524000"/>
         </p:xfrm>
         <a:graphic>
@@ -7567,7 +7697,7 @@
                       <a:endParaRPr lang="en-US" sz="1100" dirty="0"/>
                     </a:p>
                   </a:txBody>
-                  <a:tcPr>
+                  <a:tcPr anchor="ctr">
                     <a:lnL w="12700" cap="flat" cmpd="sng" algn="ctr">
                       <a:solidFill>
                         <a:schemeClr val="bg1">
@@ -7733,7 +7863,7 @@
                       </a:r>
                     </a:p>
                   </a:txBody>
-                  <a:tcPr>
+                  <a:tcPr anchor="ctr">
                     <a:lnL w="12700" cap="flat" cmpd="sng" algn="ctr">
                       <a:solidFill>
                         <a:schemeClr val="bg1">
@@ -7823,7 +7953,7 @@
                       </a:r>
                     </a:p>
                   </a:txBody>
-                  <a:tcPr>
+                  <a:tcPr anchor="ctr">
                     <a:lnL w="12700" cap="flat" cmpd="sng" algn="ctr">
                       <a:solidFill>
                         <a:schemeClr val="bg1">
@@ -8002,7 +8132,7 @@
                       <a:endParaRPr lang="en-US" sz="1100" dirty="0"/>
                     </a:p>
                   </a:txBody>
-                  <a:tcPr>
+                  <a:tcPr anchor="ctr">
                     <a:lnL w="12700" cap="flat" cmpd="sng" algn="ctr">
                       <a:solidFill>
                         <a:schemeClr val="bg1">
@@ -8059,6 +8189,36 @@
           </a:graphicData>
         </a:graphic>
       </p:graphicFrame>
+      <p:pic>
+        <p:nvPicPr>
+          <p:cNvPr id="5" name="Picture 4">
+            <a:extLst>
+              <a:ext uri="{FF2B5EF4-FFF2-40B4-BE49-F238E27FC236}">
+                <a16:creationId xmlns:a16="http://schemas.microsoft.com/office/drawing/2014/main" id="{ED1B91D0-2B99-2857-8FFD-886B8EF5E232}"/>
+              </a:ext>
+            </a:extLst>
+          </p:cNvPr>
+          <p:cNvPicPr>
+            <a:picLocks noChangeAspect="1"/>
+          </p:cNvPicPr>
+          <p:nvPr/>
+        </p:nvPicPr>
+        <p:blipFill>
+          <a:blip r:embed="rId3"/>
+          <a:stretch>
+            <a:fillRect/>
+          </a:stretch>
+        </p:blipFill>
+        <p:spPr>
+          <a:xfrm>
+            <a:off x="321773" y="1077742"/>
+            <a:ext cx="4496411" cy="2780769"/>
+          </a:xfrm>
+          <a:prstGeom prst="rect">
+            <a:avLst/>
+          </a:prstGeom>
+        </p:spPr>
+      </p:pic>
     </p:spTree>
     <p:extLst>
       <p:ext uri="{BB962C8B-B14F-4D97-AF65-F5344CB8AC3E}">
@@ -8103,7 +8263,7 @@
                                           </p:stCondLst>
                                         </p:cTn>
                                         <p:tgtEl>
-                                          <p:spTgt spid="4"/>
+                                          <p:spTgt spid="8"/>
                                         </p:tgtEl>
                                         <p:attrNameLst>
                                           <p:attrName>style.visibility</p:attrName>
@@ -8143,51 +8303,6 @@
                                     <p:set>
                                       <p:cBhvr>
                                         <p:cTn id="10" dur="1" fill="hold">
-                                          <p:stCondLst>
-                                            <p:cond delay="0"/>
-                                          </p:stCondLst>
-                                        </p:cTn>
-                                        <p:tgtEl>
-                                          <p:spTgt spid="8"/>
-                                        </p:tgtEl>
-                                        <p:attrNameLst>
-                                          <p:attrName>style.visibility</p:attrName>
-                                        </p:attrNameLst>
-                                      </p:cBhvr>
-                                      <p:to>
-                                        <p:strVal val="visible"/>
-                                      </p:to>
-                                    </p:set>
-                                  </p:childTnLst>
-                                </p:cTn>
-                              </p:par>
-                            </p:childTnLst>
-                          </p:cTn>
-                        </p:par>
-                      </p:childTnLst>
-                    </p:cTn>
-                  </p:par>
-                  <p:par>
-                    <p:cTn id="11" fill="hold">
-                      <p:stCondLst>
-                        <p:cond delay="indefinite"/>
-                      </p:stCondLst>
-                      <p:childTnLst>
-                        <p:par>
-                          <p:cTn id="12" fill="hold">
-                            <p:stCondLst>
-                              <p:cond delay="0"/>
-                            </p:stCondLst>
-                            <p:childTnLst>
-                              <p:par>
-                                <p:cTn id="13" presetID="1" presetClass="entr" presetSubtype="0" fill="hold" nodeType="clickEffect">
-                                  <p:stCondLst>
-                                    <p:cond delay="0"/>
-                                  </p:stCondLst>
-                                  <p:childTnLst>
-                                    <p:set>
-                                      <p:cBhvr>
-                                        <p:cTn id="14" dur="1" fill="hold">
                                           <p:stCondLst>
                                             <p:cond delay="0"/>
                                           </p:stCondLst>
@@ -8301,14 +8416,14 @@
           <p:nvPr/>
         </p:nvPicPr>
         <p:blipFill>
-          <a:blip r:embed="rId2"/>
+          <a:blip r:embed="rId3"/>
           <a:stretch>
             <a:fillRect/>
           </a:stretch>
         </p:blipFill>
         <p:spPr>
           <a:xfrm>
-            <a:off x="1744981" y="985196"/>
+            <a:off x="1709811" y="967611"/>
             <a:ext cx="5426286" cy="3353120"/>
           </a:xfrm>
           <a:prstGeom prst="rect">
@@ -9627,6 +9742,28 @@
               <a:buFont typeface="Arial" panose="020B0604020202020204" pitchFamily="34" charset="0"/>
               <a:buChar char="•"/>
             </a:pPr>
+            <a:r>
+              <a:rPr lang="en-US" sz="1600" dirty="0">
+                <a:solidFill>
+                  <a:schemeClr val="bg1">
+                    <a:lumMod val="50000"/>
+                  </a:schemeClr>
+                </a:solidFill>
+              </a:rPr>
+              <a:t>Outliers at high values</a:t>
+            </a:r>
+          </a:p>
+          <a:p>
+            <a:pPr lvl="1">
+              <a:buClr>
+                <a:schemeClr val="bg1">
+                  <a:lumMod val="50000"/>
+                </a:schemeClr>
+              </a:buClr>
+              <a:buSzPct val="120000"/>
+              <a:buFont typeface="Arial" panose="020B0604020202020204" pitchFamily="34" charset="0"/>
+              <a:buChar char="•"/>
+            </a:pPr>
             <a:endParaRPr lang="en-US" sz="1600" dirty="0">
               <a:solidFill>
                 <a:schemeClr val="bg1">
@@ -10297,13 +10434,21 @@
           <a:p>
             <a:r>
               <a:rPr lang="en-US" dirty="0"/>
-              <a:t>Test model improvements</a:t>
+              <a:t>Test </a:t>
+            </a:r>
+            <a:r>
+              <a:rPr lang="en-US"/>
+              <a:t>model improvements</a:t>
             </a:r>
           </a:p>
           <a:p>
             <a:r>
+              <a:rPr lang="en-US"/>
+              <a:t>Investigate </a:t>
+            </a:r>
+            <a:r>
               <a:rPr lang="en-US" dirty="0"/>
-              <a:t>Investigate neural networks for forecasting</a:t>
+              <a:t>neural networks for forecasting</a:t>
             </a:r>
           </a:p>
           <a:p>
@@ -10468,10 +10613,10 @@
       </p:sp>
       <p:pic>
         <p:nvPicPr>
-          <p:cNvPr id="6" name="Picture 5">
+          <p:cNvPr id="7" name="Picture 6">
             <a:extLst>
               <a:ext uri="{FF2B5EF4-FFF2-40B4-BE49-F238E27FC236}">
-                <a16:creationId xmlns:a16="http://schemas.microsoft.com/office/drawing/2014/main" id="{574EB961-66D2-38D5-D69E-6014EA2E8A6D}"/>
+                <a16:creationId xmlns:a16="http://schemas.microsoft.com/office/drawing/2014/main" id="{6D034F92-E493-EFC9-B2B2-564F848F741A}"/>
               </a:ext>
             </a:extLst>
           </p:cNvPr>
@@ -10488,8 +10633,8 @@
         </p:blipFill>
         <p:spPr>
           <a:xfrm>
-            <a:off x="1449090" y="924923"/>
-            <a:ext cx="5792491" cy="3582319"/>
+            <a:off x="1510717" y="871648"/>
+            <a:ext cx="5645863" cy="3491638"/>
           </a:xfrm>
           <a:prstGeom prst="rect">
             <a:avLst/>
@@ -10499,7 +10644,7 @@
     </p:spTree>
     <p:extLst>
       <p:ext uri="{BB962C8B-B14F-4D97-AF65-F5344CB8AC3E}">
-        <p14:creationId xmlns:p14="http://schemas.microsoft.com/office/powerpoint/2010/main" val="3931475615"/>
+        <p14:creationId xmlns:p14="http://schemas.microsoft.com/office/powerpoint/2010/main" val="3365207672"/>
       </p:ext>
     </p:extLst>
   </p:cSld>
@@ -10544,8 +10689,8 @@
         </p:nvSpPr>
         <p:spPr>
           <a:xfrm>
-            <a:off x="426203" y="202425"/>
-            <a:ext cx="8237350" cy="593312"/>
+            <a:off x="395207" y="202425"/>
+            <a:ext cx="8307091" cy="593312"/>
           </a:xfrm>
         </p:spPr>
         <p:txBody>
@@ -10589,7 +10734,7 @@
           <p:cNvPr id="3" name="Picture 2">
             <a:extLst>
               <a:ext uri="{FF2B5EF4-FFF2-40B4-BE49-F238E27FC236}">
-                <a16:creationId xmlns:a16="http://schemas.microsoft.com/office/drawing/2014/main" id="{4B39AB76-ACAD-A037-ADB6-702A6C1D10F8}"/>
+                <a16:creationId xmlns:a16="http://schemas.microsoft.com/office/drawing/2014/main" id="{8885819B-2E50-DAE3-B91E-4464ACCC5E5C}"/>
               </a:ext>
             </a:extLst>
           </p:cNvPr>
@@ -10606,8 +10751,8 @@
         </p:blipFill>
         <p:spPr>
           <a:xfrm>
-            <a:off x="1743559" y="1058842"/>
-            <a:ext cx="5195331" cy="3213010"/>
+            <a:off x="1707500" y="963546"/>
+            <a:ext cx="5349421" cy="3308306"/>
           </a:xfrm>
           <a:prstGeom prst="rect">
             <a:avLst/>
@@ -10617,7 +10762,7 @@
     </p:spTree>
     <p:extLst>
       <p:ext uri="{BB962C8B-B14F-4D97-AF65-F5344CB8AC3E}">
-        <p14:creationId xmlns:p14="http://schemas.microsoft.com/office/powerpoint/2010/main" val="1502109215"/>
+        <p14:creationId xmlns:p14="http://schemas.microsoft.com/office/powerpoint/2010/main" val="3327824857"/>
       </p:ext>
     </p:extLst>
   </p:cSld>
@@ -10704,10 +10849,10 @@
       </p:sp>
       <p:pic>
         <p:nvPicPr>
-          <p:cNvPr id="4" name="Picture 3">
+          <p:cNvPr id="6" name="Picture 5">
             <a:extLst>
               <a:ext uri="{FF2B5EF4-FFF2-40B4-BE49-F238E27FC236}">
-                <a16:creationId xmlns:a16="http://schemas.microsoft.com/office/drawing/2014/main" id="{761237FC-E59C-56FF-36C9-08F78E1DD7A9}"/>
+                <a16:creationId xmlns:a16="http://schemas.microsoft.com/office/drawing/2014/main" id="{4E57C26C-7466-3191-5421-68B8CB630C6D}"/>
               </a:ext>
             </a:extLst>
           </p:cNvPr>
@@ -10724,8 +10869,8 @@
         </p:blipFill>
         <p:spPr>
           <a:xfrm>
-            <a:off x="1683260" y="995610"/>
-            <a:ext cx="5333598" cy="3298521"/>
+            <a:off x="1567542" y="957468"/>
+            <a:ext cx="5359248" cy="3314383"/>
           </a:xfrm>
           <a:prstGeom prst="rect">
             <a:avLst/>
@@ -10735,7 +10880,7 @@
     </p:spTree>
     <p:extLst>
       <p:ext uri="{BB962C8B-B14F-4D97-AF65-F5344CB8AC3E}">
-        <p14:creationId xmlns:p14="http://schemas.microsoft.com/office/powerpoint/2010/main" val="471901888"/>
+        <p14:creationId xmlns:p14="http://schemas.microsoft.com/office/powerpoint/2010/main" val="3726355596"/>
       </p:ext>
     </p:extLst>
   </p:cSld>
@@ -10847,7 +10992,7 @@
           <a:p>
             <a:r>
               <a:rPr lang="en-US" sz="1800" dirty="0"/>
-              <a:t>Four types of CVD in the PHS Data</a:t>
+              <a:t>Four types of CVD in the Public Health Scotland data</a:t>
             </a:r>
           </a:p>
           <a:p>
@@ -11769,6 +11914,478 @@
         </p:nvSpPr>
         <p:spPr>
           <a:xfrm>
+            <a:off x="0" y="202425"/>
+            <a:ext cx="9144000" cy="593312"/>
+          </a:xfrm>
+        </p:spPr>
+        <p:txBody>
+          <a:bodyPr/>
+          <a:lstStyle/>
+          <a:p>
+            <a:r>
+              <a:rPr lang="en-US" dirty="0"/>
+              <a:t>Appendix 1 – Model Predictions by Sex</a:t>
+            </a:r>
+          </a:p>
+        </p:txBody>
+      </p:sp>
+      <p:sp>
+        <p:nvSpPr>
+          <p:cNvPr id="5" name="Text Placeholder 4">
+            <a:extLst>
+              <a:ext uri="{FF2B5EF4-FFF2-40B4-BE49-F238E27FC236}">
+                <a16:creationId xmlns:a16="http://schemas.microsoft.com/office/drawing/2014/main" id="{EAA0FE56-D8D2-17D2-4C56-7E5F0670125F}"/>
+              </a:ext>
+            </a:extLst>
+          </p:cNvPr>
+          <p:cNvSpPr>
+            <a:spLocks noGrp="1"/>
+          </p:cNvSpPr>
+          <p:nvPr>
+            <p:ph type="body" idx="1"/>
+          </p:nvPr>
+        </p:nvSpPr>
+        <p:spPr/>
+        <p:txBody>
+          <a:bodyPr/>
+          <a:lstStyle/>
+          <a:p>
+            <a:endParaRPr lang="en-US"/>
+          </a:p>
+        </p:txBody>
+      </p:sp>
+      <p:pic>
+        <p:nvPicPr>
+          <p:cNvPr id="3" name="Picture 2">
+            <a:extLst>
+              <a:ext uri="{FF2B5EF4-FFF2-40B4-BE49-F238E27FC236}">
+                <a16:creationId xmlns:a16="http://schemas.microsoft.com/office/drawing/2014/main" id="{7351EBDF-345E-0571-C418-25080914FD25}"/>
+              </a:ext>
+            </a:extLst>
+          </p:cNvPr>
+          <p:cNvPicPr>
+            <a:picLocks noChangeAspect="1"/>
+          </p:cNvPicPr>
+          <p:nvPr/>
+        </p:nvPicPr>
+        <p:blipFill>
+          <a:blip r:embed="rId2"/>
+          <a:stretch>
+            <a:fillRect/>
+          </a:stretch>
+        </p:blipFill>
+        <p:spPr>
+          <a:xfrm>
+            <a:off x="1922105" y="1141387"/>
+            <a:ext cx="5061857" cy="3130465"/>
+          </a:xfrm>
+          <a:prstGeom prst="rect">
+            <a:avLst/>
+          </a:prstGeom>
+        </p:spPr>
+      </p:pic>
+    </p:spTree>
+    <p:extLst>
+      <p:ext uri="{BB962C8B-B14F-4D97-AF65-F5344CB8AC3E}">
+        <p14:creationId xmlns:p14="http://schemas.microsoft.com/office/powerpoint/2010/main" val="965687218"/>
+      </p:ext>
+    </p:extLst>
+  </p:cSld>
+  <p:clrMapOvr>
+    <a:masterClrMapping/>
+  </p:clrMapOvr>
+</p:sld>
+</file>
+
+<file path=ppt/slides/slide21.xml><?xml version="1.0" encoding="utf-8"?>
+<p:sld xmlns:a="http://schemas.openxmlformats.org/drawingml/2006/main" xmlns:r="http://schemas.openxmlformats.org/officeDocument/2006/relationships" xmlns:p="http://schemas.openxmlformats.org/presentationml/2006/main">
+  <p:cSld>
+    <p:spTree>
+      <p:nvGrpSpPr>
+        <p:cNvPr id="1" name=""/>
+        <p:cNvGrpSpPr/>
+        <p:nvPr/>
+      </p:nvGrpSpPr>
+      <p:grpSpPr>
+        <a:xfrm>
+          <a:off x="0" y="0"/>
+          <a:ext cx="0" cy="0"/>
+          <a:chOff x="0" y="0"/>
+          <a:chExt cx="0" cy="0"/>
+        </a:xfrm>
+      </p:grpSpPr>
+      <p:sp>
+        <p:nvSpPr>
+          <p:cNvPr id="2" name="Title 1">
+            <a:extLst>
+              <a:ext uri="{FF2B5EF4-FFF2-40B4-BE49-F238E27FC236}">
+                <a16:creationId xmlns:a16="http://schemas.microsoft.com/office/drawing/2014/main" id="{4465E9A8-D70E-6EE5-5A10-FCAD177783E4}"/>
+              </a:ext>
+            </a:extLst>
+          </p:cNvPr>
+          <p:cNvSpPr>
+            <a:spLocks noGrp="1"/>
+          </p:cNvSpPr>
+          <p:nvPr>
+            <p:ph type="title"/>
+          </p:nvPr>
+        </p:nvSpPr>
+        <p:spPr>
+          <a:xfrm>
+            <a:off x="395207" y="202425"/>
+            <a:ext cx="8307091" cy="593312"/>
+          </a:xfrm>
+        </p:spPr>
+        <p:txBody>
+          <a:bodyPr/>
+          <a:lstStyle/>
+          <a:p>
+            <a:r>
+              <a:rPr lang="en-US" dirty="0"/>
+              <a:t>Appendix 2 – Future Predictions by HB</a:t>
+            </a:r>
+          </a:p>
+        </p:txBody>
+      </p:sp>
+      <p:sp>
+        <p:nvSpPr>
+          <p:cNvPr id="5" name="Text Placeholder 4">
+            <a:extLst>
+              <a:ext uri="{FF2B5EF4-FFF2-40B4-BE49-F238E27FC236}">
+                <a16:creationId xmlns:a16="http://schemas.microsoft.com/office/drawing/2014/main" id="{EAA0FE56-D8D2-17D2-4C56-7E5F0670125F}"/>
+              </a:ext>
+            </a:extLst>
+          </p:cNvPr>
+          <p:cNvSpPr>
+            <a:spLocks noGrp="1"/>
+          </p:cNvSpPr>
+          <p:nvPr>
+            <p:ph type="body" idx="1"/>
+          </p:nvPr>
+        </p:nvSpPr>
+        <p:spPr/>
+        <p:txBody>
+          <a:bodyPr/>
+          <a:lstStyle/>
+          <a:p>
+            <a:endParaRPr lang="en-US"/>
+          </a:p>
+        </p:txBody>
+      </p:sp>
+      <p:pic>
+        <p:nvPicPr>
+          <p:cNvPr id="6" name="Picture 5">
+            <a:extLst>
+              <a:ext uri="{FF2B5EF4-FFF2-40B4-BE49-F238E27FC236}">
+                <a16:creationId xmlns:a16="http://schemas.microsoft.com/office/drawing/2014/main" id="{574EB961-66D2-38D5-D69E-6014EA2E8A6D}"/>
+              </a:ext>
+            </a:extLst>
+          </p:cNvPr>
+          <p:cNvPicPr>
+            <a:picLocks noChangeAspect="1"/>
+          </p:cNvPicPr>
+          <p:nvPr/>
+        </p:nvPicPr>
+        <p:blipFill>
+          <a:blip r:embed="rId2"/>
+          <a:stretch>
+            <a:fillRect/>
+          </a:stretch>
+        </p:blipFill>
+        <p:spPr>
+          <a:xfrm>
+            <a:off x="1449090" y="924923"/>
+            <a:ext cx="5792491" cy="3582319"/>
+          </a:xfrm>
+          <a:prstGeom prst="rect">
+            <a:avLst/>
+          </a:prstGeom>
+        </p:spPr>
+      </p:pic>
+    </p:spTree>
+    <p:extLst>
+      <p:ext uri="{BB962C8B-B14F-4D97-AF65-F5344CB8AC3E}">
+        <p14:creationId xmlns:p14="http://schemas.microsoft.com/office/powerpoint/2010/main" val="3931475615"/>
+      </p:ext>
+    </p:extLst>
+  </p:cSld>
+  <p:clrMapOvr>
+    <a:masterClrMapping/>
+  </p:clrMapOvr>
+</p:sld>
+</file>
+
+<file path=ppt/slides/slide22.xml><?xml version="1.0" encoding="utf-8"?>
+<p:sld xmlns:a="http://schemas.openxmlformats.org/drawingml/2006/main" xmlns:r="http://schemas.openxmlformats.org/officeDocument/2006/relationships" xmlns:p="http://schemas.openxmlformats.org/presentationml/2006/main">
+  <p:cSld>
+    <p:spTree>
+      <p:nvGrpSpPr>
+        <p:cNvPr id="1" name=""/>
+        <p:cNvGrpSpPr/>
+        <p:nvPr/>
+      </p:nvGrpSpPr>
+      <p:grpSpPr>
+        <a:xfrm>
+          <a:off x="0" y="0"/>
+          <a:ext cx="0" cy="0"/>
+          <a:chOff x="0" y="0"/>
+          <a:chExt cx="0" cy="0"/>
+        </a:xfrm>
+      </p:grpSpPr>
+      <p:sp>
+        <p:nvSpPr>
+          <p:cNvPr id="2" name="Title 1">
+            <a:extLst>
+              <a:ext uri="{FF2B5EF4-FFF2-40B4-BE49-F238E27FC236}">
+                <a16:creationId xmlns:a16="http://schemas.microsoft.com/office/drawing/2014/main" id="{4465E9A8-D70E-6EE5-5A10-FCAD177783E4}"/>
+              </a:ext>
+            </a:extLst>
+          </p:cNvPr>
+          <p:cNvSpPr>
+            <a:spLocks noGrp="1"/>
+          </p:cNvSpPr>
+          <p:nvPr>
+            <p:ph type="title"/>
+          </p:nvPr>
+        </p:nvSpPr>
+        <p:spPr>
+          <a:xfrm>
+            <a:off x="426203" y="202425"/>
+            <a:ext cx="8237350" cy="593312"/>
+          </a:xfrm>
+        </p:spPr>
+        <p:txBody>
+          <a:bodyPr/>
+          <a:lstStyle/>
+          <a:p>
+            <a:r>
+              <a:rPr lang="en-US" dirty="0"/>
+              <a:t>Appendix 2 –Future Predictions by Age</a:t>
+            </a:r>
+          </a:p>
+        </p:txBody>
+      </p:sp>
+      <p:sp>
+        <p:nvSpPr>
+          <p:cNvPr id="5" name="Text Placeholder 4">
+            <a:extLst>
+              <a:ext uri="{FF2B5EF4-FFF2-40B4-BE49-F238E27FC236}">
+                <a16:creationId xmlns:a16="http://schemas.microsoft.com/office/drawing/2014/main" id="{EAA0FE56-D8D2-17D2-4C56-7E5F0670125F}"/>
+              </a:ext>
+            </a:extLst>
+          </p:cNvPr>
+          <p:cNvSpPr>
+            <a:spLocks noGrp="1"/>
+          </p:cNvSpPr>
+          <p:nvPr>
+            <p:ph type="body" idx="1"/>
+          </p:nvPr>
+        </p:nvSpPr>
+        <p:spPr/>
+        <p:txBody>
+          <a:bodyPr/>
+          <a:lstStyle/>
+          <a:p>
+            <a:endParaRPr lang="en-US"/>
+          </a:p>
+        </p:txBody>
+      </p:sp>
+      <p:pic>
+        <p:nvPicPr>
+          <p:cNvPr id="3" name="Picture 2">
+            <a:extLst>
+              <a:ext uri="{FF2B5EF4-FFF2-40B4-BE49-F238E27FC236}">
+                <a16:creationId xmlns:a16="http://schemas.microsoft.com/office/drawing/2014/main" id="{4B39AB76-ACAD-A037-ADB6-702A6C1D10F8}"/>
+              </a:ext>
+            </a:extLst>
+          </p:cNvPr>
+          <p:cNvPicPr>
+            <a:picLocks noChangeAspect="1"/>
+          </p:cNvPicPr>
+          <p:nvPr/>
+        </p:nvPicPr>
+        <p:blipFill>
+          <a:blip r:embed="rId2"/>
+          <a:stretch>
+            <a:fillRect/>
+          </a:stretch>
+        </p:blipFill>
+        <p:spPr>
+          <a:xfrm>
+            <a:off x="1743559" y="1058842"/>
+            <a:ext cx="5195331" cy="3213010"/>
+          </a:xfrm>
+          <a:prstGeom prst="rect">
+            <a:avLst/>
+          </a:prstGeom>
+        </p:spPr>
+      </p:pic>
+    </p:spTree>
+    <p:extLst>
+      <p:ext uri="{BB962C8B-B14F-4D97-AF65-F5344CB8AC3E}">
+        <p14:creationId xmlns:p14="http://schemas.microsoft.com/office/powerpoint/2010/main" val="1502109215"/>
+      </p:ext>
+    </p:extLst>
+  </p:cSld>
+  <p:clrMapOvr>
+    <a:masterClrMapping/>
+  </p:clrMapOvr>
+</p:sld>
+</file>
+
+<file path=ppt/slides/slide23.xml><?xml version="1.0" encoding="utf-8"?>
+<p:sld xmlns:a="http://schemas.openxmlformats.org/drawingml/2006/main" xmlns:r="http://schemas.openxmlformats.org/officeDocument/2006/relationships" xmlns:p="http://schemas.openxmlformats.org/presentationml/2006/main">
+  <p:cSld>
+    <p:spTree>
+      <p:nvGrpSpPr>
+        <p:cNvPr id="1" name=""/>
+        <p:cNvGrpSpPr/>
+        <p:nvPr/>
+      </p:nvGrpSpPr>
+      <p:grpSpPr>
+        <a:xfrm>
+          <a:off x="0" y="0"/>
+          <a:ext cx="0" cy="0"/>
+          <a:chOff x="0" y="0"/>
+          <a:chExt cx="0" cy="0"/>
+        </a:xfrm>
+      </p:grpSpPr>
+      <p:sp>
+        <p:nvSpPr>
+          <p:cNvPr id="2" name="Title 1">
+            <a:extLst>
+              <a:ext uri="{FF2B5EF4-FFF2-40B4-BE49-F238E27FC236}">
+                <a16:creationId xmlns:a16="http://schemas.microsoft.com/office/drawing/2014/main" id="{4465E9A8-D70E-6EE5-5A10-FCAD177783E4}"/>
+              </a:ext>
+            </a:extLst>
+          </p:cNvPr>
+          <p:cNvSpPr>
+            <a:spLocks noGrp="1"/>
+          </p:cNvSpPr>
+          <p:nvPr>
+            <p:ph type="title"/>
+          </p:nvPr>
+        </p:nvSpPr>
+        <p:spPr>
+          <a:xfrm>
+            <a:off x="0" y="202425"/>
+            <a:ext cx="9144000" cy="593312"/>
+          </a:xfrm>
+        </p:spPr>
+        <p:txBody>
+          <a:bodyPr/>
+          <a:lstStyle/>
+          <a:p>
+            <a:r>
+              <a:rPr lang="en-US" sz="3400" dirty="0"/>
+              <a:t>Appendix 2 – Future Predictions by CVD Type</a:t>
+            </a:r>
+          </a:p>
+        </p:txBody>
+      </p:sp>
+      <p:sp>
+        <p:nvSpPr>
+          <p:cNvPr id="5" name="Text Placeholder 4">
+            <a:extLst>
+              <a:ext uri="{FF2B5EF4-FFF2-40B4-BE49-F238E27FC236}">
+                <a16:creationId xmlns:a16="http://schemas.microsoft.com/office/drawing/2014/main" id="{EAA0FE56-D8D2-17D2-4C56-7E5F0670125F}"/>
+              </a:ext>
+            </a:extLst>
+          </p:cNvPr>
+          <p:cNvSpPr>
+            <a:spLocks noGrp="1"/>
+          </p:cNvSpPr>
+          <p:nvPr>
+            <p:ph type="body" idx="1"/>
+          </p:nvPr>
+        </p:nvSpPr>
+        <p:spPr/>
+        <p:txBody>
+          <a:bodyPr/>
+          <a:lstStyle/>
+          <a:p>
+            <a:endParaRPr lang="en-US"/>
+          </a:p>
+        </p:txBody>
+      </p:sp>
+      <p:pic>
+        <p:nvPicPr>
+          <p:cNvPr id="4" name="Picture 3">
+            <a:extLst>
+              <a:ext uri="{FF2B5EF4-FFF2-40B4-BE49-F238E27FC236}">
+                <a16:creationId xmlns:a16="http://schemas.microsoft.com/office/drawing/2014/main" id="{761237FC-E59C-56FF-36C9-08F78E1DD7A9}"/>
+              </a:ext>
+            </a:extLst>
+          </p:cNvPr>
+          <p:cNvPicPr>
+            <a:picLocks noChangeAspect="1"/>
+          </p:cNvPicPr>
+          <p:nvPr/>
+        </p:nvPicPr>
+        <p:blipFill>
+          <a:blip r:embed="rId2"/>
+          <a:stretch>
+            <a:fillRect/>
+          </a:stretch>
+        </p:blipFill>
+        <p:spPr>
+          <a:xfrm>
+            <a:off x="1683260" y="995610"/>
+            <a:ext cx="5333598" cy="3298521"/>
+          </a:xfrm>
+          <a:prstGeom prst="rect">
+            <a:avLst/>
+          </a:prstGeom>
+        </p:spPr>
+      </p:pic>
+    </p:spTree>
+    <p:extLst>
+      <p:ext uri="{BB962C8B-B14F-4D97-AF65-F5344CB8AC3E}">
+        <p14:creationId xmlns:p14="http://schemas.microsoft.com/office/powerpoint/2010/main" val="471901888"/>
+      </p:ext>
+    </p:extLst>
+  </p:cSld>
+  <p:clrMapOvr>
+    <a:masterClrMapping/>
+  </p:clrMapOvr>
+</p:sld>
+</file>
+
+<file path=ppt/slides/slide24.xml><?xml version="1.0" encoding="utf-8"?>
+<p:sld xmlns:a="http://schemas.openxmlformats.org/drawingml/2006/main" xmlns:r="http://schemas.openxmlformats.org/officeDocument/2006/relationships" xmlns:p="http://schemas.openxmlformats.org/presentationml/2006/main">
+  <p:cSld>
+    <p:spTree>
+      <p:nvGrpSpPr>
+        <p:cNvPr id="1" name=""/>
+        <p:cNvGrpSpPr/>
+        <p:nvPr/>
+      </p:nvGrpSpPr>
+      <p:grpSpPr>
+        <a:xfrm>
+          <a:off x="0" y="0"/>
+          <a:ext cx="0" cy="0"/>
+          <a:chOff x="0" y="0"/>
+          <a:chExt cx="0" cy="0"/>
+        </a:xfrm>
+      </p:grpSpPr>
+      <p:sp>
+        <p:nvSpPr>
+          <p:cNvPr id="2" name="Title 1">
+            <a:extLst>
+              <a:ext uri="{FF2B5EF4-FFF2-40B4-BE49-F238E27FC236}">
+                <a16:creationId xmlns:a16="http://schemas.microsoft.com/office/drawing/2014/main" id="{4465E9A8-D70E-6EE5-5A10-FCAD177783E4}"/>
+              </a:ext>
+            </a:extLst>
+          </p:cNvPr>
+          <p:cNvSpPr>
+            <a:spLocks noGrp="1"/>
+          </p:cNvSpPr>
+          <p:nvPr>
+            <p:ph type="title"/>
+          </p:nvPr>
+        </p:nvSpPr>
+        <p:spPr>
+          <a:xfrm>
             <a:off x="278969" y="202425"/>
             <a:ext cx="8369085" cy="593312"/>
           </a:xfrm>
@@ -11779,7 +12396,7 @@
           <a:p>
             <a:r>
               <a:rPr lang="en-US" dirty="0"/>
-              <a:t>Appendix 1 – Model Predictions by Sex</a:t>
+              <a:t>Appendix 2 – Model Predictions by Sex</a:t>
             </a:r>
           </a:p>
         </p:txBody>
@@ -11852,7 +12469,7 @@
 </p:sld>
 </file>
 
-<file path=ppt/slides/slide21.xml><?xml version="1.0" encoding="utf-8"?>
+<file path=ppt/slides/slide25.xml><?xml version="1.0" encoding="utf-8"?>
 <p:sld xmlns:a="http://schemas.openxmlformats.org/drawingml/2006/main" xmlns:r="http://schemas.openxmlformats.org/officeDocument/2006/relationships" xmlns:p="http://schemas.openxmlformats.org/presentationml/2006/main">
   <p:cSld>
     <p:spTree>
@@ -12105,7 +12722,7 @@
 </p:sld>
 </file>
 
-<file path=ppt/slides/slide22.xml><?xml version="1.0" encoding="utf-8"?>
+<file path=ppt/slides/slide26.xml><?xml version="1.0" encoding="utf-8"?>
 <p:sld xmlns:a="http://schemas.openxmlformats.org/drawingml/2006/main" xmlns:r="http://schemas.openxmlformats.org/officeDocument/2006/relationships" xmlns:p="http://schemas.openxmlformats.org/presentationml/2006/main">
   <p:cSld>
     <p:spTree>
@@ -17947,7 +18564,7 @@
 </p:sld>
 </file>
 
-<file path=ppt/slides/slide23.xml><?xml version="1.0" encoding="utf-8"?>
+<file path=ppt/slides/slide27.xml><?xml version="1.0" encoding="utf-8"?>
 <p:sld xmlns:a="http://schemas.openxmlformats.org/drawingml/2006/main" xmlns:r="http://schemas.openxmlformats.org/officeDocument/2006/relationships" xmlns:p="http://schemas.openxmlformats.org/presentationml/2006/main">
   <p:cSld>
     <p:spTree>
@@ -18644,7 +19261,7 @@
 </p:sld>
 </file>
 
-<file path=ppt/slides/slide24.xml><?xml version="1.0" encoding="utf-8"?>
+<file path=ppt/slides/slide28.xml><?xml version="1.0" encoding="utf-8"?>
 <p:sld xmlns:a="http://schemas.openxmlformats.org/drawingml/2006/main" xmlns:r="http://schemas.openxmlformats.org/officeDocument/2006/relationships" xmlns:p="http://schemas.openxmlformats.org/presentationml/2006/main">
   <p:cSld>
     <p:spTree>
@@ -18770,7 +19387,7 @@
 </p:sld>
 </file>
 
-<file path=ppt/slides/slide25.xml><?xml version="1.0" encoding="utf-8"?>
+<file path=ppt/slides/slide29.xml><?xml version="1.0" encoding="utf-8"?>
 <p:sld xmlns:a="http://schemas.openxmlformats.org/drawingml/2006/main" xmlns:r="http://schemas.openxmlformats.org/officeDocument/2006/relationships" xmlns:p="http://schemas.openxmlformats.org/presentationml/2006/main">
   <p:cSld>
     <p:spTree>
@@ -18912,7 +19529,230 @@
 </p:sld>
 </file>
 
-<file path=ppt/slides/slide26.xml><?xml version="1.0" encoding="utf-8"?>
+<file path=ppt/slides/slide3.xml><?xml version="1.0" encoding="utf-8"?>
+<p:sld xmlns:a="http://schemas.openxmlformats.org/drawingml/2006/main" xmlns:r="http://schemas.openxmlformats.org/officeDocument/2006/relationships" xmlns:p="http://schemas.openxmlformats.org/presentationml/2006/main">
+  <p:cSld>
+    <p:spTree>
+      <p:nvGrpSpPr>
+        <p:cNvPr id="1" name="Shape 498"/>
+        <p:cNvGrpSpPr/>
+        <p:nvPr/>
+      </p:nvGrpSpPr>
+      <p:grpSpPr>
+        <a:xfrm>
+          <a:off x="0" y="0"/>
+          <a:ext cx="0" cy="0"/>
+          <a:chOff x="0" y="0"/>
+          <a:chExt cx="0" cy="0"/>
+        </a:xfrm>
+      </p:grpSpPr>
+      <p:sp>
+        <p:nvSpPr>
+          <p:cNvPr id="499" name="Google Shape;499;p18"/>
+          <p:cNvSpPr txBox="1">
+            <a:spLocks noGrp="1"/>
+          </p:cNvSpPr>
+          <p:nvPr>
+            <p:ph type="title"/>
+          </p:nvPr>
+        </p:nvSpPr>
+        <p:spPr>
+          <a:xfrm>
+            <a:off x="635725" y="160501"/>
+            <a:ext cx="7921049" cy="715800"/>
+          </a:xfrm>
+          <a:prstGeom prst="rect">
+            <a:avLst/>
+          </a:prstGeom>
+        </p:spPr>
+        <p:txBody>
+          <a:bodyPr spcFirstLastPara="1" wrap="square" lIns="91425" tIns="91425" rIns="91425" bIns="91425" anchor="b" anchorCtr="0">
+            <a:noAutofit/>
+          </a:bodyPr>
+          <a:lstStyle/>
+          <a:p>
+            <a:pPr marL="0" lvl="0" indent="0" algn="ctr" rtl="0">
+              <a:spcBef>
+                <a:spcPts val="0"/>
+              </a:spcBef>
+              <a:spcAft>
+                <a:spcPts val="0"/>
+              </a:spcAft>
+              <a:buNone/>
+            </a:pPr>
+            <a:r>
+              <a:rPr lang="en-US" sz="3200" dirty="0"/>
+              <a:t>Introduction – CVD in Scotland</a:t>
+            </a:r>
+            <a:endParaRPr sz="3200" dirty="0">
+              <a:solidFill>
+                <a:schemeClr val="accent2"/>
+              </a:solidFill>
+            </a:endParaRPr>
+          </a:p>
+        </p:txBody>
+      </p:sp>
+      <p:sp>
+        <p:nvSpPr>
+          <p:cNvPr id="500" name="Google Shape;500;p18"/>
+          <p:cNvSpPr txBox="1">
+            <a:spLocks noGrp="1"/>
+          </p:cNvSpPr>
+          <p:nvPr>
+            <p:ph type="body" idx="1"/>
+          </p:nvPr>
+        </p:nvSpPr>
+        <p:spPr>
+          <a:xfrm>
+            <a:off x="374681" y="1304260"/>
+            <a:ext cx="4652972" cy="2869373"/>
+          </a:xfrm>
+          <a:prstGeom prst="rect">
+            <a:avLst/>
+          </a:prstGeom>
+        </p:spPr>
+        <p:txBody>
+          <a:bodyPr spcFirstLastPara="1" wrap="square" lIns="91425" tIns="91425" rIns="91425" bIns="91425" anchor="t" anchorCtr="0">
+            <a:normAutofit/>
+          </a:bodyPr>
+          <a:lstStyle/>
+          <a:p>
+            <a:r>
+              <a:rPr lang="en-GB" sz="1800" dirty="0">
+                <a:effectLst/>
+              </a:rPr>
+              <a:t>3826 deaths in Scotland in 2021 where CVD was underlying cause</a:t>
+            </a:r>
+          </a:p>
+          <a:p>
+            <a:endParaRPr lang="en-GB" sz="1800" dirty="0">
+              <a:effectLst/>
+            </a:endParaRPr>
+          </a:p>
+          <a:p>
+            <a:r>
+              <a:rPr lang="en-US" sz="1800" dirty="0"/>
+              <a:t>130,000 people living in Scotland have survived a stroke or TIA </a:t>
+            </a:r>
+          </a:p>
+          <a:p>
+            <a:endParaRPr lang="en-US" sz="1800" dirty="0"/>
+          </a:p>
+          <a:p>
+            <a:r>
+              <a:rPr lang="en-US" sz="1800" dirty="0"/>
+              <a:t>&gt;50% of stroke survivors are under 75</a:t>
+            </a:r>
+          </a:p>
+        </p:txBody>
+      </p:sp>
+      <p:pic>
+        <p:nvPicPr>
+          <p:cNvPr id="5" name="Picture 4">
+            <a:extLst>
+              <a:ext uri="{FF2B5EF4-FFF2-40B4-BE49-F238E27FC236}">
+                <a16:creationId xmlns:a16="http://schemas.microsoft.com/office/drawing/2014/main" id="{63DFFC7C-3E5D-17CC-FD7A-FE77B32A1A82}"/>
+              </a:ext>
+            </a:extLst>
+          </p:cNvPr>
+          <p:cNvPicPr>
+            <a:picLocks noChangeAspect="1"/>
+          </p:cNvPicPr>
+          <p:nvPr/>
+        </p:nvPicPr>
+        <p:blipFill>
+          <a:blip r:embed="rId3"/>
+          <a:stretch>
+            <a:fillRect/>
+          </a:stretch>
+        </p:blipFill>
+        <p:spPr>
+          <a:xfrm>
+            <a:off x="4836940" y="1370056"/>
+            <a:ext cx="3988521" cy="2466668"/>
+          </a:xfrm>
+          <a:prstGeom prst="rect">
+            <a:avLst/>
+          </a:prstGeom>
+        </p:spPr>
+      </p:pic>
+      <p:sp>
+        <p:nvSpPr>
+          <p:cNvPr id="7" name="TextBox 6">
+            <a:extLst>
+              <a:ext uri="{FF2B5EF4-FFF2-40B4-BE49-F238E27FC236}">
+                <a16:creationId xmlns:a16="http://schemas.microsoft.com/office/drawing/2014/main" id="{DD9475FF-3F6C-38AB-F6C3-73FBEA1214E3}"/>
+              </a:ext>
+            </a:extLst>
+          </p:cNvPr>
+          <p:cNvSpPr txBox="1"/>
+          <p:nvPr/>
+        </p:nvSpPr>
+        <p:spPr>
+          <a:xfrm>
+            <a:off x="0" y="4774168"/>
+            <a:ext cx="5402335" cy="369332"/>
+          </a:xfrm>
+          <a:prstGeom prst="rect">
+            <a:avLst/>
+          </a:prstGeom>
+          <a:solidFill>
+            <a:srgbClr val="E5E5E5">
+              <a:alpha val="50196"/>
+            </a:srgbClr>
+          </a:solidFill>
+        </p:spPr>
+        <p:txBody>
+          <a:bodyPr wrap="square">
+            <a:spAutoFit/>
+          </a:bodyPr>
+          <a:lstStyle/>
+          <a:p>
+            <a:r>
+              <a:rPr lang="en-US" sz="900" dirty="0">
+                <a:latin typeface="Source Sans Pro" panose="020B0503030403020204" pitchFamily="34" charset="0"/>
+                <a:ea typeface="Source Sans Pro" panose="020B0503030403020204" pitchFamily="34" charset="0"/>
+              </a:rPr>
+              <a:t>References: 	</a:t>
+            </a:r>
+            <a:r>
+              <a:rPr lang="en-US" sz="900" dirty="0">
+                <a:latin typeface="Source Sans Pro" panose="020B0503030403020204" pitchFamily="34" charset="0"/>
+                <a:ea typeface="Source Sans Pro" panose="020B0503030403020204" pitchFamily="34" charset="0"/>
+                <a:hlinkClick r:id="rId4"/>
+              </a:rPr>
+              <a:t>https://www.scotpho.org.uk/population-dynamics/deaths/data/most-frequent-causes/</a:t>
+            </a:r>
+            <a:endParaRPr lang="en-US" sz="900" dirty="0">
+              <a:latin typeface="Source Sans Pro" panose="020B0503030403020204" pitchFamily="34" charset="0"/>
+              <a:ea typeface="Source Sans Pro" panose="020B0503030403020204" pitchFamily="34" charset="0"/>
+            </a:endParaRPr>
+          </a:p>
+          <a:p>
+            <a:r>
+              <a:rPr lang="en-US" sz="900" dirty="0">
+                <a:latin typeface="Source Sans Pro" panose="020B0503030403020204" pitchFamily="34" charset="0"/>
+                <a:ea typeface="Source Sans Pro" panose="020B0503030403020204" pitchFamily="34" charset="0"/>
+              </a:rPr>
+              <a:t>	British Heart Foundation - Global Heart &amp; Circulatory Disease Factsheet Feb 2023</a:t>
+            </a:r>
+          </a:p>
+        </p:txBody>
+      </p:sp>
+    </p:spTree>
+    <p:extLst>
+      <p:ext uri="{BB962C8B-B14F-4D97-AF65-F5344CB8AC3E}">
+        <p14:creationId xmlns:p14="http://schemas.microsoft.com/office/powerpoint/2010/main" val="3824504773"/>
+      </p:ext>
+    </p:extLst>
+  </p:cSld>
+  <p:clrMapOvr>
+    <a:masterClrMapping/>
+  </p:clrMapOvr>
+</p:sld>
+</file>
+
+<file path=ppt/slides/slide30.xml><?xml version="1.0" encoding="utf-8"?>
 <p:sld xmlns:a="http://schemas.openxmlformats.org/drawingml/2006/main" xmlns:r="http://schemas.openxmlformats.org/officeDocument/2006/relationships" xmlns:p="http://schemas.openxmlformats.org/presentationml/2006/main">
   <p:cSld>
     <p:spTree>
@@ -21162,229 +22002,6 @@
 </p:sld>
 </file>
 
-<file path=ppt/slides/slide3.xml><?xml version="1.0" encoding="utf-8"?>
-<p:sld xmlns:a="http://schemas.openxmlformats.org/drawingml/2006/main" xmlns:r="http://schemas.openxmlformats.org/officeDocument/2006/relationships" xmlns:p="http://schemas.openxmlformats.org/presentationml/2006/main">
-  <p:cSld>
-    <p:spTree>
-      <p:nvGrpSpPr>
-        <p:cNvPr id="1" name="Shape 498"/>
-        <p:cNvGrpSpPr/>
-        <p:nvPr/>
-      </p:nvGrpSpPr>
-      <p:grpSpPr>
-        <a:xfrm>
-          <a:off x="0" y="0"/>
-          <a:ext cx="0" cy="0"/>
-          <a:chOff x="0" y="0"/>
-          <a:chExt cx="0" cy="0"/>
-        </a:xfrm>
-      </p:grpSpPr>
-      <p:sp>
-        <p:nvSpPr>
-          <p:cNvPr id="499" name="Google Shape;499;p18"/>
-          <p:cNvSpPr txBox="1">
-            <a:spLocks noGrp="1"/>
-          </p:cNvSpPr>
-          <p:nvPr>
-            <p:ph type="title"/>
-          </p:nvPr>
-        </p:nvSpPr>
-        <p:spPr>
-          <a:xfrm>
-            <a:off x="635725" y="160501"/>
-            <a:ext cx="7921049" cy="715800"/>
-          </a:xfrm>
-          <a:prstGeom prst="rect">
-            <a:avLst/>
-          </a:prstGeom>
-        </p:spPr>
-        <p:txBody>
-          <a:bodyPr spcFirstLastPara="1" wrap="square" lIns="91425" tIns="91425" rIns="91425" bIns="91425" anchor="b" anchorCtr="0">
-            <a:noAutofit/>
-          </a:bodyPr>
-          <a:lstStyle/>
-          <a:p>
-            <a:pPr marL="0" lvl="0" indent="0" algn="ctr" rtl="0">
-              <a:spcBef>
-                <a:spcPts val="0"/>
-              </a:spcBef>
-              <a:spcAft>
-                <a:spcPts val="0"/>
-              </a:spcAft>
-              <a:buNone/>
-            </a:pPr>
-            <a:r>
-              <a:rPr lang="en-US" sz="3200" dirty="0"/>
-              <a:t>Introduction – CVD in Scotland</a:t>
-            </a:r>
-            <a:endParaRPr sz="3200" dirty="0">
-              <a:solidFill>
-                <a:schemeClr val="accent2"/>
-              </a:solidFill>
-            </a:endParaRPr>
-          </a:p>
-        </p:txBody>
-      </p:sp>
-      <p:sp>
-        <p:nvSpPr>
-          <p:cNvPr id="500" name="Google Shape;500;p18"/>
-          <p:cNvSpPr txBox="1">
-            <a:spLocks noGrp="1"/>
-          </p:cNvSpPr>
-          <p:nvPr>
-            <p:ph type="body" idx="1"/>
-          </p:nvPr>
-        </p:nvSpPr>
-        <p:spPr>
-          <a:xfrm>
-            <a:off x="374681" y="1304260"/>
-            <a:ext cx="4652972" cy="2869373"/>
-          </a:xfrm>
-          <a:prstGeom prst="rect">
-            <a:avLst/>
-          </a:prstGeom>
-        </p:spPr>
-        <p:txBody>
-          <a:bodyPr spcFirstLastPara="1" wrap="square" lIns="91425" tIns="91425" rIns="91425" bIns="91425" anchor="t" anchorCtr="0">
-            <a:normAutofit/>
-          </a:bodyPr>
-          <a:lstStyle/>
-          <a:p>
-            <a:r>
-              <a:rPr lang="en-GB" sz="1800" dirty="0">
-                <a:effectLst/>
-              </a:rPr>
-              <a:t>3826 deaths in Scotland in 2021 where CVD was underlying cause</a:t>
-            </a:r>
-          </a:p>
-          <a:p>
-            <a:endParaRPr lang="en-GB" sz="1800" dirty="0">
-              <a:effectLst/>
-            </a:endParaRPr>
-          </a:p>
-          <a:p>
-            <a:r>
-              <a:rPr lang="en-US" sz="1800" dirty="0"/>
-              <a:t>130,000 people living in Scotland have survived a stroke or TIA </a:t>
-            </a:r>
-          </a:p>
-          <a:p>
-            <a:endParaRPr lang="en-US" sz="1800" dirty="0"/>
-          </a:p>
-          <a:p>
-            <a:r>
-              <a:rPr lang="en-US" sz="1800" dirty="0"/>
-              <a:t>&gt;50% of stroke survivors are under 75</a:t>
-            </a:r>
-          </a:p>
-        </p:txBody>
-      </p:sp>
-      <p:pic>
-        <p:nvPicPr>
-          <p:cNvPr id="5" name="Picture 4">
-            <a:extLst>
-              <a:ext uri="{FF2B5EF4-FFF2-40B4-BE49-F238E27FC236}">
-                <a16:creationId xmlns:a16="http://schemas.microsoft.com/office/drawing/2014/main" id="{63DFFC7C-3E5D-17CC-FD7A-FE77B32A1A82}"/>
-              </a:ext>
-            </a:extLst>
-          </p:cNvPr>
-          <p:cNvPicPr>
-            <a:picLocks noChangeAspect="1"/>
-          </p:cNvPicPr>
-          <p:nvPr/>
-        </p:nvPicPr>
-        <p:blipFill>
-          <a:blip r:embed="rId3"/>
-          <a:stretch>
-            <a:fillRect/>
-          </a:stretch>
-        </p:blipFill>
-        <p:spPr>
-          <a:xfrm>
-            <a:off x="4836940" y="1370056"/>
-            <a:ext cx="3988521" cy="2466668"/>
-          </a:xfrm>
-          <a:prstGeom prst="rect">
-            <a:avLst/>
-          </a:prstGeom>
-        </p:spPr>
-      </p:pic>
-      <p:sp>
-        <p:nvSpPr>
-          <p:cNvPr id="7" name="TextBox 6">
-            <a:extLst>
-              <a:ext uri="{FF2B5EF4-FFF2-40B4-BE49-F238E27FC236}">
-                <a16:creationId xmlns:a16="http://schemas.microsoft.com/office/drawing/2014/main" id="{DD9475FF-3F6C-38AB-F6C3-73FBEA1214E3}"/>
-              </a:ext>
-            </a:extLst>
-          </p:cNvPr>
-          <p:cNvSpPr txBox="1"/>
-          <p:nvPr/>
-        </p:nvSpPr>
-        <p:spPr>
-          <a:xfrm>
-            <a:off x="0" y="4774168"/>
-            <a:ext cx="5402335" cy="369332"/>
-          </a:xfrm>
-          <a:prstGeom prst="rect">
-            <a:avLst/>
-          </a:prstGeom>
-          <a:solidFill>
-            <a:srgbClr val="E5E5E5">
-              <a:alpha val="50196"/>
-            </a:srgbClr>
-          </a:solidFill>
-        </p:spPr>
-        <p:txBody>
-          <a:bodyPr wrap="square">
-            <a:spAutoFit/>
-          </a:bodyPr>
-          <a:lstStyle/>
-          <a:p>
-            <a:r>
-              <a:rPr lang="en-US" sz="900" dirty="0">
-                <a:latin typeface="Source Sans Pro" panose="020B0503030403020204" pitchFamily="34" charset="0"/>
-                <a:ea typeface="Source Sans Pro" panose="020B0503030403020204" pitchFamily="34" charset="0"/>
-              </a:rPr>
-              <a:t>References: 	</a:t>
-            </a:r>
-            <a:r>
-              <a:rPr lang="en-US" sz="900" dirty="0">
-                <a:latin typeface="Source Sans Pro" panose="020B0503030403020204" pitchFamily="34" charset="0"/>
-                <a:ea typeface="Source Sans Pro" panose="020B0503030403020204" pitchFamily="34" charset="0"/>
-                <a:hlinkClick r:id="rId4"/>
-              </a:rPr>
-              <a:t>https://www.scotpho.org.uk/population-dynamics/deaths/data/most-frequent-causes/</a:t>
-            </a:r>
-            <a:endParaRPr lang="en-US" sz="900" dirty="0">
-              <a:latin typeface="Source Sans Pro" panose="020B0503030403020204" pitchFamily="34" charset="0"/>
-              <a:ea typeface="Source Sans Pro" panose="020B0503030403020204" pitchFamily="34" charset="0"/>
-            </a:endParaRPr>
-          </a:p>
-          <a:p>
-            <a:r>
-              <a:rPr lang="en-US" sz="900" dirty="0">
-                <a:latin typeface="Source Sans Pro" panose="020B0503030403020204" pitchFamily="34" charset="0"/>
-                <a:ea typeface="Source Sans Pro" panose="020B0503030403020204" pitchFamily="34" charset="0"/>
-              </a:rPr>
-              <a:t>	British Heart Foundation - Global Heart &amp; Circulatory Disease Factsheet Feb 2023</a:t>
-            </a:r>
-          </a:p>
-        </p:txBody>
-      </p:sp>
-    </p:spTree>
-    <p:extLst>
-      <p:ext uri="{BB962C8B-B14F-4D97-AF65-F5344CB8AC3E}">
-        <p14:creationId xmlns:p14="http://schemas.microsoft.com/office/powerpoint/2010/main" val="3824504773"/>
-      </p:ext>
-    </p:extLst>
-  </p:cSld>
-  <p:clrMapOvr>
-    <a:masterClrMapping/>
-  </p:clrMapOvr>
-</p:sld>
-</file>
-
 <file path=ppt/slides/slide4.xml><?xml version="1.0" encoding="utf-8"?>
 <p:sld xmlns:a="http://schemas.openxmlformats.org/drawingml/2006/main" xmlns:r="http://schemas.openxmlformats.org/officeDocument/2006/relationships" xmlns:p="http://schemas.openxmlformats.org/presentationml/2006/main">
   <p:cSld>
@@ -21858,19 +22475,19 @@
           <a:p>
             <a:r>
               <a:rPr lang="en-GB" sz="1600" dirty="0"/>
-              <a:t>Stroke, TIAs and Other CVDs increase with age</a:t>
+              <a:t>Stroke, TIAs and Other CVDs discharge rates increase with age</a:t>
             </a:r>
           </a:p>
           <a:p>
             <a:r>
               <a:rPr lang="en-GB" sz="1600" dirty="0"/>
-              <a:t>Subarachnoid haemorrhage affects younger age groups</a:t>
+              <a:t>Subarachnoid haemorrhage affects younger age groups at a similar level to over 75s</a:t>
             </a:r>
           </a:p>
           <a:p>
             <a:r>
               <a:rPr lang="en-GB" sz="1600" dirty="0"/>
-              <a:t>Mortality data shows that chance of survival is better for younger age groups</a:t>
+              <a:t>Chance of survival is better for younger age groups</a:t>
             </a:r>
           </a:p>
         </p:txBody>
@@ -23105,6 +23722,36 @@
           <a:chExt cx="0" cy="0"/>
         </a:xfrm>
       </p:grpSpPr>
+      <p:pic>
+        <p:nvPicPr>
+          <p:cNvPr id="29" name="Picture 28" descr="Map&#10;&#10;Description automatically generated">
+            <a:extLst>
+              <a:ext uri="{FF2B5EF4-FFF2-40B4-BE49-F238E27FC236}">
+                <a16:creationId xmlns:a16="http://schemas.microsoft.com/office/drawing/2014/main" id="{37888C13-1B88-B847-E214-23B862BE28A7}"/>
+              </a:ext>
+            </a:extLst>
+          </p:cNvPr>
+          <p:cNvPicPr>
+            <a:picLocks noChangeAspect="1"/>
+          </p:cNvPicPr>
+          <p:nvPr/>
+        </p:nvPicPr>
+        <p:blipFill>
+          <a:blip r:embed="rId3"/>
+          <a:stretch>
+            <a:fillRect/>
+          </a:stretch>
+        </p:blipFill>
+        <p:spPr>
+          <a:xfrm>
+            <a:off x="554058" y="702967"/>
+            <a:ext cx="2535750" cy="4140000"/>
+          </a:xfrm>
+          <a:prstGeom prst="rect">
+            <a:avLst/>
+          </a:prstGeom>
+        </p:spPr>
+      </p:pic>
       <p:sp>
         <p:nvSpPr>
           <p:cNvPr id="2" name="Title 1">
@@ -23425,10 +24072,10 @@
           <p:nvPr/>
         </p:nvPicPr>
         <p:blipFill>
-          <a:blip r:embed="rId3">
+          <a:blip r:embed="rId4">
             <a:extLst>
               <a:ext uri="{96DAC541-7B7A-43D3-8B79-37D633B846F1}">
-                <asvg:svgBlip xmlns:asvg="http://schemas.microsoft.com/office/drawing/2016/SVG/main" r:embed="rId4"/>
+                <asvg:svgBlip xmlns:asvg="http://schemas.microsoft.com/office/drawing/2016/SVG/main" r:embed="rId5"/>
               </a:ext>
             </a:extLst>
           </a:blip>
@@ -23438,7 +24085,7 @@
         </p:blipFill>
         <p:spPr>
           <a:xfrm>
-            <a:off x="8440525" y="760117"/>
+            <a:off x="8288594" y="741118"/>
             <a:ext cx="399726" cy="399726"/>
           </a:xfrm>
           <a:prstGeom prst="rect">
@@ -23461,10 +24108,10 @@
           <p:nvPr/>
         </p:nvPicPr>
         <p:blipFill>
-          <a:blip r:embed="rId5">
+          <a:blip r:embed="rId6">
             <a:extLst>
               <a:ext uri="{96DAC541-7B7A-43D3-8B79-37D633B846F1}">
-                <asvg:svgBlip xmlns:asvg="http://schemas.microsoft.com/office/drawing/2016/SVG/main" r:embed="rId6"/>
+                <asvg:svgBlip xmlns:asvg="http://schemas.microsoft.com/office/drawing/2016/SVG/main" r:embed="rId7"/>
               </a:ext>
             </a:extLst>
           </a:blip>
@@ -23584,14 +24231,14 @@
           <p:nvPr/>
         </p:nvPicPr>
         <p:blipFill>
-          <a:blip r:embed="rId7"/>
+          <a:blip r:embed="rId8"/>
           <a:stretch>
             <a:fillRect/>
           </a:stretch>
         </p:blipFill>
         <p:spPr>
           <a:xfrm>
-            <a:off x="4257578" y="1272368"/>
+            <a:off x="3873902" y="1279344"/>
             <a:ext cx="4537365" cy="2806097"/>
           </a:xfrm>
           <a:prstGeom prst="rect">
@@ -23614,15 +24261,15 @@
           <p:nvPr/>
         </p:nvPicPr>
         <p:blipFill>
-          <a:blip r:embed="rId8"/>
+          <a:blip r:embed="rId9"/>
           <a:stretch>
             <a:fillRect/>
           </a:stretch>
         </p:blipFill>
         <p:spPr>
           <a:xfrm>
-            <a:off x="4385708" y="1780968"/>
-            <a:ext cx="4191146" cy="2591981"/>
+            <a:off x="4135461" y="1781118"/>
+            <a:ext cx="4268283" cy="2639686"/>
           </a:xfrm>
           <a:prstGeom prst="rect">
             <a:avLst/>
@@ -23763,10 +24410,10 @@
       </p:cxnSp>
       <p:pic>
         <p:nvPicPr>
-          <p:cNvPr id="25" name="Picture 24" descr="Map&#10;&#10;Description automatically generated">
+          <p:cNvPr id="27" name="Picture 26">
             <a:extLst>
               <a:ext uri="{FF2B5EF4-FFF2-40B4-BE49-F238E27FC236}">
-                <a16:creationId xmlns:a16="http://schemas.microsoft.com/office/drawing/2014/main" id="{3B4E6008-C9AF-AE31-98D8-2BB5868A1CEA}"/>
+                <a16:creationId xmlns:a16="http://schemas.microsoft.com/office/drawing/2014/main" id="{C2985A1F-9D4E-951D-87C5-9709677E68AC}"/>
               </a:ext>
             </a:extLst>
           </p:cNvPr>
@@ -23775,15 +24422,16 @@
           </p:cNvPicPr>
           <p:nvPr/>
         </p:nvPicPr>
-        <p:blipFill rotWithShape="1">
-          <a:blip r:embed="rId9"/>
-          <a:srcRect t="2244" r="1530" b="3164"/>
-          <a:stretch/>
+        <p:blipFill>
+          <a:blip r:embed="rId10"/>
+          <a:stretch>
+            <a:fillRect/>
+          </a:stretch>
         </p:blipFill>
         <p:spPr>
           <a:xfrm>
-            <a:off x="468454" y="702967"/>
-            <a:ext cx="2741039" cy="4140000"/>
+            <a:off x="572911" y="702967"/>
+            <a:ext cx="2501250" cy="4140000"/>
           </a:xfrm>
           <a:prstGeom prst="rect">
             <a:avLst/>
@@ -24562,6 +25210,78 @@
                       </p:childTnLst>
                     </p:cTn>
                   </p:par>
+                  <p:par>
+                    <p:cTn id="61" fill="hold">
+                      <p:stCondLst>
+                        <p:cond delay="indefinite"/>
+                      </p:stCondLst>
+                      <p:childTnLst>
+                        <p:par>
+                          <p:cTn id="62" fill="hold">
+                            <p:stCondLst>
+                              <p:cond delay="0"/>
+                            </p:stCondLst>
+                            <p:childTnLst>
+                              <p:par>
+                                <p:cTn id="63" presetID="1" presetClass="entr" presetSubtype="0" fill="hold" nodeType="clickEffect">
+                                  <p:stCondLst>
+                                    <p:cond delay="0"/>
+                                  </p:stCondLst>
+                                  <p:childTnLst>
+                                    <p:set>
+                                      <p:cBhvr>
+                                        <p:cTn id="64" dur="1" fill="hold">
+                                          <p:stCondLst>
+                                            <p:cond delay="0"/>
+                                          </p:stCondLst>
+                                        </p:cTn>
+                                        <p:tgtEl>
+                                          <p:spTgt spid="27"/>
+                                        </p:tgtEl>
+                                        <p:attrNameLst>
+                                          <p:attrName>style.visibility</p:attrName>
+                                        </p:attrNameLst>
+                                      </p:cBhvr>
+                                      <p:to>
+                                        <p:strVal val="visible"/>
+                                      </p:to>
+                                    </p:set>
+                                  </p:childTnLst>
+                                </p:cTn>
+                              </p:par>
+                              <p:par>
+                                <p:cTn id="65" presetID="1" presetClass="exit" presetSubtype="0" fill="hold" nodeType="withEffect">
+                                  <p:stCondLst>
+                                    <p:cond delay="0"/>
+                                  </p:stCondLst>
+                                  <p:childTnLst>
+                                    <p:set>
+                                      <p:cBhvr>
+                                        <p:cTn id="66" dur="1" fill="hold">
+                                          <p:stCondLst>
+                                            <p:cond delay="0"/>
+                                          </p:stCondLst>
+                                        </p:cTn>
+                                        <p:tgtEl>
+                                          <p:spTgt spid="29"/>
+                                        </p:tgtEl>
+                                        <p:attrNameLst>
+                                          <p:attrName>style.visibility</p:attrName>
+                                        </p:attrNameLst>
+                                      </p:cBhvr>
+                                      <p:to>
+                                        <p:strVal val="hidden"/>
+                                      </p:to>
+                                    </p:set>
+                                  </p:childTnLst>
+                                </p:cTn>
+                              </p:par>
+                            </p:childTnLst>
+                          </p:cTn>
+                        </p:par>
+                      </p:childTnLst>
+                    </p:cTn>
+                  </p:par>
                 </p:childTnLst>
               </p:cTn>
               <p:prevCondLst>
@@ -24616,6 +25336,36 @@
           <a:chExt cx="0" cy="0"/>
         </a:xfrm>
       </p:grpSpPr>
+      <p:pic>
+        <p:nvPicPr>
+          <p:cNvPr id="13" name="Picture 12">
+            <a:extLst>
+              <a:ext uri="{FF2B5EF4-FFF2-40B4-BE49-F238E27FC236}">
+                <a16:creationId xmlns:a16="http://schemas.microsoft.com/office/drawing/2014/main" id="{3E4C6825-20F5-0343-DCC7-AC95E9AD5075}"/>
+              </a:ext>
+            </a:extLst>
+          </p:cNvPr>
+          <p:cNvPicPr>
+            <a:picLocks noChangeAspect="1"/>
+          </p:cNvPicPr>
+          <p:nvPr/>
+        </p:nvPicPr>
+        <p:blipFill>
+          <a:blip r:embed="rId3"/>
+          <a:stretch>
+            <a:fillRect/>
+          </a:stretch>
+        </p:blipFill>
+        <p:spPr>
+          <a:xfrm>
+            <a:off x="3653656" y="854079"/>
+            <a:ext cx="4576374" cy="2830221"/>
+          </a:xfrm>
+          <a:prstGeom prst="rect">
+            <a:avLst/>
+          </a:prstGeom>
+        </p:spPr>
+      </p:pic>
       <p:sp>
         <p:nvSpPr>
           <p:cNvPr id="2" name="Title 1">
@@ -24660,7 +25410,7 @@
         </p:nvSpPr>
         <p:spPr>
           <a:xfrm>
-            <a:off x="4426090" y="3742643"/>
+            <a:off x="3877732" y="3742643"/>
             <a:ext cx="4922177" cy="868047"/>
           </a:xfrm>
           <a:prstGeom prst="rect">
@@ -24877,36 +25627,6 @@
       </p:sp>
       <p:pic>
         <p:nvPicPr>
-          <p:cNvPr id="3" name="Picture 2">
-            <a:extLst>
-              <a:ext uri="{FF2B5EF4-FFF2-40B4-BE49-F238E27FC236}">
-                <a16:creationId xmlns:a16="http://schemas.microsoft.com/office/drawing/2014/main" id="{945D353E-A9F3-9D9B-D422-F746FF8AAFE0}"/>
-              </a:ext>
-            </a:extLst>
-          </p:cNvPr>
-          <p:cNvPicPr>
-            <a:picLocks noChangeAspect="1"/>
-          </p:cNvPicPr>
-          <p:nvPr/>
-        </p:nvPicPr>
-        <p:blipFill>
-          <a:blip r:embed="rId3"/>
-          <a:stretch>
-            <a:fillRect/>
-          </a:stretch>
-        </p:blipFill>
-        <p:spPr>
-          <a:xfrm>
-            <a:off x="4153704" y="752170"/>
-            <a:ext cx="4771491" cy="2950890"/>
-          </a:xfrm>
-          <a:prstGeom prst="rect">
-            <a:avLst/>
-          </a:prstGeom>
-        </p:spPr>
-      </p:pic>
-      <p:pic>
-        <p:nvPicPr>
           <p:cNvPr id="12" name="Picture 11">
             <a:extLst>
               <a:ext uri="{FF2B5EF4-FFF2-40B4-BE49-F238E27FC236}">
@@ -24927,8 +25647,8 @@
         </p:blipFill>
         <p:spPr>
           <a:xfrm>
-            <a:off x="4426090" y="1128662"/>
-            <a:ext cx="4226720" cy="2613981"/>
+            <a:off x="3807728" y="970682"/>
+            <a:ext cx="4422302" cy="2734937"/>
           </a:xfrm>
           <a:prstGeom prst="rect">
             <a:avLst/>
@@ -24937,10 +25657,10 @@
       </p:pic>
       <p:pic>
         <p:nvPicPr>
-          <p:cNvPr id="7" name="Picture 6" descr="Map&#10;&#10;Description automatically generated">
+          <p:cNvPr id="8" name="Picture 7" descr="Map&#10;&#10;Description automatically generated">
             <a:extLst>
               <a:ext uri="{FF2B5EF4-FFF2-40B4-BE49-F238E27FC236}">
-                <a16:creationId xmlns:a16="http://schemas.microsoft.com/office/drawing/2014/main" id="{8DEDE3E3-E950-EA8E-4828-FC5FE6EDFABC}"/>
+                <a16:creationId xmlns:a16="http://schemas.microsoft.com/office/drawing/2014/main" id="{1EDFC747-0204-BD6C-3C61-A6E81A83A901}"/>
               </a:ext>
             </a:extLst>
           </p:cNvPr>
@@ -24949,16 +25669,44 @@
           </p:cNvPicPr>
           <p:nvPr/>
         </p:nvPicPr>
-        <p:blipFill>
+        <p:blipFill rotWithShape="1">
           <a:blip r:embed="rId5"/>
-          <a:stretch>
-            <a:fillRect/>
-          </a:stretch>
+          <a:srcRect l="3801" t="3676" r="4565"/>
+          <a:stretch/>
         </p:blipFill>
         <p:spPr>
           <a:xfrm>
-            <a:off x="420852" y="752170"/>
-            <a:ext cx="2645000" cy="4140000"/>
+            <a:off x="517348" y="677525"/>
+            <a:ext cx="2516204" cy="4140000"/>
+          </a:xfrm>
+          <a:prstGeom prst="rect">
+            <a:avLst/>
+          </a:prstGeom>
+        </p:spPr>
+      </p:pic>
+      <p:pic>
+        <p:nvPicPr>
+          <p:cNvPr id="10" name="Picture 9" descr="Map&#10;&#10;Description automatically generated">
+            <a:extLst>
+              <a:ext uri="{FF2B5EF4-FFF2-40B4-BE49-F238E27FC236}">
+                <a16:creationId xmlns:a16="http://schemas.microsoft.com/office/drawing/2014/main" id="{B35E4439-AF08-5A49-6CDB-EC84BFC4C489}"/>
+              </a:ext>
+            </a:extLst>
+          </p:cNvPr>
+          <p:cNvPicPr>
+            <a:picLocks noChangeAspect="1"/>
+          </p:cNvPicPr>
+          <p:nvPr/>
+        </p:nvPicPr>
+        <p:blipFill rotWithShape="1">
+          <a:blip r:embed="rId6"/>
+          <a:srcRect l="2797" t="3069" r="5395"/>
+          <a:stretch/>
+        </p:blipFill>
+        <p:spPr>
+          <a:xfrm>
+            <a:off x="531921" y="677525"/>
+            <a:ext cx="2516347" cy="4140000"/>
           </a:xfrm>
           <a:prstGeom prst="rect">
             <a:avLst/>
@@ -24979,7 +25727,7 @@
         </p:nvSpPr>
         <p:spPr>
           <a:xfrm>
-            <a:off x="634051" y="914775"/>
+            <a:off x="609725" y="780462"/>
             <a:ext cx="1180369" cy="338554"/>
           </a:xfrm>
           <a:prstGeom prst="rect">
@@ -25084,7 +25832,7 @@
                             </p:stCondLst>
                             <p:childTnLst>
                               <p:par>
-                                <p:cTn id="9" presetID="1" presetClass="entr" presetSubtype="0" fill="hold" nodeType="clickEffect">
+                                <p:cTn id="9" presetID="1" presetClass="exit" presetSubtype="0" fill="hold" nodeType="clickEffect">
                                   <p:stCondLst>
                                     <p:cond delay="0"/>
                                   </p:stCondLst>
@@ -25092,33 +25840,6 @@
                                     <p:set>
                                       <p:cBhvr>
                                         <p:cTn id="10" dur="1" fill="hold">
-                                          <p:stCondLst>
-                                            <p:cond delay="0"/>
-                                          </p:stCondLst>
-                                        </p:cTn>
-                                        <p:tgtEl>
-                                          <p:spTgt spid="3"/>
-                                        </p:tgtEl>
-                                        <p:attrNameLst>
-                                          <p:attrName>style.visibility</p:attrName>
-                                        </p:attrNameLst>
-                                      </p:cBhvr>
-                                      <p:to>
-                                        <p:strVal val="visible"/>
-                                      </p:to>
-                                    </p:set>
-                                  </p:childTnLst>
-                                </p:cTn>
-                              </p:par>
-                              <p:par>
-                                <p:cTn id="11" presetID="1" presetClass="exit" presetSubtype="0" fill="hold" nodeType="withEffect">
-                                  <p:stCondLst>
-                                    <p:cond delay="0"/>
-                                  </p:stCondLst>
-                                  <p:childTnLst>
-                                    <p:set>
-                                      <p:cBhvr>
-                                        <p:cTn id="12" dur="1" fill="hold">
                                           <p:stCondLst>
                                             <p:cond delay="0"/>
                                           </p:stCondLst>
@@ -25132,6 +25853,33 @@
                                       </p:cBhvr>
                                       <p:to>
                                         <p:strVal val="hidden"/>
+                                      </p:to>
+                                    </p:set>
+                                  </p:childTnLst>
+                                </p:cTn>
+                              </p:par>
+                              <p:par>
+                                <p:cTn id="11" presetID="1" presetClass="entr" presetSubtype="0" fill="hold" nodeType="withEffect">
+                                  <p:stCondLst>
+                                    <p:cond delay="0"/>
+                                  </p:stCondLst>
+                                  <p:childTnLst>
+                                    <p:set>
+                                      <p:cBhvr>
+                                        <p:cTn id="12" dur="1" fill="hold">
+                                          <p:stCondLst>
+                                            <p:cond delay="0"/>
+                                          </p:stCondLst>
+                                        </p:cTn>
+                                        <p:tgtEl>
+                                          <p:spTgt spid="13"/>
+                                        </p:tgtEl>
+                                        <p:attrNameLst>
+                                          <p:attrName>style.visibility</p:attrName>
+                                        </p:attrNameLst>
+                                      </p:cBhvr>
+                                      <p:to>
+                                        <p:strVal val="visible"/>
                                       </p:to>
                                     </p:set>
                                   </p:childTnLst>
@@ -25188,6 +25936,78 @@
                       </p:childTnLst>
                     </p:cTn>
                   </p:par>
+                  <p:par>
+                    <p:cTn id="17" fill="hold">
+                      <p:stCondLst>
+                        <p:cond delay="indefinite"/>
+                      </p:stCondLst>
+                      <p:childTnLst>
+                        <p:par>
+                          <p:cTn id="18" fill="hold">
+                            <p:stCondLst>
+                              <p:cond delay="0"/>
+                            </p:stCondLst>
+                            <p:childTnLst>
+                              <p:par>
+                                <p:cTn id="19" presetID="1" presetClass="entr" presetSubtype="0" fill="hold" nodeType="clickEffect">
+                                  <p:stCondLst>
+                                    <p:cond delay="0"/>
+                                  </p:stCondLst>
+                                  <p:childTnLst>
+                                    <p:set>
+                                      <p:cBhvr>
+                                        <p:cTn id="20" dur="1" fill="hold">
+                                          <p:stCondLst>
+                                            <p:cond delay="0"/>
+                                          </p:stCondLst>
+                                        </p:cTn>
+                                        <p:tgtEl>
+                                          <p:spTgt spid="10"/>
+                                        </p:tgtEl>
+                                        <p:attrNameLst>
+                                          <p:attrName>style.visibility</p:attrName>
+                                        </p:attrNameLst>
+                                      </p:cBhvr>
+                                      <p:to>
+                                        <p:strVal val="visible"/>
+                                      </p:to>
+                                    </p:set>
+                                  </p:childTnLst>
+                                </p:cTn>
+                              </p:par>
+                              <p:par>
+                                <p:cTn id="21" presetID="1" presetClass="exit" presetSubtype="0" fill="hold" nodeType="withEffect">
+                                  <p:stCondLst>
+                                    <p:cond delay="0"/>
+                                  </p:stCondLst>
+                                  <p:childTnLst>
+                                    <p:set>
+                                      <p:cBhvr>
+                                        <p:cTn id="22" dur="1" fill="hold">
+                                          <p:stCondLst>
+                                            <p:cond delay="0"/>
+                                          </p:stCondLst>
+                                        </p:cTn>
+                                        <p:tgtEl>
+                                          <p:spTgt spid="8"/>
+                                        </p:tgtEl>
+                                        <p:attrNameLst>
+                                          <p:attrName>style.visibility</p:attrName>
+                                        </p:attrNameLst>
+                                      </p:cBhvr>
+                                      <p:to>
+                                        <p:strVal val="hidden"/>
+                                      </p:to>
+                                    </p:set>
+                                  </p:childTnLst>
+                                </p:cTn>
+                              </p:par>
+                            </p:childTnLst>
+                          </p:cTn>
+                        </p:par>
+                      </p:childTnLst>
+                    </p:cTn>
+                  </p:par>
                 </p:childTnLst>
               </p:cTn>
               <p:prevCondLst>
@@ -25233,80 +26053,6 @@
           <a:chExt cx="0" cy="0"/>
         </a:xfrm>
       </p:grpSpPr>
-      <p:sp>
-        <p:nvSpPr>
-          <p:cNvPr id="78" name="Google Shape;500;p18">
-            <a:extLst>
-              <a:ext uri="{FF2B5EF4-FFF2-40B4-BE49-F238E27FC236}">
-                <a16:creationId xmlns:a16="http://schemas.microsoft.com/office/drawing/2014/main" id="{C24AB7E0-ED67-6CB9-876A-EDC53966A689}"/>
-              </a:ext>
-            </a:extLst>
-          </p:cNvPr>
-          <p:cNvSpPr txBox="1">
-            <a:spLocks noGrp="1"/>
-          </p:cNvSpPr>
-          <p:nvPr>
-            <p:ph type="body" idx="1"/>
-          </p:nvPr>
-        </p:nvSpPr>
-        <p:spPr>
-          <a:xfrm>
-            <a:off x="641791" y="1206851"/>
-            <a:ext cx="7922029" cy="2346593"/>
-          </a:xfrm>
-          <a:prstGeom prst="rect">
-            <a:avLst/>
-          </a:prstGeom>
-        </p:spPr>
-        <p:txBody>
-          <a:bodyPr spcFirstLastPara="1" wrap="square" lIns="91425" tIns="91425" rIns="91425" bIns="91425" anchor="t" anchorCtr="0">
-            <a:normAutofit/>
-          </a:bodyPr>
-          <a:lstStyle/>
-          <a:p>
-            <a:pPr marL="101600" indent="0">
-              <a:buNone/>
-            </a:pPr>
-            <a:r>
-              <a:rPr lang="en-US" sz="1800" b="1" dirty="0"/>
-              <a:t>Akaike information criterion (AIC) and Bayesian information criterion (BIC)</a:t>
-            </a:r>
-          </a:p>
-          <a:p>
-            <a:r>
-              <a:rPr lang="en-US" sz="1800" dirty="0"/>
-              <a:t>Measure of model performance that accounts for model complexity</a:t>
-            </a:r>
-          </a:p>
-          <a:p>
-            <a:r>
-              <a:rPr lang="en-US" sz="1800" dirty="0"/>
-              <a:t>Combines a term for how well model fits data with a term that penalizes the model in proportion to the number of parameters</a:t>
-            </a:r>
-          </a:p>
-          <a:p>
-            <a:r>
-              <a:rPr lang="en-US" sz="1800" dirty="0"/>
-              <a:t>BIC penalizes more than AIC for additional parameters</a:t>
-            </a:r>
-          </a:p>
-          <a:p>
-            <a:r>
-              <a:rPr lang="en-US" sz="1800" dirty="0"/>
-              <a:t>Want AIC and BIC to be as low as possible</a:t>
-            </a:r>
-            <a:endParaRPr sz="1600" dirty="0">
-              <a:solidFill>
-                <a:schemeClr val="bg1">
-                  <a:lumMod val="50000"/>
-                </a:schemeClr>
-              </a:solidFill>
-              <a:latin typeface="Source Sans Pro" panose="020B0503030403020204" pitchFamily="34" charset="0"/>
-              <a:ea typeface="Source Sans Pro" panose="020B0503030403020204" pitchFamily="34" charset="0"/>
-            </a:endParaRPr>
-          </a:p>
-        </p:txBody>
-      </p:sp>
       <p:pic>
         <p:nvPicPr>
           <p:cNvPr id="84" name="Picture 83">
@@ -27560,6 +28306,74 @@
           </a:fontRef>
         </p:style>
       </p:cxnSp>
+      <p:sp>
+        <p:nvSpPr>
+          <p:cNvPr id="78" name="Google Shape;500;p18">
+            <a:extLst>
+              <a:ext uri="{FF2B5EF4-FFF2-40B4-BE49-F238E27FC236}">
+                <a16:creationId xmlns:a16="http://schemas.microsoft.com/office/drawing/2014/main" id="{C24AB7E0-ED67-6CB9-876A-EDC53966A689}"/>
+              </a:ext>
+            </a:extLst>
+          </p:cNvPr>
+          <p:cNvSpPr txBox="1">
+            <a:spLocks noGrp="1"/>
+          </p:cNvSpPr>
+          <p:nvPr>
+            <p:ph type="body" idx="1"/>
+          </p:nvPr>
+        </p:nvSpPr>
+        <p:spPr>
+          <a:xfrm>
+            <a:off x="691538" y="1146804"/>
+            <a:ext cx="7922029" cy="2346593"/>
+          </a:xfrm>
+          <a:prstGeom prst="rect">
+            <a:avLst/>
+          </a:prstGeom>
+        </p:spPr>
+        <p:txBody>
+          <a:bodyPr spcFirstLastPara="1" wrap="square" lIns="91425" tIns="91425" rIns="91425" bIns="91425" anchor="t" anchorCtr="0">
+            <a:normAutofit/>
+          </a:bodyPr>
+          <a:lstStyle/>
+          <a:p>
+            <a:pPr marL="101600" indent="0">
+              <a:buNone/>
+            </a:pPr>
+            <a:r>
+              <a:rPr lang="en-US" sz="1800" b="1" dirty="0"/>
+              <a:t>Akaike information criterion (AIC) and Bayesian information criterion (BIC)</a:t>
+            </a:r>
+          </a:p>
+          <a:p>
+            <a:r>
+              <a:rPr lang="en-US" sz="1800" dirty="0"/>
+              <a:t>Measures how well model fits data but penalizes the model in proportion to the number of parameters</a:t>
+            </a:r>
+          </a:p>
+          <a:p>
+            <a:r>
+              <a:rPr lang="en-US" sz="1800" dirty="0"/>
+              <a:t>BIC penalizes more than AIC for additional parameters</a:t>
+            </a:r>
+          </a:p>
+          <a:p>
+            <a:r>
+              <a:rPr lang="en-US" sz="1800" dirty="0"/>
+              <a:t>Want AIC and BIC to be as low as possible</a:t>
+            </a:r>
+            <a:endParaRPr sz="1600" dirty="0">
+              <a:solidFill>
+                <a:schemeClr val="bg1">
+                  <a:lumMod val="50000"/>
+                </a:schemeClr>
+              </a:solidFill>
+              <a:latin typeface="Source Sans Pro" panose="020B0503030403020204" pitchFamily="34" charset="0"/>
+              <a:ea typeface="Source Sans Pro" panose="020B0503030403020204" pitchFamily="34" charset="0"/>
+            </a:endParaRPr>
+          </a:p>
+        </p:txBody>
+      </p:sp>
     </p:spTree>
     <p:extLst>
       <p:ext uri="{BB962C8B-B14F-4D97-AF65-F5344CB8AC3E}">
@@ -27787,7 +28601,7 @@
                             </p:stCondLst>
                             <p:childTnLst>
                               <p:par>
-                                <p:cTn id="21" presetID="1" presetClass="entr" presetSubtype="0" fill="hold" nodeType="clickEffect">
+                                <p:cTn id="21" presetID="1" presetClass="exit" presetSubtype="0" fill="hold" grpId="0" nodeType="clickEffect">
                                   <p:stCondLst>
                                     <p:cond delay="0"/>
                                   </p:stCondLst>
@@ -27802,7 +28616,7 @@
                                         <p:tgtEl>
                                           <p:spTgt spid="78">
                                             <p:txEl>
-                                              <p:pRg st="4" end="4"/>
+                                              <p:pRg st="0" end="0"/>
                                             </p:txEl>
                                           </p:spTgt>
                                         </p:tgtEl>
@@ -27811,32 +28625,45 @@
                                         </p:attrNameLst>
                                       </p:cBhvr>
                                       <p:to>
-                                        <p:strVal val="visible"/>
+                                        <p:strVal val="hidden"/>
                                       </p:to>
                                     </p:set>
                                   </p:childTnLst>
                                 </p:cTn>
                               </p:par>
-                            </p:childTnLst>
-                          </p:cTn>
-                        </p:par>
-                      </p:childTnLst>
-                    </p:cTn>
-                  </p:par>
-                  <p:par>
-                    <p:cTn id="23" fill="hold">
-                      <p:stCondLst>
-                        <p:cond delay="indefinite"/>
-                      </p:stCondLst>
-                      <p:childTnLst>
-                        <p:par>
-                          <p:cTn id="24" fill="hold">
-                            <p:stCondLst>
-                              <p:cond delay="0"/>
-                            </p:stCondLst>
-                            <p:childTnLst>
                               <p:par>
-                                <p:cTn id="25" presetID="1" presetClass="exit" presetSubtype="0" fill="hold" grpId="0" nodeType="clickEffect">
+                                <p:cTn id="23" presetID="1" presetClass="exit" presetSubtype="0" fill="hold" grpId="0" nodeType="withEffect">
+                                  <p:stCondLst>
+                                    <p:cond delay="0"/>
+                                  </p:stCondLst>
+                                  <p:childTnLst>
+                                    <p:set>
+                                      <p:cBhvr>
+                                        <p:cTn id="24" dur="1" fill="hold">
+                                          <p:stCondLst>
+                                            <p:cond delay="0"/>
+                                          </p:stCondLst>
+                                        </p:cTn>
+                                        <p:tgtEl>
+                                          <p:spTgt spid="78">
+                                            <p:txEl>
+                                              <p:pRg st="1" end="1"/>
+                                            </p:txEl>
+                                          </p:spTgt>
+                                        </p:tgtEl>
+                                        <p:attrNameLst>
+                                          <p:attrName>style.visibility</p:attrName>
+                                        </p:attrNameLst>
+                                      </p:cBhvr>
+                                      <p:to>
+                                        <p:strVal val="hidden"/>
+                                      </p:to>
+                                    </p:set>
+                                  </p:childTnLst>
+                                </p:cTn>
+                              </p:par>
+                              <p:par>
+                                <p:cTn id="25" presetID="1" presetClass="exit" presetSubtype="0" fill="hold" grpId="0" nodeType="withEffect">
                                   <p:stCondLst>
                                     <p:cond delay="0"/>
                                   </p:stCondLst>
@@ -27851,7 +28678,7 @@
                                         <p:tgtEl>
                                           <p:spTgt spid="78">
                                             <p:txEl>
-                                              <p:pRg st="0" end="0"/>
+                                              <p:pRg st="2" end="2"/>
                                             </p:txEl>
                                           </p:spTgt>
                                         </p:tgtEl>
@@ -27882,68 +28709,6 @@
                                         <p:tgtEl>
                                           <p:spTgt spid="78">
                                             <p:txEl>
-                                              <p:pRg st="1" end="1"/>
-                                            </p:txEl>
-                                          </p:spTgt>
-                                        </p:tgtEl>
-                                        <p:attrNameLst>
-                                          <p:attrName>style.visibility</p:attrName>
-                                        </p:attrNameLst>
-                                      </p:cBhvr>
-                                      <p:to>
-                                        <p:strVal val="hidden"/>
-                                      </p:to>
-                                    </p:set>
-                                  </p:childTnLst>
-                                </p:cTn>
-                              </p:par>
-                              <p:par>
-                                <p:cTn id="29" presetID="1" presetClass="exit" presetSubtype="0" fill="hold" grpId="0" nodeType="withEffect">
-                                  <p:stCondLst>
-                                    <p:cond delay="0"/>
-                                  </p:stCondLst>
-                                  <p:childTnLst>
-                                    <p:set>
-                                      <p:cBhvr>
-                                        <p:cTn id="30" dur="1" fill="hold">
-                                          <p:stCondLst>
-                                            <p:cond delay="0"/>
-                                          </p:stCondLst>
-                                        </p:cTn>
-                                        <p:tgtEl>
-                                          <p:spTgt spid="78">
-                                            <p:txEl>
-                                              <p:pRg st="2" end="2"/>
-                                            </p:txEl>
-                                          </p:spTgt>
-                                        </p:tgtEl>
-                                        <p:attrNameLst>
-                                          <p:attrName>style.visibility</p:attrName>
-                                        </p:attrNameLst>
-                                      </p:cBhvr>
-                                      <p:to>
-                                        <p:strVal val="hidden"/>
-                                      </p:to>
-                                    </p:set>
-                                  </p:childTnLst>
-                                </p:cTn>
-                              </p:par>
-                              <p:par>
-                                <p:cTn id="31" presetID="1" presetClass="exit" presetSubtype="0" fill="hold" grpId="0" nodeType="withEffect">
-                                  <p:stCondLst>
-                                    <p:cond delay="0"/>
-                                  </p:stCondLst>
-                                  <p:childTnLst>
-                                    <p:set>
-                                      <p:cBhvr>
-                                        <p:cTn id="32" dur="1" fill="hold">
-                                          <p:stCondLst>
-                                            <p:cond delay="0"/>
-                                          </p:stCondLst>
-                                        </p:cTn>
-                                        <p:tgtEl>
-                                          <p:spTgt spid="78">
-                                            <p:txEl>
                                               <p:pRg st="3" end="3"/>
                                             </p:txEl>
                                           </p:spTgt>
@@ -27960,45 +28725,14 @@
                                 </p:cTn>
                               </p:par>
                               <p:par>
-                                <p:cTn id="33" presetID="1" presetClass="exit" presetSubtype="0" fill="hold" grpId="0" nodeType="withEffect">
+                                <p:cTn id="29" presetID="1" presetClass="entr" presetSubtype="0" fill="hold" nodeType="withEffect">
                                   <p:stCondLst>
                                     <p:cond delay="0"/>
                                   </p:stCondLst>
                                   <p:childTnLst>
                                     <p:set>
                                       <p:cBhvr>
-                                        <p:cTn id="34" dur="1" fill="hold">
-                                          <p:stCondLst>
-                                            <p:cond delay="0"/>
-                                          </p:stCondLst>
-                                        </p:cTn>
-                                        <p:tgtEl>
-                                          <p:spTgt spid="78">
-                                            <p:txEl>
-                                              <p:pRg st="4" end="4"/>
-                                            </p:txEl>
-                                          </p:spTgt>
-                                        </p:tgtEl>
-                                        <p:attrNameLst>
-                                          <p:attrName>style.visibility</p:attrName>
-                                        </p:attrNameLst>
-                                      </p:cBhvr>
-                                      <p:to>
-                                        <p:strVal val="hidden"/>
-                                      </p:to>
-                                    </p:set>
-                                  </p:childTnLst>
-                                </p:cTn>
-                              </p:par>
-                              <p:par>
-                                <p:cTn id="35" presetID="1" presetClass="entr" presetSubtype="0" fill="hold" nodeType="withEffect">
-                                  <p:stCondLst>
-                                    <p:cond delay="0"/>
-                                  </p:stCondLst>
-                                  <p:childTnLst>
-                                    <p:set>
-                                      <p:cBhvr>
-                                        <p:cTn id="36" dur="1" fill="hold">
+                                        <p:cTn id="30" dur="1" fill="hold">
                                           <p:stCondLst>
                                             <p:cond delay="0"/>
                                           </p:stCondLst>
@@ -28024,26 +28758,26 @@
                     </p:cTn>
                   </p:par>
                   <p:par>
-                    <p:cTn id="37" fill="hold">
+                    <p:cTn id="31" fill="hold">
                       <p:stCondLst>
                         <p:cond delay="indefinite"/>
                       </p:stCondLst>
                       <p:childTnLst>
                         <p:par>
-                          <p:cTn id="38" fill="hold">
+                          <p:cTn id="32" fill="hold">
                             <p:stCondLst>
                               <p:cond delay="0"/>
                             </p:stCondLst>
                             <p:childTnLst>
                               <p:par>
-                                <p:cTn id="39" presetID="1" presetClass="entr" presetSubtype="0" fill="hold" grpId="0" nodeType="clickEffect">
+                                <p:cTn id="33" presetID="1" presetClass="entr" presetSubtype="0" fill="hold" grpId="0" nodeType="clickEffect">
                                   <p:stCondLst>
                                     <p:cond delay="0"/>
                                   </p:stCondLst>
                                   <p:childTnLst>
                                     <p:set>
                                       <p:cBhvr>
-                                        <p:cTn id="40" dur="1" fill="hold">
+                                        <p:cTn id="34" dur="1" fill="hold">
                                           <p:stCondLst>
                                             <p:cond delay="0"/>
                                           </p:stCondLst>
@@ -28069,26 +28803,26 @@
                     </p:cTn>
                   </p:par>
                   <p:par>
-                    <p:cTn id="41" fill="hold">
+                    <p:cTn id="35" fill="hold">
                       <p:stCondLst>
                         <p:cond delay="indefinite"/>
                       </p:stCondLst>
                       <p:childTnLst>
                         <p:par>
-                          <p:cTn id="42" fill="hold">
+                          <p:cTn id="36" fill="hold">
                             <p:stCondLst>
                               <p:cond delay="0"/>
                             </p:stCondLst>
                             <p:childTnLst>
                               <p:par>
-                                <p:cTn id="43" presetID="1" presetClass="entr" presetSubtype="0" fill="hold" grpId="0" nodeType="clickEffect">
+                                <p:cTn id="37" presetID="1" presetClass="entr" presetSubtype="0" fill="hold" grpId="0" nodeType="clickEffect">
                                   <p:stCondLst>
                                     <p:cond delay="0"/>
                                   </p:stCondLst>
                                   <p:childTnLst>
                                     <p:set>
                                       <p:cBhvr>
-                                        <p:cTn id="44" dur="1" fill="hold">
+                                        <p:cTn id="38" dur="1" fill="hold">
                                           <p:stCondLst>
                                             <p:cond delay="0"/>
                                           </p:stCondLst>
@@ -28108,14 +28842,14 @@
                                 </p:cTn>
                               </p:par>
                               <p:par>
-                                <p:cTn id="45" presetID="1" presetClass="entr" presetSubtype="0" fill="hold" grpId="0" nodeType="withEffect">
+                                <p:cTn id="39" presetID="1" presetClass="entr" presetSubtype="0" fill="hold" grpId="0" nodeType="withEffect">
                                   <p:stCondLst>
                                     <p:cond delay="0"/>
                                   </p:stCondLst>
                                   <p:childTnLst>
                                     <p:set>
                                       <p:cBhvr>
-                                        <p:cTn id="46" dur="1" fill="hold">
+                                        <p:cTn id="40" dur="1" fill="hold">
                                           <p:stCondLst>
                                             <p:cond delay="0"/>
                                           </p:stCondLst>
@@ -28135,14 +28869,14 @@
                                 </p:cTn>
                               </p:par>
                               <p:par>
-                                <p:cTn id="47" presetID="1" presetClass="entr" presetSubtype="0" fill="hold" nodeType="withEffect">
+                                <p:cTn id="41" presetID="1" presetClass="entr" presetSubtype="0" fill="hold" nodeType="withEffect">
                                   <p:stCondLst>
                                     <p:cond delay="0"/>
                                   </p:stCondLst>
                                   <p:childTnLst>
                                     <p:set>
                                       <p:cBhvr>
-                                        <p:cTn id="48" dur="1" fill="hold">
+                                        <p:cTn id="42" dur="1" fill="hold">
                                           <p:stCondLst>
                                             <p:cond delay="0"/>
                                           </p:stCondLst>
@@ -28168,26 +28902,26 @@
                     </p:cTn>
                   </p:par>
                   <p:par>
-                    <p:cTn id="49" fill="hold">
+                    <p:cTn id="43" fill="hold">
                       <p:stCondLst>
                         <p:cond delay="indefinite"/>
                       </p:stCondLst>
                       <p:childTnLst>
                         <p:par>
-                          <p:cTn id="50" fill="hold">
+                          <p:cTn id="44" fill="hold">
                             <p:stCondLst>
                               <p:cond delay="0"/>
                             </p:stCondLst>
                             <p:childTnLst>
                               <p:par>
-                                <p:cTn id="51" presetID="1" presetClass="entr" presetSubtype="0" fill="hold" nodeType="clickEffect">
+                                <p:cTn id="45" presetID="1" presetClass="entr" presetSubtype="0" fill="hold" nodeType="clickEffect">
                                   <p:stCondLst>
                                     <p:cond delay="0"/>
                                   </p:stCondLst>
                                   <p:childTnLst>
                                     <p:set>
                                       <p:cBhvr>
-                                        <p:cTn id="52" dur="1" fill="hold">
+                                        <p:cTn id="46" dur="1" fill="hold">
                                           <p:stCondLst>
                                             <p:cond delay="0"/>
                                           </p:stCondLst>
@@ -28207,14 +28941,14 @@
                                 </p:cTn>
                               </p:par>
                               <p:par>
-                                <p:cTn id="53" presetID="1" presetClass="entr" presetSubtype="0" fill="hold" grpId="0" nodeType="withEffect">
+                                <p:cTn id="47" presetID="1" presetClass="entr" presetSubtype="0" fill="hold" grpId="0" nodeType="withEffect">
                                   <p:stCondLst>
                                     <p:cond delay="0"/>
                                   </p:stCondLst>
                                   <p:childTnLst>
                                     <p:set>
                                       <p:cBhvr>
-                                        <p:cTn id="54" dur="1" fill="hold">
+                                        <p:cTn id="48" dur="1" fill="hold">
                                           <p:stCondLst>
                                             <p:cond delay="0"/>
                                           </p:stCondLst>
@@ -28234,14 +28968,14 @@
                                 </p:cTn>
                               </p:par>
                               <p:par>
-                                <p:cTn id="55" presetID="1" presetClass="entr" presetSubtype="0" fill="hold" grpId="0" nodeType="withEffect">
+                                <p:cTn id="49" presetID="1" presetClass="entr" presetSubtype="0" fill="hold" grpId="0" nodeType="withEffect">
                                   <p:stCondLst>
                                     <p:cond delay="0"/>
                                   </p:stCondLst>
                                   <p:childTnLst>
                                     <p:set>
                                       <p:cBhvr>
-                                        <p:cTn id="56" dur="1" fill="hold">
+                                        <p:cTn id="50" dur="1" fill="hold">
                                           <p:stCondLst>
                                             <p:cond delay="0"/>
                                           </p:stCondLst>
@@ -28267,26 +29001,26 @@
                     </p:cTn>
                   </p:par>
                   <p:par>
-                    <p:cTn id="57" fill="hold">
+                    <p:cTn id="51" fill="hold">
                       <p:stCondLst>
                         <p:cond delay="indefinite"/>
                       </p:stCondLst>
                       <p:childTnLst>
                         <p:par>
-                          <p:cTn id="58" fill="hold">
+                          <p:cTn id="52" fill="hold">
                             <p:stCondLst>
                               <p:cond delay="0"/>
                             </p:stCondLst>
                             <p:childTnLst>
                               <p:par>
-                                <p:cTn id="59" presetID="1" presetClass="entr" presetSubtype="0" fill="hold" grpId="0" nodeType="clickEffect">
+                                <p:cTn id="53" presetID="1" presetClass="entr" presetSubtype="0" fill="hold" grpId="0" nodeType="clickEffect">
                                   <p:stCondLst>
                                     <p:cond delay="0"/>
                                   </p:stCondLst>
                                   <p:childTnLst>
                                     <p:set>
                                       <p:cBhvr>
-                                        <p:cTn id="60" dur="1" fill="hold">
+                                        <p:cTn id="54" dur="1" fill="hold">
                                           <p:stCondLst>
                                             <p:cond delay="0"/>
                                           </p:stCondLst>
@@ -28306,14 +29040,14 @@
                                 </p:cTn>
                               </p:par>
                               <p:par>
-                                <p:cTn id="61" presetID="1" presetClass="entr" presetSubtype="0" fill="hold" nodeType="withEffect">
+                                <p:cTn id="55" presetID="1" presetClass="entr" presetSubtype="0" fill="hold" nodeType="withEffect">
                                   <p:stCondLst>
                                     <p:cond delay="0"/>
                                   </p:stCondLst>
                                   <p:childTnLst>
                                     <p:set>
                                       <p:cBhvr>
-                                        <p:cTn id="62" dur="1" fill="hold">
+                                        <p:cTn id="56" dur="1" fill="hold">
                                           <p:stCondLst>
                                             <p:cond delay="0"/>
                                           </p:stCondLst>
@@ -28333,14 +29067,14 @@
                                 </p:cTn>
                               </p:par>
                               <p:par>
-                                <p:cTn id="63" presetID="1" presetClass="entr" presetSubtype="0" fill="hold" grpId="0" nodeType="withEffect">
+                                <p:cTn id="57" presetID="1" presetClass="entr" presetSubtype="0" fill="hold" grpId="0" nodeType="withEffect">
                                   <p:stCondLst>
                                     <p:cond delay="0"/>
                                   </p:stCondLst>
                                   <p:childTnLst>
                                     <p:set>
                                       <p:cBhvr>
-                                        <p:cTn id="64" dur="1" fill="hold">
+                                        <p:cTn id="58" dur="1" fill="hold">
                                           <p:stCondLst>
                                             <p:cond delay="0"/>
                                           </p:stCondLst>
@@ -28366,26 +29100,26 @@
                     </p:cTn>
                   </p:par>
                   <p:par>
-                    <p:cTn id="65" fill="hold">
+                    <p:cTn id="59" fill="hold">
                       <p:stCondLst>
                         <p:cond delay="indefinite"/>
                       </p:stCondLst>
                       <p:childTnLst>
                         <p:par>
-                          <p:cTn id="66" fill="hold">
+                          <p:cTn id="60" fill="hold">
                             <p:stCondLst>
                               <p:cond delay="0"/>
                             </p:stCondLst>
                             <p:childTnLst>
                               <p:par>
-                                <p:cTn id="67" presetID="1" presetClass="entr" presetSubtype="0" fill="hold" grpId="0" nodeType="clickEffect">
+                                <p:cTn id="61" presetID="1" presetClass="entr" presetSubtype="0" fill="hold" grpId="0" nodeType="clickEffect">
                                   <p:stCondLst>
                                     <p:cond delay="0"/>
                                   </p:stCondLst>
                                   <p:childTnLst>
                                     <p:set>
                                       <p:cBhvr>
-                                        <p:cTn id="68" dur="1" fill="hold">
+                                        <p:cTn id="62" dur="1" fill="hold">
                                           <p:stCondLst>
                                             <p:cond delay="0"/>
                                           </p:stCondLst>
@@ -28405,14 +29139,14 @@
                                 </p:cTn>
                               </p:par>
                               <p:par>
-                                <p:cTn id="69" presetID="1" presetClass="entr" presetSubtype="0" fill="hold" nodeType="withEffect">
+                                <p:cTn id="63" presetID="1" presetClass="entr" presetSubtype="0" fill="hold" nodeType="withEffect">
                                   <p:stCondLst>
                                     <p:cond delay="0"/>
                                   </p:stCondLst>
                                   <p:childTnLst>
                                     <p:set>
                                       <p:cBhvr>
-                                        <p:cTn id="70" dur="1" fill="hold">
+                                        <p:cTn id="64" dur="1" fill="hold">
                                           <p:stCondLst>
                                             <p:cond delay="0"/>
                                           </p:stCondLst>
@@ -28432,14 +29166,14 @@
                                 </p:cTn>
                               </p:par>
                               <p:par>
-                                <p:cTn id="71" presetID="1" presetClass="entr" presetSubtype="0" fill="hold" grpId="0" nodeType="withEffect">
+                                <p:cTn id="65" presetID="1" presetClass="entr" presetSubtype="0" fill="hold" grpId="0" nodeType="withEffect">
                                   <p:stCondLst>
                                     <p:cond delay="0"/>
                                   </p:stCondLst>
                                   <p:childTnLst>
                                     <p:set>
                                       <p:cBhvr>
-                                        <p:cTn id="72" dur="1" fill="hold">
+                                        <p:cTn id="66" dur="1" fill="hold">
                                           <p:stCondLst>
                                             <p:cond delay="0"/>
                                           </p:stCondLst>
@@ -28465,26 +29199,26 @@
                     </p:cTn>
                   </p:par>
                   <p:par>
-                    <p:cTn id="73" fill="hold">
+                    <p:cTn id="67" fill="hold">
                       <p:stCondLst>
                         <p:cond delay="indefinite"/>
                       </p:stCondLst>
                       <p:childTnLst>
                         <p:par>
-                          <p:cTn id="74" fill="hold">
+                          <p:cTn id="68" fill="hold">
                             <p:stCondLst>
                               <p:cond delay="0"/>
                             </p:stCondLst>
                             <p:childTnLst>
                               <p:par>
-                                <p:cTn id="75" presetID="1" presetClass="entr" presetSubtype="0" fill="hold" grpId="0" nodeType="clickEffect">
+                                <p:cTn id="69" presetID="1" presetClass="entr" presetSubtype="0" fill="hold" grpId="0" nodeType="clickEffect">
                                   <p:stCondLst>
                                     <p:cond delay="0"/>
                                   </p:stCondLst>
                                   <p:childTnLst>
                                     <p:set>
                                       <p:cBhvr>
-                                        <p:cTn id="76" dur="1" fill="hold">
+                                        <p:cTn id="70" dur="1" fill="hold">
                                           <p:stCondLst>
                                             <p:cond delay="0"/>
                                           </p:stCondLst>
@@ -28504,14 +29238,14 @@
                                 </p:cTn>
                               </p:par>
                               <p:par>
-                                <p:cTn id="77" presetID="1" presetClass="entr" presetSubtype="0" fill="hold" nodeType="withEffect">
+                                <p:cTn id="71" presetID="1" presetClass="entr" presetSubtype="0" fill="hold" nodeType="withEffect">
                                   <p:stCondLst>
                                     <p:cond delay="0"/>
                                   </p:stCondLst>
                                   <p:childTnLst>
                                     <p:set>
                                       <p:cBhvr>
-                                        <p:cTn id="78" dur="1" fill="hold">
+                                        <p:cTn id="72" dur="1" fill="hold">
                                           <p:stCondLst>
                                             <p:cond delay="0"/>
                                           </p:stCondLst>
@@ -28531,14 +29265,14 @@
                                 </p:cTn>
                               </p:par>
                               <p:par>
-                                <p:cTn id="79" presetID="1" presetClass="entr" presetSubtype="0" fill="hold" grpId="0" nodeType="withEffect">
+                                <p:cTn id="73" presetID="1" presetClass="entr" presetSubtype="0" fill="hold" grpId="0" nodeType="withEffect">
                                   <p:stCondLst>
                                     <p:cond delay="0"/>
                                   </p:stCondLst>
                                   <p:childTnLst>
                                     <p:set>
                                       <p:cBhvr>
-                                        <p:cTn id="80" dur="1" fill="hold">
+                                        <p:cTn id="74" dur="1" fill="hold">
                                           <p:stCondLst>
                                             <p:cond delay="0"/>
                                           </p:stCondLst>
@@ -28564,26 +29298,26 @@
                     </p:cTn>
                   </p:par>
                   <p:par>
-                    <p:cTn id="81" fill="hold">
+                    <p:cTn id="75" fill="hold">
                       <p:stCondLst>
                         <p:cond delay="indefinite"/>
                       </p:stCondLst>
                       <p:childTnLst>
                         <p:par>
-                          <p:cTn id="82" fill="hold">
+                          <p:cTn id="76" fill="hold">
                             <p:stCondLst>
                               <p:cond delay="0"/>
                             </p:stCondLst>
                             <p:childTnLst>
                               <p:par>
-                                <p:cTn id="83" presetID="1" presetClass="entr" presetSubtype="0" fill="hold" grpId="0" nodeType="clickEffect">
+                                <p:cTn id="77" presetID="1" presetClass="entr" presetSubtype="0" fill="hold" grpId="0" nodeType="clickEffect">
                                   <p:stCondLst>
                                     <p:cond delay="0"/>
                                   </p:stCondLst>
                                   <p:childTnLst>
                                     <p:set>
                                       <p:cBhvr>
-                                        <p:cTn id="84" dur="1" fill="hold">
+                                        <p:cTn id="78" dur="1" fill="hold">
                                           <p:stCondLst>
                                             <p:cond delay="0"/>
                                           </p:stCondLst>
@@ -28603,14 +29337,14 @@
                                 </p:cTn>
                               </p:par>
                               <p:par>
-                                <p:cTn id="85" presetID="1" presetClass="entr" presetSubtype="0" fill="hold" nodeType="withEffect">
+                                <p:cTn id="79" presetID="1" presetClass="entr" presetSubtype="0" fill="hold" nodeType="withEffect">
                                   <p:stCondLst>
                                     <p:cond delay="0"/>
                                   </p:stCondLst>
                                   <p:childTnLst>
                                     <p:set>
                                       <p:cBhvr>
-                                        <p:cTn id="86" dur="1" fill="hold">
+                                        <p:cTn id="80" dur="1" fill="hold">
                                           <p:stCondLst>
                                             <p:cond delay="0"/>
                                           </p:stCondLst>
@@ -28630,14 +29364,14 @@
                                 </p:cTn>
                               </p:par>
                               <p:par>
-                                <p:cTn id="87" presetID="1" presetClass="entr" presetSubtype="0" fill="hold" grpId="0" nodeType="withEffect">
+                                <p:cTn id="81" presetID="1" presetClass="entr" presetSubtype="0" fill="hold" grpId="0" nodeType="withEffect">
                                   <p:stCondLst>
                                     <p:cond delay="0"/>
                                   </p:stCondLst>
                                   <p:childTnLst>
                                     <p:set>
                                       <p:cBhvr>
-                                        <p:cTn id="88" dur="1" fill="hold">
+                                        <p:cTn id="82" dur="1" fill="hold">
                                           <p:stCondLst>
                                             <p:cond delay="0"/>
                                           </p:stCondLst>
@@ -28663,26 +29397,26 @@
                     </p:cTn>
                   </p:par>
                   <p:par>
-                    <p:cTn id="89" fill="hold">
+                    <p:cTn id="83" fill="hold">
                       <p:stCondLst>
                         <p:cond delay="indefinite"/>
                       </p:stCondLst>
                       <p:childTnLst>
                         <p:par>
-                          <p:cTn id="90" fill="hold">
+                          <p:cTn id="84" fill="hold">
                             <p:stCondLst>
                               <p:cond delay="0"/>
                             </p:stCondLst>
                             <p:childTnLst>
                               <p:par>
-                                <p:cTn id="91" presetID="1" presetClass="entr" presetSubtype="0" fill="hold" grpId="0" nodeType="clickEffect">
+                                <p:cTn id="85" presetID="1" presetClass="entr" presetSubtype="0" fill="hold" grpId="0" nodeType="clickEffect">
                                   <p:stCondLst>
                                     <p:cond delay="0"/>
                                   </p:stCondLst>
                                   <p:childTnLst>
                                     <p:set>
                                       <p:cBhvr>
-                                        <p:cTn id="92" dur="1" fill="hold">
+                                        <p:cTn id="86" dur="1" fill="hold">
                                           <p:stCondLst>
                                             <p:cond delay="0"/>
                                           </p:stCondLst>
@@ -28702,7 +29436,79 @@
                                 </p:cTn>
                               </p:par>
                               <p:par>
-                                <p:cTn id="93" presetID="1" presetClass="entr" presetSubtype="0" fill="hold" nodeType="withEffect">
+                                <p:cTn id="87" presetID="1" presetClass="entr" presetSubtype="0" fill="hold" nodeType="withEffect">
+                                  <p:stCondLst>
+                                    <p:cond delay="0"/>
+                                  </p:stCondLst>
+                                  <p:childTnLst>
+                                    <p:set>
+                                      <p:cBhvr>
+                                        <p:cTn id="88" dur="1" fill="hold">
+                                          <p:stCondLst>
+                                            <p:cond delay="0"/>
+                                          </p:stCondLst>
+                                        </p:cTn>
+                                        <p:tgtEl>
+                                          <p:spTgt spid="56"/>
+                                        </p:tgtEl>
+                                        <p:attrNameLst>
+                                          <p:attrName>style.visibility</p:attrName>
+                                        </p:attrNameLst>
+                                      </p:cBhvr>
+                                      <p:to>
+                                        <p:strVal val="visible"/>
+                                      </p:to>
+                                    </p:set>
+                                  </p:childTnLst>
+                                </p:cTn>
+                              </p:par>
+                              <p:par>
+                                <p:cTn id="89" presetID="1" presetClass="entr" presetSubtype="0" fill="hold" grpId="0" nodeType="withEffect">
+                                  <p:stCondLst>
+                                    <p:cond delay="0"/>
+                                  </p:stCondLst>
+                                  <p:childTnLst>
+                                    <p:set>
+                                      <p:cBhvr>
+                                        <p:cTn id="90" dur="1" fill="hold">
+                                          <p:stCondLst>
+                                            <p:cond delay="0"/>
+                                          </p:stCondLst>
+                                        </p:cTn>
+                                        <p:tgtEl>
+                                          <p:spTgt spid="21"/>
+                                        </p:tgtEl>
+                                        <p:attrNameLst>
+                                          <p:attrName>style.visibility</p:attrName>
+                                        </p:attrNameLst>
+                                      </p:cBhvr>
+                                      <p:to>
+                                        <p:strVal val="visible"/>
+                                      </p:to>
+                                    </p:set>
+                                  </p:childTnLst>
+                                </p:cTn>
+                              </p:par>
+                            </p:childTnLst>
+                          </p:cTn>
+                        </p:par>
+                      </p:childTnLst>
+                    </p:cTn>
+                  </p:par>
+                  <p:par>
+                    <p:cTn id="91" fill="hold">
+                      <p:stCondLst>
+                        <p:cond delay="indefinite"/>
+                      </p:stCondLst>
+                      <p:childTnLst>
+                        <p:par>
+                          <p:cTn id="92" fill="hold">
+                            <p:stCondLst>
+                              <p:cond delay="0"/>
+                            </p:stCondLst>
+                            <p:childTnLst>
+                              <p:par>
+                                <p:cTn id="93" presetID="1" presetClass="entr" presetSubtype="0" fill="hold" nodeType="clickEffect">
                                   <p:stCondLst>
                                     <p:cond delay="0"/>
                                   </p:stCondLst>
@@ -28715,7 +29521,7 @@
                                           </p:stCondLst>
                                         </p:cTn>
                                         <p:tgtEl>
-                                          <p:spTgt spid="56"/>
+                                          <p:spTgt spid="63"/>
                                         </p:tgtEl>
                                         <p:attrNameLst>
                                           <p:attrName>style.visibility</p:attrName>
@@ -28742,78 +29548,6 @@
                                           </p:stCondLst>
                                         </p:cTn>
                                         <p:tgtEl>
-                                          <p:spTgt spid="21"/>
-                                        </p:tgtEl>
-                                        <p:attrNameLst>
-                                          <p:attrName>style.visibility</p:attrName>
-                                        </p:attrNameLst>
-                                      </p:cBhvr>
-                                      <p:to>
-                                        <p:strVal val="visible"/>
-                                      </p:to>
-                                    </p:set>
-                                  </p:childTnLst>
-                                </p:cTn>
-                              </p:par>
-                            </p:childTnLst>
-                          </p:cTn>
-                        </p:par>
-                      </p:childTnLst>
-                    </p:cTn>
-                  </p:par>
-                  <p:par>
-                    <p:cTn id="97" fill="hold">
-                      <p:stCondLst>
-                        <p:cond delay="indefinite"/>
-                      </p:stCondLst>
-                      <p:childTnLst>
-                        <p:par>
-                          <p:cTn id="98" fill="hold">
-                            <p:stCondLst>
-                              <p:cond delay="0"/>
-                            </p:stCondLst>
-                            <p:childTnLst>
-                              <p:par>
-                                <p:cTn id="99" presetID="1" presetClass="entr" presetSubtype="0" fill="hold" nodeType="clickEffect">
-                                  <p:stCondLst>
-                                    <p:cond delay="0"/>
-                                  </p:stCondLst>
-                                  <p:childTnLst>
-                                    <p:set>
-                                      <p:cBhvr>
-                                        <p:cTn id="100" dur="1" fill="hold">
-                                          <p:stCondLst>
-                                            <p:cond delay="0"/>
-                                          </p:stCondLst>
-                                        </p:cTn>
-                                        <p:tgtEl>
-                                          <p:spTgt spid="63"/>
-                                        </p:tgtEl>
-                                        <p:attrNameLst>
-                                          <p:attrName>style.visibility</p:attrName>
-                                        </p:attrNameLst>
-                                      </p:cBhvr>
-                                      <p:to>
-                                        <p:strVal val="visible"/>
-                                      </p:to>
-                                    </p:set>
-                                  </p:childTnLst>
-                                </p:cTn>
-                              </p:par>
-                              <p:par>
-                                <p:cTn id="101" presetID="1" presetClass="entr" presetSubtype="0" fill="hold" grpId="0" nodeType="withEffect">
-                                  <p:stCondLst>
-                                    <p:cond delay="0"/>
-                                  </p:stCondLst>
-                                  <p:childTnLst>
-                                    <p:set>
-                                      <p:cBhvr>
-                                        <p:cTn id="102" dur="1" fill="hold">
-                                          <p:stCondLst>
-                                            <p:cond delay="0"/>
-                                          </p:stCondLst>
-                                        </p:cTn>
-                                        <p:tgtEl>
                                           <p:spTgt spid="62"/>
                                         </p:tgtEl>
                                         <p:attrNameLst>
@@ -28828,14 +29562,14 @@
                                 </p:cTn>
                               </p:par>
                               <p:par>
-                                <p:cTn id="103" presetID="1" presetClass="entr" presetSubtype="0" fill="hold" grpId="0" nodeType="withEffect">
+                                <p:cTn id="97" presetID="1" presetClass="entr" presetSubtype="0" fill="hold" grpId="0" nodeType="withEffect">
                                   <p:stCondLst>
                                     <p:cond delay="0"/>
                                   </p:stCondLst>
                                   <p:childTnLst>
                                     <p:set>
                                       <p:cBhvr>
-                                        <p:cTn id="104" dur="1" fill="hold">
+                                        <p:cTn id="98" dur="1" fill="hold">
                                           <p:stCondLst>
                                             <p:cond delay="0"/>
                                           </p:stCondLst>
@@ -28861,26 +29595,26 @@
                     </p:cTn>
                   </p:par>
                   <p:par>
-                    <p:cTn id="105" fill="hold">
+                    <p:cTn id="99" fill="hold">
                       <p:stCondLst>
                         <p:cond delay="indefinite"/>
                       </p:stCondLst>
                       <p:childTnLst>
                         <p:par>
-                          <p:cTn id="106" fill="hold">
+                          <p:cTn id="100" fill="hold">
                             <p:stCondLst>
                               <p:cond delay="0"/>
                             </p:stCondLst>
                             <p:childTnLst>
                               <p:par>
-                                <p:cTn id="107" presetID="1" presetClass="entr" presetSubtype="0" fill="hold" grpId="0" nodeType="clickEffect">
+                                <p:cTn id="101" presetID="1" presetClass="entr" presetSubtype="0" fill="hold" grpId="0" nodeType="clickEffect">
                                   <p:stCondLst>
                                     <p:cond delay="0"/>
                                   </p:stCondLst>
                                   <p:childTnLst>
                                     <p:set>
                                       <p:cBhvr>
-                                        <p:cTn id="108" dur="1" fill="hold">
+                                        <p:cTn id="102" dur="1" fill="hold">
                                           <p:stCondLst>
                                             <p:cond delay="0"/>
                                           </p:stCondLst>
@@ -28900,7 +29634,79 @@
                                 </p:cTn>
                               </p:par>
                               <p:par>
-                                <p:cTn id="109" presetID="1" presetClass="entr" presetSubtype="0" fill="hold" nodeType="withEffect">
+                                <p:cTn id="103" presetID="1" presetClass="entr" presetSubtype="0" fill="hold" nodeType="withEffect">
+                                  <p:stCondLst>
+                                    <p:cond delay="0"/>
+                                  </p:stCondLst>
+                                  <p:childTnLst>
+                                    <p:set>
+                                      <p:cBhvr>
+                                        <p:cTn id="104" dur="1" fill="hold">
+                                          <p:stCondLst>
+                                            <p:cond delay="0"/>
+                                          </p:stCondLst>
+                                        </p:cTn>
+                                        <p:tgtEl>
+                                          <p:spTgt spid="67"/>
+                                        </p:tgtEl>
+                                        <p:attrNameLst>
+                                          <p:attrName>style.visibility</p:attrName>
+                                        </p:attrNameLst>
+                                      </p:cBhvr>
+                                      <p:to>
+                                        <p:strVal val="visible"/>
+                                      </p:to>
+                                    </p:set>
+                                  </p:childTnLst>
+                                </p:cTn>
+                              </p:par>
+                              <p:par>
+                                <p:cTn id="105" presetID="1" presetClass="entr" presetSubtype="0" fill="hold" grpId="0" nodeType="withEffect">
+                                  <p:stCondLst>
+                                    <p:cond delay="0"/>
+                                  </p:stCondLst>
+                                  <p:childTnLst>
+                                    <p:set>
+                                      <p:cBhvr>
+                                        <p:cTn id="106" dur="1" fill="hold">
+                                          <p:stCondLst>
+                                            <p:cond delay="0"/>
+                                          </p:stCondLst>
+                                        </p:cTn>
+                                        <p:tgtEl>
+                                          <p:spTgt spid="23"/>
+                                        </p:tgtEl>
+                                        <p:attrNameLst>
+                                          <p:attrName>style.visibility</p:attrName>
+                                        </p:attrNameLst>
+                                      </p:cBhvr>
+                                      <p:to>
+                                        <p:strVal val="visible"/>
+                                      </p:to>
+                                    </p:set>
+                                  </p:childTnLst>
+                                </p:cTn>
+                              </p:par>
+                            </p:childTnLst>
+                          </p:cTn>
+                        </p:par>
+                      </p:childTnLst>
+                    </p:cTn>
+                  </p:par>
+                  <p:par>
+                    <p:cTn id="107" fill="hold">
+                      <p:stCondLst>
+                        <p:cond delay="indefinite"/>
+                      </p:stCondLst>
+                      <p:childTnLst>
+                        <p:par>
+                          <p:cTn id="108" fill="hold">
+                            <p:stCondLst>
+                              <p:cond delay="0"/>
+                            </p:stCondLst>
+                            <p:childTnLst>
+                              <p:par>
+                                <p:cTn id="109" presetID="1" presetClass="entr" presetSubtype="0" fill="hold" grpId="0" nodeType="clickEffect">
                                   <p:stCondLst>
                                     <p:cond delay="0"/>
                                   </p:stCondLst>
@@ -28913,7 +29719,7 @@
                                           </p:stCondLst>
                                         </p:cTn>
                                         <p:tgtEl>
-                                          <p:spTgt spid="67"/>
+                                          <p:spTgt spid="68"/>
                                         </p:tgtEl>
                                         <p:attrNameLst>
                                           <p:attrName>style.visibility</p:attrName>
@@ -28940,78 +29746,6 @@
                                           </p:stCondLst>
                                         </p:cTn>
                                         <p:tgtEl>
-                                          <p:spTgt spid="23"/>
-                                        </p:tgtEl>
-                                        <p:attrNameLst>
-                                          <p:attrName>style.visibility</p:attrName>
-                                        </p:attrNameLst>
-                                      </p:cBhvr>
-                                      <p:to>
-                                        <p:strVal val="visible"/>
-                                      </p:to>
-                                    </p:set>
-                                  </p:childTnLst>
-                                </p:cTn>
-                              </p:par>
-                            </p:childTnLst>
-                          </p:cTn>
-                        </p:par>
-                      </p:childTnLst>
-                    </p:cTn>
-                  </p:par>
-                  <p:par>
-                    <p:cTn id="113" fill="hold">
-                      <p:stCondLst>
-                        <p:cond delay="indefinite"/>
-                      </p:stCondLst>
-                      <p:childTnLst>
-                        <p:par>
-                          <p:cTn id="114" fill="hold">
-                            <p:stCondLst>
-                              <p:cond delay="0"/>
-                            </p:stCondLst>
-                            <p:childTnLst>
-                              <p:par>
-                                <p:cTn id="115" presetID="1" presetClass="entr" presetSubtype="0" fill="hold" grpId="0" nodeType="clickEffect">
-                                  <p:stCondLst>
-                                    <p:cond delay="0"/>
-                                  </p:stCondLst>
-                                  <p:childTnLst>
-                                    <p:set>
-                                      <p:cBhvr>
-                                        <p:cTn id="116" dur="1" fill="hold">
-                                          <p:stCondLst>
-                                            <p:cond delay="0"/>
-                                          </p:stCondLst>
-                                        </p:cTn>
-                                        <p:tgtEl>
-                                          <p:spTgt spid="68"/>
-                                        </p:tgtEl>
-                                        <p:attrNameLst>
-                                          <p:attrName>style.visibility</p:attrName>
-                                        </p:attrNameLst>
-                                      </p:cBhvr>
-                                      <p:to>
-                                        <p:strVal val="visible"/>
-                                      </p:to>
-                                    </p:set>
-                                  </p:childTnLst>
-                                </p:cTn>
-                              </p:par>
-                              <p:par>
-                                <p:cTn id="117" presetID="1" presetClass="entr" presetSubtype="0" fill="hold" grpId="0" nodeType="withEffect">
-                                  <p:stCondLst>
-                                    <p:cond delay="0"/>
-                                  </p:stCondLst>
-                                  <p:childTnLst>
-                                    <p:set>
-                                      <p:cBhvr>
-                                        <p:cTn id="118" dur="1" fill="hold">
-                                          <p:stCondLst>
-                                            <p:cond delay="0"/>
-                                          </p:stCondLst>
-                                        </p:cTn>
-                                        <p:tgtEl>
                                           <p:spTgt spid="24"/>
                                         </p:tgtEl>
                                         <p:attrNameLst>
@@ -29026,14 +29760,14 @@
                                 </p:cTn>
                               </p:par>
                               <p:par>
-                                <p:cTn id="119" presetID="1" presetClass="entr" presetSubtype="0" fill="hold" nodeType="withEffect">
+                                <p:cTn id="113" presetID="1" presetClass="entr" presetSubtype="0" fill="hold" nodeType="withEffect">
                                   <p:stCondLst>
                                     <p:cond delay="0"/>
                                   </p:stCondLst>
                                   <p:childTnLst>
                                     <p:set>
                                       <p:cBhvr>
-                                        <p:cTn id="120" dur="1" fill="hold">
+                                        <p:cTn id="114" dur="1" fill="hold">
                                           <p:stCondLst>
                                             <p:cond delay="0"/>
                                           </p:stCondLst>
@@ -29059,26 +29793,26 @@
                     </p:cTn>
                   </p:par>
                   <p:par>
-                    <p:cTn id="121" fill="hold">
+                    <p:cTn id="115" fill="hold">
                       <p:stCondLst>
                         <p:cond delay="indefinite"/>
                       </p:stCondLst>
                       <p:childTnLst>
                         <p:par>
-                          <p:cTn id="122" fill="hold">
+                          <p:cTn id="116" fill="hold">
                             <p:stCondLst>
                               <p:cond delay="0"/>
                             </p:stCondLst>
                             <p:childTnLst>
                               <p:par>
-                                <p:cTn id="123" presetID="1" presetClass="entr" presetSubtype="0" fill="hold" grpId="0" nodeType="clickEffect">
+                                <p:cTn id="117" presetID="1" presetClass="entr" presetSubtype="0" fill="hold" grpId="0" nodeType="clickEffect">
                                   <p:stCondLst>
                                     <p:cond delay="0"/>
                                   </p:stCondLst>
                                   <p:childTnLst>
                                     <p:set>
                                       <p:cBhvr>
-                                        <p:cTn id="124" dur="1" fill="hold">
+                                        <p:cTn id="118" dur="1" fill="hold">
                                           <p:stCondLst>
                                             <p:cond delay="0"/>
                                           </p:stCondLst>
@@ -29098,7 +29832,88 @@
                                 </p:cTn>
                               </p:par>
                               <p:par>
-                                <p:cTn id="125" presetID="1" presetClass="entr" presetSubtype="0" fill="hold" grpId="0" nodeType="withEffect">
+                                <p:cTn id="119" presetID="1" presetClass="entr" presetSubtype="0" fill="hold" grpId="0" nodeType="withEffect">
+                                  <p:stCondLst>
+                                    <p:cond delay="0"/>
+                                  </p:stCondLst>
+                                  <p:childTnLst>
+                                    <p:set>
+                                      <p:cBhvr>
+                                        <p:cTn id="120" dur="1" fill="hold">
+                                          <p:stCondLst>
+                                            <p:cond delay="0"/>
+                                          </p:stCondLst>
+                                        </p:cTn>
+                                        <p:tgtEl>
+                                          <p:spTgt spid="81"/>
+                                        </p:tgtEl>
+                                        <p:attrNameLst>
+                                          <p:attrName>style.visibility</p:attrName>
+                                        </p:attrNameLst>
+                                      </p:cBhvr>
+                                      <p:to>
+                                        <p:strVal val="visible"/>
+                                      </p:to>
+                                    </p:set>
+                                  </p:childTnLst>
+                                </p:cTn>
+                              </p:par>
+                              <p:par>
+                                <p:cTn id="121" presetID="1" presetClass="entr" presetSubtype="0" fill="hold" grpId="0" nodeType="withEffect">
+                                  <p:stCondLst>
+                                    <p:cond delay="0"/>
+                                  </p:stCondLst>
+                                  <p:childTnLst>
+                                    <p:set>
+                                      <p:cBhvr>
+                                        <p:cTn id="122" dur="1" fill="hold">
+                                          <p:stCondLst>
+                                            <p:cond delay="0"/>
+                                          </p:stCondLst>
+                                        </p:cTn>
+                                        <p:tgtEl>
+                                          <p:spTgt spid="82"/>
+                                        </p:tgtEl>
+                                        <p:attrNameLst>
+                                          <p:attrName>style.visibility</p:attrName>
+                                        </p:attrNameLst>
+                                      </p:cBhvr>
+                                      <p:to>
+                                        <p:strVal val="visible"/>
+                                      </p:to>
+                                    </p:set>
+                                  </p:childTnLst>
+                                </p:cTn>
+                              </p:par>
+                              <p:par>
+                                <p:cTn id="123" presetID="1" presetClass="entr" presetSubtype="0" fill="hold" grpId="0" nodeType="withEffect">
+                                  <p:stCondLst>
+                                    <p:cond delay="0"/>
+                                  </p:stCondLst>
+                                  <p:childTnLst>
+                                    <p:set>
+                                      <p:cBhvr>
+                                        <p:cTn id="124" dur="1" fill="hold">
+                                          <p:stCondLst>
+                                            <p:cond delay="0"/>
+                                          </p:stCondLst>
+                                        </p:cTn>
+                                        <p:tgtEl>
+                                          <p:spTgt spid="83"/>
+                                        </p:tgtEl>
+                                        <p:attrNameLst>
+                                          <p:attrName>style.visibility</p:attrName>
+                                        </p:attrNameLst>
+                                      </p:cBhvr>
+                                      <p:to>
+                                        <p:strVal val="visible"/>
+                                      </p:to>
+                                    </p:set>
+                                  </p:childTnLst>
+                                </p:cTn>
+                              </p:par>
+                              <p:par>
+                                <p:cTn id="125" presetID="1" presetClass="entr" presetSubtype="0" fill="hold" nodeType="withEffect">
                                   <p:stCondLst>
                                     <p:cond delay="0"/>
                                   </p:stCondLst>
@@ -29111,7 +29926,7 @@
                                           </p:stCondLst>
                                         </p:cTn>
                                         <p:tgtEl>
-                                          <p:spTgt spid="81"/>
+                                          <p:spTgt spid="69"/>
                                         </p:tgtEl>
                                         <p:attrNameLst>
                                           <p:attrName>style.visibility</p:attrName>
@@ -29138,7 +29953,7 @@
                                           </p:stCondLst>
                                         </p:cTn>
                                         <p:tgtEl>
-                                          <p:spTgt spid="82"/>
+                                          <p:spTgt spid="34"/>
                                         </p:tgtEl>
                                         <p:attrNameLst>
                                           <p:attrName>style.visibility</p:attrName>
@@ -29165,7 +29980,7 @@
                                           </p:stCondLst>
                                         </p:cTn>
                                         <p:tgtEl>
-                                          <p:spTgt spid="83"/>
+                                          <p:spTgt spid="37"/>
                                         </p:tgtEl>
                                         <p:attrNameLst>
                                           <p:attrName>style.visibility</p:attrName>
@@ -29179,7 +29994,7 @@
                                 </p:cTn>
                               </p:par>
                               <p:par>
-                                <p:cTn id="131" presetID="1" presetClass="entr" presetSubtype="0" fill="hold" nodeType="withEffect">
+                                <p:cTn id="131" presetID="1" presetClass="entr" presetSubtype="0" fill="hold" grpId="0" nodeType="withEffect">
                                   <p:stCondLst>
                                     <p:cond delay="0"/>
                                   </p:stCondLst>
@@ -29192,7 +30007,7 @@
                                           </p:stCondLst>
                                         </p:cTn>
                                         <p:tgtEl>
-                                          <p:spTgt spid="69"/>
+                                          <p:spTgt spid="38"/>
                                         </p:tgtEl>
                                         <p:attrNameLst>
                                           <p:attrName>style.visibility</p:attrName>
@@ -29219,87 +30034,6 @@
                                           </p:stCondLst>
                                         </p:cTn>
                                         <p:tgtEl>
-                                          <p:spTgt spid="34"/>
-                                        </p:tgtEl>
-                                        <p:attrNameLst>
-                                          <p:attrName>style.visibility</p:attrName>
-                                        </p:attrNameLst>
-                                      </p:cBhvr>
-                                      <p:to>
-                                        <p:strVal val="visible"/>
-                                      </p:to>
-                                    </p:set>
-                                  </p:childTnLst>
-                                </p:cTn>
-                              </p:par>
-                              <p:par>
-                                <p:cTn id="135" presetID="1" presetClass="entr" presetSubtype="0" fill="hold" grpId="0" nodeType="withEffect">
-                                  <p:stCondLst>
-                                    <p:cond delay="0"/>
-                                  </p:stCondLst>
-                                  <p:childTnLst>
-                                    <p:set>
-                                      <p:cBhvr>
-                                        <p:cTn id="136" dur="1" fill="hold">
-                                          <p:stCondLst>
-                                            <p:cond delay="0"/>
-                                          </p:stCondLst>
-                                        </p:cTn>
-                                        <p:tgtEl>
-                                          <p:spTgt spid="37"/>
-                                        </p:tgtEl>
-                                        <p:attrNameLst>
-                                          <p:attrName>style.visibility</p:attrName>
-                                        </p:attrNameLst>
-                                      </p:cBhvr>
-                                      <p:to>
-                                        <p:strVal val="visible"/>
-                                      </p:to>
-                                    </p:set>
-                                  </p:childTnLst>
-                                </p:cTn>
-                              </p:par>
-                              <p:par>
-                                <p:cTn id="137" presetID="1" presetClass="entr" presetSubtype="0" fill="hold" grpId="0" nodeType="withEffect">
-                                  <p:stCondLst>
-                                    <p:cond delay="0"/>
-                                  </p:stCondLst>
-                                  <p:childTnLst>
-                                    <p:set>
-                                      <p:cBhvr>
-                                        <p:cTn id="138" dur="1" fill="hold">
-                                          <p:stCondLst>
-                                            <p:cond delay="0"/>
-                                          </p:stCondLst>
-                                        </p:cTn>
-                                        <p:tgtEl>
-                                          <p:spTgt spid="38"/>
-                                        </p:tgtEl>
-                                        <p:attrNameLst>
-                                          <p:attrName>style.visibility</p:attrName>
-                                        </p:attrNameLst>
-                                      </p:cBhvr>
-                                      <p:to>
-                                        <p:strVal val="visible"/>
-                                      </p:to>
-                                    </p:set>
-                                  </p:childTnLst>
-                                </p:cTn>
-                              </p:par>
-                              <p:par>
-                                <p:cTn id="139" presetID="1" presetClass="entr" presetSubtype="0" fill="hold" grpId="0" nodeType="withEffect">
-                                  <p:stCondLst>
-                                    <p:cond delay="0"/>
-                                  </p:stCondLst>
-                                  <p:childTnLst>
-                                    <p:set>
-                                      <p:cBhvr>
-                                        <p:cTn id="140" dur="1" fill="hold">
-                                          <p:stCondLst>
-                                            <p:cond delay="0"/>
-                                          </p:stCondLst>
-                                        </p:cTn>
-                                        <p:tgtEl>
                                           <p:spTgt spid="42"/>
                                         </p:tgtEl>
                                         <p:attrNameLst>
@@ -29320,26 +30054,26 @@
                     </p:cTn>
                   </p:par>
                   <p:par>
-                    <p:cTn id="141" fill="hold">
+                    <p:cTn id="135" fill="hold">
                       <p:stCondLst>
                         <p:cond delay="indefinite"/>
                       </p:stCondLst>
                       <p:childTnLst>
                         <p:par>
-                          <p:cTn id="142" fill="hold">
+                          <p:cTn id="136" fill="hold">
                             <p:stCondLst>
                               <p:cond delay="0"/>
                             </p:stCondLst>
                             <p:childTnLst>
                               <p:par>
-                                <p:cTn id="143" presetID="1" presetClass="entr" presetSubtype="0" fill="hold" grpId="0" nodeType="clickEffect">
+                                <p:cTn id="137" presetID="1" presetClass="entr" presetSubtype="0" fill="hold" grpId="0" nodeType="clickEffect">
                                   <p:stCondLst>
                                     <p:cond delay="0"/>
                                   </p:stCondLst>
                                   <p:childTnLst>
                                     <p:set>
                                       <p:cBhvr>
-                                        <p:cTn id="144" dur="1" fill="hold">
+                                        <p:cTn id="138" dur="1" fill="hold">
                                           <p:stCondLst>
                                             <p:cond delay="0"/>
                                           </p:stCondLst>
@@ -29386,7 +30120,6 @@
       </p:par>
     </p:tnLst>
     <p:bldLst>
-      <p:bldP spid="78" grpId="0" build="p"/>
       <p:bldP spid="5" grpId="0"/>
       <p:bldP spid="9" grpId="0" animBg="1"/>
       <p:bldP spid="15" grpId="0"/>
@@ -29417,6 +30150,7 @@
       <p:bldP spid="37" grpId="0" animBg="1"/>
       <p:bldP spid="38" grpId="0" animBg="1"/>
       <p:bldP spid="42" grpId="0" animBg="1"/>
+      <p:bldP spid="78" grpId="0" build="p"/>
     </p:bldLst>
   </p:timing>
 </p:sld>
